--- a/Presentazione.pptx
+++ b/Presentazione.pptx
@@ -5,12 +5,17 @@
     <p:sldMasterId id="2147483714" r:id="rId1"/>
   </p:sldMasterIdLst>
   <p:notesMasterIdLst>
-    <p:notesMasterId r:id="rId5"/>
+    <p:notesMasterId r:id="rId10"/>
   </p:notesMasterIdLst>
   <p:sldIdLst>
     <p:sldId id="256" r:id="rId2"/>
     <p:sldId id="264" r:id="rId3"/>
-    <p:sldId id="266" r:id="rId4"/>
+    <p:sldId id="267" r:id="rId4"/>
+    <p:sldId id="268" r:id="rId5"/>
+    <p:sldId id="269" r:id="rId6"/>
+    <p:sldId id="270" r:id="rId7"/>
+    <p:sldId id="271" r:id="rId8"/>
+    <p:sldId id="266" r:id="rId9"/>
   </p:sldIdLst>
   <p:sldSz cx="12192000" cy="6858000"/>
   <p:notesSz cx="6858000" cy="9144000"/>
@@ -139,7 +144,7 @@
 <file path=ppt/revisionInfo.xml><?xml version="1.0" encoding="utf-8"?>
 <p1510:revInfo xmlns:a="http://schemas.openxmlformats.org/drawingml/2006/main" xmlns:r="http://schemas.openxmlformats.org/officeDocument/2006/relationships" xmlns:p1510="http://schemas.microsoft.com/office/powerpoint/2015/10/main">
   <p1510:revLst>
-    <p1510:client id="{B10B50D3-E6A5-4908-96A8-31D31C2DD59D}" v="5" dt="2019-11-21T13:34:33.665"/>
+    <p1510:client id="{98A304F7-BD7A-451D-86FF-B1FA8BB979E8}" v="10" dt="2019-11-28T08:33:45.461"/>
   </p1510:revLst>
 </p1510:revInfo>
 </file>
@@ -774,6 +779,130 @@
     </pc:docChg>
   </pc:docChgLst>
   <pc:docChgLst>
+    <pc:chgData name="Andrei Daniel Ivan" userId="d3c4cde5a19fb9a3" providerId="LiveId" clId="{98A304F7-BD7A-451D-86FF-B1FA8BB979E8}"/>
+    <pc:docChg chg="undo custSel addSld modSld">
+      <pc:chgData name="Andrei Daniel Ivan" userId="d3c4cde5a19fb9a3" providerId="LiveId" clId="{98A304F7-BD7A-451D-86FF-B1FA8BB979E8}" dt="2019-11-28T08:36:07.152" v="348" actId="20577"/>
+      <pc:docMkLst>
+        <pc:docMk/>
+      </pc:docMkLst>
+      <pc:sldChg chg="modSp add">
+        <pc:chgData name="Andrei Daniel Ivan" userId="d3c4cde5a19fb9a3" providerId="LiveId" clId="{98A304F7-BD7A-451D-86FF-B1FA8BB979E8}" dt="2019-11-28T08:10:47.813" v="107" actId="1076"/>
+        <pc:sldMkLst>
+          <pc:docMk/>
+          <pc:sldMk cId="2021459913" sldId="267"/>
+        </pc:sldMkLst>
+        <pc:spChg chg="mod">
+          <ac:chgData name="Andrei Daniel Ivan" userId="d3c4cde5a19fb9a3" providerId="LiveId" clId="{98A304F7-BD7A-451D-86FF-B1FA8BB979E8}" dt="2019-11-28T07:59:17.582" v="6" actId="20577"/>
+          <ac:spMkLst>
+            <pc:docMk/>
+            <pc:sldMk cId="2021459913" sldId="267"/>
+            <ac:spMk id="2" creationId="{F1DDE7A4-1A5F-4F0D-B842-7798EDC6EDA8}"/>
+          </ac:spMkLst>
+        </pc:spChg>
+        <pc:spChg chg="mod">
+          <ac:chgData name="Andrei Daniel Ivan" userId="d3c4cde5a19fb9a3" providerId="LiveId" clId="{98A304F7-BD7A-451D-86FF-B1FA8BB979E8}" dt="2019-11-28T08:10:47.813" v="107" actId="1076"/>
+          <ac:spMkLst>
+            <pc:docMk/>
+            <pc:sldMk cId="2021459913" sldId="267"/>
+            <ac:spMk id="5" creationId="{575E9FB5-702A-42D6-A2EB-DC69E86329E8}"/>
+          </ac:spMkLst>
+        </pc:spChg>
+      </pc:sldChg>
+      <pc:sldChg chg="modSp add">
+        <pc:chgData name="Andrei Daniel Ivan" userId="d3c4cde5a19fb9a3" providerId="LiveId" clId="{98A304F7-BD7A-451D-86FF-B1FA8BB979E8}" dt="2019-11-28T08:23:02.656" v="200" actId="20577"/>
+        <pc:sldMkLst>
+          <pc:docMk/>
+          <pc:sldMk cId="3131005690" sldId="268"/>
+        </pc:sldMkLst>
+        <pc:spChg chg="mod">
+          <ac:chgData name="Andrei Daniel Ivan" userId="d3c4cde5a19fb9a3" providerId="LiveId" clId="{98A304F7-BD7A-451D-86FF-B1FA8BB979E8}" dt="2019-11-28T08:18:56.588" v="141" actId="20577"/>
+          <ac:spMkLst>
+            <pc:docMk/>
+            <pc:sldMk cId="3131005690" sldId="268"/>
+            <ac:spMk id="2" creationId="{F1DDE7A4-1A5F-4F0D-B842-7798EDC6EDA8}"/>
+          </ac:spMkLst>
+        </pc:spChg>
+        <pc:spChg chg="mod">
+          <ac:chgData name="Andrei Daniel Ivan" userId="d3c4cde5a19fb9a3" providerId="LiveId" clId="{98A304F7-BD7A-451D-86FF-B1FA8BB979E8}" dt="2019-11-28T08:23:02.656" v="200" actId="20577"/>
+          <ac:spMkLst>
+            <pc:docMk/>
+            <pc:sldMk cId="3131005690" sldId="268"/>
+            <ac:spMk id="5" creationId="{575E9FB5-702A-42D6-A2EB-DC69E86329E8}"/>
+          </ac:spMkLst>
+        </pc:spChg>
+      </pc:sldChg>
+      <pc:sldChg chg="modSp add">
+        <pc:chgData name="Andrei Daniel Ivan" userId="d3c4cde5a19fb9a3" providerId="LiveId" clId="{98A304F7-BD7A-451D-86FF-B1FA8BB979E8}" dt="2019-11-28T08:25:44.787" v="252" actId="20577"/>
+        <pc:sldMkLst>
+          <pc:docMk/>
+          <pc:sldMk cId="1620050625" sldId="269"/>
+        </pc:sldMkLst>
+        <pc:spChg chg="mod">
+          <ac:chgData name="Andrei Daniel Ivan" userId="d3c4cde5a19fb9a3" providerId="LiveId" clId="{98A304F7-BD7A-451D-86FF-B1FA8BB979E8}" dt="2019-11-28T08:19:56.680" v="144" actId="20577"/>
+          <ac:spMkLst>
+            <pc:docMk/>
+            <pc:sldMk cId="1620050625" sldId="269"/>
+            <ac:spMk id="2" creationId="{F1DDE7A4-1A5F-4F0D-B842-7798EDC6EDA8}"/>
+          </ac:spMkLst>
+        </pc:spChg>
+        <pc:spChg chg="mod">
+          <ac:chgData name="Andrei Daniel Ivan" userId="d3c4cde5a19fb9a3" providerId="LiveId" clId="{98A304F7-BD7A-451D-86FF-B1FA8BB979E8}" dt="2019-11-28T08:25:44.787" v="252" actId="20577"/>
+          <ac:spMkLst>
+            <pc:docMk/>
+            <pc:sldMk cId="1620050625" sldId="269"/>
+            <ac:spMk id="5" creationId="{575E9FB5-702A-42D6-A2EB-DC69E86329E8}"/>
+          </ac:spMkLst>
+        </pc:spChg>
+      </pc:sldChg>
+      <pc:sldChg chg="modSp add">
+        <pc:chgData name="Andrei Daniel Ivan" userId="d3c4cde5a19fb9a3" providerId="LiveId" clId="{98A304F7-BD7A-451D-86FF-B1FA8BB979E8}" dt="2019-11-28T08:32:08.003" v="330" actId="20577"/>
+        <pc:sldMkLst>
+          <pc:docMk/>
+          <pc:sldMk cId="3456344343" sldId="270"/>
+        </pc:sldMkLst>
+        <pc:spChg chg="mod">
+          <ac:chgData name="Andrei Daniel Ivan" userId="d3c4cde5a19fb9a3" providerId="LiveId" clId="{98A304F7-BD7A-451D-86FF-B1FA8BB979E8}" dt="2019-11-28T08:29:12.957" v="275" actId="20577"/>
+          <ac:spMkLst>
+            <pc:docMk/>
+            <pc:sldMk cId="3456344343" sldId="270"/>
+            <ac:spMk id="2" creationId="{F1DDE7A4-1A5F-4F0D-B842-7798EDC6EDA8}"/>
+          </ac:spMkLst>
+        </pc:spChg>
+        <pc:spChg chg="mod">
+          <ac:chgData name="Andrei Daniel Ivan" userId="d3c4cde5a19fb9a3" providerId="LiveId" clId="{98A304F7-BD7A-451D-86FF-B1FA8BB979E8}" dt="2019-11-28T08:32:08.003" v="330" actId="20577"/>
+          <ac:spMkLst>
+            <pc:docMk/>
+            <pc:sldMk cId="3456344343" sldId="270"/>
+            <ac:spMk id="5" creationId="{575E9FB5-702A-42D6-A2EB-DC69E86329E8}"/>
+          </ac:spMkLst>
+        </pc:spChg>
+      </pc:sldChg>
+      <pc:sldChg chg="modSp add">
+        <pc:chgData name="Andrei Daniel Ivan" userId="d3c4cde5a19fb9a3" providerId="LiveId" clId="{98A304F7-BD7A-451D-86FF-B1FA8BB979E8}" dt="2019-11-28T08:36:07.152" v="348" actId="20577"/>
+        <pc:sldMkLst>
+          <pc:docMk/>
+          <pc:sldMk cId="515671664" sldId="271"/>
+        </pc:sldMkLst>
+        <pc:spChg chg="mod">
+          <ac:chgData name="Andrei Daniel Ivan" userId="d3c4cde5a19fb9a3" providerId="LiveId" clId="{98A304F7-BD7A-451D-86FF-B1FA8BB979E8}" dt="2019-11-28T08:33:52.014" v="336" actId="20577"/>
+          <ac:spMkLst>
+            <pc:docMk/>
+            <pc:sldMk cId="515671664" sldId="271"/>
+            <ac:spMk id="2" creationId="{F1DDE7A4-1A5F-4F0D-B842-7798EDC6EDA8}"/>
+          </ac:spMkLst>
+        </pc:spChg>
+        <pc:spChg chg="mod">
+          <ac:chgData name="Andrei Daniel Ivan" userId="d3c4cde5a19fb9a3" providerId="LiveId" clId="{98A304F7-BD7A-451D-86FF-B1FA8BB979E8}" dt="2019-11-28T08:36:07.152" v="348" actId="20577"/>
+          <ac:spMkLst>
+            <pc:docMk/>
+            <pc:sldMk cId="515671664" sldId="271"/>
+            <ac:spMk id="5" creationId="{575E9FB5-702A-42D6-A2EB-DC69E86329E8}"/>
+          </ac:spMkLst>
+        </pc:spChg>
+      </pc:sldChg>
+    </pc:docChg>
+  </pc:docChgLst>
+  <pc:docChgLst>
     <pc:chgData name="Andrei Daniel Ivan" userId="d3c4cde5a19fb9a3" providerId="LiveId" clId="{E7E3BD26-E077-4F28-8E45-8A90CB9BF807}"/>
     <pc:docChg chg="undo redo custSel addSld delSld modSld sldOrd">
       <pc:chgData name="Andrei Daniel Ivan" userId="d3c4cde5a19fb9a3" providerId="LiveId" clId="{E7E3BD26-E077-4F28-8E45-8A90CB9BF807}" dt="2019-11-20T22:30:48.275" v="3138" actId="14100"/>
@@ -1295,7 +1424,7 @@
           <a:p>
             <a:fld id="{227EB8F9-9849-4F1B-8247-B2B87148EF6E}" type="datetimeFigureOut">
               <a:rPr lang="it-IT" smtClean="0"/>
-              <a:t>22/11/2019</a:t>
+              <a:t>28/11/2019</a:t>
             </a:fld>
             <a:endParaRPr lang="it-IT"/>
           </a:p>
@@ -1693,7 +1822,7 @@
           <a:p>
             <a:fld id="{519C5307-3A56-4F91-8FB2-60E4C7C3FF23}" type="datetime1">
               <a:rPr lang="it-IT" smtClean="0"/>
-              <a:t>22/11/2019</a:t>
+              <a:t>28/11/2019</a:t>
             </a:fld>
             <a:endParaRPr lang="it-IT"/>
           </a:p>
@@ -1864,7 +1993,7 @@
           <a:p>
             <a:fld id="{519C5307-3A56-4F91-8FB2-60E4C7C3FF23}" type="datetime1">
               <a:rPr lang="it-IT" smtClean="0"/>
-              <a:t>22/11/2019</a:t>
+              <a:t>28/11/2019</a:t>
             </a:fld>
             <a:endParaRPr lang="it-IT"/>
           </a:p>
@@ -2045,7 +2174,7 @@
           <a:p>
             <a:fld id="{519C5307-3A56-4F91-8FB2-60E4C7C3FF23}" type="datetime1">
               <a:rPr lang="it-IT" smtClean="0"/>
-              <a:t>22/11/2019</a:t>
+              <a:t>28/11/2019</a:t>
             </a:fld>
             <a:endParaRPr lang="it-IT"/>
           </a:p>
@@ -2216,7 +2345,7 @@
           <a:p>
             <a:fld id="{519C5307-3A56-4F91-8FB2-60E4C7C3FF23}" type="datetime1">
               <a:rPr lang="it-IT" smtClean="0"/>
-              <a:t>22/11/2019</a:t>
+              <a:t>28/11/2019</a:t>
             </a:fld>
             <a:endParaRPr lang="it-IT"/>
           </a:p>
@@ -2463,7 +2592,7 @@
           <a:p>
             <a:fld id="{519C5307-3A56-4F91-8FB2-60E4C7C3FF23}" type="datetime1">
               <a:rPr lang="it-IT" smtClean="0"/>
-              <a:t>22/11/2019</a:t>
+              <a:t>28/11/2019</a:t>
             </a:fld>
             <a:endParaRPr lang="it-IT"/>
           </a:p>
@@ -2696,7 +2825,7 @@
           <a:p>
             <a:fld id="{519C5307-3A56-4F91-8FB2-60E4C7C3FF23}" type="datetime1">
               <a:rPr lang="it-IT" smtClean="0"/>
-              <a:t>22/11/2019</a:t>
+              <a:t>28/11/2019</a:t>
             </a:fld>
             <a:endParaRPr lang="it-IT"/>
           </a:p>
@@ -3064,7 +3193,7 @@
           <a:p>
             <a:fld id="{519C5307-3A56-4F91-8FB2-60E4C7C3FF23}" type="datetime1">
               <a:rPr lang="it-IT" smtClean="0"/>
-              <a:t>22/11/2019</a:t>
+              <a:t>28/11/2019</a:t>
             </a:fld>
             <a:endParaRPr lang="it-IT"/>
           </a:p>
@@ -3183,7 +3312,7 @@
           <a:p>
             <a:fld id="{519C5307-3A56-4F91-8FB2-60E4C7C3FF23}" type="datetime1">
               <a:rPr lang="it-IT" smtClean="0"/>
-              <a:t>22/11/2019</a:t>
+              <a:t>28/11/2019</a:t>
             </a:fld>
             <a:endParaRPr lang="it-IT"/>
           </a:p>
@@ -3279,7 +3408,7 @@
           <a:p>
             <a:fld id="{519C5307-3A56-4F91-8FB2-60E4C7C3FF23}" type="datetime1">
               <a:rPr lang="it-IT" smtClean="0"/>
-              <a:t>22/11/2019</a:t>
+              <a:t>28/11/2019</a:t>
             </a:fld>
             <a:endParaRPr lang="it-IT"/>
           </a:p>
@@ -3557,7 +3686,7 @@
           <a:p>
             <a:fld id="{519C5307-3A56-4F91-8FB2-60E4C7C3FF23}" type="datetime1">
               <a:rPr lang="it-IT" smtClean="0"/>
-              <a:t>22/11/2019</a:t>
+              <a:t>28/11/2019</a:t>
             </a:fld>
             <a:endParaRPr lang="it-IT"/>
           </a:p>
@@ -3815,7 +3944,7 @@
           <a:p>
             <a:fld id="{519C5307-3A56-4F91-8FB2-60E4C7C3FF23}" type="datetime1">
               <a:rPr lang="it-IT" smtClean="0"/>
-              <a:t>22/11/2019</a:t>
+              <a:t>28/11/2019</a:t>
             </a:fld>
             <a:endParaRPr lang="it-IT"/>
           </a:p>
@@ -4029,7 +4158,7 @@
           <a:p>
             <a:fld id="{519C5307-3A56-4F91-8FB2-60E4C7C3FF23}" type="datetime1">
               <a:rPr lang="it-IT" smtClean="0"/>
-              <a:t>22/11/2019</a:t>
+              <a:t>28/11/2019</a:t>
             </a:fld>
             <a:endParaRPr lang="it-IT"/>
           </a:p>
@@ -5057,7 +5186,7 @@
                 </a:solidFill>
                 <a:latin typeface="Avenir Next LT Pro Light" panose="020B0304020202020204" pitchFamily="34" charset="0"/>
               </a:rPr>
-              <a:t>Conclusione</a:t>
+              <a:t>Client</a:t>
             </a:r>
           </a:p>
         </p:txBody>
@@ -5086,6 +5215,8752 @@
             <a:fld id="{4A6DC286-705F-4A37-A21F-B485E3A29C72}" type="slidenum">
               <a:rPr lang="it-IT" smtClean="0"/>
               <a:t>3</a:t>
+            </a:fld>
+            <a:endParaRPr lang="it-IT"/>
+          </a:p>
+        </p:txBody>
+      </p:sp>
+      <p:sp>
+        <p:nvSpPr>
+          <p:cNvPr id="5" name="CasellaDiTesto 4">
+            <a:extLst>
+              <a:ext uri="{FF2B5EF4-FFF2-40B4-BE49-F238E27FC236}">
+                <a16:creationId xmlns:a16="http://schemas.microsoft.com/office/drawing/2014/main" id="{575E9FB5-702A-42D6-A2EB-DC69E86329E8}"/>
+              </a:ext>
+            </a:extLst>
+          </p:cNvPr>
+          <p:cNvSpPr txBox="1"/>
+          <p:nvPr/>
+        </p:nvSpPr>
+        <p:spPr>
+          <a:xfrm>
+            <a:off x="882212" y="945521"/>
+            <a:ext cx="10427575" cy="5593391"/>
+          </a:xfrm>
+          <a:prstGeom prst="rect">
+            <a:avLst/>
+          </a:prstGeom>
+          <a:noFill/>
+        </p:spPr>
+        <p:txBody>
+          <a:bodyPr wrap="square" rtlCol="0">
+            <a:spAutoFit/>
+          </a:bodyPr>
+          <a:lstStyle/>
+          <a:p>
+            <a:pPr>
+              <a:lnSpc>
+                <a:spcPct val="130000"/>
+              </a:lnSpc>
+              <a:spcAft>
+                <a:spcPts val="0"/>
+              </a:spcAft>
+            </a:pPr>
+            <a:r>
+              <a:rPr lang="it-IT" sz="1200" dirty="0">
+                <a:solidFill>
+                  <a:srgbClr val="6A9955"/>
+                </a:solidFill>
+                <a:latin typeface="Consolas" panose="020B0609020204030204" pitchFamily="49" charset="0"/>
+                <a:ea typeface="Times New Roman" panose="02020603050405020304" pitchFamily="18" charset="0"/>
+                <a:cs typeface="Times New Roman" panose="02020603050405020304" pitchFamily="18" charset="0"/>
+              </a:rPr>
+              <a:t>// Ricerca per nome del servizio o per tag</a:t>
+            </a:r>
+            <a:endParaRPr lang="it-IT" sz="1200" dirty="0">
+              <a:latin typeface="Consolas" panose="020B0609020204030204" pitchFamily="49" charset="0"/>
+              <a:ea typeface="Calibri" panose="020F0502020204030204" pitchFamily="34" charset="0"/>
+              <a:cs typeface="Times New Roman" panose="02020603050405020304" pitchFamily="18" charset="0"/>
+            </a:endParaRPr>
+          </a:p>
+          <a:p>
+            <a:pPr>
+              <a:lnSpc>
+                <a:spcPct val="130000"/>
+              </a:lnSpc>
+              <a:spcAft>
+                <a:spcPts val="0"/>
+              </a:spcAft>
+            </a:pPr>
+            <a:r>
+              <a:rPr lang="it-IT" sz="1200" dirty="0" err="1">
+                <a:solidFill>
+                  <a:srgbClr val="C586C0"/>
+                </a:solidFill>
+                <a:latin typeface="Consolas" panose="020B0609020204030204" pitchFamily="49" charset="0"/>
+                <a:ea typeface="Times New Roman" panose="02020603050405020304" pitchFamily="18" charset="0"/>
+                <a:cs typeface="Times New Roman" panose="02020603050405020304" pitchFamily="18" charset="0"/>
+              </a:rPr>
+              <a:t>while</a:t>
+            </a:r>
+            <a:r>
+              <a:rPr lang="it-IT" sz="1200" dirty="0">
+                <a:solidFill>
+                  <a:srgbClr val="D4D4D4"/>
+                </a:solidFill>
+                <a:latin typeface="Consolas" panose="020B0609020204030204" pitchFamily="49" charset="0"/>
+                <a:ea typeface="Times New Roman" panose="02020603050405020304" pitchFamily="18" charset="0"/>
+                <a:cs typeface="Times New Roman" panose="02020603050405020304" pitchFamily="18" charset="0"/>
+              </a:rPr>
+              <a:t> (!check) {</a:t>
+            </a:r>
+            <a:endParaRPr lang="it-IT" sz="1200" dirty="0">
+              <a:latin typeface="Consolas" panose="020B0609020204030204" pitchFamily="49" charset="0"/>
+              <a:ea typeface="Calibri" panose="020F0502020204030204" pitchFamily="34" charset="0"/>
+              <a:cs typeface="Times New Roman" panose="02020603050405020304" pitchFamily="18" charset="0"/>
+            </a:endParaRPr>
+          </a:p>
+          <a:p>
+            <a:pPr>
+              <a:lnSpc>
+                <a:spcPct val="130000"/>
+              </a:lnSpc>
+              <a:spcAft>
+                <a:spcPts val="0"/>
+              </a:spcAft>
+            </a:pPr>
+            <a:r>
+              <a:rPr lang="it-IT" sz="1200" dirty="0">
+                <a:solidFill>
+                  <a:srgbClr val="9CDCFE"/>
+                </a:solidFill>
+                <a:latin typeface="Consolas" panose="020B0609020204030204" pitchFamily="49" charset="0"/>
+                <a:ea typeface="Times New Roman" panose="02020603050405020304" pitchFamily="18" charset="0"/>
+                <a:cs typeface="Times New Roman" panose="02020603050405020304" pitchFamily="18" charset="0"/>
+              </a:rPr>
+              <a:t>	</a:t>
+            </a:r>
+            <a:r>
+              <a:rPr lang="it-IT" sz="1200" dirty="0" err="1">
+                <a:solidFill>
+                  <a:srgbClr val="9CDCFE"/>
+                </a:solidFill>
+                <a:latin typeface="Consolas" panose="020B0609020204030204" pitchFamily="49" charset="0"/>
+                <a:ea typeface="Times New Roman" panose="02020603050405020304" pitchFamily="18" charset="0"/>
+                <a:cs typeface="Times New Roman" panose="02020603050405020304" pitchFamily="18" charset="0"/>
+              </a:rPr>
+              <a:t>System</a:t>
+            </a:r>
+            <a:r>
+              <a:rPr lang="it-IT" sz="1200" dirty="0" err="1">
+                <a:solidFill>
+                  <a:srgbClr val="D4D4D4"/>
+                </a:solidFill>
+                <a:latin typeface="Consolas" panose="020B0609020204030204" pitchFamily="49" charset="0"/>
+                <a:ea typeface="Times New Roman" panose="02020603050405020304" pitchFamily="18" charset="0"/>
+                <a:cs typeface="Times New Roman" panose="02020603050405020304" pitchFamily="18" charset="0"/>
+              </a:rPr>
+              <a:t>.</a:t>
+            </a:r>
+            <a:r>
+              <a:rPr lang="it-IT" sz="1200" dirty="0" err="1">
+                <a:solidFill>
+                  <a:srgbClr val="9CDCFE"/>
+                </a:solidFill>
+                <a:latin typeface="Consolas" panose="020B0609020204030204" pitchFamily="49" charset="0"/>
+                <a:ea typeface="Times New Roman" panose="02020603050405020304" pitchFamily="18" charset="0"/>
+                <a:cs typeface="Times New Roman" panose="02020603050405020304" pitchFamily="18" charset="0"/>
+              </a:rPr>
+              <a:t>out</a:t>
+            </a:r>
+            <a:r>
+              <a:rPr lang="it-IT" sz="1200" dirty="0" err="1">
+                <a:solidFill>
+                  <a:srgbClr val="D4D4D4"/>
+                </a:solidFill>
+                <a:latin typeface="Consolas" panose="020B0609020204030204" pitchFamily="49" charset="0"/>
+                <a:ea typeface="Times New Roman" panose="02020603050405020304" pitchFamily="18" charset="0"/>
+                <a:cs typeface="Times New Roman" panose="02020603050405020304" pitchFamily="18" charset="0"/>
+              </a:rPr>
+              <a:t>.</a:t>
+            </a:r>
+            <a:r>
+              <a:rPr lang="it-IT" sz="1200" dirty="0" err="1">
+                <a:solidFill>
+                  <a:srgbClr val="DCDCAA"/>
+                </a:solidFill>
+                <a:latin typeface="Consolas" panose="020B0609020204030204" pitchFamily="49" charset="0"/>
+                <a:ea typeface="Times New Roman" panose="02020603050405020304" pitchFamily="18" charset="0"/>
+                <a:cs typeface="Times New Roman" panose="02020603050405020304" pitchFamily="18" charset="0"/>
+              </a:rPr>
+              <a:t>println</a:t>
+            </a:r>
+            <a:r>
+              <a:rPr lang="it-IT" sz="1200" dirty="0">
+                <a:solidFill>
+                  <a:srgbClr val="D4D4D4"/>
+                </a:solidFill>
+                <a:latin typeface="Consolas" panose="020B0609020204030204" pitchFamily="49" charset="0"/>
+                <a:ea typeface="Times New Roman" panose="02020603050405020304" pitchFamily="18" charset="0"/>
+                <a:cs typeface="Times New Roman" panose="02020603050405020304" pitchFamily="18" charset="0"/>
+              </a:rPr>
+              <a:t>(</a:t>
+            </a:r>
+            <a:r>
+              <a:rPr lang="it-IT" sz="1200" dirty="0">
+                <a:solidFill>
+                  <a:srgbClr val="CE9178"/>
+                </a:solidFill>
+                <a:latin typeface="Consolas" panose="020B0609020204030204" pitchFamily="49" charset="0"/>
+                <a:ea typeface="Times New Roman" panose="02020603050405020304" pitchFamily="18" charset="0"/>
+                <a:cs typeface="Times New Roman" panose="02020603050405020304" pitchFamily="18" charset="0"/>
+              </a:rPr>
+              <a:t>"Scegliere il tipo di ricerca (T = Tag, S = service name):"</a:t>
+            </a:r>
+            <a:r>
+              <a:rPr lang="it-IT" sz="1200" dirty="0">
+                <a:solidFill>
+                  <a:srgbClr val="D4D4D4"/>
+                </a:solidFill>
+                <a:latin typeface="Consolas" panose="020B0609020204030204" pitchFamily="49" charset="0"/>
+                <a:ea typeface="Times New Roman" panose="02020603050405020304" pitchFamily="18" charset="0"/>
+                <a:cs typeface="Times New Roman" panose="02020603050405020304" pitchFamily="18" charset="0"/>
+              </a:rPr>
+              <a:t>);</a:t>
+            </a:r>
+            <a:endParaRPr lang="it-IT" sz="1200" dirty="0">
+              <a:latin typeface="Consolas" panose="020B0609020204030204" pitchFamily="49" charset="0"/>
+              <a:ea typeface="Calibri" panose="020F0502020204030204" pitchFamily="34" charset="0"/>
+              <a:cs typeface="Times New Roman" panose="02020603050405020304" pitchFamily="18" charset="0"/>
+            </a:endParaRPr>
+          </a:p>
+          <a:p>
+            <a:pPr>
+              <a:lnSpc>
+                <a:spcPct val="130000"/>
+              </a:lnSpc>
+              <a:spcAft>
+                <a:spcPts val="0"/>
+              </a:spcAft>
+            </a:pPr>
+            <a:r>
+              <a:rPr lang="it-IT" sz="1200" dirty="0">
+                <a:solidFill>
+                  <a:srgbClr val="D4D4D4"/>
+                </a:solidFill>
+                <a:latin typeface="Consolas" panose="020B0609020204030204" pitchFamily="49" charset="0"/>
+                <a:ea typeface="Times New Roman" panose="02020603050405020304" pitchFamily="18" charset="0"/>
+                <a:cs typeface="Times New Roman" panose="02020603050405020304" pitchFamily="18" charset="0"/>
+              </a:rPr>
+              <a:t>	</a:t>
+            </a:r>
+            <a:r>
+              <a:rPr lang="it-IT" sz="1200" dirty="0" err="1">
+                <a:solidFill>
+                  <a:srgbClr val="D4D4D4"/>
+                </a:solidFill>
+                <a:latin typeface="Consolas" panose="020B0609020204030204" pitchFamily="49" charset="0"/>
+                <a:ea typeface="Times New Roman" panose="02020603050405020304" pitchFamily="18" charset="0"/>
+                <a:cs typeface="Times New Roman" panose="02020603050405020304" pitchFamily="18" charset="0"/>
+              </a:rPr>
+              <a:t>foo</a:t>
+            </a:r>
+            <a:r>
+              <a:rPr lang="it-IT" sz="1200" dirty="0">
+                <a:solidFill>
+                  <a:srgbClr val="D4D4D4"/>
+                </a:solidFill>
+                <a:latin typeface="Consolas" panose="020B0609020204030204" pitchFamily="49" charset="0"/>
+                <a:ea typeface="Times New Roman" panose="02020603050405020304" pitchFamily="18" charset="0"/>
+                <a:cs typeface="Times New Roman" panose="02020603050405020304" pitchFamily="18" charset="0"/>
+              </a:rPr>
+              <a:t> = </a:t>
+            </a:r>
+            <a:r>
+              <a:rPr lang="it-IT" sz="1200" dirty="0" err="1">
+                <a:solidFill>
+                  <a:srgbClr val="9CDCFE"/>
+                </a:solidFill>
+                <a:latin typeface="Consolas" panose="020B0609020204030204" pitchFamily="49" charset="0"/>
+                <a:ea typeface="Times New Roman" panose="02020603050405020304" pitchFamily="18" charset="0"/>
+                <a:cs typeface="Times New Roman" panose="02020603050405020304" pitchFamily="18" charset="0"/>
+              </a:rPr>
+              <a:t>stdIn</a:t>
+            </a:r>
+            <a:r>
+              <a:rPr lang="it-IT" sz="1200" dirty="0" err="1">
+                <a:solidFill>
+                  <a:srgbClr val="D4D4D4"/>
+                </a:solidFill>
+                <a:latin typeface="Consolas" panose="020B0609020204030204" pitchFamily="49" charset="0"/>
+                <a:ea typeface="Times New Roman" panose="02020603050405020304" pitchFamily="18" charset="0"/>
+                <a:cs typeface="Times New Roman" panose="02020603050405020304" pitchFamily="18" charset="0"/>
+              </a:rPr>
+              <a:t>.</a:t>
+            </a:r>
+            <a:r>
+              <a:rPr lang="it-IT" sz="1200" dirty="0" err="1">
+                <a:solidFill>
+                  <a:srgbClr val="DCDCAA"/>
+                </a:solidFill>
+                <a:latin typeface="Consolas" panose="020B0609020204030204" pitchFamily="49" charset="0"/>
+                <a:ea typeface="Times New Roman" panose="02020603050405020304" pitchFamily="18" charset="0"/>
+                <a:cs typeface="Times New Roman" panose="02020603050405020304" pitchFamily="18" charset="0"/>
+              </a:rPr>
+              <a:t>readLine</a:t>
+            </a:r>
+            <a:r>
+              <a:rPr lang="it-IT" sz="1200" dirty="0">
+                <a:solidFill>
+                  <a:srgbClr val="D4D4D4"/>
+                </a:solidFill>
+                <a:latin typeface="Consolas" panose="020B0609020204030204" pitchFamily="49" charset="0"/>
+                <a:ea typeface="Times New Roman" panose="02020603050405020304" pitchFamily="18" charset="0"/>
+                <a:cs typeface="Times New Roman" panose="02020603050405020304" pitchFamily="18" charset="0"/>
+              </a:rPr>
+              <a:t>();</a:t>
+            </a:r>
+            <a:endParaRPr lang="it-IT" sz="1200" dirty="0">
+              <a:latin typeface="Consolas" panose="020B0609020204030204" pitchFamily="49" charset="0"/>
+              <a:ea typeface="Calibri" panose="020F0502020204030204" pitchFamily="34" charset="0"/>
+              <a:cs typeface="Times New Roman" panose="02020603050405020304" pitchFamily="18" charset="0"/>
+            </a:endParaRPr>
+          </a:p>
+          <a:p>
+            <a:pPr>
+              <a:lnSpc>
+                <a:spcPct val="130000"/>
+              </a:lnSpc>
+              <a:spcAft>
+                <a:spcPts val="0"/>
+              </a:spcAft>
+            </a:pPr>
+            <a:r>
+              <a:rPr lang="it-IT" sz="1200" dirty="0">
+                <a:solidFill>
+                  <a:srgbClr val="C586C0"/>
+                </a:solidFill>
+                <a:latin typeface="Consolas" panose="020B0609020204030204" pitchFamily="49" charset="0"/>
+                <a:ea typeface="Times New Roman" panose="02020603050405020304" pitchFamily="18" charset="0"/>
+                <a:cs typeface="Times New Roman" panose="02020603050405020304" pitchFamily="18" charset="0"/>
+              </a:rPr>
+              <a:t>	</a:t>
+            </a:r>
+            <a:r>
+              <a:rPr lang="it-IT" sz="1200" dirty="0" err="1">
+                <a:solidFill>
+                  <a:srgbClr val="C586C0"/>
+                </a:solidFill>
+                <a:latin typeface="Consolas" panose="020B0609020204030204" pitchFamily="49" charset="0"/>
+                <a:ea typeface="Times New Roman" panose="02020603050405020304" pitchFamily="18" charset="0"/>
+                <a:cs typeface="Times New Roman" panose="02020603050405020304" pitchFamily="18" charset="0"/>
+              </a:rPr>
+              <a:t>if</a:t>
+            </a:r>
+            <a:r>
+              <a:rPr lang="it-IT" sz="1200" dirty="0">
+                <a:solidFill>
+                  <a:srgbClr val="D4D4D4"/>
+                </a:solidFill>
+                <a:latin typeface="Consolas" panose="020B0609020204030204" pitchFamily="49" charset="0"/>
+                <a:ea typeface="Times New Roman" panose="02020603050405020304" pitchFamily="18" charset="0"/>
+                <a:cs typeface="Times New Roman" panose="02020603050405020304" pitchFamily="18" charset="0"/>
+              </a:rPr>
+              <a:t> (</a:t>
+            </a:r>
+            <a:r>
+              <a:rPr lang="it-IT" sz="1200" dirty="0" err="1">
+                <a:solidFill>
+                  <a:srgbClr val="D4D4D4"/>
+                </a:solidFill>
+                <a:latin typeface="Consolas" panose="020B0609020204030204" pitchFamily="49" charset="0"/>
+                <a:ea typeface="Times New Roman" panose="02020603050405020304" pitchFamily="18" charset="0"/>
+                <a:cs typeface="Times New Roman" panose="02020603050405020304" pitchFamily="18" charset="0"/>
+              </a:rPr>
+              <a:t>foo</a:t>
+            </a:r>
+            <a:r>
+              <a:rPr lang="it-IT" sz="1200" dirty="0">
+                <a:solidFill>
+                  <a:srgbClr val="D4D4D4"/>
+                </a:solidFill>
+                <a:latin typeface="Consolas" panose="020B0609020204030204" pitchFamily="49" charset="0"/>
+                <a:ea typeface="Times New Roman" panose="02020603050405020304" pitchFamily="18" charset="0"/>
+                <a:cs typeface="Times New Roman" panose="02020603050405020304" pitchFamily="18" charset="0"/>
+              </a:rPr>
+              <a:t> == </a:t>
+            </a:r>
+            <a:r>
+              <a:rPr lang="it-IT" sz="1200" dirty="0">
+                <a:solidFill>
+                  <a:srgbClr val="CE9178"/>
+                </a:solidFill>
+                <a:latin typeface="Consolas" panose="020B0609020204030204" pitchFamily="49" charset="0"/>
+                <a:ea typeface="Times New Roman" panose="02020603050405020304" pitchFamily="18" charset="0"/>
+                <a:cs typeface="Times New Roman" panose="02020603050405020304" pitchFamily="18" charset="0"/>
+              </a:rPr>
+              <a:t>"T"</a:t>
+            </a:r>
+            <a:r>
+              <a:rPr lang="it-IT" sz="1200" dirty="0">
+                <a:solidFill>
+                  <a:srgbClr val="D4D4D4"/>
+                </a:solidFill>
+                <a:latin typeface="Consolas" panose="020B0609020204030204" pitchFamily="49" charset="0"/>
+                <a:ea typeface="Times New Roman" panose="02020603050405020304" pitchFamily="18" charset="0"/>
+                <a:cs typeface="Times New Roman" panose="02020603050405020304" pitchFamily="18" charset="0"/>
+              </a:rPr>
+              <a:t>) {</a:t>
+            </a:r>
+            <a:endParaRPr lang="it-IT" sz="1200" dirty="0">
+              <a:latin typeface="Consolas" panose="020B0609020204030204" pitchFamily="49" charset="0"/>
+              <a:ea typeface="Calibri" panose="020F0502020204030204" pitchFamily="34" charset="0"/>
+              <a:cs typeface="Times New Roman" panose="02020603050405020304" pitchFamily="18" charset="0"/>
+            </a:endParaRPr>
+          </a:p>
+          <a:p>
+            <a:pPr>
+              <a:lnSpc>
+                <a:spcPct val="130000"/>
+              </a:lnSpc>
+              <a:spcAft>
+                <a:spcPts val="0"/>
+              </a:spcAft>
+            </a:pPr>
+            <a:r>
+              <a:rPr lang="it-IT" sz="1200" dirty="0">
+                <a:solidFill>
+                  <a:srgbClr val="9CDCFE"/>
+                </a:solidFill>
+                <a:latin typeface="Consolas" panose="020B0609020204030204" pitchFamily="49" charset="0"/>
+                <a:ea typeface="Times New Roman" panose="02020603050405020304" pitchFamily="18" charset="0"/>
+                <a:cs typeface="Times New Roman" panose="02020603050405020304" pitchFamily="18" charset="0"/>
+              </a:rPr>
+              <a:t>		</a:t>
+            </a:r>
+            <a:r>
+              <a:rPr lang="it-IT" sz="1200" dirty="0" err="1">
+                <a:solidFill>
+                  <a:srgbClr val="9CDCFE"/>
+                </a:solidFill>
+                <a:latin typeface="Consolas" panose="020B0609020204030204" pitchFamily="49" charset="0"/>
+                <a:ea typeface="Times New Roman" panose="02020603050405020304" pitchFamily="18" charset="0"/>
+                <a:cs typeface="Times New Roman" panose="02020603050405020304" pitchFamily="18" charset="0"/>
+              </a:rPr>
+              <a:t>System</a:t>
+            </a:r>
+            <a:r>
+              <a:rPr lang="it-IT" sz="1200" dirty="0" err="1">
+                <a:solidFill>
+                  <a:srgbClr val="D4D4D4"/>
+                </a:solidFill>
+                <a:latin typeface="Consolas" panose="020B0609020204030204" pitchFamily="49" charset="0"/>
+                <a:ea typeface="Times New Roman" panose="02020603050405020304" pitchFamily="18" charset="0"/>
+                <a:cs typeface="Times New Roman" panose="02020603050405020304" pitchFamily="18" charset="0"/>
+              </a:rPr>
+              <a:t>.</a:t>
+            </a:r>
+            <a:r>
+              <a:rPr lang="it-IT" sz="1200" dirty="0" err="1">
+                <a:solidFill>
+                  <a:srgbClr val="9CDCFE"/>
+                </a:solidFill>
+                <a:latin typeface="Consolas" panose="020B0609020204030204" pitchFamily="49" charset="0"/>
+                <a:ea typeface="Times New Roman" panose="02020603050405020304" pitchFamily="18" charset="0"/>
+                <a:cs typeface="Times New Roman" panose="02020603050405020304" pitchFamily="18" charset="0"/>
+              </a:rPr>
+              <a:t>out</a:t>
+            </a:r>
+            <a:r>
+              <a:rPr lang="it-IT" sz="1200" dirty="0" err="1">
+                <a:solidFill>
+                  <a:srgbClr val="D4D4D4"/>
+                </a:solidFill>
+                <a:latin typeface="Consolas" panose="020B0609020204030204" pitchFamily="49" charset="0"/>
+                <a:ea typeface="Times New Roman" panose="02020603050405020304" pitchFamily="18" charset="0"/>
+                <a:cs typeface="Times New Roman" panose="02020603050405020304" pitchFamily="18" charset="0"/>
+              </a:rPr>
+              <a:t>.</a:t>
+            </a:r>
+            <a:r>
+              <a:rPr lang="it-IT" sz="1200" dirty="0" err="1">
+                <a:solidFill>
+                  <a:srgbClr val="DCDCAA"/>
+                </a:solidFill>
+                <a:latin typeface="Consolas" panose="020B0609020204030204" pitchFamily="49" charset="0"/>
+                <a:ea typeface="Times New Roman" panose="02020603050405020304" pitchFamily="18" charset="0"/>
+                <a:cs typeface="Times New Roman" panose="02020603050405020304" pitchFamily="18" charset="0"/>
+              </a:rPr>
+              <a:t>println</a:t>
+            </a:r>
+            <a:r>
+              <a:rPr lang="it-IT" sz="1200" dirty="0">
+                <a:solidFill>
+                  <a:srgbClr val="D4D4D4"/>
+                </a:solidFill>
+                <a:latin typeface="Consolas" panose="020B0609020204030204" pitchFamily="49" charset="0"/>
+                <a:ea typeface="Times New Roman" panose="02020603050405020304" pitchFamily="18" charset="0"/>
+                <a:cs typeface="Times New Roman" panose="02020603050405020304" pitchFamily="18" charset="0"/>
+              </a:rPr>
+              <a:t>(</a:t>
+            </a:r>
+            <a:r>
+              <a:rPr lang="it-IT" sz="1200" dirty="0">
+                <a:solidFill>
+                  <a:srgbClr val="CE9178"/>
+                </a:solidFill>
+                <a:latin typeface="Consolas" panose="020B0609020204030204" pitchFamily="49" charset="0"/>
+                <a:ea typeface="Times New Roman" panose="02020603050405020304" pitchFamily="18" charset="0"/>
+                <a:cs typeface="Times New Roman" panose="02020603050405020304" pitchFamily="18" charset="0"/>
+              </a:rPr>
+              <a:t>"Richiesta ricerca per tag</a:t>
+            </a:r>
+            <a:r>
+              <a:rPr lang="it-IT" sz="1200" dirty="0">
+                <a:solidFill>
+                  <a:srgbClr val="D7BA7D"/>
+                </a:solidFill>
+                <a:latin typeface="Consolas" panose="020B0609020204030204" pitchFamily="49" charset="0"/>
+                <a:ea typeface="Times New Roman" panose="02020603050405020304" pitchFamily="18" charset="0"/>
+                <a:cs typeface="Times New Roman" panose="02020603050405020304" pitchFamily="18" charset="0"/>
+              </a:rPr>
+              <a:t>\n</a:t>
+            </a:r>
+            <a:r>
+              <a:rPr lang="it-IT" sz="1200" dirty="0">
+                <a:solidFill>
+                  <a:srgbClr val="CE9178"/>
+                </a:solidFill>
+                <a:latin typeface="Consolas" panose="020B0609020204030204" pitchFamily="49" charset="0"/>
+                <a:ea typeface="Times New Roman" panose="02020603050405020304" pitchFamily="18" charset="0"/>
+                <a:cs typeface="Times New Roman" panose="02020603050405020304" pitchFamily="18" charset="0"/>
+              </a:rPr>
+              <a:t>"</a:t>
+            </a:r>
+            <a:r>
+              <a:rPr lang="it-IT" sz="1200" dirty="0">
+                <a:solidFill>
+                  <a:srgbClr val="D4D4D4"/>
+                </a:solidFill>
+                <a:latin typeface="Consolas" panose="020B0609020204030204" pitchFamily="49" charset="0"/>
+                <a:ea typeface="Times New Roman" panose="02020603050405020304" pitchFamily="18" charset="0"/>
+                <a:cs typeface="Times New Roman" panose="02020603050405020304" pitchFamily="18" charset="0"/>
+              </a:rPr>
+              <a:t> + </a:t>
+            </a:r>
+            <a:r>
+              <a:rPr lang="it-IT" sz="1200" dirty="0">
+                <a:solidFill>
+                  <a:srgbClr val="CE9178"/>
+                </a:solidFill>
+                <a:latin typeface="Consolas" panose="020B0609020204030204" pitchFamily="49" charset="0"/>
+                <a:ea typeface="Times New Roman" panose="02020603050405020304" pitchFamily="18" charset="0"/>
+                <a:cs typeface="Times New Roman" panose="02020603050405020304" pitchFamily="18" charset="0"/>
+              </a:rPr>
+              <a:t>"Inserire Tag richiesto"</a:t>
+            </a:r>
+            <a:r>
+              <a:rPr lang="it-IT" sz="1200" dirty="0">
+                <a:solidFill>
+                  <a:srgbClr val="D4D4D4"/>
+                </a:solidFill>
+                <a:latin typeface="Consolas" panose="020B0609020204030204" pitchFamily="49" charset="0"/>
+                <a:ea typeface="Times New Roman" panose="02020603050405020304" pitchFamily="18" charset="0"/>
+                <a:cs typeface="Times New Roman" panose="02020603050405020304" pitchFamily="18" charset="0"/>
+              </a:rPr>
+              <a:t>);</a:t>
+            </a:r>
+            <a:endParaRPr lang="it-IT" sz="1200" dirty="0">
+              <a:latin typeface="Consolas" panose="020B0609020204030204" pitchFamily="49" charset="0"/>
+              <a:ea typeface="Calibri" panose="020F0502020204030204" pitchFamily="34" charset="0"/>
+              <a:cs typeface="Times New Roman" panose="02020603050405020304" pitchFamily="18" charset="0"/>
+            </a:endParaRPr>
+          </a:p>
+          <a:p>
+            <a:pPr>
+              <a:lnSpc>
+                <a:spcPct val="130000"/>
+              </a:lnSpc>
+              <a:spcAft>
+                <a:spcPts val="0"/>
+              </a:spcAft>
+            </a:pPr>
+            <a:r>
+              <a:rPr lang="it-IT" sz="1200" dirty="0">
+                <a:solidFill>
+                  <a:srgbClr val="D4D4D4"/>
+                </a:solidFill>
+                <a:latin typeface="Consolas" panose="020B0609020204030204" pitchFamily="49" charset="0"/>
+                <a:ea typeface="Times New Roman" panose="02020603050405020304" pitchFamily="18" charset="0"/>
+                <a:cs typeface="Times New Roman" panose="02020603050405020304" pitchFamily="18" charset="0"/>
+              </a:rPr>
+              <a:t>		</a:t>
+            </a:r>
+            <a:r>
+              <a:rPr lang="it-IT" sz="1200" dirty="0" err="1">
+                <a:solidFill>
+                  <a:srgbClr val="D4D4D4"/>
+                </a:solidFill>
+                <a:latin typeface="Consolas" panose="020B0609020204030204" pitchFamily="49" charset="0"/>
+                <a:ea typeface="Times New Roman" panose="02020603050405020304" pitchFamily="18" charset="0"/>
+                <a:cs typeface="Times New Roman" panose="02020603050405020304" pitchFamily="18" charset="0"/>
+              </a:rPr>
+              <a:t>serviceTag</a:t>
+            </a:r>
+            <a:r>
+              <a:rPr lang="it-IT" sz="1200" dirty="0">
+                <a:solidFill>
+                  <a:srgbClr val="D4D4D4"/>
+                </a:solidFill>
+                <a:latin typeface="Consolas" panose="020B0609020204030204" pitchFamily="49" charset="0"/>
+                <a:ea typeface="Times New Roman" panose="02020603050405020304" pitchFamily="18" charset="0"/>
+                <a:cs typeface="Times New Roman" panose="02020603050405020304" pitchFamily="18" charset="0"/>
+              </a:rPr>
+              <a:t> = </a:t>
+            </a:r>
+            <a:r>
+              <a:rPr lang="it-IT" sz="1200" dirty="0" err="1">
+                <a:solidFill>
+                  <a:srgbClr val="9CDCFE"/>
+                </a:solidFill>
+                <a:latin typeface="Consolas" panose="020B0609020204030204" pitchFamily="49" charset="0"/>
+                <a:ea typeface="Times New Roman" panose="02020603050405020304" pitchFamily="18" charset="0"/>
+                <a:cs typeface="Times New Roman" panose="02020603050405020304" pitchFamily="18" charset="0"/>
+              </a:rPr>
+              <a:t>stdIn</a:t>
+            </a:r>
+            <a:r>
+              <a:rPr lang="it-IT" sz="1200" dirty="0" err="1">
+                <a:solidFill>
+                  <a:srgbClr val="D4D4D4"/>
+                </a:solidFill>
+                <a:latin typeface="Consolas" panose="020B0609020204030204" pitchFamily="49" charset="0"/>
+                <a:ea typeface="Times New Roman" panose="02020603050405020304" pitchFamily="18" charset="0"/>
+                <a:cs typeface="Times New Roman" panose="02020603050405020304" pitchFamily="18" charset="0"/>
+              </a:rPr>
+              <a:t>.</a:t>
+            </a:r>
+            <a:r>
+              <a:rPr lang="it-IT" sz="1200" dirty="0" err="1">
+                <a:solidFill>
+                  <a:srgbClr val="DCDCAA"/>
+                </a:solidFill>
+                <a:latin typeface="Consolas" panose="020B0609020204030204" pitchFamily="49" charset="0"/>
+                <a:ea typeface="Times New Roman" panose="02020603050405020304" pitchFamily="18" charset="0"/>
+                <a:cs typeface="Times New Roman" panose="02020603050405020304" pitchFamily="18" charset="0"/>
+              </a:rPr>
+              <a:t>readLine</a:t>
+            </a:r>
+            <a:r>
+              <a:rPr lang="it-IT" sz="1200" dirty="0">
+                <a:solidFill>
+                  <a:srgbClr val="D4D4D4"/>
+                </a:solidFill>
+                <a:latin typeface="Consolas" panose="020B0609020204030204" pitchFamily="49" charset="0"/>
+                <a:ea typeface="Times New Roman" panose="02020603050405020304" pitchFamily="18" charset="0"/>
+                <a:cs typeface="Times New Roman" panose="02020603050405020304" pitchFamily="18" charset="0"/>
+              </a:rPr>
+              <a:t>();</a:t>
+            </a:r>
+            <a:endParaRPr lang="it-IT" sz="1200" dirty="0">
+              <a:latin typeface="Consolas" panose="020B0609020204030204" pitchFamily="49" charset="0"/>
+              <a:ea typeface="Calibri" panose="020F0502020204030204" pitchFamily="34" charset="0"/>
+              <a:cs typeface="Times New Roman" panose="02020603050405020304" pitchFamily="18" charset="0"/>
+            </a:endParaRPr>
+          </a:p>
+          <a:p>
+            <a:pPr>
+              <a:lnSpc>
+                <a:spcPct val="130000"/>
+              </a:lnSpc>
+              <a:spcAft>
+                <a:spcPts val="0"/>
+              </a:spcAft>
+            </a:pPr>
+            <a:r>
+              <a:rPr lang="it-IT" sz="1200" dirty="0">
+                <a:solidFill>
+                  <a:srgbClr val="4EC9B0"/>
+                </a:solidFill>
+                <a:latin typeface="Consolas" panose="020B0609020204030204" pitchFamily="49" charset="0"/>
+                <a:ea typeface="Times New Roman" panose="02020603050405020304" pitchFamily="18" charset="0"/>
+                <a:cs typeface="Times New Roman" panose="02020603050405020304" pitchFamily="18" charset="0"/>
+              </a:rPr>
+              <a:t>		</a:t>
+            </a:r>
+            <a:r>
+              <a:rPr lang="it-IT" sz="1200" dirty="0" err="1">
+                <a:solidFill>
+                  <a:srgbClr val="4EC9B0"/>
+                </a:solidFill>
+                <a:latin typeface="Consolas" panose="020B0609020204030204" pitchFamily="49" charset="0"/>
+                <a:ea typeface="Times New Roman" panose="02020603050405020304" pitchFamily="18" charset="0"/>
+                <a:cs typeface="Times New Roman" panose="02020603050405020304" pitchFamily="18" charset="0"/>
+              </a:rPr>
+              <a:t>String</a:t>
+            </a:r>
+            <a:r>
+              <a:rPr lang="it-IT" sz="1200" dirty="0">
+                <a:solidFill>
+                  <a:srgbClr val="D4D4D4"/>
+                </a:solidFill>
+                <a:latin typeface="Consolas" panose="020B0609020204030204" pitchFamily="49" charset="0"/>
+                <a:ea typeface="Times New Roman" panose="02020603050405020304" pitchFamily="18" charset="0"/>
+                <a:cs typeface="Times New Roman" panose="02020603050405020304" pitchFamily="18" charset="0"/>
+              </a:rPr>
+              <a:t> [] </a:t>
+            </a:r>
+            <a:r>
+              <a:rPr lang="it-IT" sz="1200" dirty="0" err="1">
+                <a:solidFill>
+                  <a:srgbClr val="9CDCFE"/>
+                </a:solidFill>
+                <a:latin typeface="Consolas" panose="020B0609020204030204" pitchFamily="49" charset="0"/>
+                <a:ea typeface="Times New Roman" panose="02020603050405020304" pitchFamily="18" charset="0"/>
+                <a:cs typeface="Times New Roman" panose="02020603050405020304" pitchFamily="18" charset="0"/>
+              </a:rPr>
+              <a:t>serversWithTag</a:t>
+            </a:r>
+            <a:r>
+              <a:rPr lang="it-IT" sz="1200" dirty="0">
+                <a:solidFill>
+                  <a:srgbClr val="D4D4D4"/>
+                </a:solidFill>
+                <a:latin typeface="Consolas" panose="020B0609020204030204" pitchFamily="49" charset="0"/>
+                <a:ea typeface="Times New Roman" panose="02020603050405020304" pitchFamily="18" charset="0"/>
+                <a:cs typeface="Times New Roman" panose="02020603050405020304" pitchFamily="18" charset="0"/>
+              </a:rPr>
+              <a:t> = (</a:t>
+            </a:r>
+            <a:r>
+              <a:rPr lang="it-IT" sz="1200" dirty="0" err="1">
+                <a:solidFill>
+                  <a:srgbClr val="4EC9B0"/>
+                </a:solidFill>
+                <a:latin typeface="Consolas" panose="020B0609020204030204" pitchFamily="49" charset="0"/>
+                <a:ea typeface="Times New Roman" panose="02020603050405020304" pitchFamily="18" charset="0"/>
+                <a:cs typeface="Times New Roman" panose="02020603050405020304" pitchFamily="18" charset="0"/>
+              </a:rPr>
+              <a:t>String</a:t>
+            </a:r>
+            <a:r>
+              <a:rPr lang="it-IT" sz="1200" dirty="0">
+                <a:solidFill>
+                  <a:srgbClr val="D4D4D4"/>
+                </a:solidFill>
+                <a:latin typeface="Consolas" panose="020B0609020204030204" pitchFamily="49" charset="0"/>
+                <a:ea typeface="Times New Roman" panose="02020603050405020304" pitchFamily="18" charset="0"/>
+                <a:cs typeface="Times New Roman" panose="02020603050405020304" pitchFamily="18" charset="0"/>
+              </a:rPr>
+              <a:t> []) </a:t>
+            </a:r>
+            <a:r>
+              <a:rPr lang="it-IT" sz="1200" dirty="0" err="1">
+                <a:solidFill>
+                  <a:srgbClr val="9CDCFE"/>
+                </a:solidFill>
+                <a:latin typeface="Consolas" panose="020B0609020204030204" pitchFamily="49" charset="0"/>
+                <a:ea typeface="Times New Roman" panose="02020603050405020304" pitchFamily="18" charset="0"/>
+                <a:cs typeface="Times New Roman" panose="02020603050405020304" pitchFamily="18" charset="0"/>
+              </a:rPr>
+              <a:t>registryRemoto</a:t>
+            </a:r>
+            <a:r>
+              <a:rPr lang="it-IT" sz="1200" dirty="0" err="1">
+                <a:solidFill>
+                  <a:srgbClr val="D4D4D4"/>
+                </a:solidFill>
+                <a:latin typeface="Consolas" panose="020B0609020204030204" pitchFamily="49" charset="0"/>
+                <a:ea typeface="Times New Roman" panose="02020603050405020304" pitchFamily="18" charset="0"/>
+                <a:cs typeface="Times New Roman" panose="02020603050405020304" pitchFamily="18" charset="0"/>
+              </a:rPr>
+              <a:t>.</a:t>
+            </a:r>
+            <a:r>
+              <a:rPr lang="it-IT" sz="1200" dirty="0" err="1">
+                <a:solidFill>
+                  <a:srgbClr val="DCDCAA"/>
+                </a:solidFill>
+                <a:latin typeface="Consolas" panose="020B0609020204030204" pitchFamily="49" charset="0"/>
+                <a:ea typeface="Times New Roman" panose="02020603050405020304" pitchFamily="18" charset="0"/>
+                <a:cs typeface="Times New Roman" panose="02020603050405020304" pitchFamily="18" charset="0"/>
+              </a:rPr>
+              <a:t>cercaTag</a:t>
+            </a:r>
+            <a:r>
+              <a:rPr lang="it-IT" sz="1200" dirty="0">
+                <a:solidFill>
+                  <a:srgbClr val="D4D4D4"/>
+                </a:solidFill>
+                <a:latin typeface="Consolas" panose="020B0609020204030204" pitchFamily="49" charset="0"/>
+                <a:ea typeface="Times New Roman" panose="02020603050405020304" pitchFamily="18" charset="0"/>
+                <a:cs typeface="Times New Roman" panose="02020603050405020304" pitchFamily="18" charset="0"/>
+              </a:rPr>
+              <a:t>(</a:t>
+            </a:r>
+            <a:r>
+              <a:rPr lang="it-IT" sz="1200" dirty="0" err="1">
+                <a:solidFill>
+                  <a:srgbClr val="D4D4D4"/>
+                </a:solidFill>
+                <a:latin typeface="Consolas" panose="020B0609020204030204" pitchFamily="49" charset="0"/>
+                <a:ea typeface="Times New Roman" panose="02020603050405020304" pitchFamily="18" charset="0"/>
+                <a:cs typeface="Times New Roman" panose="02020603050405020304" pitchFamily="18" charset="0"/>
+              </a:rPr>
+              <a:t>serviceTag</a:t>
+            </a:r>
+            <a:r>
+              <a:rPr lang="it-IT" sz="1200" dirty="0">
+                <a:solidFill>
+                  <a:srgbClr val="D4D4D4"/>
+                </a:solidFill>
+                <a:latin typeface="Consolas" panose="020B0609020204030204" pitchFamily="49" charset="0"/>
+                <a:ea typeface="Times New Roman" panose="02020603050405020304" pitchFamily="18" charset="0"/>
+                <a:cs typeface="Times New Roman" panose="02020603050405020304" pitchFamily="18" charset="0"/>
+              </a:rPr>
+              <a:t>);</a:t>
+            </a:r>
+            <a:endParaRPr lang="it-IT" sz="1200" dirty="0">
+              <a:latin typeface="Consolas" panose="020B0609020204030204" pitchFamily="49" charset="0"/>
+              <a:ea typeface="Calibri" panose="020F0502020204030204" pitchFamily="34" charset="0"/>
+              <a:cs typeface="Times New Roman" panose="02020603050405020304" pitchFamily="18" charset="0"/>
+            </a:endParaRPr>
+          </a:p>
+          <a:p>
+            <a:pPr>
+              <a:lnSpc>
+                <a:spcPct val="130000"/>
+              </a:lnSpc>
+              <a:spcAft>
+                <a:spcPts val="0"/>
+              </a:spcAft>
+            </a:pPr>
+            <a:r>
+              <a:rPr lang="it-IT" sz="1200" dirty="0">
+                <a:solidFill>
+                  <a:srgbClr val="C586C0"/>
+                </a:solidFill>
+                <a:latin typeface="Consolas" panose="020B0609020204030204" pitchFamily="49" charset="0"/>
+                <a:ea typeface="Times New Roman" panose="02020603050405020304" pitchFamily="18" charset="0"/>
+                <a:cs typeface="Times New Roman" panose="02020603050405020304" pitchFamily="18" charset="0"/>
+              </a:rPr>
+              <a:t>		</a:t>
+            </a:r>
+            <a:r>
+              <a:rPr lang="it-IT" sz="1200" dirty="0" err="1">
+                <a:solidFill>
+                  <a:srgbClr val="C586C0"/>
+                </a:solidFill>
+                <a:latin typeface="Consolas" panose="020B0609020204030204" pitchFamily="49" charset="0"/>
+                <a:ea typeface="Times New Roman" panose="02020603050405020304" pitchFamily="18" charset="0"/>
+                <a:cs typeface="Times New Roman" panose="02020603050405020304" pitchFamily="18" charset="0"/>
+              </a:rPr>
+              <a:t>if</a:t>
+            </a:r>
+            <a:r>
+              <a:rPr lang="it-IT" sz="1200" dirty="0">
+                <a:solidFill>
+                  <a:srgbClr val="D4D4D4"/>
+                </a:solidFill>
+                <a:latin typeface="Consolas" panose="020B0609020204030204" pitchFamily="49" charset="0"/>
+                <a:ea typeface="Times New Roman" panose="02020603050405020304" pitchFamily="18" charset="0"/>
+                <a:cs typeface="Times New Roman" panose="02020603050405020304" pitchFamily="18" charset="0"/>
+              </a:rPr>
+              <a:t> (</a:t>
+            </a:r>
+            <a:r>
+              <a:rPr lang="it-IT" sz="1200" dirty="0" err="1">
+                <a:solidFill>
+                  <a:srgbClr val="9CDCFE"/>
+                </a:solidFill>
+                <a:latin typeface="Consolas" panose="020B0609020204030204" pitchFamily="49" charset="0"/>
+                <a:ea typeface="Times New Roman" panose="02020603050405020304" pitchFamily="18" charset="0"/>
+                <a:cs typeface="Times New Roman" panose="02020603050405020304" pitchFamily="18" charset="0"/>
+              </a:rPr>
+              <a:t>serversWithTag</a:t>
+            </a:r>
+            <a:r>
+              <a:rPr lang="it-IT" sz="1200" dirty="0" err="1">
+                <a:solidFill>
+                  <a:srgbClr val="D4D4D4"/>
+                </a:solidFill>
+                <a:latin typeface="Consolas" panose="020B0609020204030204" pitchFamily="49" charset="0"/>
+                <a:ea typeface="Times New Roman" panose="02020603050405020304" pitchFamily="18" charset="0"/>
+                <a:cs typeface="Times New Roman" panose="02020603050405020304" pitchFamily="18" charset="0"/>
+              </a:rPr>
+              <a:t>.</a:t>
+            </a:r>
+            <a:r>
+              <a:rPr lang="it-IT" sz="1200" dirty="0" err="1">
+                <a:solidFill>
+                  <a:srgbClr val="9CDCFE"/>
+                </a:solidFill>
+                <a:latin typeface="Consolas" panose="020B0609020204030204" pitchFamily="49" charset="0"/>
+                <a:ea typeface="Times New Roman" panose="02020603050405020304" pitchFamily="18" charset="0"/>
+                <a:cs typeface="Times New Roman" panose="02020603050405020304" pitchFamily="18" charset="0"/>
+              </a:rPr>
+              <a:t>length</a:t>
+            </a:r>
+            <a:r>
+              <a:rPr lang="it-IT" sz="1200" dirty="0">
+                <a:solidFill>
+                  <a:srgbClr val="D4D4D4"/>
+                </a:solidFill>
+                <a:latin typeface="Consolas" panose="020B0609020204030204" pitchFamily="49" charset="0"/>
+                <a:ea typeface="Times New Roman" panose="02020603050405020304" pitchFamily="18" charset="0"/>
+                <a:cs typeface="Times New Roman" panose="02020603050405020304" pitchFamily="18" charset="0"/>
+              </a:rPr>
+              <a:t> &gt; </a:t>
+            </a:r>
+            <a:r>
+              <a:rPr lang="it-IT" sz="1200" dirty="0">
+                <a:solidFill>
+                  <a:srgbClr val="B5CEA8"/>
+                </a:solidFill>
+                <a:latin typeface="Consolas" panose="020B0609020204030204" pitchFamily="49" charset="0"/>
+                <a:ea typeface="Times New Roman" panose="02020603050405020304" pitchFamily="18" charset="0"/>
+                <a:cs typeface="Times New Roman" panose="02020603050405020304" pitchFamily="18" charset="0"/>
+              </a:rPr>
+              <a:t>0</a:t>
+            </a:r>
+            <a:r>
+              <a:rPr lang="it-IT" sz="1200" dirty="0">
+                <a:solidFill>
+                  <a:srgbClr val="D4D4D4"/>
+                </a:solidFill>
+                <a:latin typeface="Consolas" panose="020B0609020204030204" pitchFamily="49" charset="0"/>
+                <a:ea typeface="Times New Roman" panose="02020603050405020304" pitchFamily="18" charset="0"/>
+                <a:cs typeface="Times New Roman" panose="02020603050405020304" pitchFamily="18" charset="0"/>
+              </a:rPr>
+              <a:t>) {</a:t>
+            </a:r>
+            <a:endParaRPr lang="it-IT" sz="1200" dirty="0">
+              <a:latin typeface="Consolas" panose="020B0609020204030204" pitchFamily="49" charset="0"/>
+              <a:ea typeface="Calibri" panose="020F0502020204030204" pitchFamily="34" charset="0"/>
+              <a:cs typeface="Times New Roman" panose="02020603050405020304" pitchFamily="18" charset="0"/>
+            </a:endParaRPr>
+          </a:p>
+          <a:p>
+            <a:pPr>
+              <a:lnSpc>
+                <a:spcPct val="130000"/>
+              </a:lnSpc>
+              <a:spcAft>
+                <a:spcPts val="0"/>
+              </a:spcAft>
+            </a:pPr>
+            <a:r>
+              <a:rPr lang="it-IT" sz="1200" dirty="0">
+                <a:solidFill>
+                  <a:srgbClr val="C586C0"/>
+                </a:solidFill>
+                <a:latin typeface="Consolas" panose="020B0609020204030204" pitchFamily="49" charset="0"/>
+                <a:ea typeface="Times New Roman" panose="02020603050405020304" pitchFamily="18" charset="0"/>
+                <a:cs typeface="Times New Roman" panose="02020603050405020304" pitchFamily="18" charset="0"/>
+              </a:rPr>
+              <a:t>			for</a:t>
+            </a:r>
+            <a:r>
+              <a:rPr lang="it-IT" sz="1200" dirty="0">
+                <a:solidFill>
+                  <a:srgbClr val="D4D4D4"/>
+                </a:solidFill>
+                <a:latin typeface="Consolas" panose="020B0609020204030204" pitchFamily="49" charset="0"/>
+                <a:ea typeface="Times New Roman" panose="02020603050405020304" pitchFamily="18" charset="0"/>
+                <a:cs typeface="Times New Roman" panose="02020603050405020304" pitchFamily="18" charset="0"/>
+              </a:rPr>
+              <a:t> (</a:t>
+            </a:r>
+            <a:r>
+              <a:rPr lang="it-IT" sz="1200" dirty="0" err="1">
+                <a:solidFill>
+                  <a:srgbClr val="4EC9B0"/>
+                </a:solidFill>
+                <a:latin typeface="Consolas" panose="020B0609020204030204" pitchFamily="49" charset="0"/>
+                <a:ea typeface="Times New Roman" panose="02020603050405020304" pitchFamily="18" charset="0"/>
+                <a:cs typeface="Times New Roman" panose="02020603050405020304" pitchFamily="18" charset="0"/>
+              </a:rPr>
+              <a:t>String</a:t>
+            </a:r>
+            <a:r>
+              <a:rPr lang="it-IT" sz="1200" dirty="0">
+                <a:solidFill>
+                  <a:srgbClr val="D4D4D4"/>
+                </a:solidFill>
+                <a:latin typeface="Consolas" panose="020B0609020204030204" pitchFamily="49" charset="0"/>
+                <a:ea typeface="Times New Roman" panose="02020603050405020304" pitchFamily="18" charset="0"/>
+                <a:cs typeface="Times New Roman" panose="02020603050405020304" pitchFamily="18" charset="0"/>
+              </a:rPr>
+              <a:t> </a:t>
+            </a:r>
+            <a:r>
+              <a:rPr lang="it-IT" sz="1200" dirty="0" err="1">
+                <a:solidFill>
+                  <a:srgbClr val="9CDCFE"/>
+                </a:solidFill>
+                <a:latin typeface="Consolas" panose="020B0609020204030204" pitchFamily="49" charset="0"/>
+                <a:ea typeface="Times New Roman" panose="02020603050405020304" pitchFamily="18" charset="0"/>
+                <a:cs typeface="Times New Roman" panose="02020603050405020304" pitchFamily="18" charset="0"/>
+              </a:rPr>
+              <a:t>nameS</a:t>
+            </a:r>
+            <a:r>
+              <a:rPr lang="it-IT" sz="1200" dirty="0">
+                <a:solidFill>
+                  <a:srgbClr val="D4D4D4"/>
+                </a:solidFill>
+                <a:latin typeface="Consolas" panose="020B0609020204030204" pitchFamily="49" charset="0"/>
+                <a:ea typeface="Times New Roman" panose="02020603050405020304" pitchFamily="18" charset="0"/>
+                <a:cs typeface="Times New Roman" panose="02020603050405020304" pitchFamily="18" charset="0"/>
+              </a:rPr>
+              <a:t> </a:t>
+            </a:r>
+            <a:r>
+              <a:rPr lang="it-IT" sz="1200" dirty="0">
+                <a:solidFill>
+                  <a:srgbClr val="C586C0"/>
+                </a:solidFill>
+                <a:latin typeface="Consolas" panose="020B0609020204030204" pitchFamily="49" charset="0"/>
+                <a:ea typeface="Times New Roman" panose="02020603050405020304" pitchFamily="18" charset="0"/>
+                <a:cs typeface="Times New Roman" panose="02020603050405020304" pitchFamily="18" charset="0"/>
+              </a:rPr>
+              <a:t>:</a:t>
+            </a:r>
+            <a:r>
+              <a:rPr lang="it-IT" sz="1200" dirty="0">
+                <a:solidFill>
+                  <a:srgbClr val="D4D4D4"/>
+                </a:solidFill>
+                <a:latin typeface="Consolas" panose="020B0609020204030204" pitchFamily="49" charset="0"/>
+                <a:ea typeface="Times New Roman" panose="02020603050405020304" pitchFamily="18" charset="0"/>
+                <a:cs typeface="Times New Roman" panose="02020603050405020304" pitchFamily="18" charset="0"/>
+              </a:rPr>
+              <a:t> </a:t>
+            </a:r>
+            <a:r>
+              <a:rPr lang="it-IT" sz="1200" dirty="0" err="1">
+                <a:solidFill>
+                  <a:srgbClr val="D4D4D4"/>
+                </a:solidFill>
+                <a:latin typeface="Consolas" panose="020B0609020204030204" pitchFamily="49" charset="0"/>
+                <a:ea typeface="Times New Roman" panose="02020603050405020304" pitchFamily="18" charset="0"/>
+                <a:cs typeface="Times New Roman" panose="02020603050405020304" pitchFamily="18" charset="0"/>
+              </a:rPr>
+              <a:t>serversWithTag</a:t>
+            </a:r>
+            <a:r>
+              <a:rPr lang="it-IT" sz="1200" dirty="0">
+                <a:solidFill>
+                  <a:srgbClr val="D4D4D4"/>
+                </a:solidFill>
+                <a:latin typeface="Consolas" panose="020B0609020204030204" pitchFamily="49" charset="0"/>
+                <a:ea typeface="Times New Roman" panose="02020603050405020304" pitchFamily="18" charset="0"/>
+                <a:cs typeface="Times New Roman" panose="02020603050405020304" pitchFamily="18" charset="0"/>
+              </a:rPr>
+              <a:t>) {</a:t>
+            </a:r>
+            <a:endParaRPr lang="it-IT" sz="1200" dirty="0">
+              <a:latin typeface="Consolas" panose="020B0609020204030204" pitchFamily="49" charset="0"/>
+              <a:ea typeface="Calibri" panose="020F0502020204030204" pitchFamily="34" charset="0"/>
+              <a:cs typeface="Times New Roman" panose="02020603050405020304" pitchFamily="18" charset="0"/>
+            </a:endParaRPr>
+          </a:p>
+          <a:p>
+            <a:pPr>
+              <a:lnSpc>
+                <a:spcPct val="130000"/>
+              </a:lnSpc>
+              <a:spcAft>
+                <a:spcPts val="0"/>
+              </a:spcAft>
+            </a:pPr>
+            <a:r>
+              <a:rPr lang="it-IT" sz="1200" dirty="0">
+                <a:solidFill>
+                  <a:srgbClr val="9CDCFE"/>
+                </a:solidFill>
+                <a:latin typeface="Consolas" panose="020B0609020204030204" pitchFamily="49" charset="0"/>
+                <a:ea typeface="Times New Roman" panose="02020603050405020304" pitchFamily="18" charset="0"/>
+                <a:cs typeface="Times New Roman" panose="02020603050405020304" pitchFamily="18" charset="0"/>
+              </a:rPr>
+              <a:t>				</a:t>
+            </a:r>
+            <a:r>
+              <a:rPr lang="it-IT" sz="1200" dirty="0" err="1">
+                <a:solidFill>
+                  <a:srgbClr val="9CDCFE"/>
+                </a:solidFill>
+                <a:latin typeface="Consolas" panose="020B0609020204030204" pitchFamily="49" charset="0"/>
+                <a:ea typeface="Times New Roman" panose="02020603050405020304" pitchFamily="18" charset="0"/>
+                <a:cs typeface="Times New Roman" panose="02020603050405020304" pitchFamily="18" charset="0"/>
+              </a:rPr>
+              <a:t>System</a:t>
+            </a:r>
+            <a:r>
+              <a:rPr lang="it-IT" sz="1200" dirty="0" err="1">
+                <a:solidFill>
+                  <a:srgbClr val="D4D4D4"/>
+                </a:solidFill>
+                <a:latin typeface="Consolas" panose="020B0609020204030204" pitchFamily="49" charset="0"/>
+                <a:ea typeface="Times New Roman" panose="02020603050405020304" pitchFamily="18" charset="0"/>
+                <a:cs typeface="Times New Roman" panose="02020603050405020304" pitchFamily="18" charset="0"/>
+              </a:rPr>
+              <a:t>.</a:t>
+            </a:r>
+            <a:r>
+              <a:rPr lang="it-IT" sz="1200" dirty="0" err="1">
+                <a:solidFill>
+                  <a:srgbClr val="9CDCFE"/>
+                </a:solidFill>
+                <a:latin typeface="Consolas" panose="020B0609020204030204" pitchFamily="49" charset="0"/>
+                <a:ea typeface="Times New Roman" panose="02020603050405020304" pitchFamily="18" charset="0"/>
+                <a:cs typeface="Times New Roman" panose="02020603050405020304" pitchFamily="18" charset="0"/>
+              </a:rPr>
+              <a:t>out</a:t>
+            </a:r>
+            <a:r>
+              <a:rPr lang="it-IT" sz="1200" dirty="0" err="1">
+                <a:solidFill>
+                  <a:srgbClr val="D4D4D4"/>
+                </a:solidFill>
+                <a:latin typeface="Consolas" panose="020B0609020204030204" pitchFamily="49" charset="0"/>
+                <a:ea typeface="Times New Roman" panose="02020603050405020304" pitchFamily="18" charset="0"/>
+                <a:cs typeface="Times New Roman" panose="02020603050405020304" pitchFamily="18" charset="0"/>
+              </a:rPr>
+              <a:t>.</a:t>
+            </a:r>
+            <a:r>
+              <a:rPr lang="it-IT" sz="1200" dirty="0" err="1">
+                <a:solidFill>
+                  <a:srgbClr val="DCDCAA"/>
+                </a:solidFill>
+                <a:latin typeface="Consolas" panose="020B0609020204030204" pitchFamily="49" charset="0"/>
+                <a:ea typeface="Times New Roman" panose="02020603050405020304" pitchFamily="18" charset="0"/>
+                <a:cs typeface="Times New Roman" panose="02020603050405020304" pitchFamily="18" charset="0"/>
+              </a:rPr>
+              <a:t>println</a:t>
+            </a:r>
+            <a:r>
+              <a:rPr lang="it-IT" sz="1200" dirty="0">
+                <a:solidFill>
+                  <a:srgbClr val="D4D4D4"/>
+                </a:solidFill>
+                <a:latin typeface="Consolas" panose="020B0609020204030204" pitchFamily="49" charset="0"/>
+                <a:ea typeface="Times New Roman" panose="02020603050405020304" pitchFamily="18" charset="0"/>
+                <a:cs typeface="Times New Roman" panose="02020603050405020304" pitchFamily="18" charset="0"/>
+              </a:rPr>
+              <a:t>(</a:t>
+            </a:r>
+            <a:r>
+              <a:rPr lang="it-IT" sz="1200" dirty="0" err="1">
+                <a:solidFill>
+                  <a:srgbClr val="D4D4D4"/>
+                </a:solidFill>
+                <a:latin typeface="Consolas" panose="020B0609020204030204" pitchFamily="49" charset="0"/>
+                <a:ea typeface="Times New Roman" panose="02020603050405020304" pitchFamily="18" charset="0"/>
+                <a:cs typeface="Times New Roman" panose="02020603050405020304" pitchFamily="18" charset="0"/>
+              </a:rPr>
+              <a:t>nameS</a:t>
+            </a:r>
+            <a:r>
+              <a:rPr lang="it-IT" sz="1200" dirty="0">
+                <a:solidFill>
+                  <a:srgbClr val="D4D4D4"/>
+                </a:solidFill>
+                <a:latin typeface="Consolas" panose="020B0609020204030204" pitchFamily="49" charset="0"/>
+                <a:ea typeface="Times New Roman" panose="02020603050405020304" pitchFamily="18" charset="0"/>
+                <a:cs typeface="Times New Roman" panose="02020603050405020304" pitchFamily="18" charset="0"/>
+              </a:rPr>
+              <a:t>);</a:t>
+            </a:r>
+            <a:endParaRPr lang="it-IT" sz="1200" dirty="0">
+              <a:latin typeface="Consolas" panose="020B0609020204030204" pitchFamily="49" charset="0"/>
+              <a:ea typeface="Calibri" panose="020F0502020204030204" pitchFamily="34" charset="0"/>
+              <a:cs typeface="Times New Roman" panose="02020603050405020304" pitchFamily="18" charset="0"/>
+            </a:endParaRPr>
+          </a:p>
+          <a:p>
+            <a:pPr>
+              <a:lnSpc>
+                <a:spcPct val="130000"/>
+              </a:lnSpc>
+              <a:spcAft>
+                <a:spcPts val="0"/>
+              </a:spcAft>
+            </a:pPr>
+            <a:r>
+              <a:rPr lang="it-IT" sz="1200" dirty="0">
+                <a:solidFill>
+                  <a:srgbClr val="D4D4D4"/>
+                </a:solidFill>
+                <a:latin typeface="Consolas" panose="020B0609020204030204" pitchFamily="49" charset="0"/>
+                <a:ea typeface="Times New Roman" panose="02020603050405020304" pitchFamily="18" charset="0"/>
+                <a:cs typeface="Times New Roman" panose="02020603050405020304" pitchFamily="18" charset="0"/>
+              </a:rPr>
+              <a:t>			}</a:t>
+            </a:r>
+            <a:endParaRPr lang="it-IT" sz="1200" dirty="0">
+              <a:latin typeface="Consolas" panose="020B0609020204030204" pitchFamily="49" charset="0"/>
+              <a:ea typeface="Calibri" panose="020F0502020204030204" pitchFamily="34" charset="0"/>
+              <a:cs typeface="Times New Roman" panose="02020603050405020304" pitchFamily="18" charset="0"/>
+            </a:endParaRPr>
+          </a:p>
+          <a:p>
+            <a:pPr>
+              <a:lnSpc>
+                <a:spcPct val="130000"/>
+              </a:lnSpc>
+              <a:spcAft>
+                <a:spcPts val="0"/>
+              </a:spcAft>
+            </a:pPr>
+            <a:r>
+              <a:rPr lang="it-IT" sz="1200" dirty="0">
+                <a:solidFill>
+                  <a:srgbClr val="D4D4D4"/>
+                </a:solidFill>
+                <a:latin typeface="Consolas" panose="020B0609020204030204" pitchFamily="49" charset="0"/>
+                <a:ea typeface="Times New Roman" panose="02020603050405020304" pitchFamily="18" charset="0"/>
+                <a:cs typeface="Times New Roman" panose="02020603050405020304" pitchFamily="18" charset="0"/>
+              </a:rPr>
+              <a:t>			check = </a:t>
+            </a:r>
+            <a:r>
+              <a:rPr lang="it-IT" sz="1200" dirty="0" err="1">
+                <a:solidFill>
+                  <a:srgbClr val="569CD6"/>
+                </a:solidFill>
+                <a:latin typeface="Consolas" panose="020B0609020204030204" pitchFamily="49" charset="0"/>
+                <a:ea typeface="Times New Roman" panose="02020603050405020304" pitchFamily="18" charset="0"/>
+                <a:cs typeface="Times New Roman" panose="02020603050405020304" pitchFamily="18" charset="0"/>
+              </a:rPr>
+              <a:t>true</a:t>
+            </a:r>
+            <a:r>
+              <a:rPr lang="it-IT" sz="1200" dirty="0">
+                <a:solidFill>
+                  <a:srgbClr val="D4D4D4"/>
+                </a:solidFill>
+                <a:latin typeface="Consolas" panose="020B0609020204030204" pitchFamily="49" charset="0"/>
+                <a:ea typeface="Times New Roman" panose="02020603050405020304" pitchFamily="18" charset="0"/>
+                <a:cs typeface="Times New Roman" panose="02020603050405020304" pitchFamily="18" charset="0"/>
+              </a:rPr>
+              <a:t>;</a:t>
+            </a:r>
+            <a:endParaRPr lang="it-IT" sz="1200" dirty="0">
+              <a:latin typeface="Consolas" panose="020B0609020204030204" pitchFamily="49" charset="0"/>
+              <a:ea typeface="Calibri" panose="020F0502020204030204" pitchFamily="34" charset="0"/>
+              <a:cs typeface="Times New Roman" panose="02020603050405020304" pitchFamily="18" charset="0"/>
+            </a:endParaRPr>
+          </a:p>
+          <a:p>
+            <a:pPr>
+              <a:lnSpc>
+                <a:spcPct val="130000"/>
+              </a:lnSpc>
+              <a:spcAft>
+                <a:spcPts val="0"/>
+              </a:spcAft>
+            </a:pPr>
+            <a:r>
+              <a:rPr lang="it-IT" sz="1200" dirty="0">
+                <a:solidFill>
+                  <a:srgbClr val="D4D4D4"/>
+                </a:solidFill>
+                <a:latin typeface="Consolas" panose="020B0609020204030204" pitchFamily="49" charset="0"/>
+                <a:ea typeface="Times New Roman" panose="02020603050405020304" pitchFamily="18" charset="0"/>
+                <a:cs typeface="Times New Roman" panose="02020603050405020304" pitchFamily="18" charset="0"/>
+              </a:rPr>
+              <a:t>		} </a:t>
+            </a:r>
+            <a:r>
+              <a:rPr lang="it-IT" sz="1200" dirty="0">
+                <a:solidFill>
+                  <a:srgbClr val="C586C0"/>
+                </a:solidFill>
+                <a:latin typeface="Consolas" panose="020B0609020204030204" pitchFamily="49" charset="0"/>
+                <a:ea typeface="Times New Roman" panose="02020603050405020304" pitchFamily="18" charset="0"/>
+                <a:cs typeface="Times New Roman" panose="02020603050405020304" pitchFamily="18" charset="0"/>
+              </a:rPr>
+              <a:t>else</a:t>
+            </a:r>
+            <a:r>
+              <a:rPr lang="it-IT" sz="1200" dirty="0">
+                <a:solidFill>
+                  <a:srgbClr val="D4D4D4"/>
+                </a:solidFill>
+                <a:latin typeface="Consolas" panose="020B0609020204030204" pitchFamily="49" charset="0"/>
+                <a:ea typeface="Times New Roman" panose="02020603050405020304" pitchFamily="18" charset="0"/>
+                <a:cs typeface="Times New Roman" panose="02020603050405020304" pitchFamily="18" charset="0"/>
+              </a:rPr>
+              <a:t> {</a:t>
+            </a:r>
+            <a:endParaRPr lang="it-IT" sz="1200" dirty="0">
+              <a:latin typeface="Consolas" panose="020B0609020204030204" pitchFamily="49" charset="0"/>
+              <a:ea typeface="Calibri" panose="020F0502020204030204" pitchFamily="34" charset="0"/>
+              <a:cs typeface="Times New Roman" panose="02020603050405020304" pitchFamily="18" charset="0"/>
+            </a:endParaRPr>
+          </a:p>
+          <a:p>
+            <a:pPr>
+              <a:lnSpc>
+                <a:spcPct val="130000"/>
+              </a:lnSpc>
+              <a:spcAft>
+                <a:spcPts val="0"/>
+              </a:spcAft>
+            </a:pPr>
+            <a:r>
+              <a:rPr lang="it-IT" sz="1200" dirty="0">
+                <a:solidFill>
+                  <a:srgbClr val="9CDCFE"/>
+                </a:solidFill>
+                <a:latin typeface="Consolas" panose="020B0609020204030204" pitchFamily="49" charset="0"/>
+                <a:ea typeface="Times New Roman" panose="02020603050405020304" pitchFamily="18" charset="0"/>
+                <a:cs typeface="Times New Roman" panose="02020603050405020304" pitchFamily="18" charset="0"/>
+              </a:rPr>
+              <a:t>			</a:t>
+            </a:r>
+            <a:r>
+              <a:rPr lang="it-IT" sz="1200" dirty="0" err="1">
+                <a:solidFill>
+                  <a:srgbClr val="9CDCFE"/>
+                </a:solidFill>
+                <a:latin typeface="Consolas" panose="020B0609020204030204" pitchFamily="49" charset="0"/>
+                <a:ea typeface="Times New Roman" panose="02020603050405020304" pitchFamily="18" charset="0"/>
+                <a:cs typeface="Times New Roman" panose="02020603050405020304" pitchFamily="18" charset="0"/>
+              </a:rPr>
+              <a:t>System</a:t>
+            </a:r>
+            <a:r>
+              <a:rPr lang="it-IT" sz="1200" dirty="0" err="1">
+                <a:solidFill>
+                  <a:srgbClr val="D4D4D4"/>
+                </a:solidFill>
+                <a:latin typeface="Consolas" panose="020B0609020204030204" pitchFamily="49" charset="0"/>
+                <a:ea typeface="Times New Roman" panose="02020603050405020304" pitchFamily="18" charset="0"/>
+                <a:cs typeface="Times New Roman" panose="02020603050405020304" pitchFamily="18" charset="0"/>
+              </a:rPr>
+              <a:t>.</a:t>
+            </a:r>
+            <a:r>
+              <a:rPr lang="it-IT" sz="1200" dirty="0" err="1">
+                <a:solidFill>
+                  <a:srgbClr val="9CDCFE"/>
+                </a:solidFill>
+                <a:latin typeface="Consolas" panose="020B0609020204030204" pitchFamily="49" charset="0"/>
+                <a:ea typeface="Times New Roman" panose="02020603050405020304" pitchFamily="18" charset="0"/>
+                <a:cs typeface="Times New Roman" panose="02020603050405020304" pitchFamily="18" charset="0"/>
+              </a:rPr>
+              <a:t>out</a:t>
+            </a:r>
+            <a:r>
+              <a:rPr lang="it-IT" sz="1200" dirty="0" err="1">
+                <a:solidFill>
+                  <a:srgbClr val="D4D4D4"/>
+                </a:solidFill>
+                <a:latin typeface="Consolas" panose="020B0609020204030204" pitchFamily="49" charset="0"/>
+                <a:ea typeface="Times New Roman" panose="02020603050405020304" pitchFamily="18" charset="0"/>
+                <a:cs typeface="Times New Roman" panose="02020603050405020304" pitchFamily="18" charset="0"/>
+              </a:rPr>
+              <a:t>.</a:t>
+            </a:r>
+            <a:r>
+              <a:rPr lang="it-IT" sz="1200" dirty="0" err="1">
+                <a:solidFill>
+                  <a:srgbClr val="DCDCAA"/>
+                </a:solidFill>
+                <a:latin typeface="Consolas" panose="020B0609020204030204" pitchFamily="49" charset="0"/>
+                <a:ea typeface="Times New Roman" panose="02020603050405020304" pitchFamily="18" charset="0"/>
+                <a:cs typeface="Times New Roman" panose="02020603050405020304" pitchFamily="18" charset="0"/>
+              </a:rPr>
+              <a:t>println</a:t>
+            </a:r>
+            <a:r>
+              <a:rPr lang="it-IT" sz="1200" dirty="0">
+                <a:solidFill>
+                  <a:srgbClr val="D4D4D4"/>
+                </a:solidFill>
+                <a:latin typeface="Consolas" panose="020B0609020204030204" pitchFamily="49" charset="0"/>
+                <a:ea typeface="Times New Roman" panose="02020603050405020304" pitchFamily="18" charset="0"/>
+                <a:cs typeface="Times New Roman" panose="02020603050405020304" pitchFamily="18" charset="0"/>
+              </a:rPr>
+              <a:t>(</a:t>
+            </a:r>
+            <a:r>
+              <a:rPr lang="it-IT" sz="1200" dirty="0">
+                <a:solidFill>
+                  <a:srgbClr val="CE9178"/>
+                </a:solidFill>
+                <a:latin typeface="Consolas" panose="020B0609020204030204" pitchFamily="49" charset="0"/>
+                <a:ea typeface="Times New Roman" panose="02020603050405020304" pitchFamily="18" charset="0"/>
+                <a:cs typeface="Times New Roman" panose="02020603050405020304" pitchFamily="18" charset="0"/>
+              </a:rPr>
+              <a:t>"Nessun elemento trovato"</a:t>
+            </a:r>
+            <a:r>
+              <a:rPr lang="it-IT" sz="1200" dirty="0">
+                <a:solidFill>
+                  <a:srgbClr val="D4D4D4"/>
+                </a:solidFill>
+                <a:latin typeface="Consolas" panose="020B0609020204030204" pitchFamily="49" charset="0"/>
+                <a:ea typeface="Times New Roman" panose="02020603050405020304" pitchFamily="18" charset="0"/>
+                <a:cs typeface="Times New Roman" panose="02020603050405020304" pitchFamily="18" charset="0"/>
+              </a:rPr>
+              <a:t>);</a:t>
+            </a:r>
+            <a:endParaRPr lang="it-IT" sz="1200" dirty="0">
+              <a:latin typeface="Consolas" panose="020B0609020204030204" pitchFamily="49" charset="0"/>
+              <a:ea typeface="Calibri" panose="020F0502020204030204" pitchFamily="34" charset="0"/>
+              <a:cs typeface="Times New Roman" panose="02020603050405020304" pitchFamily="18" charset="0"/>
+            </a:endParaRPr>
+          </a:p>
+          <a:p>
+            <a:pPr>
+              <a:lnSpc>
+                <a:spcPct val="130000"/>
+              </a:lnSpc>
+              <a:spcAft>
+                <a:spcPts val="0"/>
+              </a:spcAft>
+            </a:pPr>
+            <a:r>
+              <a:rPr lang="it-IT" sz="1200" dirty="0">
+                <a:solidFill>
+                  <a:srgbClr val="D4D4D4"/>
+                </a:solidFill>
+                <a:latin typeface="Consolas" panose="020B0609020204030204" pitchFamily="49" charset="0"/>
+                <a:ea typeface="Times New Roman" panose="02020603050405020304" pitchFamily="18" charset="0"/>
+                <a:cs typeface="Times New Roman" panose="02020603050405020304" pitchFamily="18" charset="0"/>
+              </a:rPr>
+              <a:t>		}</a:t>
+            </a:r>
+            <a:endParaRPr lang="it-IT" sz="1200" dirty="0">
+              <a:latin typeface="Consolas" panose="020B0609020204030204" pitchFamily="49" charset="0"/>
+              <a:ea typeface="Calibri" panose="020F0502020204030204" pitchFamily="34" charset="0"/>
+              <a:cs typeface="Times New Roman" panose="02020603050405020304" pitchFamily="18" charset="0"/>
+            </a:endParaRPr>
+          </a:p>
+          <a:p>
+            <a:pPr>
+              <a:lnSpc>
+                <a:spcPct val="130000"/>
+              </a:lnSpc>
+              <a:spcAft>
+                <a:spcPts val="0"/>
+              </a:spcAft>
+            </a:pPr>
+            <a:r>
+              <a:rPr lang="it-IT" sz="1200" dirty="0">
+                <a:solidFill>
+                  <a:srgbClr val="D4D4D4"/>
+                </a:solidFill>
+                <a:latin typeface="Consolas" panose="020B0609020204030204" pitchFamily="49" charset="0"/>
+                <a:ea typeface="Times New Roman" panose="02020603050405020304" pitchFamily="18" charset="0"/>
+                <a:cs typeface="Times New Roman" panose="02020603050405020304" pitchFamily="18" charset="0"/>
+              </a:rPr>
+              <a:t>	}</a:t>
+            </a:r>
+            <a:endParaRPr lang="it-IT" sz="1200" dirty="0">
+              <a:latin typeface="Consolas" panose="020B0609020204030204" pitchFamily="49" charset="0"/>
+              <a:ea typeface="Calibri" panose="020F0502020204030204" pitchFamily="34" charset="0"/>
+              <a:cs typeface="Times New Roman" panose="02020603050405020304" pitchFamily="18" charset="0"/>
+            </a:endParaRPr>
+          </a:p>
+          <a:p>
+            <a:pPr>
+              <a:lnSpc>
+                <a:spcPct val="130000"/>
+              </a:lnSpc>
+              <a:spcAft>
+                <a:spcPts val="0"/>
+              </a:spcAft>
+            </a:pPr>
+            <a:r>
+              <a:rPr lang="it-IT" sz="1200" dirty="0">
+                <a:solidFill>
+                  <a:srgbClr val="C586C0"/>
+                </a:solidFill>
+                <a:latin typeface="Consolas" panose="020B0609020204030204" pitchFamily="49" charset="0"/>
+                <a:ea typeface="Times New Roman" panose="02020603050405020304" pitchFamily="18" charset="0"/>
+                <a:cs typeface="Times New Roman" panose="02020603050405020304" pitchFamily="18" charset="0"/>
+              </a:rPr>
+              <a:t>	else</a:t>
+            </a:r>
+            <a:r>
+              <a:rPr lang="it-IT" sz="1200" dirty="0">
+                <a:solidFill>
+                  <a:srgbClr val="D4D4D4"/>
+                </a:solidFill>
+                <a:latin typeface="Consolas" panose="020B0609020204030204" pitchFamily="49" charset="0"/>
+                <a:ea typeface="Times New Roman" panose="02020603050405020304" pitchFamily="18" charset="0"/>
+                <a:cs typeface="Times New Roman" panose="02020603050405020304" pitchFamily="18" charset="0"/>
+              </a:rPr>
+              <a:t> </a:t>
+            </a:r>
+            <a:r>
+              <a:rPr lang="it-IT" sz="1200" dirty="0" err="1">
+                <a:solidFill>
+                  <a:srgbClr val="C586C0"/>
+                </a:solidFill>
+                <a:latin typeface="Consolas" panose="020B0609020204030204" pitchFamily="49" charset="0"/>
+                <a:ea typeface="Times New Roman" panose="02020603050405020304" pitchFamily="18" charset="0"/>
+                <a:cs typeface="Times New Roman" panose="02020603050405020304" pitchFamily="18" charset="0"/>
+              </a:rPr>
+              <a:t>if</a:t>
+            </a:r>
+            <a:r>
+              <a:rPr lang="it-IT" sz="1200" dirty="0">
+                <a:solidFill>
+                  <a:srgbClr val="D4D4D4"/>
+                </a:solidFill>
+                <a:latin typeface="Consolas" panose="020B0609020204030204" pitchFamily="49" charset="0"/>
+                <a:ea typeface="Times New Roman" panose="02020603050405020304" pitchFamily="18" charset="0"/>
+                <a:cs typeface="Times New Roman" panose="02020603050405020304" pitchFamily="18" charset="0"/>
+              </a:rPr>
+              <a:t> (</a:t>
+            </a:r>
+            <a:r>
+              <a:rPr lang="it-IT" sz="1200" dirty="0" err="1">
+                <a:solidFill>
+                  <a:srgbClr val="D4D4D4"/>
+                </a:solidFill>
+                <a:latin typeface="Consolas" panose="020B0609020204030204" pitchFamily="49" charset="0"/>
+                <a:ea typeface="Times New Roman" panose="02020603050405020304" pitchFamily="18" charset="0"/>
+                <a:cs typeface="Times New Roman" panose="02020603050405020304" pitchFamily="18" charset="0"/>
+              </a:rPr>
+              <a:t>foo</a:t>
+            </a:r>
+            <a:r>
+              <a:rPr lang="it-IT" sz="1200" dirty="0">
+                <a:solidFill>
+                  <a:srgbClr val="D4D4D4"/>
+                </a:solidFill>
+                <a:latin typeface="Consolas" panose="020B0609020204030204" pitchFamily="49" charset="0"/>
+                <a:ea typeface="Times New Roman" panose="02020603050405020304" pitchFamily="18" charset="0"/>
+                <a:cs typeface="Times New Roman" panose="02020603050405020304" pitchFamily="18" charset="0"/>
+              </a:rPr>
+              <a:t> == </a:t>
+            </a:r>
+            <a:r>
+              <a:rPr lang="it-IT" sz="1200" dirty="0">
+                <a:solidFill>
+                  <a:srgbClr val="CE9178"/>
+                </a:solidFill>
+                <a:latin typeface="Consolas" panose="020B0609020204030204" pitchFamily="49" charset="0"/>
+                <a:ea typeface="Times New Roman" panose="02020603050405020304" pitchFamily="18" charset="0"/>
+                <a:cs typeface="Times New Roman" panose="02020603050405020304" pitchFamily="18" charset="0"/>
+              </a:rPr>
+              <a:t>"S"</a:t>
+            </a:r>
+            <a:r>
+              <a:rPr lang="it-IT" sz="1200" dirty="0">
+                <a:solidFill>
+                  <a:srgbClr val="D4D4D4"/>
+                </a:solidFill>
+                <a:latin typeface="Consolas" panose="020B0609020204030204" pitchFamily="49" charset="0"/>
+                <a:ea typeface="Times New Roman" panose="02020603050405020304" pitchFamily="18" charset="0"/>
+                <a:cs typeface="Times New Roman" panose="02020603050405020304" pitchFamily="18" charset="0"/>
+              </a:rPr>
+              <a:t> || check == </a:t>
+            </a:r>
+            <a:r>
+              <a:rPr lang="it-IT" sz="1200" dirty="0" err="1">
+                <a:solidFill>
+                  <a:srgbClr val="569CD6"/>
+                </a:solidFill>
+                <a:latin typeface="Consolas" panose="020B0609020204030204" pitchFamily="49" charset="0"/>
+                <a:ea typeface="Times New Roman" panose="02020603050405020304" pitchFamily="18" charset="0"/>
+                <a:cs typeface="Times New Roman" panose="02020603050405020304" pitchFamily="18" charset="0"/>
+              </a:rPr>
+              <a:t>true</a:t>
+            </a:r>
+            <a:r>
+              <a:rPr lang="it-IT" sz="1200" dirty="0">
+                <a:solidFill>
+                  <a:srgbClr val="D4D4D4"/>
+                </a:solidFill>
+                <a:latin typeface="Consolas" panose="020B0609020204030204" pitchFamily="49" charset="0"/>
+                <a:ea typeface="Times New Roman" panose="02020603050405020304" pitchFamily="18" charset="0"/>
+                <a:cs typeface="Times New Roman" panose="02020603050405020304" pitchFamily="18" charset="0"/>
+              </a:rPr>
+              <a:t>) {</a:t>
+            </a:r>
+            <a:endParaRPr lang="it-IT" sz="1200" dirty="0">
+              <a:latin typeface="Consolas" panose="020B0609020204030204" pitchFamily="49" charset="0"/>
+              <a:ea typeface="Calibri" panose="020F0502020204030204" pitchFamily="34" charset="0"/>
+              <a:cs typeface="Times New Roman" panose="02020603050405020304" pitchFamily="18" charset="0"/>
+            </a:endParaRPr>
+          </a:p>
+          <a:p>
+            <a:pPr>
+              <a:lnSpc>
+                <a:spcPct val="130000"/>
+              </a:lnSpc>
+              <a:spcAft>
+                <a:spcPts val="0"/>
+              </a:spcAft>
+            </a:pPr>
+            <a:r>
+              <a:rPr lang="it-IT" sz="1200" dirty="0">
+                <a:solidFill>
+                  <a:srgbClr val="9CDCFE"/>
+                </a:solidFill>
+                <a:latin typeface="Consolas" panose="020B0609020204030204" pitchFamily="49" charset="0"/>
+                <a:ea typeface="Times New Roman" panose="02020603050405020304" pitchFamily="18" charset="0"/>
+                <a:cs typeface="Times New Roman" panose="02020603050405020304" pitchFamily="18" charset="0"/>
+              </a:rPr>
+              <a:t>		</a:t>
+            </a:r>
+            <a:r>
+              <a:rPr lang="it-IT" sz="1200" dirty="0" err="1">
+                <a:solidFill>
+                  <a:srgbClr val="9CDCFE"/>
+                </a:solidFill>
+                <a:latin typeface="Consolas" panose="020B0609020204030204" pitchFamily="49" charset="0"/>
+                <a:ea typeface="Times New Roman" panose="02020603050405020304" pitchFamily="18" charset="0"/>
+                <a:cs typeface="Times New Roman" panose="02020603050405020304" pitchFamily="18" charset="0"/>
+              </a:rPr>
+              <a:t>System</a:t>
+            </a:r>
+            <a:r>
+              <a:rPr lang="it-IT" sz="1200" dirty="0" err="1">
+                <a:solidFill>
+                  <a:srgbClr val="D4D4D4"/>
+                </a:solidFill>
+                <a:latin typeface="Consolas" panose="020B0609020204030204" pitchFamily="49" charset="0"/>
+                <a:ea typeface="Times New Roman" panose="02020603050405020304" pitchFamily="18" charset="0"/>
+                <a:cs typeface="Times New Roman" panose="02020603050405020304" pitchFamily="18" charset="0"/>
+              </a:rPr>
+              <a:t>.</a:t>
+            </a:r>
+            <a:r>
+              <a:rPr lang="it-IT" sz="1200" dirty="0" err="1">
+                <a:solidFill>
+                  <a:srgbClr val="9CDCFE"/>
+                </a:solidFill>
+                <a:latin typeface="Consolas" panose="020B0609020204030204" pitchFamily="49" charset="0"/>
+                <a:ea typeface="Times New Roman" panose="02020603050405020304" pitchFamily="18" charset="0"/>
+                <a:cs typeface="Times New Roman" panose="02020603050405020304" pitchFamily="18" charset="0"/>
+              </a:rPr>
+              <a:t>out</a:t>
+            </a:r>
+            <a:r>
+              <a:rPr lang="it-IT" sz="1200" dirty="0" err="1">
+                <a:solidFill>
+                  <a:srgbClr val="D4D4D4"/>
+                </a:solidFill>
+                <a:latin typeface="Consolas" panose="020B0609020204030204" pitchFamily="49" charset="0"/>
+                <a:ea typeface="Times New Roman" panose="02020603050405020304" pitchFamily="18" charset="0"/>
+                <a:cs typeface="Times New Roman" panose="02020603050405020304" pitchFamily="18" charset="0"/>
+              </a:rPr>
+              <a:t>.</a:t>
+            </a:r>
+            <a:r>
+              <a:rPr lang="it-IT" sz="1200" dirty="0" err="1">
+                <a:solidFill>
+                  <a:srgbClr val="DCDCAA"/>
+                </a:solidFill>
+                <a:latin typeface="Consolas" panose="020B0609020204030204" pitchFamily="49" charset="0"/>
+                <a:ea typeface="Times New Roman" panose="02020603050405020304" pitchFamily="18" charset="0"/>
+                <a:cs typeface="Times New Roman" panose="02020603050405020304" pitchFamily="18" charset="0"/>
+              </a:rPr>
+              <a:t>println</a:t>
+            </a:r>
+            <a:r>
+              <a:rPr lang="it-IT" sz="1200" dirty="0">
+                <a:solidFill>
+                  <a:srgbClr val="D4D4D4"/>
+                </a:solidFill>
+                <a:latin typeface="Consolas" panose="020B0609020204030204" pitchFamily="49" charset="0"/>
+                <a:ea typeface="Times New Roman" panose="02020603050405020304" pitchFamily="18" charset="0"/>
+                <a:cs typeface="Times New Roman" panose="02020603050405020304" pitchFamily="18" charset="0"/>
+              </a:rPr>
+              <a:t>(</a:t>
+            </a:r>
+            <a:r>
+              <a:rPr lang="it-IT" sz="1200" dirty="0">
+                <a:solidFill>
+                  <a:srgbClr val="CE9178"/>
+                </a:solidFill>
+                <a:latin typeface="Consolas" panose="020B0609020204030204" pitchFamily="49" charset="0"/>
+                <a:ea typeface="Times New Roman" panose="02020603050405020304" pitchFamily="18" charset="0"/>
+                <a:cs typeface="Times New Roman" panose="02020603050405020304" pitchFamily="18" charset="0"/>
+              </a:rPr>
+              <a:t>"Richiesta ricerca per service name</a:t>
+            </a:r>
+            <a:r>
+              <a:rPr lang="it-IT" sz="1200" dirty="0">
+                <a:solidFill>
+                  <a:srgbClr val="D7BA7D"/>
+                </a:solidFill>
+                <a:latin typeface="Consolas" panose="020B0609020204030204" pitchFamily="49" charset="0"/>
+                <a:ea typeface="Times New Roman" panose="02020603050405020304" pitchFamily="18" charset="0"/>
+                <a:cs typeface="Times New Roman" panose="02020603050405020304" pitchFamily="18" charset="0"/>
+              </a:rPr>
+              <a:t>\n</a:t>
+            </a:r>
+            <a:r>
+              <a:rPr lang="it-IT" sz="1200" dirty="0">
+                <a:solidFill>
+                  <a:srgbClr val="CE9178"/>
+                </a:solidFill>
+                <a:latin typeface="Consolas" panose="020B0609020204030204" pitchFamily="49" charset="0"/>
+                <a:ea typeface="Times New Roman" panose="02020603050405020304" pitchFamily="18" charset="0"/>
+                <a:cs typeface="Times New Roman" panose="02020603050405020304" pitchFamily="18" charset="0"/>
+              </a:rPr>
+              <a:t>"</a:t>
+            </a:r>
+            <a:r>
+              <a:rPr lang="it-IT" sz="1200" dirty="0">
+                <a:solidFill>
+                  <a:srgbClr val="D4D4D4"/>
+                </a:solidFill>
+                <a:latin typeface="Consolas" panose="020B0609020204030204" pitchFamily="49" charset="0"/>
+                <a:ea typeface="Times New Roman" panose="02020603050405020304" pitchFamily="18" charset="0"/>
+                <a:cs typeface="Times New Roman" panose="02020603050405020304" pitchFamily="18" charset="0"/>
+              </a:rPr>
+              <a:t> + </a:t>
+            </a:r>
+            <a:r>
+              <a:rPr lang="it-IT" sz="1200" dirty="0">
+                <a:solidFill>
+                  <a:srgbClr val="CE9178"/>
+                </a:solidFill>
+                <a:latin typeface="Consolas" panose="020B0609020204030204" pitchFamily="49" charset="0"/>
+                <a:ea typeface="Times New Roman" panose="02020603050405020304" pitchFamily="18" charset="0"/>
+                <a:cs typeface="Times New Roman" panose="02020603050405020304" pitchFamily="18" charset="0"/>
+              </a:rPr>
+              <a:t>"Inserire service richiesto"</a:t>
+            </a:r>
+            <a:r>
+              <a:rPr lang="it-IT" sz="1200" dirty="0">
+                <a:solidFill>
+                  <a:srgbClr val="D4D4D4"/>
+                </a:solidFill>
+                <a:latin typeface="Consolas" panose="020B0609020204030204" pitchFamily="49" charset="0"/>
+                <a:ea typeface="Times New Roman" panose="02020603050405020304" pitchFamily="18" charset="0"/>
+                <a:cs typeface="Times New Roman" panose="02020603050405020304" pitchFamily="18" charset="0"/>
+              </a:rPr>
+              <a:t>);</a:t>
+            </a:r>
+            <a:endParaRPr lang="it-IT" sz="1200" dirty="0">
+              <a:latin typeface="Consolas" panose="020B0609020204030204" pitchFamily="49" charset="0"/>
+              <a:ea typeface="Calibri" panose="020F0502020204030204" pitchFamily="34" charset="0"/>
+              <a:cs typeface="Times New Roman" panose="02020603050405020304" pitchFamily="18" charset="0"/>
+            </a:endParaRPr>
+          </a:p>
+          <a:p>
+            <a:pPr>
+              <a:lnSpc>
+                <a:spcPct val="130000"/>
+              </a:lnSpc>
+              <a:spcAft>
+                <a:spcPts val="0"/>
+              </a:spcAft>
+            </a:pPr>
+            <a:r>
+              <a:rPr lang="it-IT" sz="1200" dirty="0">
+                <a:solidFill>
+                  <a:srgbClr val="D4D4D4"/>
+                </a:solidFill>
+                <a:latin typeface="Consolas" panose="020B0609020204030204" pitchFamily="49" charset="0"/>
+                <a:ea typeface="Times New Roman" panose="02020603050405020304" pitchFamily="18" charset="0"/>
+                <a:cs typeface="Times New Roman" panose="02020603050405020304" pitchFamily="18" charset="0"/>
+              </a:rPr>
+              <a:t>		</a:t>
+            </a:r>
+            <a:r>
+              <a:rPr lang="it-IT" sz="1200" dirty="0" err="1">
+                <a:solidFill>
+                  <a:srgbClr val="D4D4D4"/>
+                </a:solidFill>
+                <a:latin typeface="Consolas" panose="020B0609020204030204" pitchFamily="49" charset="0"/>
+                <a:ea typeface="Times New Roman" panose="02020603050405020304" pitchFamily="18" charset="0"/>
+                <a:cs typeface="Times New Roman" panose="02020603050405020304" pitchFamily="18" charset="0"/>
+              </a:rPr>
+              <a:t>serviceName</a:t>
+            </a:r>
+            <a:r>
+              <a:rPr lang="it-IT" sz="1200" dirty="0">
+                <a:solidFill>
+                  <a:srgbClr val="D4D4D4"/>
+                </a:solidFill>
+                <a:latin typeface="Consolas" panose="020B0609020204030204" pitchFamily="49" charset="0"/>
+                <a:ea typeface="Times New Roman" panose="02020603050405020304" pitchFamily="18" charset="0"/>
+                <a:cs typeface="Times New Roman" panose="02020603050405020304" pitchFamily="18" charset="0"/>
+              </a:rPr>
+              <a:t> = </a:t>
+            </a:r>
+            <a:r>
+              <a:rPr lang="it-IT" sz="1200" dirty="0" err="1">
+                <a:solidFill>
+                  <a:srgbClr val="9CDCFE"/>
+                </a:solidFill>
+                <a:latin typeface="Consolas" panose="020B0609020204030204" pitchFamily="49" charset="0"/>
+                <a:ea typeface="Times New Roman" panose="02020603050405020304" pitchFamily="18" charset="0"/>
+                <a:cs typeface="Times New Roman" panose="02020603050405020304" pitchFamily="18" charset="0"/>
+              </a:rPr>
+              <a:t>stdIn</a:t>
+            </a:r>
+            <a:r>
+              <a:rPr lang="it-IT" sz="1200" dirty="0" err="1">
+                <a:solidFill>
+                  <a:srgbClr val="D4D4D4"/>
+                </a:solidFill>
+                <a:latin typeface="Consolas" panose="020B0609020204030204" pitchFamily="49" charset="0"/>
+                <a:ea typeface="Times New Roman" panose="02020603050405020304" pitchFamily="18" charset="0"/>
+                <a:cs typeface="Times New Roman" panose="02020603050405020304" pitchFamily="18" charset="0"/>
+              </a:rPr>
+              <a:t>.</a:t>
+            </a:r>
+            <a:r>
+              <a:rPr lang="it-IT" sz="1200" dirty="0" err="1">
+                <a:solidFill>
+                  <a:srgbClr val="DCDCAA"/>
+                </a:solidFill>
+                <a:latin typeface="Consolas" panose="020B0609020204030204" pitchFamily="49" charset="0"/>
+                <a:ea typeface="Times New Roman" panose="02020603050405020304" pitchFamily="18" charset="0"/>
+                <a:cs typeface="Times New Roman" panose="02020603050405020304" pitchFamily="18" charset="0"/>
+              </a:rPr>
+              <a:t>readLine</a:t>
+            </a:r>
+            <a:r>
+              <a:rPr lang="it-IT" sz="1200" dirty="0">
+                <a:solidFill>
+                  <a:srgbClr val="D4D4D4"/>
+                </a:solidFill>
+                <a:latin typeface="Consolas" panose="020B0609020204030204" pitchFamily="49" charset="0"/>
+                <a:ea typeface="Times New Roman" panose="02020603050405020304" pitchFamily="18" charset="0"/>
+                <a:cs typeface="Times New Roman" panose="02020603050405020304" pitchFamily="18" charset="0"/>
+              </a:rPr>
+              <a:t>();</a:t>
+            </a:r>
+            <a:endParaRPr lang="it-IT" sz="1200" dirty="0">
+              <a:latin typeface="Consolas" panose="020B0609020204030204" pitchFamily="49" charset="0"/>
+              <a:ea typeface="Calibri" panose="020F0502020204030204" pitchFamily="34" charset="0"/>
+              <a:cs typeface="Times New Roman" panose="02020603050405020304" pitchFamily="18" charset="0"/>
+            </a:endParaRPr>
+          </a:p>
+          <a:p>
+            <a:pPr>
+              <a:lnSpc>
+                <a:spcPct val="130000"/>
+              </a:lnSpc>
+              <a:spcAft>
+                <a:spcPts val="0"/>
+              </a:spcAft>
+            </a:pPr>
+            <a:r>
+              <a:rPr lang="it-IT" sz="1200" dirty="0">
+                <a:solidFill>
+                  <a:srgbClr val="D4D4D4"/>
+                </a:solidFill>
+                <a:latin typeface="Consolas" panose="020B0609020204030204" pitchFamily="49" charset="0"/>
+                <a:ea typeface="Times New Roman" panose="02020603050405020304" pitchFamily="18" charset="0"/>
+                <a:cs typeface="Times New Roman" panose="02020603050405020304" pitchFamily="18" charset="0"/>
+              </a:rPr>
+              <a:t>		check = </a:t>
+            </a:r>
+            <a:r>
+              <a:rPr lang="it-IT" sz="1200" dirty="0" err="1">
+                <a:solidFill>
+                  <a:srgbClr val="569CD6"/>
+                </a:solidFill>
+                <a:latin typeface="Consolas" panose="020B0609020204030204" pitchFamily="49" charset="0"/>
+                <a:ea typeface="Times New Roman" panose="02020603050405020304" pitchFamily="18" charset="0"/>
+                <a:cs typeface="Times New Roman" panose="02020603050405020304" pitchFamily="18" charset="0"/>
+              </a:rPr>
+              <a:t>true</a:t>
+            </a:r>
+            <a:r>
+              <a:rPr lang="it-IT" sz="1200" dirty="0">
+                <a:solidFill>
+                  <a:srgbClr val="D4D4D4"/>
+                </a:solidFill>
+                <a:latin typeface="Consolas" panose="020B0609020204030204" pitchFamily="49" charset="0"/>
+                <a:ea typeface="Times New Roman" panose="02020603050405020304" pitchFamily="18" charset="0"/>
+                <a:cs typeface="Times New Roman" panose="02020603050405020304" pitchFamily="18" charset="0"/>
+              </a:rPr>
+              <a:t>; </a:t>
+            </a:r>
+            <a:endParaRPr lang="it-IT" sz="1200" dirty="0">
+              <a:latin typeface="Consolas" panose="020B0609020204030204" pitchFamily="49" charset="0"/>
+              <a:ea typeface="Calibri" panose="020F0502020204030204" pitchFamily="34" charset="0"/>
+              <a:cs typeface="Times New Roman" panose="02020603050405020304" pitchFamily="18" charset="0"/>
+            </a:endParaRPr>
+          </a:p>
+          <a:p>
+            <a:pPr>
+              <a:lnSpc>
+                <a:spcPct val="130000"/>
+              </a:lnSpc>
+              <a:spcAft>
+                <a:spcPts val="0"/>
+              </a:spcAft>
+            </a:pPr>
+            <a:r>
+              <a:rPr lang="it-IT" sz="1200" dirty="0">
+                <a:solidFill>
+                  <a:srgbClr val="D4D4D4"/>
+                </a:solidFill>
+                <a:latin typeface="Consolas" panose="020B0609020204030204" pitchFamily="49" charset="0"/>
+                <a:ea typeface="Times New Roman" panose="02020603050405020304" pitchFamily="18" charset="0"/>
+                <a:cs typeface="Times New Roman" panose="02020603050405020304" pitchFamily="18" charset="0"/>
+              </a:rPr>
+              <a:t>	} </a:t>
+            </a:r>
+            <a:r>
+              <a:rPr lang="it-IT" sz="1200" dirty="0">
+                <a:solidFill>
+                  <a:srgbClr val="C586C0"/>
+                </a:solidFill>
+                <a:latin typeface="Consolas" panose="020B0609020204030204" pitchFamily="49" charset="0"/>
+                <a:ea typeface="Times New Roman" panose="02020603050405020304" pitchFamily="18" charset="0"/>
+                <a:cs typeface="Times New Roman" panose="02020603050405020304" pitchFamily="18" charset="0"/>
+              </a:rPr>
+              <a:t>else</a:t>
+            </a:r>
+            <a:r>
+              <a:rPr lang="it-IT" sz="1200" dirty="0">
+                <a:solidFill>
+                  <a:srgbClr val="D4D4D4"/>
+                </a:solidFill>
+                <a:latin typeface="Consolas" panose="020B0609020204030204" pitchFamily="49" charset="0"/>
+                <a:ea typeface="Times New Roman" panose="02020603050405020304" pitchFamily="18" charset="0"/>
+                <a:cs typeface="Times New Roman" panose="02020603050405020304" pitchFamily="18" charset="0"/>
+              </a:rPr>
+              <a:t> </a:t>
+            </a:r>
+            <a:r>
+              <a:rPr lang="it-IT" sz="1200" dirty="0" err="1">
+                <a:solidFill>
+                  <a:srgbClr val="9CDCFE"/>
+                </a:solidFill>
+                <a:latin typeface="Consolas" panose="020B0609020204030204" pitchFamily="49" charset="0"/>
+                <a:ea typeface="Times New Roman" panose="02020603050405020304" pitchFamily="18" charset="0"/>
+                <a:cs typeface="Times New Roman" panose="02020603050405020304" pitchFamily="18" charset="0"/>
+              </a:rPr>
+              <a:t>System</a:t>
+            </a:r>
+            <a:r>
+              <a:rPr lang="it-IT" sz="1200" dirty="0" err="1">
+                <a:solidFill>
+                  <a:srgbClr val="D4D4D4"/>
+                </a:solidFill>
+                <a:latin typeface="Consolas" panose="020B0609020204030204" pitchFamily="49" charset="0"/>
+                <a:ea typeface="Times New Roman" panose="02020603050405020304" pitchFamily="18" charset="0"/>
+                <a:cs typeface="Times New Roman" panose="02020603050405020304" pitchFamily="18" charset="0"/>
+              </a:rPr>
+              <a:t>.</a:t>
+            </a:r>
+            <a:r>
+              <a:rPr lang="it-IT" sz="1200" dirty="0" err="1">
+                <a:solidFill>
+                  <a:srgbClr val="9CDCFE"/>
+                </a:solidFill>
+                <a:latin typeface="Consolas" panose="020B0609020204030204" pitchFamily="49" charset="0"/>
+                <a:ea typeface="Times New Roman" panose="02020603050405020304" pitchFamily="18" charset="0"/>
+                <a:cs typeface="Times New Roman" panose="02020603050405020304" pitchFamily="18" charset="0"/>
+              </a:rPr>
+              <a:t>out</a:t>
+            </a:r>
+            <a:r>
+              <a:rPr lang="it-IT" sz="1200" dirty="0" err="1">
+                <a:solidFill>
+                  <a:srgbClr val="D4D4D4"/>
+                </a:solidFill>
+                <a:latin typeface="Consolas" panose="020B0609020204030204" pitchFamily="49" charset="0"/>
+                <a:ea typeface="Times New Roman" panose="02020603050405020304" pitchFamily="18" charset="0"/>
+                <a:cs typeface="Times New Roman" panose="02020603050405020304" pitchFamily="18" charset="0"/>
+              </a:rPr>
+              <a:t>.</a:t>
+            </a:r>
+            <a:r>
+              <a:rPr lang="it-IT" sz="1200" dirty="0" err="1">
+                <a:solidFill>
+                  <a:srgbClr val="DCDCAA"/>
+                </a:solidFill>
+                <a:latin typeface="Consolas" panose="020B0609020204030204" pitchFamily="49" charset="0"/>
+                <a:ea typeface="Times New Roman" panose="02020603050405020304" pitchFamily="18" charset="0"/>
+                <a:cs typeface="Times New Roman" panose="02020603050405020304" pitchFamily="18" charset="0"/>
+              </a:rPr>
+              <a:t>println</a:t>
+            </a:r>
+            <a:r>
+              <a:rPr lang="it-IT" sz="1200" dirty="0">
+                <a:solidFill>
+                  <a:srgbClr val="D4D4D4"/>
+                </a:solidFill>
+                <a:latin typeface="Consolas" panose="020B0609020204030204" pitchFamily="49" charset="0"/>
+                <a:ea typeface="Times New Roman" panose="02020603050405020304" pitchFamily="18" charset="0"/>
+                <a:cs typeface="Times New Roman" panose="02020603050405020304" pitchFamily="18" charset="0"/>
+              </a:rPr>
+              <a:t>(</a:t>
+            </a:r>
+            <a:r>
+              <a:rPr lang="it-IT" sz="1200" dirty="0">
+                <a:solidFill>
+                  <a:srgbClr val="CE9178"/>
+                </a:solidFill>
+                <a:latin typeface="Consolas" panose="020B0609020204030204" pitchFamily="49" charset="0"/>
+                <a:ea typeface="Times New Roman" panose="02020603050405020304" pitchFamily="18" charset="0"/>
+                <a:cs typeface="Times New Roman" panose="02020603050405020304" pitchFamily="18" charset="0"/>
+              </a:rPr>
+              <a:t>"Opzione non disponibile."</a:t>
+            </a:r>
+            <a:r>
+              <a:rPr lang="it-IT" sz="1200" dirty="0">
+                <a:solidFill>
+                  <a:srgbClr val="D4D4D4"/>
+                </a:solidFill>
+                <a:latin typeface="Consolas" panose="020B0609020204030204" pitchFamily="49" charset="0"/>
+                <a:ea typeface="Times New Roman" panose="02020603050405020304" pitchFamily="18" charset="0"/>
+                <a:cs typeface="Times New Roman" panose="02020603050405020304" pitchFamily="18" charset="0"/>
+              </a:rPr>
+              <a:t>);</a:t>
+            </a:r>
+            <a:endParaRPr lang="it-IT" sz="1200" dirty="0">
+              <a:latin typeface="Consolas" panose="020B0609020204030204" pitchFamily="49" charset="0"/>
+              <a:ea typeface="Calibri" panose="020F0502020204030204" pitchFamily="34" charset="0"/>
+              <a:cs typeface="Times New Roman" panose="02020603050405020304" pitchFamily="18" charset="0"/>
+            </a:endParaRPr>
+          </a:p>
+          <a:p>
+            <a:pPr>
+              <a:lnSpc>
+                <a:spcPct val="130000"/>
+              </a:lnSpc>
+              <a:spcAft>
+                <a:spcPts val="0"/>
+              </a:spcAft>
+            </a:pPr>
+            <a:r>
+              <a:rPr lang="it-IT" sz="1200" dirty="0">
+                <a:solidFill>
+                  <a:srgbClr val="D4D4D4"/>
+                </a:solidFill>
+                <a:latin typeface="Consolas" panose="020B0609020204030204" pitchFamily="49" charset="0"/>
+                <a:ea typeface="Times New Roman" panose="02020603050405020304" pitchFamily="18" charset="0"/>
+                <a:cs typeface="Times New Roman" panose="02020603050405020304" pitchFamily="18" charset="0"/>
+              </a:rPr>
+              <a:t>}</a:t>
+            </a:r>
+            <a:endParaRPr lang="it-IT" sz="1200" dirty="0">
+              <a:latin typeface="Consolas" panose="020B0609020204030204" pitchFamily="49" charset="0"/>
+              <a:ea typeface="Calibri" panose="020F0502020204030204" pitchFamily="34" charset="0"/>
+              <a:cs typeface="Times New Roman" panose="02020603050405020304" pitchFamily="18" charset="0"/>
+            </a:endParaRPr>
+          </a:p>
+        </p:txBody>
+      </p:sp>
+    </p:spTree>
+    <p:extLst>
+      <p:ext uri="{BB962C8B-B14F-4D97-AF65-F5344CB8AC3E}">
+        <p14:creationId xmlns:p14="http://schemas.microsoft.com/office/powerpoint/2010/main" val="2021459913"/>
+      </p:ext>
+    </p:extLst>
+  </p:cSld>
+  <p:clrMapOvr>
+    <a:masterClrMapping/>
+  </p:clrMapOvr>
+</p:sld>
+</file>
+
+<file path=ppt/slides/slide4.xml><?xml version="1.0" encoding="utf-8"?>
+<p:sld xmlns:a="http://schemas.openxmlformats.org/drawingml/2006/main" xmlns:r="http://schemas.openxmlformats.org/officeDocument/2006/relationships" xmlns:p="http://schemas.openxmlformats.org/presentationml/2006/main">
+  <p:cSld>
+    <p:bg>
+      <p:bgPr>
+        <a:solidFill>
+          <a:srgbClr val="2A2A2A"/>
+        </a:solidFill>
+        <a:effectLst/>
+      </p:bgPr>
+    </p:bg>
+    <p:spTree>
+      <p:nvGrpSpPr>
+        <p:cNvPr id="1" name=""/>
+        <p:cNvGrpSpPr/>
+        <p:nvPr/>
+      </p:nvGrpSpPr>
+      <p:grpSpPr>
+        <a:xfrm>
+          <a:off x="0" y="0"/>
+          <a:ext cx="0" cy="0"/>
+          <a:chOff x="0" y="0"/>
+          <a:chExt cx="0" cy="0"/>
+        </a:xfrm>
+      </p:grpSpPr>
+      <p:sp>
+        <p:nvSpPr>
+          <p:cNvPr id="2" name="Titolo 1">
+            <a:extLst>
+              <a:ext uri="{FF2B5EF4-FFF2-40B4-BE49-F238E27FC236}">
+                <a16:creationId xmlns:a16="http://schemas.microsoft.com/office/drawing/2014/main" id="{F1DDE7A4-1A5F-4F0D-B842-7798EDC6EDA8}"/>
+              </a:ext>
+            </a:extLst>
+          </p:cNvPr>
+          <p:cNvSpPr>
+            <a:spLocks noGrp="1"/>
+          </p:cNvSpPr>
+          <p:nvPr>
+            <p:ph type="title"/>
+          </p:nvPr>
+        </p:nvSpPr>
+        <p:spPr>
+          <a:xfrm>
+            <a:off x="166048" y="92077"/>
+            <a:ext cx="11859904" cy="911224"/>
+          </a:xfrm>
+        </p:spPr>
+        <p:txBody>
+          <a:bodyPr>
+            <a:normAutofit/>
+          </a:bodyPr>
+          <a:lstStyle/>
+          <a:p>
+            <a:pPr algn="ctr"/>
+            <a:r>
+              <a:rPr lang="it-IT" dirty="0" err="1">
+                <a:solidFill>
+                  <a:schemeClr val="bg1"/>
+                </a:solidFill>
+                <a:latin typeface="Avenir Next LT Pro Light" panose="020B0304020202020204" pitchFamily="34" charset="0"/>
+              </a:rPr>
+              <a:t>RegistryRemotoTagImpl</a:t>
+            </a:r>
+            <a:r>
+              <a:rPr lang="it-IT" dirty="0">
+                <a:solidFill>
+                  <a:schemeClr val="bg1"/>
+                </a:solidFill>
+                <a:latin typeface="Avenir Next LT Pro Light" panose="020B0304020202020204" pitchFamily="34" charset="0"/>
+              </a:rPr>
+              <a:t> (1)</a:t>
+            </a:r>
+          </a:p>
+        </p:txBody>
+      </p:sp>
+      <p:sp>
+        <p:nvSpPr>
+          <p:cNvPr id="3" name="Segnaposto numero diapositiva 2">
+            <a:extLst>
+              <a:ext uri="{FF2B5EF4-FFF2-40B4-BE49-F238E27FC236}">
+                <a16:creationId xmlns:a16="http://schemas.microsoft.com/office/drawing/2014/main" id="{A47D4834-59E8-435C-A95B-F4D997DED51E}"/>
+              </a:ext>
+            </a:extLst>
+          </p:cNvPr>
+          <p:cNvSpPr>
+            <a:spLocks noGrp="1"/>
+          </p:cNvSpPr>
+          <p:nvPr>
+            <p:ph type="sldNum" sz="quarter" idx="12"/>
+          </p:nvPr>
+        </p:nvSpPr>
+        <p:spPr/>
+        <p:txBody>
+          <a:bodyPr/>
+          <a:lstStyle/>
+          <a:p>
+            <a:fld id="{4A6DC286-705F-4A37-A21F-B485E3A29C72}" type="slidenum">
+              <a:rPr lang="it-IT" smtClean="0"/>
+              <a:t>4</a:t>
+            </a:fld>
+            <a:endParaRPr lang="it-IT"/>
+          </a:p>
+        </p:txBody>
+      </p:sp>
+      <p:sp>
+        <p:nvSpPr>
+          <p:cNvPr id="5" name="CasellaDiTesto 4">
+            <a:extLst>
+              <a:ext uri="{FF2B5EF4-FFF2-40B4-BE49-F238E27FC236}">
+                <a16:creationId xmlns:a16="http://schemas.microsoft.com/office/drawing/2014/main" id="{575E9FB5-702A-42D6-A2EB-DC69E86329E8}"/>
+              </a:ext>
+            </a:extLst>
+          </p:cNvPr>
+          <p:cNvSpPr txBox="1"/>
+          <p:nvPr/>
+        </p:nvSpPr>
+        <p:spPr>
+          <a:xfrm>
+            <a:off x="882212" y="1003301"/>
+            <a:ext cx="10427575" cy="3992953"/>
+          </a:xfrm>
+          <a:prstGeom prst="rect">
+            <a:avLst/>
+          </a:prstGeom>
+          <a:noFill/>
+        </p:spPr>
+        <p:txBody>
+          <a:bodyPr wrap="square" rtlCol="0">
+            <a:spAutoFit/>
+          </a:bodyPr>
+          <a:lstStyle/>
+          <a:p>
+            <a:pPr>
+              <a:lnSpc>
+                <a:spcPct val="130000"/>
+              </a:lnSpc>
+              <a:spcAft>
+                <a:spcPts val="0"/>
+              </a:spcAft>
+            </a:pPr>
+            <a:r>
+              <a:rPr lang="it-IT" sz="1200" dirty="0">
+                <a:solidFill>
+                  <a:srgbClr val="569CD6"/>
+                </a:solidFill>
+                <a:latin typeface="Consolas" panose="020B0609020204030204" pitchFamily="49" charset="0"/>
+                <a:ea typeface="Times New Roman" panose="02020603050405020304" pitchFamily="18" charset="0"/>
+                <a:cs typeface="Times New Roman" panose="02020603050405020304" pitchFamily="18" charset="0"/>
+              </a:rPr>
+              <a:t>public</a:t>
+            </a:r>
+            <a:r>
+              <a:rPr lang="it-IT" sz="1200" dirty="0">
+                <a:solidFill>
+                  <a:srgbClr val="D4D4D4"/>
+                </a:solidFill>
+                <a:latin typeface="Consolas" panose="020B0609020204030204" pitchFamily="49" charset="0"/>
+                <a:ea typeface="Times New Roman" panose="02020603050405020304" pitchFamily="18" charset="0"/>
+                <a:cs typeface="Times New Roman" panose="02020603050405020304" pitchFamily="18" charset="0"/>
+              </a:rPr>
+              <a:t> </a:t>
+            </a:r>
+            <a:r>
+              <a:rPr lang="it-IT" sz="1200" dirty="0" err="1">
+                <a:solidFill>
+                  <a:srgbClr val="569CD6"/>
+                </a:solidFill>
+                <a:latin typeface="Consolas" panose="020B0609020204030204" pitchFamily="49" charset="0"/>
+                <a:ea typeface="Times New Roman" panose="02020603050405020304" pitchFamily="18" charset="0"/>
+                <a:cs typeface="Times New Roman" panose="02020603050405020304" pitchFamily="18" charset="0"/>
+              </a:rPr>
+              <a:t>synchronized</a:t>
+            </a:r>
+            <a:r>
+              <a:rPr lang="it-IT" sz="1200" dirty="0">
+                <a:solidFill>
+                  <a:srgbClr val="D4D4D4"/>
+                </a:solidFill>
+                <a:latin typeface="Consolas" panose="020B0609020204030204" pitchFamily="49" charset="0"/>
+                <a:ea typeface="Times New Roman" panose="02020603050405020304" pitchFamily="18" charset="0"/>
+                <a:cs typeface="Times New Roman" panose="02020603050405020304" pitchFamily="18" charset="0"/>
+              </a:rPr>
+              <a:t> </a:t>
+            </a:r>
+            <a:r>
+              <a:rPr lang="it-IT" sz="1200" dirty="0" err="1">
+                <a:solidFill>
+                  <a:srgbClr val="4EC9B0"/>
+                </a:solidFill>
+                <a:latin typeface="Consolas" panose="020B0609020204030204" pitchFamily="49" charset="0"/>
+                <a:ea typeface="Times New Roman" panose="02020603050405020304" pitchFamily="18" charset="0"/>
+                <a:cs typeface="Times New Roman" panose="02020603050405020304" pitchFamily="18" charset="0"/>
+              </a:rPr>
+              <a:t>boolean</a:t>
+            </a:r>
+            <a:r>
+              <a:rPr lang="it-IT" sz="1200" dirty="0">
+                <a:solidFill>
+                  <a:srgbClr val="D4D4D4"/>
+                </a:solidFill>
+                <a:latin typeface="Consolas" panose="020B0609020204030204" pitchFamily="49" charset="0"/>
+                <a:ea typeface="Times New Roman" panose="02020603050405020304" pitchFamily="18" charset="0"/>
+                <a:cs typeface="Times New Roman" panose="02020603050405020304" pitchFamily="18" charset="0"/>
+              </a:rPr>
+              <a:t> </a:t>
+            </a:r>
+            <a:r>
+              <a:rPr lang="it-IT" sz="1200" dirty="0" err="1">
+                <a:solidFill>
+                  <a:srgbClr val="DCDCAA"/>
+                </a:solidFill>
+                <a:latin typeface="Consolas" panose="020B0609020204030204" pitchFamily="49" charset="0"/>
+                <a:ea typeface="Times New Roman" panose="02020603050405020304" pitchFamily="18" charset="0"/>
+                <a:cs typeface="Times New Roman" panose="02020603050405020304" pitchFamily="18" charset="0"/>
+              </a:rPr>
+              <a:t>associaTag</a:t>
+            </a:r>
+            <a:r>
+              <a:rPr lang="it-IT" sz="1200" dirty="0">
+                <a:solidFill>
+                  <a:srgbClr val="D4D4D4"/>
+                </a:solidFill>
+                <a:latin typeface="Consolas" panose="020B0609020204030204" pitchFamily="49" charset="0"/>
+                <a:ea typeface="Times New Roman" panose="02020603050405020304" pitchFamily="18" charset="0"/>
+                <a:cs typeface="Times New Roman" panose="02020603050405020304" pitchFamily="18" charset="0"/>
+              </a:rPr>
+              <a:t>(</a:t>
+            </a:r>
+            <a:r>
+              <a:rPr lang="it-IT" sz="1200" dirty="0" err="1">
+                <a:solidFill>
+                  <a:srgbClr val="4EC9B0"/>
+                </a:solidFill>
+                <a:latin typeface="Consolas" panose="020B0609020204030204" pitchFamily="49" charset="0"/>
+                <a:ea typeface="Times New Roman" panose="02020603050405020304" pitchFamily="18" charset="0"/>
+                <a:cs typeface="Times New Roman" panose="02020603050405020304" pitchFamily="18" charset="0"/>
+              </a:rPr>
+              <a:t>String</a:t>
+            </a:r>
+            <a:r>
+              <a:rPr lang="it-IT" sz="1200" dirty="0">
+                <a:solidFill>
+                  <a:srgbClr val="D4D4D4"/>
+                </a:solidFill>
+                <a:latin typeface="Consolas" panose="020B0609020204030204" pitchFamily="49" charset="0"/>
+                <a:ea typeface="Times New Roman" panose="02020603050405020304" pitchFamily="18" charset="0"/>
+                <a:cs typeface="Times New Roman" panose="02020603050405020304" pitchFamily="18" charset="0"/>
+              </a:rPr>
+              <a:t> </a:t>
+            </a:r>
+            <a:r>
+              <a:rPr lang="it-IT" sz="1200" dirty="0" err="1">
+                <a:solidFill>
+                  <a:srgbClr val="9CDCFE"/>
+                </a:solidFill>
+                <a:latin typeface="Consolas" panose="020B0609020204030204" pitchFamily="49" charset="0"/>
+                <a:ea typeface="Times New Roman" panose="02020603050405020304" pitchFamily="18" charset="0"/>
+                <a:cs typeface="Times New Roman" panose="02020603050405020304" pitchFamily="18" charset="0"/>
+              </a:rPr>
+              <a:t>nome_logico_server</a:t>
+            </a:r>
+            <a:r>
+              <a:rPr lang="it-IT" sz="1200" dirty="0">
+                <a:solidFill>
+                  <a:srgbClr val="D4D4D4"/>
+                </a:solidFill>
+                <a:latin typeface="Consolas" panose="020B0609020204030204" pitchFamily="49" charset="0"/>
+                <a:ea typeface="Times New Roman" panose="02020603050405020304" pitchFamily="18" charset="0"/>
+                <a:cs typeface="Times New Roman" panose="02020603050405020304" pitchFamily="18" charset="0"/>
+              </a:rPr>
+              <a:t>, </a:t>
+            </a:r>
+            <a:r>
+              <a:rPr lang="it-IT" sz="1200" dirty="0" err="1">
+                <a:solidFill>
+                  <a:srgbClr val="4EC9B0"/>
+                </a:solidFill>
+                <a:latin typeface="Consolas" panose="020B0609020204030204" pitchFamily="49" charset="0"/>
+                <a:ea typeface="Times New Roman" panose="02020603050405020304" pitchFamily="18" charset="0"/>
+                <a:cs typeface="Times New Roman" panose="02020603050405020304" pitchFamily="18" charset="0"/>
+              </a:rPr>
+              <a:t>String</a:t>
+            </a:r>
+            <a:r>
+              <a:rPr lang="it-IT" sz="1200" dirty="0">
+                <a:solidFill>
+                  <a:srgbClr val="D4D4D4"/>
+                </a:solidFill>
+                <a:latin typeface="Consolas" panose="020B0609020204030204" pitchFamily="49" charset="0"/>
+                <a:ea typeface="Times New Roman" panose="02020603050405020304" pitchFamily="18" charset="0"/>
+                <a:cs typeface="Times New Roman" panose="02020603050405020304" pitchFamily="18" charset="0"/>
+              </a:rPr>
+              <a:t> </a:t>
+            </a:r>
+            <a:r>
+              <a:rPr lang="it-IT" sz="1200" dirty="0">
+                <a:solidFill>
+                  <a:srgbClr val="9CDCFE"/>
+                </a:solidFill>
+                <a:latin typeface="Consolas" panose="020B0609020204030204" pitchFamily="49" charset="0"/>
+                <a:ea typeface="Times New Roman" panose="02020603050405020304" pitchFamily="18" charset="0"/>
+                <a:cs typeface="Times New Roman" panose="02020603050405020304" pitchFamily="18" charset="0"/>
+              </a:rPr>
+              <a:t>tag</a:t>
+            </a:r>
+            <a:r>
+              <a:rPr lang="it-IT" sz="1200" dirty="0">
+                <a:solidFill>
+                  <a:srgbClr val="D4D4D4"/>
+                </a:solidFill>
+                <a:latin typeface="Consolas" panose="020B0609020204030204" pitchFamily="49" charset="0"/>
+                <a:ea typeface="Times New Roman" panose="02020603050405020304" pitchFamily="18" charset="0"/>
+                <a:cs typeface="Times New Roman" panose="02020603050405020304" pitchFamily="18" charset="0"/>
+              </a:rPr>
+              <a:t>) {</a:t>
+            </a:r>
+            <a:endParaRPr lang="it-IT" sz="1400" dirty="0">
+              <a:latin typeface="Consolas" panose="020B0609020204030204" pitchFamily="49" charset="0"/>
+              <a:ea typeface="Calibri" panose="020F0502020204030204" pitchFamily="34" charset="0"/>
+              <a:cs typeface="Times New Roman" panose="02020603050405020304" pitchFamily="18" charset="0"/>
+            </a:endParaRPr>
+          </a:p>
+          <a:p>
+            <a:pPr>
+              <a:lnSpc>
+                <a:spcPct val="130000"/>
+              </a:lnSpc>
+              <a:spcAft>
+                <a:spcPts val="0"/>
+              </a:spcAft>
+            </a:pPr>
+            <a:r>
+              <a:rPr lang="it-IT" sz="1200" dirty="0">
+                <a:solidFill>
+                  <a:srgbClr val="4EC9B0"/>
+                </a:solidFill>
+                <a:latin typeface="Consolas" panose="020B0609020204030204" pitchFamily="49" charset="0"/>
+                <a:ea typeface="Times New Roman" panose="02020603050405020304" pitchFamily="18" charset="0"/>
+                <a:cs typeface="Times New Roman" panose="02020603050405020304" pitchFamily="18" charset="0"/>
+              </a:rPr>
+              <a:t>	</a:t>
+            </a:r>
+            <a:r>
+              <a:rPr lang="it-IT" sz="1200" dirty="0" err="1">
+                <a:solidFill>
+                  <a:srgbClr val="4EC9B0"/>
+                </a:solidFill>
+                <a:latin typeface="Consolas" panose="020B0609020204030204" pitchFamily="49" charset="0"/>
+                <a:ea typeface="Times New Roman" panose="02020603050405020304" pitchFamily="18" charset="0"/>
+                <a:cs typeface="Times New Roman" panose="02020603050405020304" pitchFamily="18" charset="0"/>
+              </a:rPr>
+              <a:t>boolean</a:t>
+            </a:r>
+            <a:r>
+              <a:rPr lang="it-IT" sz="1200" dirty="0">
+                <a:solidFill>
+                  <a:srgbClr val="D4D4D4"/>
+                </a:solidFill>
+                <a:latin typeface="Consolas" panose="020B0609020204030204" pitchFamily="49" charset="0"/>
+                <a:ea typeface="Times New Roman" panose="02020603050405020304" pitchFamily="18" charset="0"/>
+                <a:cs typeface="Times New Roman" panose="02020603050405020304" pitchFamily="18" charset="0"/>
+              </a:rPr>
+              <a:t> </a:t>
+            </a:r>
+            <a:r>
+              <a:rPr lang="it-IT" sz="1200" dirty="0">
+                <a:solidFill>
+                  <a:srgbClr val="9CDCFE"/>
+                </a:solidFill>
+                <a:latin typeface="Consolas" panose="020B0609020204030204" pitchFamily="49" charset="0"/>
+                <a:ea typeface="Times New Roman" panose="02020603050405020304" pitchFamily="18" charset="0"/>
+                <a:cs typeface="Times New Roman" panose="02020603050405020304" pitchFamily="18" charset="0"/>
+              </a:rPr>
+              <a:t>risultato</a:t>
+            </a:r>
+            <a:r>
+              <a:rPr lang="it-IT" sz="1200" dirty="0">
+                <a:solidFill>
+                  <a:srgbClr val="D4D4D4"/>
+                </a:solidFill>
+                <a:latin typeface="Consolas" panose="020B0609020204030204" pitchFamily="49" charset="0"/>
+                <a:ea typeface="Times New Roman" panose="02020603050405020304" pitchFamily="18" charset="0"/>
+                <a:cs typeface="Times New Roman" panose="02020603050405020304" pitchFamily="18" charset="0"/>
+              </a:rPr>
+              <a:t> = </a:t>
+            </a:r>
+            <a:r>
+              <a:rPr lang="it-IT" sz="1200" dirty="0">
+                <a:solidFill>
+                  <a:srgbClr val="569CD6"/>
+                </a:solidFill>
+                <a:latin typeface="Consolas" panose="020B0609020204030204" pitchFamily="49" charset="0"/>
+                <a:ea typeface="Times New Roman" panose="02020603050405020304" pitchFamily="18" charset="0"/>
+                <a:cs typeface="Times New Roman" panose="02020603050405020304" pitchFamily="18" charset="0"/>
+              </a:rPr>
+              <a:t>false</a:t>
+            </a:r>
+            <a:r>
+              <a:rPr lang="it-IT" sz="1200" dirty="0">
+                <a:solidFill>
+                  <a:srgbClr val="D4D4D4"/>
+                </a:solidFill>
+                <a:latin typeface="Consolas" panose="020B0609020204030204" pitchFamily="49" charset="0"/>
+                <a:ea typeface="Times New Roman" panose="02020603050405020304" pitchFamily="18" charset="0"/>
+                <a:cs typeface="Times New Roman" panose="02020603050405020304" pitchFamily="18" charset="0"/>
+              </a:rPr>
+              <a:t>;</a:t>
+            </a:r>
+            <a:endParaRPr lang="it-IT" sz="1400" dirty="0">
+              <a:latin typeface="Consolas" panose="020B0609020204030204" pitchFamily="49" charset="0"/>
+              <a:ea typeface="Calibri" panose="020F0502020204030204" pitchFamily="34" charset="0"/>
+              <a:cs typeface="Times New Roman" panose="02020603050405020304" pitchFamily="18" charset="0"/>
+            </a:endParaRPr>
+          </a:p>
+          <a:p>
+            <a:pPr>
+              <a:lnSpc>
+                <a:spcPct val="130000"/>
+              </a:lnSpc>
+              <a:spcAft>
+                <a:spcPts val="0"/>
+              </a:spcAft>
+            </a:pPr>
+            <a:r>
+              <a:rPr lang="it-IT" sz="1200" dirty="0">
+                <a:solidFill>
+                  <a:srgbClr val="C586C0"/>
+                </a:solidFill>
+                <a:latin typeface="Consolas" panose="020B0609020204030204" pitchFamily="49" charset="0"/>
+                <a:ea typeface="Times New Roman" panose="02020603050405020304" pitchFamily="18" charset="0"/>
+                <a:cs typeface="Times New Roman" panose="02020603050405020304" pitchFamily="18" charset="0"/>
+              </a:rPr>
+              <a:t>	</a:t>
+            </a:r>
+            <a:r>
+              <a:rPr lang="it-IT" sz="1200" dirty="0" err="1">
+                <a:solidFill>
+                  <a:srgbClr val="C586C0"/>
+                </a:solidFill>
+                <a:latin typeface="Consolas" panose="020B0609020204030204" pitchFamily="49" charset="0"/>
+                <a:ea typeface="Times New Roman" panose="02020603050405020304" pitchFamily="18" charset="0"/>
+                <a:cs typeface="Times New Roman" panose="02020603050405020304" pitchFamily="18" charset="0"/>
+              </a:rPr>
+              <a:t>if</a:t>
+            </a:r>
+            <a:r>
+              <a:rPr lang="it-IT" sz="1200" dirty="0">
+                <a:solidFill>
+                  <a:srgbClr val="D4D4D4"/>
+                </a:solidFill>
+                <a:latin typeface="Consolas" panose="020B0609020204030204" pitchFamily="49" charset="0"/>
+                <a:ea typeface="Times New Roman" panose="02020603050405020304" pitchFamily="18" charset="0"/>
+                <a:cs typeface="Times New Roman" panose="02020603050405020304" pitchFamily="18" charset="0"/>
+              </a:rPr>
+              <a:t> ((</a:t>
+            </a:r>
+            <a:r>
+              <a:rPr lang="it-IT" sz="1200" dirty="0" err="1">
+                <a:solidFill>
+                  <a:srgbClr val="D4D4D4"/>
+                </a:solidFill>
+                <a:latin typeface="Consolas" panose="020B0609020204030204" pitchFamily="49" charset="0"/>
+                <a:ea typeface="Times New Roman" panose="02020603050405020304" pitchFamily="18" charset="0"/>
+                <a:cs typeface="Times New Roman" panose="02020603050405020304" pitchFamily="18" charset="0"/>
+              </a:rPr>
+              <a:t>nome_logico_server</a:t>
+            </a:r>
+            <a:r>
+              <a:rPr lang="it-IT" sz="1200" dirty="0">
+                <a:solidFill>
+                  <a:srgbClr val="D4D4D4"/>
+                </a:solidFill>
+                <a:latin typeface="Consolas" panose="020B0609020204030204" pitchFamily="49" charset="0"/>
+                <a:ea typeface="Times New Roman" panose="02020603050405020304" pitchFamily="18" charset="0"/>
+                <a:cs typeface="Times New Roman" panose="02020603050405020304" pitchFamily="18" charset="0"/>
+              </a:rPr>
+              <a:t> == </a:t>
+            </a:r>
+            <a:r>
+              <a:rPr lang="it-IT" sz="1200" dirty="0" err="1">
+                <a:solidFill>
+                  <a:srgbClr val="569CD6"/>
+                </a:solidFill>
+                <a:latin typeface="Consolas" panose="020B0609020204030204" pitchFamily="49" charset="0"/>
+                <a:ea typeface="Times New Roman" panose="02020603050405020304" pitchFamily="18" charset="0"/>
+                <a:cs typeface="Times New Roman" panose="02020603050405020304" pitchFamily="18" charset="0"/>
+              </a:rPr>
+              <a:t>null</a:t>
+            </a:r>
+            <a:r>
+              <a:rPr lang="it-IT" sz="1200" dirty="0">
+                <a:solidFill>
+                  <a:srgbClr val="D4D4D4"/>
+                </a:solidFill>
+                <a:latin typeface="Consolas" panose="020B0609020204030204" pitchFamily="49" charset="0"/>
+                <a:ea typeface="Times New Roman" panose="02020603050405020304" pitchFamily="18" charset="0"/>
+                <a:cs typeface="Times New Roman" panose="02020603050405020304" pitchFamily="18" charset="0"/>
+              </a:rPr>
+              <a:t>) || !</a:t>
+            </a:r>
+            <a:r>
+              <a:rPr lang="it-IT" sz="1200" dirty="0" err="1">
+                <a:solidFill>
+                  <a:srgbClr val="9CDCFE"/>
+                </a:solidFill>
+                <a:latin typeface="Consolas" panose="020B0609020204030204" pitchFamily="49" charset="0"/>
+                <a:ea typeface="Times New Roman" panose="02020603050405020304" pitchFamily="18" charset="0"/>
+                <a:cs typeface="Times New Roman" panose="02020603050405020304" pitchFamily="18" charset="0"/>
+              </a:rPr>
+              <a:t>itag</a:t>
+            </a:r>
+            <a:r>
+              <a:rPr lang="it-IT" sz="1200" dirty="0" err="1">
+                <a:solidFill>
+                  <a:srgbClr val="D4D4D4"/>
+                </a:solidFill>
+                <a:latin typeface="Consolas" panose="020B0609020204030204" pitchFamily="49" charset="0"/>
+                <a:ea typeface="Times New Roman" panose="02020603050405020304" pitchFamily="18" charset="0"/>
+                <a:cs typeface="Times New Roman" panose="02020603050405020304" pitchFamily="18" charset="0"/>
+              </a:rPr>
+              <a:t>.</a:t>
+            </a:r>
+            <a:r>
+              <a:rPr lang="it-IT" sz="1200" dirty="0" err="1">
+                <a:solidFill>
+                  <a:srgbClr val="DCDCAA"/>
+                </a:solidFill>
+                <a:latin typeface="Consolas" panose="020B0609020204030204" pitchFamily="49" charset="0"/>
+                <a:ea typeface="Times New Roman" panose="02020603050405020304" pitchFamily="18" charset="0"/>
+                <a:cs typeface="Times New Roman" panose="02020603050405020304" pitchFamily="18" charset="0"/>
+              </a:rPr>
+              <a:t>check</a:t>
+            </a:r>
+            <a:r>
+              <a:rPr lang="it-IT" sz="1200" dirty="0">
+                <a:solidFill>
+                  <a:srgbClr val="D4D4D4"/>
+                </a:solidFill>
+                <a:latin typeface="Consolas" panose="020B0609020204030204" pitchFamily="49" charset="0"/>
+                <a:ea typeface="Times New Roman" panose="02020603050405020304" pitchFamily="18" charset="0"/>
+                <a:cs typeface="Times New Roman" panose="02020603050405020304" pitchFamily="18" charset="0"/>
+              </a:rPr>
+              <a:t>(tag)) {</a:t>
+            </a:r>
+            <a:endParaRPr lang="it-IT" sz="1400" dirty="0">
+              <a:latin typeface="Consolas" panose="020B0609020204030204" pitchFamily="49" charset="0"/>
+              <a:ea typeface="Calibri" panose="020F0502020204030204" pitchFamily="34" charset="0"/>
+              <a:cs typeface="Times New Roman" panose="02020603050405020304" pitchFamily="18" charset="0"/>
+            </a:endParaRPr>
+          </a:p>
+          <a:p>
+            <a:pPr>
+              <a:lnSpc>
+                <a:spcPct val="130000"/>
+              </a:lnSpc>
+              <a:spcAft>
+                <a:spcPts val="0"/>
+              </a:spcAft>
+            </a:pPr>
+            <a:r>
+              <a:rPr lang="it-IT" sz="1200" dirty="0">
+                <a:solidFill>
+                  <a:srgbClr val="C586C0"/>
+                </a:solidFill>
+                <a:latin typeface="Consolas" panose="020B0609020204030204" pitchFamily="49" charset="0"/>
+                <a:ea typeface="Times New Roman" panose="02020603050405020304" pitchFamily="18" charset="0"/>
+                <a:cs typeface="Times New Roman" panose="02020603050405020304" pitchFamily="18" charset="0"/>
+              </a:rPr>
+              <a:t>		</a:t>
+            </a:r>
+            <a:r>
+              <a:rPr lang="it-IT" sz="1200" dirty="0" err="1">
+                <a:solidFill>
+                  <a:srgbClr val="C586C0"/>
+                </a:solidFill>
+                <a:latin typeface="Consolas" panose="020B0609020204030204" pitchFamily="49" charset="0"/>
+                <a:ea typeface="Times New Roman" panose="02020603050405020304" pitchFamily="18" charset="0"/>
+                <a:cs typeface="Times New Roman" panose="02020603050405020304" pitchFamily="18" charset="0"/>
+              </a:rPr>
+              <a:t>return</a:t>
+            </a:r>
+            <a:r>
+              <a:rPr lang="it-IT" sz="1200" dirty="0">
+                <a:solidFill>
+                  <a:srgbClr val="D4D4D4"/>
+                </a:solidFill>
+                <a:latin typeface="Consolas" panose="020B0609020204030204" pitchFamily="49" charset="0"/>
+                <a:ea typeface="Times New Roman" panose="02020603050405020304" pitchFamily="18" charset="0"/>
+                <a:cs typeface="Times New Roman" panose="02020603050405020304" pitchFamily="18" charset="0"/>
+              </a:rPr>
+              <a:t> risultato;</a:t>
+            </a:r>
+            <a:endParaRPr lang="it-IT" sz="1400" dirty="0">
+              <a:latin typeface="Consolas" panose="020B0609020204030204" pitchFamily="49" charset="0"/>
+              <a:ea typeface="Calibri" panose="020F0502020204030204" pitchFamily="34" charset="0"/>
+              <a:cs typeface="Times New Roman" panose="02020603050405020304" pitchFamily="18" charset="0"/>
+            </a:endParaRPr>
+          </a:p>
+          <a:p>
+            <a:pPr>
+              <a:lnSpc>
+                <a:spcPct val="130000"/>
+              </a:lnSpc>
+              <a:spcAft>
+                <a:spcPts val="0"/>
+              </a:spcAft>
+            </a:pPr>
+            <a:r>
+              <a:rPr lang="it-IT" sz="1200" dirty="0">
+                <a:solidFill>
+                  <a:srgbClr val="D4D4D4"/>
+                </a:solidFill>
+                <a:latin typeface="Consolas" panose="020B0609020204030204" pitchFamily="49" charset="0"/>
+                <a:ea typeface="Times New Roman" panose="02020603050405020304" pitchFamily="18" charset="0"/>
+                <a:cs typeface="Times New Roman" panose="02020603050405020304" pitchFamily="18" charset="0"/>
+              </a:rPr>
+              <a:t>	}</a:t>
+            </a:r>
+          </a:p>
+          <a:p>
+            <a:pPr>
+              <a:lnSpc>
+                <a:spcPct val="130000"/>
+              </a:lnSpc>
+              <a:spcAft>
+                <a:spcPts val="0"/>
+              </a:spcAft>
+            </a:pPr>
+            <a:endParaRPr lang="it-IT" sz="1400" dirty="0">
+              <a:latin typeface="Consolas" panose="020B0609020204030204" pitchFamily="49" charset="0"/>
+              <a:ea typeface="Calibri" panose="020F0502020204030204" pitchFamily="34" charset="0"/>
+              <a:cs typeface="Times New Roman" panose="02020603050405020304" pitchFamily="18" charset="0"/>
+            </a:endParaRPr>
+          </a:p>
+          <a:p>
+            <a:pPr>
+              <a:lnSpc>
+                <a:spcPct val="130000"/>
+              </a:lnSpc>
+              <a:spcAft>
+                <a:spcPts val="0"/>
+              </a:spcAft>
+            </a:pPr>
+            <a:r>
+              <a:rPr lang="it-IT" sz="1200" dirty="0">
+                <a:solidFill>
+                  <a:srgbClr val="C586C0"/>
+                </a:solidFill>
+                <a:latin typeface="Consolas" panose="020B0609020204030204" pitchFamily="49" charset="0"/>
+                <a:ea typeface="Times New Roman" panose="02020603050405020304" pitchFamily="18" charset="0"/>
+                <a:cs typeface="Times New Roman" panose="02020603050405020304" pitchFamily="18" charset="0"/>
+              </a:rPr>
+              <a:t>	for</a:t>
+            </a:r>
+            <a:r>
+              <a:rPr lang="it-IT" sz="1200" dirty="0">
+                <a:solidFill>
+                  <a:srgbClr val="D4D4D4"/>
+                </a:solidFill>
+                <a:latin typeface="Consolas" panose="020B0609020204030204" pitchFamily="49" charset="0"/>
+                <a:ea typeface="Times New Roman" panose="02020603050405020304" pitchFamily="18" charset="0"/>
+                <a:cs typeface="Times New Roman" panose="02020603050405020304" pitchFamily="18" charset="0"/>
+              </a:rPr>
+              <a:t> (</a:t>
+            </a:r>
+            <a:r>
+              <a:rPr lang="it-IT" sz="1200" dirty="0" err="1">
+                <a:solidFill>
+                  <a:srgbClr val="4EC9B0"/>
+                </a:solidFill>
+                <a:latin typeface="Consolas" panose="020B0609020204030204" pitchFamily="49" charset="0"/>
+                <a:ea typeface="Times New Roman" panose="02020603050405020304" pitchFamily="18" charset="0"/>
+                <a:cs typeface="Times New Roman" panose="02020603050405020304" pitchFamily="18" charset="0"/>
+              </a:rPr>
+              <a:t>int</a:t>
+            </a:r>
+            <a:r>
+              <a:rPr lang="it-IT" sz="1200" dirty="0">
+                <a:solidFill>
+                  <a:srgbClr val="D4D4D4"/>
+                </a:solidFill>
+                <a:latin typeface="Consolas" panose="020B0609020204030204" pitchFamily="49" charset="0"/>
+                <a:ea typeface="Times New Roman" panose="02020603050405020304" pitchFamily="18" charset="0"/>
+                <a:cs typeface="Times New Roman" panose="02020603050405020304" pitchFamily="18" charset="0"/>
+              </a:rPr>
+              <a:t> </a:t>
+            </a:r>
+            <a:r>
+              <a:rPr lang="it-IT" sz="1200" dirty="0">
+                <a:solidFill>
+                  <a:srgbClr val="9CDCFE"/>
+                </a:solidFill>
+                <a:latin typeface="Consolas" panose="020B0609020204030204" pitchFamily="49" charset="0"/>
+                <a:ea typeface="Times New Roman" panose="02020603050405020304" pitchFamily="18" charset="0"/>
+                <a:cs typeface="Times New Roman" panose="02020603050405020304" pitchFamily="18" charset="0"/>
+              </a:rPr>
+              <a:t>i</a:t>
+            </a:r>
+            <a:r>
+              <a:rPr lang="it-IT" sz="1200" dirty="0">
+                <a:solidFill>
+                  <a:srgbClr val="D4D4D4"/>
+                </a:solidFill>
+                <a:latin typeface="Consolas" panose="020B0609020204030204" pitchFamily="49" charset="0"/>
+                <a:ea typeface="Times New Roman" panose="02020603050405020304" pitchFamily="18" charset="0"/>
+                <a:cs typeface="Times New Roman" panose="02020603050405020304" pitchFamily="18" charset="0"/>
+              </a:rPr>
+              <a:t> = </a:t>
+            </a:r>
+            <a:r>
+              <a:rPr lang="it-IT" sz="1200" dirty="0">
+                <a:solidFill>
+                  <a:srgbClr val="B5CEA8"/>
+                </a:solidFill>
+                <a:latin typeface="Consolas" panose="020B0609020204030204" pitchFamily="49" charset="0"/>
+                <a:ea typeface="Times New Roman" panose="02020603050405020304" pitchFamily="18" charset="0"/>
+                <a:cs typeface="Times New Roman" panose="02020603050405020304" pitchFamily="18" charset="0"/>
+              </a:rPr>
+              <a:t>0</a:t>
+            </a:r>
+            <a:r>
+              <a:rPr lang="it-IT" sz="1200" dirty="0">
+                <a:solidFill>
+                  <a:srgbClr val="D4D4D4"/>
+                </a:solidFill>
+                <a:latin typeface="Consolas" panose="020B0609020204030204" pitchFamily="49" charset="0"/>
+                <a:ea typeface="Times New Roman" panose="02020603050405020304" pitchFamily="18" charset="0"/>
+                <a:cs typeface="Times New Roman" panose="02020603050405020304" pitchFamily="18" charset="0"/>
+              </a:rPr>
+              <a:t>; i &lt; </a:t>
+            </a:r>
+            <a:r>
+              <a:rPr lang="it-IT" sz="1200" dirty="0" err="1">
+                <a:solidFill>
+                  <a:srgbClr val="D4D4D4"/>
+                </a:solidFill>
+                <a:latin typeface="Consolas" panose="020B0609020204030204" pitchFamily="49" charset="0"/>
+                <a:ea typeface="Times New Roman" panose="02020603050405020304" pitchFamily="18" charset="0"/>
+                <a:cs typeface="Times New Roman" panose="02020603050405020304" pitchFamily="18" charset="0"/>
+              </a:rPr>
+              <a:t>tableSize</a:t>
+            </a:r>
+            <a:r>
+              <a:rPr lang="it-IT" sz="1200" dirty="0">
+                <a:solidFill>
+                  <a:srgbClr val="D4D4D4"/>
+                </a:solidFill>
+                <a:latin typeface="Consolas" panose="020B0609020204030204" pitchFamily="49" charset="0"/>
+                <a:ea typeface="Times New Roman" panose="02020603050405020304" pitchFamily="18" charset="0"/>
+                <a:cs typeface="Times New Roman" panose="02020603050405020304" pitchFamily="18" charset="0"/>
+              </a:rPr>
+              <a:t>; i++) {</a:t>
+            </a:r>
+            <a:endParaRPr lang="it-IT" sz="1400" dirty="0">
+              <a:latin typeface="Consolas" panose="020B0609020204030204" pitchFamily="49" charset="0"/>
+              <a:ea typeface="Calibri" panose="020F0502020204030204" pitchFamily="34" charset="0"/>
+              <a:cs typeface="Times New Roman" panose="02020603050405020304" pitchFamily="18" charset="0"/>
+            </a:endParaRPr>
+          </a:p>
+          <a:p>
+            <a:pPr>
+              <a:lnSpc>
+                <a:spcPct val="130000"/>
+              </a:lnSpc>
+              <a:spcAft>
+                <a:spcPts val="0"/>
+              </a:spcAft>
+            </a:pPr>
+            <a:r>
+              <a:rPr lang="it-IT" sz="1200" dirty="0">
+                <a:solidFill>
+                  <a:srgbClr val="C586C0"/>
+                </a:solidFill>
+                <a:latin typeface="Consolas" panose="020B0609020204030204" pitchFamily="49" charset="0"/>
+                <a:ea typeface="Times New Roman" panose="02020603050405020304" pitchFamily="18" charset="0"/>
+                <a:cs typeface="Times New Roman" panose="02020603050405020304" pitchFamily="18" charset="0"/>
+              </a:rPr>
+              <a:t>		</a:t>
+            </a:r>
+            <a:r>
+              <a:rPr lang="it-IT" sz="1200" dirty="0" err="1">
+                <a:solidFill>
+                  <a:srgbClr val="C586C0"/>
+                </a:solidFill>
+                <a:latin typeface="Consolas" panose="020B0609020204030204" pitchFamily="49" charset="0"/>
+                <a:ea typeface="Times New Roman" panose="02020603050405020304" pitchFamily="18" charset="0"/>
+                <a:cs typeface="Times New Roman" panose="02020603050405020304" pitchFamily="18" charset="0"/>
+              </a:rPr>
+              <a:t>if</a:t>
+            </a:r>
+            <a:r>
+              <a:rPr lang="it-IT" sz="1200" dirty="0">
+                <a:solidFill>
+                  <a:srgbClr val="D4D4D4"/>
+                </a:solidFill>
+                <a:latin typeface="Consolas" panose="020B0609020204030204" pitchFamily="49" charset="0"/>
+                <a:ea typeface="Times New Roman" panose="02020603050405020304" pitchFamily="18" charset="0"/>
+                <a:cs typeface="Times New Roman" panose="02020603050405020304" pitchFamily="18" charset="0"/>
+              </a:rPr>
+              <a:t> (</a:t>
+            </a:r>
+            <a:r>
+              <a:rPr lang="it-IT" sz="1200" dirty="0" err="1">
+                <a:solidFill>
+                  <a:srgbClr val="9CDCFE"/>
+                </a:solidFill>
+                <a:latin typeface="Consolas" panose="020B0609020204030204" pitchFamily="49" charset="0"/>
+                <a:ea typeface="Times New Roman" panose="02020603050405020304" pitchFamily="18" charset="0"/>
+                <a:cs typeface="Times New Roman" panose="02020603050405020304" pitchFamily="18" charset="0"/>
+              </a:rPr>
+              <a:t>nome_logico_server</a:t>
+            </a:r>
+            <a:r>
+              <a:rPr lang="it-IT" sz="1200" dirty="0" err="1">
+                <a:solidFill>
+                  <a:srgbClr val="D4D4D4"/>
+                </a:solidFill>
+                <a:latin typeface="Consolas" panose="020B0609020204030204" pitchFamily="49" charset="0"/>
+                <a:ea typeface="Times New Roman" panose="02020603050405020304" pitchFamily="18" charset="0"/>
+                <a:cs typeface="Times New Roman" panose="02020603050405020304" pitchFamily="18" charset="0"/>
+              </a:rPr>
+              <a:t>.</a:t>
+            </a:r>
+            <a:r>
+              <a:rPr lang="it-IT" sz="1200" dirty="0" err="1">
+                <a:solidFill>
+                  <a:srgbClr val="DCDCAA"/>
+                </a:solidFill>
+                <a:latin typeface="Consolas" panose="020B0609020204030204" pitchFamily="49" charset="0"/>
+                <a:ea typeface="Times New Roman" panose="02020603050405020304" pitchFamily="18" charset="0"/>
+                <a:cs typeface="Times New Roman" panose="02020603050405020304" pitchFamily="18" charset="0"/>
+              </a:rPr>
+              <a:t>equals</a:t>
+            </a:r>
+            <a:r>
+              <a:rPr lang="it-IT" sz="1200" dirty="0">
+                <a:solidFill>
+                  <a:srgbClr val="D4D4D4"/>
+                </a:solidFill>
+                <a:latin typeface="Consolas" panose="020B0609020204030204" pitchFamily="49" charset="0"/>
+                <a:ea typeface="Times New Roman" panose="02020603050405020304" pitchFamily="18" charset="0"/>
+                <a:cs typeface="Times New Roman" panose="02020603050405020304" pitchFamily="18" charset="0"/>
+              </a:rPr>
+              <a:t>((</a:t>
+            </a:r>
+            <a:r>
+              <a:rPr lang="it-IT" sz="1200" dirty="0" err="1">
+                <a:solidFill>
+                  <a:srgbClr val="D4D4D4"/>
+                </a:solidFill>
+                <a:latin typeface="Consolas" panose="020B0609020204030204" pitchFamily="49" charset="0"/>
+                <a:ea typeface="Times New Roman" panose="02020603050405020304" pitchFamily="18" charset="0"/>
+                <a:cs typeface="Times New Roman" panose="02020603050405020304" pitchFamily="18" charset="0"/>
+              </a:rPr>
+              <a:t>String</a:t>
+            </a:r>
+            <a:r>
+              <a:rPr lang="it-IT" sz="1200" dirty="0">
+                <a:solidFill>
+                  <a:srgbClr val="D4D4D4"/>
+                </a:solidFill>
+                <a:latin typeface="Consolas" panose="020B0609020204030204" pitchFamily="49" charset="0"/>
+                <a:ea typeface="Times New Roman" panose="02020603050405020304" pitchFamily="18" charset="0"/>
+                <a:cs typeface="Times New Roman" panose="02020603050405020304" pitchFamily="18" charset="0"/>
+              </a:rPr>
+              <a:t>) table[i][</a:t>
+            </a:r>
+            <a:r>
+              <a:rPr lang="it-IT" sz="1200" dirty="0">
+                <a:solidFill>
+                  <a:srgbClr val="B5CEA8"/>
+                </a:solidFill>
+                <a:latin typeface="Consolas" panose="020B0609020204030204" pitchFamily="49" charset="0"/>
+                <a:ea typeface="Times New Roman" panose="02020603050405020304" pitchFamily="18" charset="0"/>
+                <a:cs typeface="Times New Roman" panose="02020603050405020304" pitchFamily="18" charset="0"/>
+              </a:rPr>
+              <a:t>0</a:t>
+            </a:r>
+            <a:r>
+              <a:rPr lang="it-IT" sz="1200" dirty="0">
+                <a:solidFill>
+                  <a:srgbClr val="D4D4D4"/>
+                </a:solidFill>
+                <a:latin typeface="Consolas" panose="020B0609020204030204" pitchFamily="49" charset="0"/>
+                <a:ea typeface="Times New Roman" panose="02020603050405020304" pitchFamily="18" charset="0"/>
+                <a:cs typeface="Times New Roman" panose="02020603050405020304" pitchFamily="18" charset="0"/>
+              </a:rPr>
+              <a:t>])) {</a:t>
+            </a:r>
+            <a:endParaRPr lang="it-IT" sz="1400" dirty="0">
+              <a:latin typeface="Consolas" panose="020B0609020204030204" pitchFamily="49" charset="0"/>
+              <a:ea typeface="Calibri" panose="020F0502020204030204" pitchFamily="34" charset="0"/>
+              <a:cs typeface="Times New Roman" panose="02020603050405020304" pitchFamily="18" charset="0"/>
+            </a:endParaRPr>
+          </a:p>
+          <a:p>
+            <a:pPr>
+              <a:lnSpc>
+                <a:spcPct val="130000"/>
+              </a:lnSpc>
+              <a:spcAft>
+                <a:spcPts val="0"/>
+              </a:spcAft>
+            </a:pPr>
+            <a:r>
+              <a:rPr lang="it-IT" sz="1200" dirty="0">
+                <a:solidFill>
+                  <a:srgbClr val="D4D4D4"/>
+                </a:solidFill>
+                <a:latin typeface="Consolas" panose="020B0609020204030204" pitchFamily="49" charset="0"/>
+                <a:ea typeface="Times New Roman" panose="02020603050405020304" pitchFamily="18" charset="0"/>
+                <a:cs typeface="Times New Roman" panose="02020603050405020304" pitchFamily="18" charset="0"/>
+              </a:rPr>
+              <a:t>			risultato = </a:t>
+            </a:r>
+            <a:r>
+              <a:rPr lang="it-IT" sz="1200" dirty="0" err="1">
+                <a:solidFill>
+                  <a:srgbClr val="569CD6"/>
+                </a:solidFill>
+                <a:latin typeface="Consolas" panose="020B0609020204030204" pitchFamily="49" charset="0"/>
+                <a:ea typeface="Times New Roman" panose="02020603050405020304" pitchFamily="18" charset="0"/>
+                <a:cs typeface="Times New Roman" panose="02020603050405020304" pitchFamily="18" charset="0"/>
+              </a:rPr>
+              <a:t>true</a:t>
+            </a:r>
+            <a:r>
+              <a:rPr lang="it-IT" sz="1200" dirty="0">
+                <a:solidFill>
+                  <a:srgbClr val="D4D4D4"/>
+                </a:solidFill>
+                <a:latin typeface="Consolas" panose="020B0609020204030204" pitchFamily="49" charset="0"/>
+                <a:ea typeface="Times New Roman" panose="02020603050405020304" pitchFamily="18" charset="0"/>
+                <a:cs typeface="Times New Roman" panose="02020603050405020304" pitchFamily="18" charset="0"/>
+              </a:rPr>
+              <a:t>;</a:t>
+            </a:r>
+            <a:endParaRPr lang="it-IT" sz="1400" dirty="0">
+              <a:latin typeface="Consolas" panose="020B0609020204030204" pitchFamily="49" charset="0"/>
+              <a:ea typeface="Calibri" panose="020F0502020204030204" pitchFamily="34" charset="0"/>
+              <a:cs typeface="Times New Roman" panose="02020603050405020304" pitchFamily="18" charset="0"/>
+            </a:endParaRPr>
+          </a:p>
+          <a:p>
+            <a:pPr>
+              <a:lnSpc>
+                <a:spcPct val="130000"/>
+              </a:lnSpc>
+              <a:spcAft>
+                <a:spcPts val="0"/>
+              </a:spcAft>
+            </a:pPr>
+            <a:r>
+              <a:rPr lang="it-IT" sz="1200" dirty="0">
+                <a:solidFill>
+                  <a:srgbClr val="D4D4D4"/>
+                </a:solidFill>
+                <a:latin typeface="Consolas" panose="020B0609020204030204" pitchFamily="49" charset="0"/>
+                <a:ea typeface="Times New Roman" panose="02020603050405020304" pitchFamily="18" charset="0"/>
+                <a:cs typeface="Times New Roman" panose="02020603050405020304" pitchFamily="18" charset="0"/>
+              </a:rPr>
+              <a:t>			table[i][</a:t>
+            </a:r>
+            <a:r>
+              <a:rPr lang="it-IT" sz="1200" dirty="0">
+                <a:solidFill>
+                  <a:srgbClr val="B5CEA8"/>
+                </a:solidFill>
+                <a:latin typeface="Consolas" panose="020B0609020204030204" pitchFamily="49" charset="0"/>
+                <a:ea typeface="Times New Roman" panose="02020603050405020304" pitchFamily="18" charset="0"/>
+                <a:cs typeface="Times New Roman" panose="02020603050405020304" pitchFamily="18" charset="0"/>
+              </a:rPr>
+              <a:t>2</a:t>
+            </a:r>
+            <a:r>
+              <a:rPr lang="it-IT" sz="1200" dirty="0">
+                <a:solidFill>
+                  <a:srgbClr val="D4D4D4"/>
+                </a:solidFill>
+                <a:latin typeface="Consolas" panose="020B0609020204030204" pitchFamily="49" charset="0"/>
+                <a:ea typeface="Times New Roman" panose="02020603050405020304" pitchFamily="18" charset="0"/>
+                <a:cs typeface="Times New Roman" panose="02020603050405020304" pitchFamily="18" charset="0"/>
+              </a:rPr>
+              <a:t>] = tag;</a:t>
+            </a:r>
+            <a:endParaRPr lang="it-IT" sz="1400" dirty="0">
+              <a:latin typeface="Consolas" panose="020B0609020204030204" pitchFamily="49" charset="0"/>
+              <a:ea typeface="Calibri" panose="020F0502020204030204" pitchFamily="34" charset="0"/>
+              <a:cs typeface="Times New Roman" panose="02020603050405020304" pitchFamily="18" charset="0"/>
+            </a:endParaRPr>
+          </a:p>
+          <a:p>
+            <a:pPr>
+              <a:lnSpc>
+                <a:spcPct val="130000"/>
+              </a:lnSpc>
+              <a:spcAft>
+                <a:spcPts val="0"/>
+              </a:spcAft>
+            </a:pPr>
+            <a:r>
+              <a:rPr lang="it-IT" sz="1200" dirty="0">
+                <a:solidFill>
+                  <a:srgbClr val="C586C0"/>
+                </a:solidFill>
+                <a:latin typeface="Consolas" panose="020B0609020204030204" pitchFamily="49" charset="0"/>
+                <a:ea typeface="Times New Roman" panose="02020603050405020304" pitchFamily="18" charset="0"/>
+                <a:cs typeface="Times New Roman" panose="02020603050405020304" pitchFamily="18" charset="0"/>
+              </a:rPr>
+              <a:t>			break</a:t>
+            </a:r>
+            <a:r>
+              <a:rPr lang="it-IT" sz="1200" dirty="0">
+                <a:solidFill>
+                  <a:srgbClr val="D4D4D4"/>
+                </a:solidFill>
+                <a:latin typeface="Consolas" panose="020B0609020204030204" pitchFamily="49" charset="0"/>
+                <a:ea typeface="Times New Roman" panose="02020603050405020304" pitchFamily="18" charset="0"/>
+                <a:cs typeface="Times New Roman" panose="02020603050405020304" pitchFamily="18" charset="0"/>
+              </a:rPr>
+              <a:t>;</a:t>
+            </a:r>
+            <a:endParaRPr lang="it-IT" sz="1400" dirty="0">
+              <a:latin typeface="Consolas" panose="020B0609020204030204" pitchFamily="49" charset="0"/>
+              <a:ea typeface="Calibri" panose="020F0502020204030204" pitchFamily="34" charset="0"/>
+              <a:cs typeface="Times New Roman" panose="02020603050405020304" pitchFamily="18" charset="0"/>
+            </a:endParaRPr>
+          </a:p>
+          <a:p>
+            <a:pPr>
+              <a:lnSpc>
+                <a:spcPct val="130000"/>
+              </a:lnSpc>
+              <a:spcAft>
+                <a:spcPts val="0"/>
+              </a:spcAft>
+            </a:pPr>
+            <a:r>
+              <a:rPr lang="it-IT" sz="1200" dirty="0">
+                <a:solidFill>
+                  <a:srgbClr val="D4D4D4"/>
+                </a:solidFill>
+                <a:latin typeface="Consolas" panose="020B0609020204030204" pitchFamily="49" charset="0"/>
+                <a:ea typeface="Times New Roman" panose="02020603050405020304" pitchFamily="18" charset="0"/>
+                <a:cs typeface="Times New Roman" panose="02020603050405020304" pitchFamily="18" charset="0"/>
+              </a:rPr>
+              <a:t>		}</a:t>
+            </a:r>
+            <a:endParaRPr lang="it-IT" sz="1400" dirty="0">
+              <a:latin typeface="Consolas" panose="020B0609020204030204" pitchFamily="49" charset="0"/>
+              <a:ea typeface="Calibri" panose="020F0502020204030204" pitchFamily="34" charset="0"/>
+              <a:cs typeface="Times New Roman" panose="02020603050405020304" pitchFamily="18" charset="0"/>
+            </a:endParaRPr>
+          </a:p>
+          <a:p>
+            <a:pPr>
+              <a:lnSpc>
+                <a:spcPct val="130000"/>
+              </a:lnSpc>
+              <a:spcAft>
+                <a:spcPts val="0"/>
+              </a:spcAft>
+            </a:pPr>
+            <a:r>
+              <a:rPr lang="it-IT" sz="1200" dirty="0">
+                <a:solidFill>
+                  <a:srgbClr val="D4D4D4"/>
+                </a:solidFill>
+                <a:latin typeface="Consolas" panose="020B0609020204030204" pitchFamily="49" charset="0"/>
+                <a:ea typeface="Times New Roman" panose="02020603050405020304" pitchFamily="18" charset="0"/>
+                <a:cs typeface="Times New Roman" panose="02020603050405020304" pitchFamily="18" charset="0"/>
+              </a:rPr>
+              <a:t>	}</a:t>
+            </a:r>
+          </a:p>
+          <a:p>
+            <a:pPr>
+              <a:lnSpc>
+                <a:spcPct val="130000"/>
+              </a:lnSpc>
+              <a:spcAft>
+                <a:spcPts val="0"/>
+              </a:spcAft>
+            </a:pPr>
+            <a:endParaRPr lang="it-IT" sz="1400" dirty="0">
+              <a:latin typeface="Consolas" panose="020B0609020204030204" pitchFamily="49" charset="0"/>
+              <a:ea typeface="Calibri" panose="020F0502020204030204" pitchFamily="34" charset="0"/>
+              <a:cs typeface="Times New Roman" panose="02020603050405020304" pitchFamily="18" charset="0"/>
+            </a:endParaRPr>
+          </a:p>
+          <a:p>
+            <a:pPr>
+              <a:lnSpc>
+                <a:spcPct val="130000"/>
+              </a:lnSpc>
+              <a:spcAft>
+                <a:spcPts val="0"/>
+              </a:spcAft>
+            </a:pPr>
+            <a:r>
+              <a:rPr lang="it-IT" sz="1200" dirty="0">
+                <a:solidFill>
+                  <a:srgbClr val="C586C0"/>
+                </a:solidFill>
+                <a:latin typeface="Consolas" panose="020B0609020204030204" pitchFamily="49" charset="0"/>
+                <a:ea typeface="Times New Roman" panose="02020603050405020304" pitchFamily="18" charset="0"/>
+                <a:cs typeface="Times New Roman" panose="02020603050405020304" pitchFamily="18" charset="0"/>
+              </a:rPr>
+              <a:t>	</a:t>
+            </a:r>
+            <a:r>
+              <a:rPr lang="it-IT" sz="1200" dirty="0" err="1">
+                <a:solidFill>
+                  <a:srgbClr val="C586C0"/>
+                </a:solidFill>
+                <a:latin typeface="Consolas" panose="020B0609020204030204" pitchFamily="49" charset="0"/>
+                <a:ea typeface="Times New Roman" panose="02020603050405020304" pitchFamily="18" charset="0"/>
+                <a:cs typeface="Times New Roman" panose="02020603050405020304" pitchFamily="18" charset="0"/>
+              </a:rPr>
+              <a:t>return</a:t>
+            </a:r>
+            <a:r>
+              <a:rPr lang="it-IT" sz="1200" dirty="0">
+                <a:solidFill>
+                  <a:srgbClr val="D4D4D4"/>
+                </a:solidFill>
+                <a:latin typeface="Consolas" panose="020B0609020204030204" pitchFamily="49" charset="0"/>
+                <a:ea typeface="Times New Roman" panose="02020603050405020304" pitchFamily="18" charset="0"/>
+                <a:cs typeface="Times New Roman" panose="02020603050405020304" pitchFamily="18" charset="0"/>
+              </a:rPr>
+              <a:t> risultato;</a:t>
+            </a:r>
+            <a:endParaRPr lang="it-IT" sz="1400" dirty="0">
+              <a:latin typeface="Consolas" panose="020B0609020204030204" pitchFamily="49" charset="0"/>
+              <a:ea typeface="Calibri" panose="020F0502020204030204" pitchFamily="34" charset="0"/>
+              <a:cs typeface="Times New Roman" panose="02020603050405020304" pitchFamily="18" charset="0"/>
+            </a:endParaRPr>
+          </a:p>
+          <a:p>
+            <a:pPr>
+              <a:lnSpc>
+                <a:spcPct val="130000"/>
+              </a:lnSpc>
+              <a:spcAft>
+                <a:spcPts val="0"/>
+              </a:spcAft>
+            </a:pPr>
+            <a:r>
+              <a:rPr lang="it-IT" sz="1200" dirty="0">
+                <a:solidFill>
+                  <a:srgbClr val="D4D4D4"/>
+                </a:solidFill>
+                <a:latin typeface="Consolas" panose="020B0609020204030204" pitchFamily="49" charset="0"/>
+                <a:ea typeface="Times New Roman" panose="02020603050405020304" pitchFamily="18" charset="0"/>
+                <a:cs typeface="Times New Roman" panose="02020603050405020304" pitchFamily="18" charset="0"/>
+              </a:rPr>
+              <a:t>}</a:t>
+            </a:r>
+            <a:endParaRPr lang="it-IT" sz="1400" dirty="0">
+              <a:latin typeface="Consolas" panose="020B0609020204030204" pitchFamily="49" charset="0"/>
+              <a:ea typeface="Calibri" panose="020F0502020204030204" pitchFamily="34" charset="0"/>
+              <a:cs typeface="Times New Roman" panose="02020603050405020304" pitchFamily="18" charset="0"/>
+            </a:endParaRPr>
+          </a:p>
+        </p:txBody>
+      </p:sp>
+    </p:spTree>
+    <p:extLst>
+      <p:ext uri="{BB962C8B-B14F-4D97-AF65-F5344CB8AC3E}">
+        <p14:creationId xmlns:p14="http://schemas.microsoft.com/office/powerpoint/2010/main" val="3131005690"/>
+      </p:ext>
+    </p:extLst>
+  </p:cSld>
+  <p:clrMapOvr>
+    <a:masterClrMapping/>
+  </p:clrMapOvr>
+</p:sld>
+</file>
+
+<file path=ppt/slides/slide5.xml><?xml version="1.0" encoding="utf-8"?>
+<p:sld xmlns:a="http://schemas.openxmlformats.org/drawingml/2006/main" xmlns:r="http://schemas.openxmlformats.org/officeDocument/2006/relationships" xmlns:p="http://schemas.openxmlformats.org/presentationml/2006/main">
+  <p:cSld>
+    <p:bg>
+      <p:bgPr>
+        <a:solidFill>
+          <a:srgbClr val="2A2A2A"/>
+        </a:solidFill>
+        <a:effectLst/>
+      </p:bgPr>
+    </p:bg>
+    <p:spTree>
+      <p:nvGrpSpPr>
+        <p:cNvPr id="1" name=""/>
+        <p:cNvGrpSpPr/>
+        <p:nvPr/>
+      </p:nvGrpSpPr>
+      <p:grpSpPr>
+        <a:xfrm>
+          <a:off x="0" y="0"/>
+          <a:ext cx="0" cy="0"/>
+          <a:chOff x="0" y="0"/>
+          <a:chExt cx="0" cy="0"/>
+        </a:xfrm>
+      </p:grpSpPr>
+      <p:sp>
+        <p:nvSpPr>
+          <p:cNvPr id="2" name="Titolo 1">
+            <a:extLst>
+              <a:ext uri="{FF2B5EF4-FFF2-40B4-BE49-F238E27FC236}">
+                <a16:creationId xmlns:a16="http://schemas.microsoft.com/office/drawing/2014/main" id="{F1DDE7A4-1A5F-4F0D-B842-7798EDC6EDA8}"/>
+              </a:ext>
+            </a:extLst>
+          </p:cNvPr>
+          <p:cNvSpPr>
+            <a:spLocks noGrp="1"/>
+          </p:cNvSpPr>
+          <p:nvPr>
+            <p:ph type="title"/>
+          </p:nvPr>
+        </p:nvSpPr>
+        <p:spPr>
+          <a:xfrm>
+            <a:off x="166048" y="92077"/>
+            <a:ext cx="11859904" cy="911224"/>
+          </a:xfrm>
+        </p:spPr>
+        <p:txBody>
+          <a:bodyPr>
+            <a:normAutofit/>
+          </a:bodyPr>
+          <a:lstStyle/>
+          <a:p>
+            <a:pPr algn="ctr"/>
+            <a:r>
+              <a:rPr lang="it-IT" dirty="0" err="1">
+                <a:solidFill>
+                  <a:schemeClr val="bg1"/>
+                </a:solidFill>
+                <a:latin typeface="Avenir Next LT Pro Light" panose="020B0304020202020204" pitchFamily="34" charset="0"/>
+              </a:rPr>
+              <a:t>RegistryRemotoTagImpl</a:t>
+            </a:r>
+            <a:r>
+              <a:rPr lang="it-IT" dirty="0">
+                <a:solidFill>
+                  <a:schemeClr val="bg1"/>
+                </a:solidFill>
+                <a:latin typeface="Avenir Next LT Pro Light" panose="020B0304020202020204" pitchFamily="34" charset="0"/>
+              </a:rPr>
+              <a:t> (2)</a:t>
+            </a:r>
+          </a:p>
+        </p:txBody>
+      </p:sp>
+      <p:sp>
+        <p:nvSpPr>
+          <p:cNvPr id="3" name="Segnaposto numero diapositiva 2">
+            <a:extLst>
+              <a:ext uri="{FF2B5EF4-FFF2-40B4-BE49-F238E27FC236}">
+                <a16:creationId xmlns:a16="http://schemas.microsoft.com/office/drawing/2014/main" id="{A47D4834-59E8-435C-A95B-F4D997DED51E}"/>
+              </a:ext>
+            </a:extLst>
+          </p:cNvPr>
+          <p:cNvSpPr>
+            <a:spLocks noGrp="1"/>
+          </p:cNvSpPr>
+          <p:nvPr>
+            <p:ph type="sldNum" sz="quarter" idx="12"/>
+          </p:nvPr>
+        </p:nvSpPr>
+        <p:spPr/>
+        <p:txBody>
+          <a:bodyPr/>
+          <a:lstStyle/>
+          <a:p>
+            <a:fld id="{4A6DC286-705F-4A37-A21F-B485E3A29C72}" type="slidenum">
+              <a:rPr lang="it-IT" smtClean="0"/>
+              <a:t>5</a:t>
+            </a:fld>
+            <a:endParaRPr lang="it-IT"/>
+          </a:p>
+        </p:txBody>
+      </p:sp>
+      <p:sp>
+        <p:nvSpPr>
+          <p:cNvPr id="5" name="CasellaDiTesto 4">
+            <a:extLst>
+              <a:ext uri="{FF2B5EF4-FFF2-40B4-BE49-F238E27FC236}">
+                <a16:creationId xmlns:a16="http://schemas.microsoft.com/office/drawing/2014/main" id="{575E9FB5-702A-42D6-A2EB-DC69E86329E8}"/>
+              </a:ext>
+            </a:extLst>
+          </p:cNvPr>
+          <p:cNvSpPr txBox="1"/>
+          <p:nvPr/>
+        </p:nvSpPr>
+        <p:spPr>
+          <a:xfrm>
+            <a:off x="882212" y="1003301"/>
+            <a:ext cx="10427575" cy="5113259"/>
+          </a:xfrm>
+          <a:prstGeom prst="rect">
+            <a:avLst/>
+          </a:prstGeom>
+          <a:noFill/>
+        </p:spPr>
+        <p:txBody>
+          <a:bodyPr wrap="square" rtlCol="0">
+            <a:spAutoFit/>
+          </a:bodyPr>
+          <a:lstStyle/>
+          <a:p>
+            <a:pPr>
+              <a:lnSpc>
+                <a:spcPct val="130000"/>
+              </a:lnSpc>
+              <a:spcAft>
+                <a:spcPts val="0"/>
+              </a:spcAft>
+            </a:pPr>
+            <a:r>
+              <a:rPr lang="it-IT" sz="1200" dirty="0">
+                <a:solidFill>
+                  <a:srgbClr val="569CD6"/>
+                </a:solidFill>
+                <a:latin typeface="Consolas" panose="020B0609020204030204" pitchFamily="49" charset="0"/>
+                <a:ea typeface="Times New Roman" panose="02020603050405020304" pitchFamily="18" charset="0"/>
+                <a:cs typeface="Times New Roman" panose="02020603050405020304" pitchFamily="18" charset="0"/>
+              </a:rPr>
+              <a:t>public</a:t>
+            </a:r>
+            <a:r>
+              <a:rPr lang="it-IT" sz="1200" dirty="0">
+                <a:solidFill>
+                  <a:srgbClr val="D4D4D4"/>
+                </a:solidFill>
+                <a:latin typeface="Consolas" panose="020B0609020204030204" pitchFamily="49" charset="0"/>
+                <a:ea typeface="Times New Roman" panose="02020603050405020304" pitchFamily="18" charset="0"/>
+                <a:cs typeface="Times New Roman" panose="02020603050405020304" pitchFamily="18" charset="0"/>
+              </a:rPr>
+              <a:t> </a:t>
+            </a:r>
+            <a:r>
+              <a:rPr lang="it-IT" sz="1200" dirty="0" err="1">
+                <a:solidFill>
+                  <a:srgbClr val="569CD6"/>
+                </a:solidFill>
+                <a:latin typeface="Consolas" panose="020B0609020204030204" pitchFamily="49" charset="0"/>
+                <a:ea typeface="Times New Roman" panose="02020603050405020304" pitchFamily="18" charset="0"/>
+                <a:cs typeface="Times New Roman" panose="02020603050405020304" pitchFamily="18" charset="0"/>
+              </a:rPr>
+              <a:t>synchronized</a:t>
+            </a:r>
+            <a:r>
+              <a:rPr lang="it-IT" sz="1200" dirty="0">
+                <a:solidFill>
+                  <a:srgbClr val="D4D4D4"/>
+                </a:solidFill>
+                <a:latin typeface="Consolas" panose="020B0609020204030204" pitchFamily="49" charset="0"/>
+                <a:ea typeface="Times New Roman" panose="02020603050405020304" pitchFamily="18" charset="0"/>
+                <a:cs typeface="Times New Roman" panose="02020603050405020304" pitchFamily="18" charset="0"/>
+              </a:rPr>
+              <a:t> </a:t>
+            </a:r>
+            <a:r>
+              <a:rPr lang="it-IT" sz="1200" dirty="0" err="1">
+                <a:solidFill>
+                  <a:srgbClr val="4EC9B0"/>
+                </a:solidFill>
+                <a:latin typeface="Consolas" panose="020B0609020204030204" pitchFamily="49" charset="0"/>
+                <a:ea typeface="Times New Roman" panose="02020603050405020304" pitchFamily="18" charset="0"/>
+                <a:cs typeface="Times New Roman" panose="02020603050405020304" pitchFamily="18" charset="0"/>
+              </a:rPr>
+              <a:t>String</a:t>
+            </a:r>
+            <a:r>
+              <a:rPr lang="it-IT" sz="1200" dirty="0">
+                <a:solidFill>
+                  <a:srgbClr val="D4D4D4"/>
+                </a:solidFill>
+                <a:latin typeface="Consolas" panose="020B0609020204030204" pitchFamily="49" charset="0"/>
+                <a:ea typeface="Times New Roman" panose="02020603050405020304" pitchFamily="18" charset="0"/>
+                <a:cs typeface="Times New Roman" panose="02020603050405020304" pitchFamily="18" charset="0"/>
+              </a:rPr>
+              <a:t>[] </a:t>
+            </a:r>
+            <a:r>
+              <a:rPr lang="it-IT" sz="1200" dirty="0" err="1">
+                <a:solidFill>
+                  <a:srgbClr val="DCDCAA"/>
+                </a:solidFill>
+                <a:latin typeface="Consolas" panose="020B0609020204030204" pitchFamily="49" charset="0"/>
+                <a:ea typeface="Times New Roman" panose="02020603050405020304" pitchFamily="18" charset="0"/>
+                <a:cs typeface="Times New Roman" panose="02020603050405020304" pitchFamily="18" charset="0"/>
+              </a:rPr>
+              <a:t>cercaTag</a:t>
+            </a:r>
+            <a:r>
+              <a:rPr lang="it-IT" sz="1200" dirty="0">
+                <a:solidFill>
+                  <a:srgbClr val="D4D4D4"/>
+                </a:solidFill>
+                <a:latin typeface="Consolas" panose="020B0609020204030204" pitchFamily="49" charset="0"/>
+                <a:ea typeface="Times New Roman" panose="02020603050405020304" pitchFamily="18" charset="0"/>
+                <a:cs typeface="Times New Roman" panose="02020603050405020304" pitchFamily="18" charset="0"/>
+              </a:rPr>
+              <a:t>(</a:t>
+            </a:r>
+            <a:r>
+              <a:rPr lang="it-IT" sz="1200" dirty="0" err="1">
+                <a:solidFill>
+                  <a:srgbClr val="4EC9B0"/>
+                </a:solidFill>
+                <a:latin typeface="Consolas" panose="020B0609020204030204" pitchFamily="49" charset="0"/>
+                <a:ea typeface="Times New Roman" panose="02020603050405020304" pitchFamily="18" charset="0"/>
+                <a:cs typeface="Times New Roman" panose="02020603050405020304" pitchFamily="18" charset="0"/>
+              </a:rPr>
+              <a:t>String</a:t>
+            </a:r>
+            <a:r>
+              <a:rPr lang="it-IT" sz="1200" dirty="0">
+                <a:solidFill>
+                  <a:srgbClr val="D4D4D4"/>
+                </a:solidFill>
+                <a:latin typeface="Consolas" panose="020B0609020204030204" pitchFamily="49" charset="0"/>
+                <a:ea typeface="Times New Roman" panose="02020603050405020304" pitchFamily="18" charset="0"/>
+                <a:cs typeface="Times New Roman" panose="02020603050405020304" pitchFamily="18" charset="0"/>
+              </a:rPr>
+              <a:t> </a:t>
+            </a:r>
+            <a:r>
+              <a:rPr lang="it-IT" sz="1200" dirty="0">
+                <a:solidFill>
+                  <a:srgbClr val="9CDCFE"/>
+                </a:solidFill>
+                <a:latin typeface="Consolas" panose="020B0609020204030204" pitchFamily="49" charset="0"/>
+                <a:ea typeface="Times New Roman" panose="02020603050405020304" pitchFamily="18" charset="0"/>
+                <a:cs typeface="Times New Roman" panose="02020603050405020304" pitchFamily="18" charset="0"/>
+              </a:rPr>
+              <a:t>tag</a:t>
+            </a:r>
+            <a:r>
+              <a:rPr lang="it-IT" sz="1200" dirty="0">
+                <a:solidFill>
+                  <a:srgbClr val="D4D4D4"/>
+                </a:solidFill>
+                <a:latin typeface="Consolas" panose="020B0609020204030204" pitchFamily="49" charset="0"/>
+                <a:ea typeface="Times New Roman" panose="02020603050405020304" pitchFamily="18" charset="0"/>
+                <a:cs typeface="Times New Roman" panose="02020603050405020304" pitchFamily="18" charset="0"/>
+              </a:rPr>
+              <a:t>) </a:t>
+            </a:r>
+            <a:r>
+              <a:rPr lang="it-IT" sz="1200" dirty="0" err="1">
+                <a:solidFill>
+                  <a:srgbClr val="569CD6"/>
+                </a:solidFill>
+                <a:latin typeface="Consolas" panose="020B0609020204030204" pitchFamily="49" charset="0"/>
+                <a:ea typeface="Times New Roman" panose="02020603050405020304" pitchFamily="18" charset="0"/>
+                <a:cs typeface="Times New Roman" panose="02020603050405020304" pitchFamily="18" charset="0"/>
+              </a:rPr>
+              <a:t>throws</a:t>
+            </a:r>
+            <a:r>
+              <a:rPr lang="it-IT" sz="1200" dirty="0">
+                <a:solidFill>
+                  <a:srgbClr val="D4D4D4"/>
+                </a:solidFill>
+                <a:latin typeface="Consolas" panose="020B0609020204030204" pitchFamily="49" charset="0"/>
+                <a:ea typeface="Times New Roman" panose="02020603050405020304" pitchFamily="18" charset="0"/>
+                <a:cs typeface="Times New Roman" panose="02020603050405020304" pitchFamily="18" charset="0"/>
+              </a:rPr>
+              <a:t> </a:t>
+            </a:r>
+            <a:r>
+              <a:rPr lang="it-IT" sz="1200" dirty="0" err="1">
+                <a:solidFill>
+                  <a:srgbClr val="4EC9B0"/>
+                </a:solidFill>
+                <a:latin typeface="Consolas" panose="020B0609020204030204" pitchFamily="49" charset="0"/>
+                <a:ea typeface="Times New Roman" panose="02020603050405020304" pitchFamily="18" charset="0"/>
+                <a:cs typeface="Times New Roman" panose="02020603050405020304" pitchFamily="18" charset="0"/>
+              </a:rPr>
+              <a:t>RemoteException</a:t>
+            </a:r>
+            <a:r>
+              <a:rPr lang="it-IT" sz="1200" dirty="0">
+                <a:solidFill>
+                  <a:srgbClr val="D4D4D4"/>
+                </a:solidFill>
+                <a:latin typeface="Consolas" panose="020B0609020204030204" pitchFamily="49" charset="0"/>
+                <a:ea typeface="Times New Roman" panose="02020603050405020304" pitchFamily="18" charset="0"/>
+                <a:cs typeface="Times New Roman" panose="02020603050405020304" pitchFamily="18" charset="0"/>
+              </a:rPr>
+              <a:t> {</a:t>
+            </a:r>
+            <a:endParaRPr lang="it-IT" sz="1200" dirty="0">
+              <a:latin typeface="Consolas" panose="020B0609020204030204" pitchFamily="49" charset="0"/>
+              <a:ea typeface="Calibri" panose="020F0502020204030204" pitchFamily="34" charset="0"/>
+              <a:cs typeface="Times New Roman" panose="02020603050405020304" pitchFamily="18" charset="0"/>
+            </a:endParaRPr>
+          </a:p>
+          <a:p>
+            <a:pPr>
+              <a:lnSpc>
+                <a:spcPct val="130000"/>
+              </a:lnSpc>
+              <a:spcAft>
+                <a:spcPts val="0"/>
+              </a:spcAft>
+            </a:pPr>
+            <a:r>
+              <a:rPr lang="it-IT" sz="1200" dirty="0">
+                <a:solidFill>
+                  <a:srgbClr val="4EC9B0"/>
+                </a:solidFill>
+                <a:latin typeface="Consolas" panose="020B0609020204030204" pitchFamily="49" charset="0"/>
+                <a:ea typeface="Times New Roman" panose="02020603050405020304" pitchFamily="18" charset="0"/>
+                <a:cs typeface="Times New Roman" panose="02020603050405020304" pitchFamily="18" charset="0"/>
+              </a:rPr>
+              <a:t>	</a:t>
+            </a:r>
+            <a:r>
+              <a:rPr lang="it-IT" sz="1200" dirty="0" err="1">
+                <a:solidFill>
+                  <a:srgbClr val="4EC9B0"/>
+                </a:solidFill>
+                <a:latin typeface="Consolas" panose="020B0609020204030204" pitchFamily="49" charset="0"/>
+                <a:ea typeface="Times New Roman" panose="02020603050405020304" pitchFamily="18" charset="0"/>
+                <a:cs typeface="Times New Roman" panose="02020603050405020304" pitchFamily="18" charset="0"/>
+              </a:rPr>
+              <a:t>int</a:t>
+            </a:r>
+            <a:r>
+              <a:rPr lang="it-IT" sz="1200" dirty="0">
+                <a:solidFill>
+                  <a:srgbClr val="D4D4D4"/>
+                </a:solidFill>
+                <a:latin typeface="Consolas" panose="020B0609020204030204" pitchFamily="49" charset="0"/>
+                <a:ea typeface="Times New Roman" panose="02020603050405020304" pitchFamily="18" charset="0"/>
+                <a:cs typeface="Times New Roman" panose="02020603050405020304" pitchFamily="18" charset="0"/>
+              </a:rPr>
+              <a:t> </a:t>
+            </a:r>
+            <a:r>
+              <a:rPr lang="it-IT" sz="1200" dirty="0" err="1">
+                <a:solidFill>
+                  <a:srgbClr val="9CDCFE"/>
+                </a:solidFill>
+                <a:latin typeface="Consolas" panose="020B0609020204030204" pitchFamily="49" charset="0"/>
+                <a:ea typeface="Times New Roman" panose="02020603050405020304" pitchFamily="18" charset="0"/>
+                <a:cs typeface="Times New Roman" panose="02020603050405020304" pitchFamily="18" charset="0"/>
+              </a:rPr>
+              <a:t>cont</a:t>
+            </a:r>
+            <a:r>
+              <a:rPr lang="it-IT" sz="1200" dirty="0">
+                <a:solidFill>
+                  <a:srgbClr val="D4D4D4"/>
+                </a:solidFill>
+                <a:latin typeface="Consolas" panose="020B0609020204030204" pitchFamily="49" charset="0"/>
+                <a:ea typeface="Times New Roman" panose="02020603050405020304" pitchFamily="18" charset="0"/>
+                <a:cs typeface="Times New Roman" panose="02020603050405020304" pitchFamily="18" charset="0"/>
+              </a:rPr>
+              <a:t> = </a:t>
+            </a:r>
+            <a:r>
+              <a:rPr lang="it-IT" sz="1200" dirty="0">
+                <a:solidFill>
+                  <a:srgbClr val="B5CEA8"/>
+                </a:solidFill>
+                <a:latin typeface="Consolas" panose="020B0609020204030204" pitchFamily="49" charset="0"/>
+                <a:ea typeface="Times New Roman" panose="02020603050405020304" pitchFamily="18" charset="0"/>
+                <a:cs typeface="Times New Roman" panose="02020603050405020304" pitchFamily="18" charset="0"/>
+              </a:rPr>
+              <a:t>0</a:t>
+            </a:r>
+            <a:r>
+              <a:rPr lang="it-IT" sz="1200" dirty="0">
+                <a:solidFill>
+                  <a:srgbClr val="D4D4D4"/>
+                </a:solidFill>
+                <a:latin typeface="Consolas" panose="020B0609020204030204" pitchFamily="49" charset="0"/>
+                <a:ea typeface="Times New Roman" panose="02020603050405020304" pitchFamily="18" charset="0"/>
+                <a:cs typeface="Times New Roman" panose="02020603050405020304" pitchFamily="18" charset="0"/>
+              </a:rPr>
+              <a:t>;</a:t>
+            </a:r>
+            <a:endParaRPr lang="it-IT" sz="1200" dirty="0">
+              <a:latin typeface="Consolas" panose="020B0609020204030204" pitchFamily="49" charset="0"/>
+              <a:ea typeface="Calibri" panose="020F0502020204030204" pitchFamily="34" charset="0"/>
+              <a:cs typeface="Times New Roman" panose="02020603050405020304" pitchFamily="18" charset="0"/>
+            </a:endParaRPr>
+          </a:p>
+          <a:p>
+            <a:pPr>
+              <a:lnSpc>
+                <a:spcPct val="130000"/>
+              </a:lnSpc>
+              <a:spcAft>
+                <a:spcPts val="0"/>
+              </a:spcAft>
+            </a:pPr>
+            <a:r>
+              <a:rPr lang="it-IT" sz="1200" dirty="0">
+                <a:solidFill>
+                  <a:srgbClr val="C586C0"/>
+                </a:solidFill>
+                <a:latin typeface="Consolas" panose="020B0609020204030204" pitchFamily="49" charset="0"/>
+                <a:ea typeface="Times New Roman" panose="02020603050405020304" pitchFamily="18" charset="0"/>
+                <a:cs typeface="Times New Roman" panose="02020603050405020304" pitchFamily="18" charset="0"/>
+              </a:rPr>
+              <a:t>	</a:t>
+            </a:r>
+            <a:r>
+              <a:rPr lang="it-IT" sz="1200" dirty="0" err="1">
+                <a:solidFill>
+                  <a:srgbClr val="C586C0"/>
+                </a:solidFill>
+                <a:latin typeface="Consolas" panose="020B0609020204030204" pitchFamily="49" charset="0"/>
+                <a:ea typeface="Times New Roman" panose="02020603050405020304" pitchFamily="18" charset="0"/>
+                <a:cs typeface="Times New Roman" panose="02020603050405020304" pitchFamily="18" charset="0"/>
+              </a:rPr>
+              <a:t>if</a:t>
+            </a:r>
+            <a:r>
+              <a:rPr lang="it-IT" sz="1200" dirty="0">
+                <a:solidFill>
+                  <a:srgbClr val="D4D4D4"/>
+                </a:solidFill>
+                <a:latin typeface="Consolas" panose="020B0609020204030204" pitchFamily="49" charset="0"/>
+                <a:ea typeface="Times New Roman" panose="02020603050405020304" pitchFamily="18" charset="0"/>
+                <a:cs typeface="Times New Roman" panose="02020603050405020304" pitchFamily="18" charset="0"/>
+              </a:rPr>
+              <a:t> (tag == </a:t>
+            </a:r>
+            <a:r>
+              <a:rPr lang="it-IT" sz="1200" dirty="0" err="1">
+                <a:solidFill>
+                  <a:srgbClr val="569CD6"/>
+                </a:solidFill>
+                <a:latin typeface="Consolas" panose="020B0609020204030204" pitchFamily="49" charset="0"/>
+                <a:ea typeface="Times New Roman" panose="02020603050405020304" pitchFamily="18" charset="0"/>
+                <a:cs typeface="Times New Roman" panose="02020603050405020304" pitchFamily="18" charset="0"/>
+              </a:rPr>
+              <a:t>null</a:t>
+            </a:r>
+            <a:r>
+              <a:rPr lang="it-IT" sz="1200" dirty="0">
+                <a:solidFill>
+                  <a:srgbClr val="D4D4D4"/>
+                </a:solidFill>
+                <a:latin typeface="Consolas" panose="020B0609020204030204" pitchFamily="49" charset="0"/>
+                <a:ea typeface="Times New Roman" panose="02020603050405020304" pitchFamily="18" charset="0"/>
+                <a:cs typeface="Times New Roman" panose="02020603050405020304" pitchFamily="18" charset="0"/>
+              </a:rPr>
+              <a:t>) {</a:t>
+            </a:r>
+            <a:endParaRPr lang="it-IT" sz="1200" dirty="0">
+              <a:latin typeface="Consolas" panose="020B0609020204030204" pitchFamily="49" charset="0"/>
+              <a:ea typeface="Calibri" panose="020F0502020204030204" pitchFamily="34" charset="0"/>
+              <a:cs typeface="Times New Roman" panose="02020603050405020304" pitchFamily="18" charset="0"/>
+            </a:endParaRPr>
+          </a:p>
+          <a:p>
+            <a:pPr>
+              <a:lnSpc>
+                <a:spcPct val="130000"/>
+              </a:lnSpc>
+              <a:spcAft>
+                <a:spcPts val="0"/>
+              </a:spcAft>
+            </a:pPr>
+            <a:r>
+              <a:rPr lang="it-IT" sz="1200" dirty="0">
+                <a:solidFill>
+                  <a:srgbClr val="C586C0"/>
+                </a:solidFill>
+                <a:latin typeface="Consolas" panose="020B0609020204030204" pitchFamily="49" charset="0"/>
+                <a:ea typeface="Times New Roman" panose="02020603050405020304" pitchFamily="18" charset="0"/>
+                <a:cs typeface="Times New Roman" panose="02020603050405020304" pitchFamily="18" charset="0"/>
+              </a:rPr>
+              <a:t>		</a:t>
+            </a:r>
+            <a:r>
+              <a:rPr lang="it-IT" sz="1200" dirty="0" err="1">
+                <a:solidFill>
+                  <a:srgbClr val="C586C0"/>
+                </a:solidFill>
+                <a:latin typeface="Consolas" panose="020B0609020204030204" pitchFamily="49" charset="0"/>
+                <a:ea typeface="Times New Roman" panose="02020603050405020304" pitchFamily="18" charset="0"/>
+                <a:cs typeface="Times New Roman" panose="02020603050405020304" pitchFamily="18" charset="0"/>
+              </a:rPr>
+              <a:t>return</a:t>
+            </a:r>
+            <a:r>
+              <a:rPr lang="it-IT" sz="1200" dirty="0">
+                <a:solidFill>
+                  <a:srgbClr val="D4D4D4"/>
+                </a:solidFill>
+                <a:latin typeface="Consolas" panose="020B0609020204030204" pitchFamily="49" charset="0"/>
+                <a:ea typeface="Times New Roman" panose="02020603050405020304" pitchFamily="18" charset="0"/>
+                <a:cs typeface="Times New Roman" panose="02020603050405020304" pitchFamily="18" charset="0"/>
+              </a:rPr>
+              <a:t> </a:t>
+            </a:r>
+            <a:r>
+              <a:rPr lang="it-IT" sz="1200" dirty="0">
+                <a:solidFill>
+                  <a:srgbClr val="C586C0"/>
+                </a:solidFill>
+                <a:latin typeface="Consolas" panose="020B0609020204030204" pitchFamily="49" charset="0"/>
+                <a:ea typeface="Times New Roman" panose="02020603050405020304" pitchFamily="18" charset="0"/>
+                <a:cs typeface="Times New Roman" panose="02020603050405020304" pitchFamily="18" charset="0"/>
+              </a:rPr>
+              <a:t>new</a:t>
+            </a:r>
+            <a:r>
+              <a:rPr lang="it-IT" sz="1200" dirty="0">
+                <a:solidFill>
+                  <a:srgbClr val="D4D4D4"/>
+                </a:solidFill>
+                <a:latin typeface="Consolas" panose="020B0609020204030204" pitchFamily="49" charset="0"/>
+                <a:ea typeface="Times New Roman" panose="02020603050405020304" pitchFamily="18" charset="0"/>
+                <a:cs typeface="Times New Roman" panose="02020603050405020304" pitchFamily="18" charset="0"/>
+              </a:rPr>
+              <a:t> </a:t>
+            </a:r>
+            <a:r>
+              <a:rPr lang="it-IT" sz="1200" dirty="0" err="1">
+                <a:solidFill>
+                  <a:srgbClr val="4EC9B0"/>
+                </a:solidFill>
+                <a:latin typeface="Consolas" panose="020B0609020204030204" pitchFamily="49" charset="0"/>
+                <a:ea typeface="Times New Roman" panose="02020603050405020304" pitchFamily="18" charset="0"/>
+                <a:cs typeface="Times New Roman" panose="02020603050405020304" pitchFamily="18" charset="0"/>
+              </a:rPr>
+              <a:t>String</a:t>
+            </a:r>
+            <a:r>
+              <a:rPr lang="it-IT" sz="1200" dirty="0">
+                <a:solidFill>
+                  <a:srgbClr val="D4D4D4"/>
+                </a:solidFill>
+                <a:latin typeface="Consolas" panose="020B0609020204030204" pitchFamily="49" charset="0"/>
+                <a:ea typeface="Times New Roman" panose="02020603050405020304" pitchFamily="18" charset="0"/>
+                <a:cs typeface="Times New Roman" panose="02020603050405020304" pitchFamily="18" charset="0"/>
+              </a:rPr>
+              <a:t>[</a:t>
+            </a:r>
+            <a:r>
+              <a:rPr lang="it-IT" sz="1200" dirty="0">
+                <a:solidFill>
+                  <a:srgbClr val="B5CEA8"/>
+                </a:solidFill>
+                <a:latin typeface="Consolas" panose="020B0609020204030204" pitchFamily="49" charset="0"/>
+                <a:ea typeface="Times New Roman" panose="02020603050405020304" pitchFamily="18" charset="0"/>
+                <a:cs typeface="Times New Roman" panose="02020603050405020304" pitchFamily="18" charset="0"/>
+              </a:rPr>
+              <a:t>0</a:t>
+            </a:r>
+            <a:r>
+              <a:rPr lang="it-IT" sz="1200" dirty="0">
+                <a:solidFill>
+                  <a:srgbClr val="D4D4D4"/>
+                </a:solidFill>
+                <a:latin typeface="Consolas" panose="020B0609020204030204" pitchFamily="49" charset="0"/>
+                <a:ea typeface="Times New Roman" panose="02020603050405020304" pitchFamily="18" charset="0"/>
+                <a:cs typeface="Times New Roman" panose="02020603050405020304" pitchFamily="18" charset="0"/>
+              </a:rPr>
+              <a:t>];</a:t>
+            </a:r>
+            <a:endParaRPr lang="it-IT" sz="1200" dirty="0">
+              <a:latin typeface="Consolas" panose="020B0609020204030204" pitchFamily="49" charset="0"/>
+              <a:ea typeface="Calibri" panose="020F0502020204030204" pitchFamily="34" charset="0"/>
+              <a:cs typeface="Times New Roman" panose="02020603050405020304" pitchFamily="18" charset="0"/>
+            </a:endParaRPr>
+          </a:p>
+          <a:p>
+            <a:pPr>
+              <a:lnSpc>
+                <a:spcPct val="130000"/>
+              </a:lnSpc>
+              <a:spcAft>
+                <a:spcPts val="0"/>
+              </a:spcAft>
+            </a:pPr>
+            <a:r>
+              <a:rPr lang="it-IT" sz="1200" dirty="0">
+                <a:solidFill>
+                  <a:srgbClr val="D4D4D4"/>
+                </a:solidFill>
+                <a:latin typeface="Consolas" panose="020B0609020204030204" pitchFamily="49" charset="0"/>
+                <a:ea typeface="Times New Roman" panose="02020603050405020304" pitchFamily="18" charset="0"/>
+                <a:cs typeface="Times New Roman" panose="02020603050405020304" pitchFamily="18" charset="0"/>
+              </a:rPr>
+              <a:t>	}</a:t>
+            </a:r>
+            <a:endParaRPr lang="it-IT" sz="1200" dirty="0">
+              <a:latin typeface="Consolas" panose="020B0609020204030204" pitchFamily="49" charset="0"/>
+              <a:ea typeface="Calibri" panose="020F0502020204030204" pitchFamily="34" charset="0"/>
+              <a:cs typeface="Times New Roman" panose="02020603050405020304" pitchFamily="18" charset="0"/>
+            </a:endParaRPr>
+          </a:p>
+          <a:p>
+            <a:pPr>
+              <a:lnSpc>
+                <a:spcPct val="130000"/>
+              </a:lnSpc>
+              <a:spcAft>
+                <a:spcPts val="0"/>
+              </a:spcAft>
+            </a:pPr>
+            <a:r>
+              <a:rPr lang="it-IT" sz="1200" dirty="0">
+                <a:solidFill>
+                  <a:srgbClr val="C586C0"/>
+                </a:solidFill>
+                <a:latin typeface="Consolas" panose="020B0609020204030204" pitchFamily="49" charset="0"/>
+                <a:ea typeface="Times New Roman" panose="02020603050405020304" pitchFamily="18" charset="0"/>
+                <a:cs typeface="Times New Roman" panose="02020603050405020304" pitchFamily="18" charset="0"/>
+              </a:rPr>
+              <a:t>	for</a:t>
+            </a:r>
+            <a:r>
+              <a:rPr lang="it-IT" sz="1200" dirty="0">
+                <a:solidFill>
+                  <a:srgbClr val="D4D4D4"/>
+                </a:solidFill>
+                <a:latin typeface="Consolas" panose="020B0609020204030204" pitchFamily="49" charset="0"/>
+                <a:ea typeface="Times New Roman" panose="02020603050405020304" pitchFamily="18" charset="0"/>
+                <a:cs typeface="Times New Roman" panose="02020603050405020304" pitchFamily="18" charset="0"/>
+              </a:rPr>
+              <a:t> (</a:t>
+            </a:r>
+            <a:r>
+              <a:rPr lang="it-IT" sz="1200" dirty="0" err="1">
+                <a:solidFill>
+                  <a:srgbClr val="4EC9B0"/>
+                </a:solidFill>
+                <a:latin typeface="Consolas" panose="020B0609020204030204" pitchFamily="49" charset="0"/>
+                <a:ea typeface="Times New Roman" panose="02020603050405020304" pitchFamily="18" charset="0"/>
+                <a:cs typeface="Times New Roman" panose="02020603050405020304" pitchFamily="18" charset="0"/>
+              </a:rPr>
+              <a:t>int</a:t>
+            </a:r>
+            <a:r>
+              <a:rPr lang="it-IT" sz="1200" dirty="0">
+                <a:solidFill>
+                  <a:srgbClr val="D4D4D4"/>
+                </a:solidFill>
+                <a:latin typeface="Consolas" panose="020B0609020204030204" pitchFamily="49" charset="0"/>
+                <a:ea typeface="Times New Roman" panose="02020603050405020304" pitchFamily="18" charset="0"/>
+                <a:cs typeface="Times New Roman" panose="02020603050405020304" pitchFamily="18" charset="0"/>
+              </a:rPr>
+              <a:t> </a:t>
+            </a:r>
+            <a:r>
+              <a:rPr lang="it-IT" sz="1200" dirty="0">
+                <a:solidFill>
+                  <a:srgbClr val="9CDCFE"/>
+                </a:solidFill>
+                <a:latin typeface="Consolas" panose="020B0609020204030204" pitchFamily="49" charset="0"/>
+                <a:ea typeface="Times New Roman" panose="02020603050405020304" pitchFamily="18" charset="0"/>
+                <a:cs typeface="Times New Roman" panose="02020603050405020304" pitchFamily="18" charset="0"/>
+              </a:rPr>
+              <a:t>i</a:t>
+            </a:r>
+            <a:r>
+              <a:rPr lang="it-IT" sz="1200" dirty="0">
+                <a:solidFill>
+                  <a:srgbClr val="D4D4D4"/>
+                </a:solidFill>
+                <a:latin typeface="Consolas" panose="020B0609020204030204" pitchFamily="49" charset="0"/>
+                <a:ea typeface="Times New Roman" panose="02020603050405020304" pitchFamily="18" charset="0"/>
+                <a:cs typeface="Times New Roman" panose="02020603050405020304" pitchFamily="18" charset="0"/>
+              </a:rPr>
+              <a:t> = </a:t>
+            </a:r>
+            <a:r>
+              <a:rPr lang="it-IT" sz="1200" dirty="0">
+                <a:solidFill>
+                  <a:srgbClr val="B5CEA8"/>
+                </a:solidFill>
+                <a:latin typeface="Consolas" panose="020B0609020204030204" pitchFamily="49" charset="0"/>
+                <a:ea typeface="Times New Roman" panose="02020603050405020304" pitchFamily="18" charset="0"/>
+                <a:cs typeface="Times New Roman" panose="02020603050405020304" pitchFamily="18" charset="0"/>
+              </a:rPr>
+              <a:t>0</a:t>
+            </a:r>
+            <a:r>
+              <a:rPr lang="it-IT" sz="1200" dirty="0">
+                <a:solidFill>
+                  <a:srgbClr val="D4D4D4"/>
+                </a:solidFill>
+                <a:latin typeface="Consolas" panose="020B0609020204030204" pitchFamily="49" charset="0"/>
+                <a:ea typeface="Times New Roman" panose="02020603050405020304" pitchFamily="18" charset="0"/>
+                <a:cs typeface="Times New Roman" panose="02020603050405020304" pitchFamily="18" charset="0"/>
+              </a:rPr>
+              <a:t>; i &lt; </a:t>
+            </a:r>
+            <a:r>
+              <a:rPr lang="it-IT" sz="1200" dirty="0" err="1">
+                <a:solidFill>
+                  <a:srgbClr val="D4D4D4"/>
+                </a:solidFill>
+                <a:latin typeface="Consolas" panose="020B0609020204030204" pitchFamily="49" charset="0"/>
+                <a:ea typeface="Times New Roman" panose="02020603050405020304" pitchFamily="18" charset="0"/>
+                <a:cs typeface="Times New Roman" panose="02020603050405020304" pitchFamily="18" charset="0"/>
+              </a:rPr>
+              <a:t>tableSize</a:t>
+            </a:r>
+            <a:r>
+              <a:rPr lang="it-IT" sz="1200" dirty="0">
+                <a:solidFill>
+                  <a:srgbClr val="D4D4D4"/>
+                </a:solidFill>
+                <a:latin typeface="Consolas" panose="020B0609020204030204" pitchFamily="49" charset="0"/>
+                <a:ea typeface="Times New Roman" panose="02020603050405020304" pitchFamily="18" charset="0"/>
+                <a:cs typeface="Times New Roman" panose="02020603050405020304" pitchFamily="18" charset="0"/>
+              </a:rPr>
+              <a:t>; i++) {</a:t>
+            </a:r>
+            <a:endParaRPr lang="it-IT" sz="1200" dirty="0">
+              <a:latin typeface="Consolas" panose="020B0609020204030204" pitchFamily="49" charset="0"/>
+              <a:ea typeface="Calibri" panose="020F0502020204030204" pitchFamily="34" charset="0"/>
+              <a:cs typeface="Times New Roman" panose="02020603050405020304" pitchFamily="18" charset="0"/>
+            </a:endParaRPr>
+          </a:p>
+          <a:p>
+            <a:pPr>
+              <a:lnSpc>
+                <a:spcPct val="130000"/>
+              </a:lnSpc>
+              <a:spcAft>
+                <a:spcPts val="0"/>
+              </a:spcAft>
+            </a:pPr>
+            <a:r>
+              <a:rPr lang="it-IT" sz="1200" dirty="0">
+                <a:solidFill>
+                  <a:srgbClr val="C586C0"/>
+                </a:solidFill>
+                <a:latin typeface="Consolas" panose="020B0609020204030204" pitchFamily="49" charset="0"/>
+                <a:ea typeface="Times New Roman" panose="02020603050405020304" pitchFamily="18" charset="0"/>
+                <a:cs typeface="Times New Roman" panose="02020603050405020304" pitchFamily="18" charset="0"/>
+              </a:rPr>
+              <a:t>		</a:t>
+            </a:r>
+            <a:r>
+              <a:rPr lang="it-IT" sz="1200" dirty="0" err="1">
+                <a:solidFill>
+                  <a:srgbClr val="C586C0"/>
+                </a:solidFill>
+                <a:latin typeface="Consolas" panose="020B0609020204030204" pitchFamily="49" charset="0"/>
+                <a:ea typeface="Times New Roman" panose="02020603050405020304" pitchFamily="18" charset="0"/>
+                <a:cs typeface="Times New Roman" panose="02020603050405020304" pitchFamily="18" charset="0"/>
+              </a:rPr>
+              <a:t>if</a:t>
+            </a:r>
+            <a:r>
+              <a:rPr lang="it-IT" sz="1200" dirty="0">
+                <a:solidFill>
+                  <a:srgbClr val="D4D4D4"/>
+                </a:solidFill>
+                <a:latin typeface="Consolas" panose="020B0609020204030204" pitchFamily="49" charset="0"/>
+                <a:ea typeface="Times New Roman" panose="02020603050405020304" pitchFamily="18" charset="0"/>
+                <a:cs typeface="Times New Roman" panose="02020603050405020304" pitchFamily="18" charset="0"/>
+              </a:rPr>
+              <a:t> (</a:t>
+            </a:r>
+            <a:r>
+              <a:rPr lang="it-IT" sz="1200" dirty="0" err="1">
+                <a:solidFill>
+                  <a:srgbClr val="9CDCFE"/>
+                </a:solidFill>
+                <a:latin typeface="Consolas" panose="020B0609020204030204" pitchFamily="49" charset="0"/>
+                <a:ea typeface="Times New Roman" panose="02020603050405020304" pitchFamily="18" charset="0"/>
+                <a:cs typeface="Times New Roman" panose="02020603050405020304" pitchFamily="18" charset="0"/>
+              </a:rPr>
+              <a:t>tag</a:t>
+            </a:r>
+            <a:r>
+              <a:rPr lang="it-IT" sz="1200" dirty="0" err="1">
+                <a:solidFill>
+                  <a:srgbClr val="D4D4D4"/>
+                </a:solidFill>
+                <a:latin typeface="Consolas" panose="020B0609020204030204" pitchFamily="49" charset="0"/>
+                <a:ea typeface="Times New Roman" panose="02020603050405020304" pitchFamily="18" charset="0"/>
+                <a:cs typeface="Times New Roman" panose="02020603050405020304" pitchFamily="18" charset="0"/>
+              </a:rPr>
+              <a:t>.</a:t>
+            </a:r>
+            <a:r>
+              <a:rPr lang="it-IT" sz="1200" dirty="0" err="1">
+                <a:solidFill>
+                  <a:srgbClr val="DCDCAA"/>
+                </a:solidFill>
+                <a:latin typeface="Consolas" panose="020B0609020204030204" pitchFamily="49" charset="0"/>
+                <a:ea typeface="Times New Roman" panose="02020603050405020304" pitchFamily="18" charset="0"/>
+                <a:cs typeface="Times New Roman" panose="02020603050405020304" pitchFamily="18" charset="0"/>
+              </a:rPr>
+              <a:t>equals</a:t>
+            </a:r>
+            <a:r>
+              <a:rPr lang="it-IT" sz="1200" dirty="0">
+                <a:solidFill>
+                  <a:srgbClr val="D4D4D4"/>
+                </a:solidFill>
+                <a:latin typeface="Consolas" panose="020B0609020204030204" pitchFamily="49" charset="0"/>
+                <a:ea typeface="Times New Roman" panose="02020603050405020304" pitchFamily="18" charset="0"/>
+                <a:cs typeface="Times New Roman" panose="02020603050405020304" pitchFamily="18" charset="0"/>
+              </a:rPr>
+              <a:t>((</a:t>
+            </a:r>
+            <a:r>
+              <a:rPr lang="it-IT" sz="1200" dirty="0" err="1">
+                <a:solidFill>
+                  <a:srgbClr val="D4D4D4"/>
+                </a:solidFill>
+                <a:latin typeface="Consolas" panose="020B0609020204030204" pitchFamily="49" charset="0"/>
+                <a:ea typeface="Times New Roman" panose="02020603050405020304" pitchFamily="18" charset="0"/>
+                <a:cs typeface="Times New Roman" panose="02020603050405020304" pitchFamily="18" charset="0"/>
+              </a:rPr>
+              <a:t>String</a:t>
+            </a:r>
+            <a:r>
+              <a:rPr lang="it-IT" sz="1200" dirty="0">
+                <a:solidFill>
+                  <a:srgbClr val="D4D4D4"/>
+                </a:solidFill>
+                <a:latin typeface="Consolas" panose="020B0609020204030204" pitchFamily="49" charset="0"/>
+                <a:ea typeface="Times New Roman" panose="02020603050405020304" pitchFamily="18" charset="0"/>
+                <a:cs typeface="Times New Roman" panose="02020603050405020304" pitchFamily="18" charset="0"/>
+              </a:rPr>
+              <a:t>) table[i][</a:t>
+            </a:r>
+            <a:r>
+              <a:rPr lang="it-IT" sz="1200" dirty="0">
+                <a:solidFill>
+                  <a:srgbClr val="B5CEA8"/>
+                </a:solidFill>
+                <a:latin typeface="Consolas" panose="020B0609020204030204" pitchFamily="49" charset="0"/>
+                <a:ea typeface="Times New Roman" panose="02020603050405020304" pitchFamily="18" charset="0"/>
+                <a:cs typeface="Times New Roman" panose="02020603050405020304" pitchFamily="18" charset="0"/>
+              </a:rPr>
+              <a:t>2</a:t>
+            </a:r>
+            <a:r>
+              <a:rPr lang="it-IT" sz="1200" dirty="0">
+                <a:solidFill>
+                  <a:srgbClr val="D4D4D4"/>
+                </a:solidFill>
+                <a:latin typeface="Consolas" panose="020B0609020204030204" pitchFamily="49" charset="0"/>
+                <a:ea typeface="Times New Roman" panose="02020603050405020304" pitchFamily="18" charset="0"/>
+                <a:cs typeface="Times New Roman" panose="02020603050405020304" pitchFamily="18" charset="0"/>
+              </a:rPr>
+              <a:t>])) {</a:t>
+            </a:r>
+            <a:endParaRPr lang="it-IT" sz="1200" dirty="0">
+              <a:latin typeface="Consolas" panose="020B0609020204030204" pitchFamily="49" charset="0"/>
+              <a:ea typeface="Calibri" panose="020F0502020204030204" pitchFamily="34" charset="0"/>
+              <a:cs typeface="Times New Roman" panose="02020603050405020304" pitchFamily="18" charset="0"/>
+            </a:endParaRPr>
+          </a:p>
+          <a:p>
+            <a:pPr>
+              <a:lnSpc>
+                <a:spcPct val="130000"/>
+              </a:lnSpc>
+              <a:spcAft>
+                <a:spcPts val="0"/>
+              </a:spcAft>
+            </a:pPr>
+            <a:r>
+              <a:rPr lang="it-IT" sz="1200" dirty="0">
+                <a:solidFill>
+                  <a:srgbClr val="D4D4D4"/>
+                </a:solidFill>
+                <a:latin typeface="Consolas" panose="020B0609020204030204" pitchFamily="49" charset="0"/>
+                <a:ea typeface="Times New Roman" panose="02020603050405020304" pitchFamily="18" charset="0"/>
+                <a:cs typeface="Times New Roman" panose="02020603050405020304" pitchFamily="18" charset="0"/>
+              </a:rPr>
+              <a:t>			</a:t>
+            </a:r>
+            <a:r>
+              <a:rPr lang="it-IT" sz="1200" dirty="0" err="1">
+                <a:solidFill>
+                  <a:srgbClr val="D4D4D4"/>
+                </a:solidFill>
+                <a:latin typeface="Consolas" panose="020B0609020204030204" pitchFamily="49" charset="0"/>
+                <a:ea typeface="Times New Roman" panose="02020603050405020304" pitchFamily="18" charset="0"/>
+                <a:cs typeface="Times New Roman" panose="02020603050405020304" pitchFamily="18" charset="0"/>
+              </a:rPr>
+              <a:t>cont</a:t>
+            </a:r>
+            <a:r>
+              <a:rPr lang="it-IT" sz="1200" dirty="0">
+                <a:solidFill>
+                  <a:srgbClr val="D4D4D4"/>
+                </a:solidFill>
+                <a:latin typeface="Consolas" panose="020B0609020204030204" pitchFamily="49" charset="0"/>
+                <a:ea typeface="Times New Roman" panose="02020603050405020304" pitchFamily="18" charset="0"/>
+                <a:cs typeface="Times New Roman" panose="02020603050405020304" pitchFamily="18" charset="0"/>
+              </a:rPr>
+              <a:t>++;</a:t>
+            </a:r>
+            <a:endParaRPr lang="it-IT" sz="1200" dirty="0">
+              <a:latin typeface="Consolas" panose="020B0609020204030204" pitchFamily="49" charset="0"/>
+              <a:ea typeface="Calibri" panose="020F0502020204030204" pitchFamily="34" charset="0"/>
+              <a:cs typeface="Times New Roman" panose="02020603050405020304" pitchFamily="18" charset="0"/>
+            </a:endParaRPr>
+          </a:p>
+          <a:p>
+            <a:pPr>
+              <a:lnSpc>
+                <a:spcPct val="130000"/>
+              </a:lnSpc>
+              <a:spcAft>
+                <a:spcPts val="0"/>
+              </a:spcAft>
+            </a:pPr>
+            <a:r>
+              <a:rPr lang="it-IT" sz="1200" dirty="0">
+                <a:solidFill>
+                  <a:srgbClr val="D4D4D4"/>
+                </a:solidFill>
+                <a:latin typeface="Consolas" panose="020B0609020204030204" pitchFamily="49" charset="0"/>
+                <a:ea typeface="Times New Roman" panose="02020603050405020304" pitchFamily="18" charset="0"/>
+                <a:cs typeface="Times New Roman" panose="02020603050405020304" pitchFamily="18" charset="0"/>
+              </a:rPr>
+              <a:t>		}</a:t>
+            </a:r>
+            <a:endParaRPr lang="it-IT" sz="1200" dirty="0">
+              <a:latin typeface="Consolas" panose="020B0609020204030204" pitchFamily="49" charset="0"/>
+              <a:ea typeface="Calibri" panose="020F0502020204030204" pitchFamily="34" charset="0"/>
+              <a:cs typeface="Times New Roman" panose="02020603050405020304" pitchFamily="18" charset="0"/>
+            </a:endParaRPr>
+          </a:p>
+          <a:p>
+            <a:pPr>
+              <a:lnSpc>
+                <a:spcPct val="130000"/>
+              </a:lnSpc>
+              <a:spcAft>
+                <a:spcPts val="0"/>
+              </a:spcAft>
+            </a:pPr>
+            <a:r>
+              <a:rPr lang="it-IT" sz="1200" dirty="0">
+                <a:solidFill>
+                  <a:srgbClr val="D4D4D4"/>
+                </a:solidFill>
+                <a:latin typeface="Consolas" panose="020B0609020204030204" pitchFamily="49" charset="0"/>
+                <a:ea typeface="Times New Roman" panose="02020603050405020304" pitchFamily="18" charset="0"/>
+                <a:cs typeface="Times New Roman" panose="02020603050405020304" pitchFamily="18" charset="0"/>
+              </a:rPr>
+              <a:t>	}</a:t>
+            </a:r>
+            <a:endParaRPr lang="it-IT" sz="1200" dirty="0">
+              <a:latin typeface="Consolas" panose="020B0609020204030204" pitchFamily="49" charset="0"/>
+              <a:ea typeface="Calibri" panose="020F0502020204030204" pitchFamily="34" charset="0"/>
+              <a:cs typeface="Times New Roman" panose="02020603050405020304" pitchFamily="18" charset="0"/>
+            </a:endParaRPr>
+          </a:p>
+          <a:p>
+            <a:pPr>
+              <a:lnSpc>
+                <a:spcPct val="130000"/>
+              </a:lnSpc>
+              <a:spcAft>
+                <a:spcPts val="0"/>
+              </a:spcAft>
+            </a:pPr>
+            <a:r>
+              <a:rPr lang="it-IT" sz="1200" dirty="0">
+                <a:solidFill>
+                  <a:srgbClr val="4EC9B0"/>
+                </a:solidFill>
+                <a:latin typeface="Consolas" panose="020B0609020204030204" pitchFamily="49" charset="0"/>
+                <a:ea typeface="Times New Roman" panose="02020603050405020304" pitchFamily="18" charset="0"/>
+                <a:cs typeface="Times New Roman" panose="02020603050405020304" pitchFamily="18" charset="0"/>
+              </a:rPr>
+              <a:t>	</a:t>
+            </a:r>
+            <a:r>
+              <a:rPr lang="it-IT" sz="1200" dirty="0" err="1">
+                <a:solidFill>
+                  <a:srgbClr val="4EC9B0"/>
+                </a:solidFill>
+                <a:latin typeface="Consolas" panose="020B0609020204030204" pitchFamily="49" charset="0"/>
+                <a:ea typeface="Times New Roman" panose="02020603050405020304" pitchFamily="18" charset="0"/>
+                <a:cs typeface="Times New Roman" panose="02020603050405020304" pitchFamily="18" charset="0"/>
+              </a:rPr>
+              <a:t>String</a:t>
+            </a:r>
+            <a:r>
+              <a:rPr lang="it-IT" sz="1200" dirty="0">
+                <a:solidFill>
+                  <a:srgbClr val="D4D4D4"/>
+                </a:solidFill>
+                <a:latin typeface="Consolas" panose="020B0609020204030204" pitchFamily="49" charset="0"/>
+                <a:ea typeface="Times New Roman" panose="02020603050405020304" pitchFamily="18" charset="0"/>
+                <a:cs typeface="Times New Roman" panose="02020603050405020304" pitchFamily="18" charset="0"/>
+              </a:rPr>
+              <a:t>[] </a:t>
+            </a:r>
+            <a:r>
+              <a:rPr lang="it-IT" sz="1200" dirty="0">
+                <a:solidFill>
+                  <a:srgbClr val="9CDCFE"/>
+                </a:solidFill>
+                <a:latin typeface="Consolas" panose="020B0609020204030204" pitchFamily="49" charset="0"/>
+                <a:ea typeface="Times New Roman" panose="02020603050405020304" pitchFamily="18" charset="0"/>
+                <a:cs typeface="Times New Roman" panose="02020603050405020304" pitchFamily="18" charset="0"/>
+              </a:rPr>
+              <a:t>risultato</a:t>
+            </a:r>
+            <a:r>
+              <a:rPr lang="it-IT" sz="1200" dirty="0">
+                <a:solidFill>
+                  <a:srgbClr val="D4D4D4"/>
+                </a:solidFill>
+                <a:latin typeface="Consolas" panose="020B0609020204030204" pitchFamily="49" charset="0"/>
+                <a:ea typeface="Times New Roman" panose="02020603050405020304" pitchFamily="18" charset="0"/>
+                <a:cs typeface="Times New Roman" panose="02020603050405020304" pitchFamily="18" charset="0"/>
+              </a:rPr>
+              <a:t> = </a:t>
+            </a:r>
+            <a:r>
+              <a:rPr lang="it-IT" sz="1200" dirty="0">
+                <a:solidFill>
+                  <a:srgbClr val="C586C0"/>
+                </a:solidFill>
+                <a:latin typeface="Consolas" panose="020B0609020204030204" pitchFamily="49" charset="0"/>
+                <a:ea typeface="Times New Roman" panose="02020603050405020304" pitchFamily="18" charset="0"/>
+                <a:cs typeface="Times New Roman" panose="02020603050405020304" pitchFamily="18" charset="0"/>
+              </a:rPr>
+              <a:t>new</a:t>
+            </a:r>
+            <a:r>
+              <a:rPr lang="it-IT" sz="1200" dirty="0">
+                <a:solidFill>
+                  <a:srgbClr val="D4D4D4"/>
+                </a:solidFill>
+                <a:latin typeface="Consolas" panose="020B0609020204030204" pitchFamily="49" charset="0"/>
+                <a:ea typeface="Times New Roman" panose="02020603050405020304" pitchFamily="18" charset="0"/>
+                <a:cs typeface="Times New Roman" panose="02020603050405020304" pitchFamily="18" charset="0"/>
+              </a:rPr>
+              <a:t> </a:t>
+            </a:r>
+            <a:r>
+              <a:rPr lang="it-IT" sz="1200" dirty="0" err="1">
+                <a:solidFill>
+                  <a:srgbClr val="4EC9B0"/>
+                </a:solidFill>
+                <a:latin typeface="Consolas" panose="020B0609020204030204" pitchFamily="49" charset="0"/>
+                <a:ea typeface="Times New Roman" panose="02020603050405020304" pitchFamily="18" charset="0"/>
+                <a:cs typeface="Times New Roman" panose="02020603050405020304" pitchFamily="18" charset="0"/>
+              </a:rPr>
+              <a:t>String</a:t>
+            </a:r>
+            <a:r>
+              <a:rPr lang="it-IT" sz="1200" dirty="0">
+                <a:solidFill>
+                  <a:srgbClr val="D4D4D4"/>
+                </a:solidFill>
+                <a:latin typeface="Consolas" panose="020B0609020204030204" pitchFamily="49" charset="0"/>
+                <a:ea typeface="Times New Roman" panose="02020603050405020304" pitchFamily="18" charset="0"/>
+                <a:cs typeface="Times New Roman" panose="02020603050405020304" pitchFamily="18" charset="0"/>
+              </a:rPr>
+              <a:t>[</a:t>
+            </a:r>
+            <a:r>
+              <a:rPr lang="it-IT" sz="1200" dirty="0" err="1">
+                <a:solidFill>
+                  <a:srgbClr val="D4D4D4"/>
+                </a:solidFill>
+                <a:latin typeface="Consolas" panose="020B0609020204030204" pitchFamily="49" charset="0"/>
+                <a:ea typeface="Times New Roman" panose="02020603050405020304" pitchFamily="18" charset="0"/>
+                <a:cs typeface="Times New Roman" panose="02020603050405020304" pitchFamily="18" charset="0"/>
+              </a:rPr>
+              <a:t>cont</a:t>
+            </a:r>
+            <a:r>
+              <a:rPr lang="it-IT" sz="1200" dirty="0">
+                <a:solidFill>
+                  <a:srgbClr val="D4D4D4"/>
+                </a:solidFill>
+                <a:latin typeface="Consolas" panose="020B0609020204030204" pitchFamily="49" charset="0"/>
+                <a:ea typeface="Times New Roman" panose="02020603050405020304" pitchFamily="18" charset="0"/>
+                <a:cs typeface="Times New Roman" panose="02020603050405020304" pitchFamily="18" charset="0"/>
+              </a:rPr>
+              <a:t>];</a:t>
+            </a:r>
+            <a:endParaRPr lang="it-IT" sz="1200" dirty="0">
+              <a:latin typeface="Consolas" panose="020B0609020204030204" pitchFamily="49" charset="0"/>
+              <a:ea typeface="Calibri" panose="020F0502020204030204" pitchFamily="34" charset="0"/>
+              <a:cs typeface="Times New Roman" panose="02020603050405020304" pitchFamily="18" charset="0"/>
+            </a:endParaRPr>
+          </a:p>
+          <a:p>
+            <a:pPr>
+              <a:lnSpc>
+                <a:spcPct val="130000"/>
+              </a:lnSpc>
+              <a:spcAft>
+                <a:spcPts val="0"/>
+              </a:spcAft>
+            </a:pPr>
+            <a:endParaRPr lang="it-IT" sz="1200" dirty="0">
+              <a:solidFill>
+                <a:srgbClr val="D4D4D4"/>
+              </a:solidFill>
+              <a:latin typeface="Consolas" panose="020B0609020204030204" pitchFamily="49" charset="0"/>
+              <a:ea typeface="Times New Roman" panose="02020603050405020304" pitchFamily="18" charset="0"/>
+              <a:cs typeface="Times New Roman" panose="02020603050405020304" pitchFamily="18" charset="0"/>
+            </a:endParaRPr>
+          </a:p>
+          <a:p>
+            <a:pPr>
+              <a:lnSpc>
+                <a:spcPct val="130000"/>
+              </a:lnSpc>
+              <a:spcAft>
+                <a:spcPts val="0"/>
+              </a:spcAft>
+            </a:pPr>
+            <a:r>
+              <a:rPr lang="it-IT" sz="1200" dirty="0">
+                <a:solidFill>
+                  <a:srgbClr val="D4D4D4"/>
+                </a:solidFill>
+                <a:latin typeface="Consolas" panose="020B0609020204030204" pitchFamily="49" charset="0"/>
+                <a:ea typeface="Times New Roman" panose="02020603050405020304" pitchFamily="18" charset="0"/>
+                <a:cs typeface="Times New Roman" panose="02020603050405020304" pitchFamily="18" charset="0"/>
+              </a:rPr>
+              <a:t>	</a:t>
+            </a:r>
+            <a:r>
+              <a:rPr lang="it-IT" sz="1200" dirty="0" err="1">
+                <a:solidFill>
+                  <a:srgbClr val="D4D4D4"/>
+                </a:solidFill>
+                <a:latin typeface="Consolas" panose="020B0609020204030204" pitchFamily="49" charset="0"/>
+                <a:ea typeface="Times New Roman" panose="02020603050405020304" pitchFamily="18" charset="0"/>
+                <a:cs typeface="Times New Roman" panose="02020603050405020304" pitchFamily="18" charset="0"/>
+              </a:rPr>
+              <a:t>cont</a:t>
+            </a:r>
+            <a:r>
+              <a:rPr lang="it-IT" sz="1200" dirty="0">
+                <a:solidFill>
+                  <a:srgbClr val="D4D4D4"/>
+                </a:solidFill>
+                <a:latin typeface="Consolas" panose="020B0609020204030204" pitchFamily="49" charset="0"/>
+                <a:ea typeface="Times New Roman" panose="02020603050405020304" pitchFamily="18" charset="0"/>
+                <a:cs typeface="Times New Roman" panose="02020603050405020304" pitchFamily="18" charset="0"/>
+              </a:rPr>
+              <a:t> = </a:t>
+            </a:r>
+            <a:r>
+              <a:rPr lang="it-IT" sz="1200" dirty="0">
+                <a:solidFill>
+                  <a:srgbClr val="B5CEA8"/>
+                </a:solidFill>
+                <a:latin typeface="Consolas" panose="020B0609020204030204" pitchFamily="49" charset="0"/>
+                <a:ea typeface="Times New Roman" panose="02020603050405020304" pitchFamily="18" charset="0"/>
+                <a:cs typeface="Times New Roman" panose="02020603050405020304" pitchFamily="18" charset="0"/>
+              </a:rPr>
+              <a:t>0</a:t>
+            </a:r>
+            <a:r>
+              <a:rPr lang="it-IT" sz="1200" dirty="0">
+                <a:solidFill>
+                  <a:srgbClr val="D4D4D4"/>
+                </a:solidFill>
+                <a:latin typeface="Consolas" panose="020B0609020204030204" pitchFamily="49" charset="0"/>
+                <a:ea typeface="Times New Roman" panose="02020603050405020304" pitchFamily="18" charset="0"/>
+                <a:cs typeface="Times New Roman" panose="02020603050405020304" pitchFamily="18" charset="0"/>
+              </a:rPr>
+              <a:t>;</a:t>
+            </a:r>
+            <a:endParaRPr lang="it-IT" sz="1200" dirty="0">
+              <a:latin typeface="Consolas" panose="020B0609020204030204" pitchFamily="49" charset="0"/>
+              <a:ea typeface="Calibri" panose="020F0502020204030204" pitchFamily="34" charset="0"/>
+              <a:cs typeface="Times New Roman" panose="02020603050405020304" pitchFamily="18" charset="0"/>
+            </a:endParaRPr>
+          </a:p>
+          <a:p>
+            <a:pPr>
+              <a:lnSpc>
+                <a:spcPct val="130000"/>
+              </a:lnSpc>
+              <a:spcAft>
+                <a:spcPts val="0"/>
+              </a:spcAft>
+            </a:pPr>
+            <a:r>
+              <a:rPr lang="it-IT" sz="1200" dirty="0">
+                <a:solidFill>
+                  <a:srgbClr val="C586C0"/>
+                </a:solidFill>
+                <a:latin typeface="Consolas" panose="020B0609020204030204" pitchFamily="49" charset="0"/>
+                <a:ea typeface="Times New Roman" panose="02020603050405020304" pitchFamily="18" charset="0"/>
+                <a:cs typeface="Times New Roman" panose="02020603050405020304" pitchFamily="18" charset="0"/>
+              </a:rPr>
+              <a:t>	for</a:t>
+            </a:r>
+            <a:r>
+              <a:rPr lang="it-IT" sz="1200" dirty="0">
+                <a:solidFill>
+                  <a:srgbClr val="D4D4D4"/>
+                </a:solidFill>
+                <a:latin typeface="Consolas" panose="020B0609020204030204" pitchFamily="49" charset="0"/>
+                <a:ea typeface="Times New Roman" panose="02020603050405020304" pitchFamily="18" charset="0"/>
+                <a:cs typeface="Times New Roman" panose="02020603050405020304" pitchFamily="18" charset="0"/>
+              </a:rPr>
+              <a:t> (</a:t>
+            </a:r>
+            <a:r>
+              <a:rPr lang="it-IT" sz="1200" dirty="0" err="1">
+                <a:solidFill>
+                  <a:srgbClr val="4EC9B0"/>
+                </a:solidFill>
+                <a:latin typeface="Consolas" panose="020B0609020204030204" pitchFamily="49" charset="0"/>
+                <a:ea typeface="Times New Roman" panose="02020603050405020304" pitchFamily="18" charset="0"/>
+                <a:cs typeface="Times New Roman" panose="02020603050405020304" pitchFamily="18" charset="0"/>
+              </a:rPr>
+              <a:t>int</a:t>
+            </a:r>
+            <a:r>
+              <a:rPr lang="it-IT" sz="1200" dirty="0">
+                <a:solidFill>
+                  <a:srgbClr val="D4D4D4"/>
+                </a:solidFill>
+                <a:latin typeface="Consolas" panose="020B0609020204030204" pitchFamily="49" charset="0"/>
+                <a:ea typeface="Times New Roman" panose="02020603050405020304" pitchFamily="18" charset="0"/>
+                <a:cs typeface="Times New Roman" panose="02020603050405020304" pitchFamily="18" charset="0"/>
+              </a:rPr>
+              <a:t> </a:t>
+            </a:r>
+            <a:r>
+              <a:rPr lang="it-IT" sz="1200" dirty="0">
+                <a:solidFill>
+                  <a:srgbClr val="9CDCFE"/>
+                </a:solidFill>
+                <a:latin typeface="Consolas" panose="020B0609020204030204" pitchFamily="49" charset="0"/>
+                <a:ea typeface="Times New Roman" panose="02020603050405020304" pitchFamily="18" charset="0"/>
+                <a:cs typeface="Times New Roman" panose="02020603050405020304" pitchFamily="18" charset="0"/>
+              </a:rPr>
+              <a:t>i</a:t>
+            </a:r>
+            <a:r>
+              <a:rPr lang="it-IT" sz="1200" dirty="0">
+                <a:solidFill>
+                  <a:srgbClr val="D4D4D4"/>
+                </a:solidFill>
+                <a:latin typeface="Consolas" panose="020B0609020204030204" pitchFamily="49" charset="0"/>
+                <a:ea typeface="Times New Roman" panose="02020603050405020304" pitchFamily="18" charset="0"/>
+                <a:cs typeface="Times New Roman" panose="02020603050405020304" pitchFamily="18" charset="0"/>
+              </a:rPr>
+              <a:t> = </a:t>
+            </a:r>
+            <a:r>
+              <a:rPr lang="it-IT" sz="1200" dirty="0">
+                <a:solidFill>
+                  <a:srgbClr val="B5CEA8"/>
+                </a:solidFill>
+                <a:latin typeface="Consolas" panose="020B0609020204030204" pitchFamily="49" charset="0"/>
+                <a:ea typeface="Times New Roman" panose="02020603050405020304" pitchFamily="18" charset="0"/>
+                <a:cs typeface="Times New Roman" panose="02020603050405020304" pitchFamily="18" charset="0"/>
+              </a:rPr>
+              <a:t>0</a:t>
+            </a:r>
+            <a:r>
+              <a:rPr lang="it-IT" sz="1200" dirty="0">
+                <a:solidFill>
+                  <a:srgbClr val="D4D4D4"/>
+                </a:solidFill>
+                <a:latin typeface="Consolas" panose="020B0609020204030204" pitchFamily="49" charset="0"/>
+                <a:ea typeface="Times New Roman" panose="02020603050405020304" pitchFamily="18" charset="0"/>
+                <a:cs typeface="Times New Roman" panose="02020603050405020304" pitchFamily="18" charset="0"/>
+              </a:rPr>
+              <a:t>; i &lt; </a:t>
+            </a:r>
+            <a:r>
+              <a:rPr lang="it-IT" sz="1200" dirty="0" err="1">
+                <a:solidFill>
+                  <a:srgbClr val="D4D4D4"/>
+                </a:solidFill>
+                <a:latin typeface="Consolas" panose="020B0609020204030204" pitchFamily="49" charset="0"/>
+                <a:ea typeface="Times New Roman" panose="02020603050405020304" pitchFamily="18" charset="0"/>
+                <a:cs typeface="Times New Roman" panose="02020603050405020304" pitchFamily="18" charset="0"/>
+              </a:rPr>
+              <a:t>tableSize</a:t>
+            </a:r>
+            <a:r>
+              <a:rPr lang="it-IT" sz="1200" dirty="0">
+                <a:solidFill>
+                  <a:srgbClr val="D4D4D4"/>
+                </a:solidFill>
+                <a:latin typeface="Consolas" panose="020B0609020204030204" pitchFamily="49" charset="0"/>
+                <a:ea typeface="Times New Roman" panose="02020603050405020304" pitchFamily="18" charset="0"/>
+                <a:cs typeface="Times New Roman" panose="02020603050405020304" pitchFamily="18" charset="0"/>
+              </a:rPr>
+              <a:t>; i++) {</a:t>
+            </a:r>
+            <a:endParaRPr lang="it-IT" sz="1200" dirty="0">
+              <a:latin typeface="Consolas" panose="020B0609020204030204" pitchFamily="49" charset="0"/>
+              <a:ea typeface="Calibri" panose="020F0502020204030204" pitchFamily="34" charset="0"/>
+              <a:cs typeface="Times New Roman" panose="02020603050405020304" pitchFamily="18" charset="0"/>
+            </a:endParaRPr>
+          </a:p>
+          <a:p>
+            <a:pPr>
+              <a:lnSpc>
+                <a:spcPct val="130000"/>
+              </a:lnSpc>
+              <a:spcAft>
+                <a:spcPts val="0"/>
+              </a:spcAft>
+            </a:pPr>
+            <a:r>
+              <a:rPr lang="it-IT" sz="1200" dirty="0">
+                <a:solidFill>
+                  <a:srgbClr val="C586C0"/>
+                </a:solidFill>
+                <a:latin typeface="Consolas" panose="020B0609020204030204" pitchFamily="49" charset="0"/>
+                <a:ea typeface="Times New Roman" panose="02020603050405020304" pitchFamily="18" charset="0"/>
+                <a:cs typeface="Times New Roman" panose="02020603050405020304" pitchFamily="18" charset="0"/>
+              </a:rPr>
+              <a:t>		</a:t>
+            </a:r>
+            <a:r>
+              <a:rPr lang="it-IT" sz="1200" dirty="0" err="1">
+                <a:solidFill>
+                  <a:srgbClr val="C586C0"/>
+                </a:solidFill>
+                <a:latin typeface="Consolas" panose="020B0609020204030204" pitchFamily="49" charset="0"/>
+                <a:ea typeface="Times New Roman" panose="02020603050405020304" pitchFamily="18" charset="0"/>
+                <a:cs typeface="Times New Roman" panose="02020603050405020304" pitchFamily="18" charset="0"/>
+              </a:rPr>
+              <a:t>if</a:t>
+            </a:r>
+            <a:r>
+              <a:rPr lang="it-IT" sz="1200" dirty="0">
+                <a:solidFill>
+                  <a:srgbClr val="D4D4D4"/>
+                </a:solidFill>
+                <a:latin typeface="Consolas" panose="020B0609020204030204" pitchFamily="49" charset="0"/>
+                <a:ea typeface="Times New Roman" panose="02020603050405020304" pitchFamily="18" charset="0"/>
+                <a:cs typeface="Times New Roman" panose="02020603050405020304" pitchFamily="18" charset="0"/>
+              </a:rPr>
+              <a:t> (</a:t>
+            </a:r>
+            <a:r>
+              <a:rPr lang="it-IT" sz="1200" dirty="0" err="1">
+                <a:solidFill>
+                  <a:srgbClr val="9CDCFE"/>
+                </a:solidFill>
+                <a:latin typeface="Consolas" panose="020B0609020204030204" pitchFamily="49" charset="0"/>
+                <a:ea typeface="Times New Roman" panose="02020603050405020304" pitchFamily="18" charset="0"/>
+                <a:cs typeface="Times New Roman" panose="02020603050405020304" pitchFamily="18" charset="0"/>
+              </a:rPr>
+              <a:t>tag</a:t>
+            </a:r>
+            <a:r>
+              <a:rPr lang="it-IT" sz="1200" dirty="0" err="1">
+                <a:solidFill>
+                  <a:srgbClr val="D4D4D4"/>
+                </a:solidFill>
+                <a:latin typeface="Consolas" panose="020B0609020204030204" pitchFamily="49" charset="0"/>
+                <a:ea typeface="Times New Roman" panose="02020603050405020304" pitchFamily="18" charset="0"/>
+                <a:cs typeface="Times New Roman" panose="02020603050405020304" pitchFamily="18" charset="0"/>
+              </a:rPr>
+              <a:t>.</a:t>
+            </a:r>
+            <a:r>
+              <a:rPr lang="it-IT" sz="1200" dirty="0" err="1">
+                <a:solidFill>
+                  <a:srgbClr val="DCDCAA"/>
+                </a:solidFill>
+                <a:latin typeface="Consolas" panose="020B0609020204030204" pitchFamily="49" charset="0"/>
+                <a:ea typeface="Times New Roman" panose="02020603050405020304" pitchFamily="18" charset="0"/>
+                <a:cs typeface="Times New Roman" panose="02020603050405020304" pitchFamily="18" charset="0"/>
+              </a:rPr>
+              <a:t>equals</a:t>
+            </a:r>
+            <a:r>
+              <a:rPr lang="it-IT" sz="1200" dirty="0">
+                <a:solidFill>
+                  <a:srgbClr val="D4D4D4"/>
+                </a:solidFill>
+                <a:latin typeface="Consolas" panose="020B0609020204030204" pitchFamily="49" charset="0"/>
+                <a:ea typeface="Times New Roman" panose="02020603050405020304" pitchFamily="18" charset="0"/>
+                <a:cs typeface="Times New Roman" panose="02020603050405020304" pitchFamily="18" charset="0"/>
+              </a:rPr>
+              <a:t>((</a:t>
+            </a:r>
+            <a:r>
+              <a:rPr lang="it-IT" sz="1200" dirty="0" err="1">
+                <a:solidFill>
+                  <a:srgbClr val="D4D4D4"/>
+                </a:solidFill>
+                <a:latin typeface="Consolas" panose="020B0609020204030204" pitchFamily="49" charset="0"/>
+                <a:ea typeface="Times New Roman" panose="02020603050405020304" pitchFamily="18" charset="0"/>
+                <a:cs typeface="Times New Roman" panose="02020603050405020304" pitchFamily="18" charset="0"/>
+              </a:rPr>
+              <a:t>String</a:t>
+            </a:r>
+            <a:r>
+              <a:rPr lang="it-IT" sz="1200" dirty="0">
+                <a:solidFill>
+                  <a:srgbClr val="D4D4D4"/>
+                </a:solidFill>
+                <a:latin typeface="Consolas" panose="020B0609020204030204" pitchFamily="49" charset="0"/>
+                <a:ea typeface="Times New Roman" panose="02020603050405020304" pitchFamily="18" charset="0"/>
+                <a:cs typeface="Times New Roman" panose="02020603050405020304" pitchFamily="18" charset="0"/>
+              </a:rPr>
+              <a:t>) table[i][</a:t>
+            </a:r>
+            <a:r>
+              <a:rPr lang="it-IT" sz="1200" dirty="0">
+                <a:solidFill>
+                  <a:srgbClr val="B5CEA8"/>
+                </a:solidFill>
+                <a:latin typeface="Consolas" panose="020B0609020204030204" pitchFamily="49" charset="0"/>
+                <a:ea typeface="Times New Roman" panose="02020603050405020304" pitchFamily="18" charset="0"/>
+                <a:cs typeface="Times New Roman" panose="02020603050405020304" pitchFamily="18" charset="0"/>
+              </a:rPr>
+              <a:t>2</a:t>
+            </a:r>
+            <a:r>
+              <a:rPr lang="it-IT" sz="1200" dirty="0">
+                <a:solidFill>
+                  <a:srgbClr val="D4D4D4"/>
+                </a:solidFill>
+                <a:latin typeface="Consolas" panose="020B0609020204030204" pitchFamily="49" charset="0"/>
+                <a:ea typeface="Times New Roman" panose="02020603050405020304" pitchFamily="18" charset="0"/>
+                <a:cs typeface="Times New Roman" panose="02020603050405020304" pitchFamily="18" charset="0"/>
+              </a:rPr>
+              <a:t>])) {</a:t>
+            </a:r>
+            <a:endParaRPr lang="it-IT" sz="1200" dirty="0">
+              <a:latin typeface="Consolas" panose="020B0609020204030204" pitchFamily="49" charset="0"/>
+              <a:ea typeface="Calibri" panose="020F0502020204030204" pitchFamily="34" charset="0"/>
+              <a:cs typeface="Times New Roman" panose="02020603050405020304" pitchFamily="18" charset="0"/>
+            </a:endParaRPr>
+          </a:p>
+          <a:p>
+            <a:pPr>
+              <a:lnSpc>
+                <a:spcPct val="130000"/>
+              </a:lnSpc>
+              <a:spcAft>
+                <a:spcPts val="0"/>
+              </a:spcAft>
+            </a:pPr>
+            <a:r>
+              <a:rPr lang="it-IT" sz="1200" dirty="0">
+                <a:solidFill>
+                  <a:srgbClr val="D4D4D4"/>
+                </a:solidFill>
+                <a:latin typeface="Consolas" panose="020B0609020204030204" pitchFamily="49" charset="0"/>
+                <a:ea typeface="Times New Roman" panose="02020603050405020304" pitchFamily="18" charset="0"/>
+                <a:cs typeface="Times New Roman" panose="02020603050405020304" pitchFamily="18" charset="0"/>
+              </a:rPr>
+              <a:t>			risultato[</a:t>
+            </a:r>
+            <a:r>
+              <a:rPr lang="it-IT" sz="1200" dirty="0" err="1">
+                <a:solidFill>
+                  <a:srgbClr val="D4D4D4"/>
+                </a:solidFill>
+                <a:latin typeface="Consolas" panose="020B0609020204030204" pitchFamily="49" charset="0"/>
+                <a:ea typeface="Times New Roman" panose="02020603050405020304" pitchFamily="18" charset="0"/>
+                <a:cs typeface="Times New Roman" panose="02020603050405020304" pitchFamily="18" charset="0"/>
+              </a:rPr>
+              <a:t>cont</a:t>
+            </a:r>
+            <a:r>
+              <a:rPr lang="it-IT" sz="1200" dirty="0">
+                <a:solidFill>
+                  <a:srgbClr val="D4D4D4"/>
+                </a:solidFill>
+                <a:latin typeface="Consolas" panose="020B0609020204030204" pitchFamily="49" charset="0"/>
+                <a:ea typeface="Times New Roman" panose="02020603050405020304" pitchFamily="18" charset="0"/>
+                <a:cs typeface="Times New Roman" panose="02020603050405020304" pitchFamily="18" charset="0"/>
+              </a:rPr>
+              <a:t>++] = (</a:t>
+            </a:r>
+            <a:r>
+              <a:rPr lang="it-IT" sz="1200" dirty="0" err="1">
+                <a:solidFill>
+                  <a:srgbClr val="D4D4D4"/>
+                </a:solidFill>
+                <a:latin typeface="Consolas" panose="020B0609020204030204" pitchFamily="49" charset="0"/>
+                <a:ea typeface="Times New Roman" panose="02020603050405020304" pitchFamily="18" charset="0"/>
+                <a:cs typeface="Times New Roman" panose="02020603050405020304" pitchFamily="18" charset="0"/>
+              </a:rPr>
+              <a:t>String</a:t>
+            </a:r>
+            <a:r>
+              <a:rPr lang="it-IT" sz="1200" dirty="0">
+                <a:solidFill>
+                  <a:srgbClr val="D4D4D4"/>
+                </a:solidFill>
+                <a:latin typeface="Consolas" panose="020B0609020204030204" pitchFamily="49" charset="0"/>
+                <a:ea typeface="Times New Roman" panose="02020603050405020304" pitchFamily="18" charset="0"/>
+                <a:cs typeface="Times New Roman" panose="02020603050405020304" pitchFamily="18" charset="0"/>
+              </a:rPr>
+              <a:t>) table[i][</a:t>
+            </a:r>
+            <a:r>
+              <a:rPr lang="it-IT" sz="1200" dirty="0">
+                <a:solidFill>
+                  <a:srgbClr val="B5CEA8"/>
+                </a:solidFill>
+                <a:latin typeface="Consolas" panose="020B0609020204030204" pitchFamily="49" charset="0"/>
+                <a:ea typeface="Times New Roman" panose="02020603050405020304" pitchFamily="18" charset="0"/>
+                <a:cs typeface="Times New Roman" panose="02020603050405020304" pitchFamily="18" charset="0"/>
+              </a:rPr>
+              <a:t>0</a:t>
+            </a:r>
+            <a:r>
+              <a:rPr lang="it-IT" sz="1200" dirty="0">
+                <a:solidFill>
+                  <a:srgbClr val="D4D4D4"/>
+                </a:solidFill>
+                <a:latin typeface="Consolas" panose="020B0609020204030204" pitchFamily="49" charset="0"/>
+                <a:ea typeface="Times New Roman" panose="02020603050405020304" pitchFamily="18" charset="0"/>
+                <a:cs typeface="Times New Roman" panose="02020603050405020304" pitchFamily="18" charset="0"/>
+              </a:rPr>
+              <a:t>];</a:t>
+            </a:r>
+            <a:endParaRPr lang="it-IT" sz="1200" dirty="0">
+              <a:latin typeface="Consolas" panose="020B0609020204030204" pitchFamily="49" charset="0"/>
+              <a:ea typeface="Calibri" panose="020F0502020204030204" pitchFamily="34" charset="0"/>
+              <a:cs typeface="Times New Roman" panose="02020603050405020304" pitchFamily="18" charset="0"/>
+            </a:endParaRPr>
+          </a:p>
+          <a:p>
+            <a:pPr>
+              <a:lnSpc>
+                <a:spcPct val="130000"/>
+              </a:lnSpc>
+              <a:spcAft>
+                <a:spcPts val="0"/>
+              </a:spcAft>
+            </a:pPr>
+            <a:r>
+              <a:rPr lang="it-IT" sz="1200" dirty="0">
+                <a:solidFill>
+                  <a:srgbClr val="D4D4D4"/>
+                </a:solidFill>
+                <a:latin typeface="Consolas" panose="020B0609020204030204" pitchFamily="49" charset="0"/>
+                <a:ea typeface="Times New Roman" panose="02020603050405020304" pitchFamily="18" charset="0"/>
+                <a:cs typeface="Times New Roman" panose="02020603050405020304" pitchFamily="18" charset="0"/>
+              </a:rPr>
+              <a:t>		}</a:t>
+            </a:r>
+            <a:endParaRPr lang="it-IT" sz="1200" dirty="0">
+              <a:latin typeface="Consolas" panose="020B0609020204030204" pitchFamily="49" charset="0"/>
+              <a:ea typeface="Calibri" panose="020F0502020204030204" pitchFamily="34" charset="0"/>
+              <a:cs typeface="Times New Roman" panose="02020603050405020304" pitchFamily="18" charset="0"/>
+            </a:endParaRPr>
+          </a:p>
+          <a:p>
+            <a:pPr>
+              <a:lnSpc>
+                <a:spcPct val="130000"/>
+              </a:lnSpc>
+              <a:spcAft>
+                <a:spcPts val="0"/>
+              </a:spcAft>
+            </a:pPr>
+            <a:r>
+              <a:rPr lang="it-IT" sz="1200" dirty="0">
+                <a:solidFill>
+                  <a:srgbClr val="D4D4D4"/>
+                </a:solidFill>
+                <a:latin typeface="Consolas" panose="020B0609020204030204" pitchFamily="49" charset="0"/>
+                <a:ea typeface="Times New Roman" panose="02020603050405020304" pitchFamily="18" charset="0"/>
+                <a:cs typeface="Times New Roman" panose="02020603050405020304" pitchFamily="18" charset="0"/>
+              </a:rPr>
+              <a:t>	}</a:t>
+            </a:r>
+          </a:p>
+          <a:p>
+            <a:pPr>
+              <a:lnSpc>
+                <a:spcPct val="130000"/>
+              </a:lnSpc>
+              <a:spcAft>
+                <a:spcPts val="0"/>
+              </a:spcAft>
+            </a:pPr>
+            <a:endParaRPr lang="it-IT" sz="1200" dirty="0">
+              <a:solidFill>
+                <a:srgbClr val="C586C0"/>
+              </a:solidFill>
+              <a:latin typeface="Consolas" panose="020B0609020204030204" pitchFamily="49" charset="0"/>
+              <a:ea typeface="Times New Roman" panose="02020603050405020304" pitchFamily="18" charset="0"/>
+              <a:cs typeface="Times New Roman" panose="02020603050405020304" pitchFamily="18" charset="0"/>
+            </a:endParaRPr>
+          </a:p>
+          <a:p>
+            <a:pPr lvl="1">
+              <a:lnSpc>
+                <a:spcPct val="130000"/>
+              </a:lnSpc>
+            </a:pPr>
+            <a:r>
+              <a:rPr lang="it-IT" sz="1200" dirty="0" err="1">
+                <a:solidFill>
+                  <a:srgbClr val="C586C0"/>
+                </a:solidFill>
+                <a:latin typeface="Consolas" panose="020B0609020204030204" pitchFamily="49" charset="0"/>
+                <a:ea typeface="Times New Roman" panose="02020603050405020304" pitchFamily="18" charset="0"/>
+                <a:cs typeface="Times New Roman" panose="02020603050405020304" pitchFamily="18" charset="0"/>
+              </a:rPr>
+              <a:t>return</a:t>
+            </a:r>
+            <a:r>
+              <a:rPr lang="it-IT" sz="1200" dirty="0">
+                <a:solidFill>
+                  <a:srgbClr val="D4D4D4"/>
+                </a:solidFill>
+                <a:latin typeface="Consolas" panose="020B0609020204030204" pitchFamily="49" charset="0"/>
+                <a:ea typeface="Times New Roman" panose="02020603050405020304" pitchFamily="18" charset="0"/>
+                <a:cs typeface="Times New Roman" panose="02020603050405020304" pitchFamily="18" charset="0"/>
+              </a:rPr>
+              <a:t> risultato;</a:t>
+            </a:r>
+            <a:endParaRPr lang="it-IT" sz="1400" dirty="0">
+              <a:latin typeface="Consolas" panose="020B0609020204030204" pitchFamily="49" charset="0"/>
+              <a:ea typeface="Calibri" panose="020F0502020204030204" pitchFamily="34" charset="0"/>
+              <a:cs typeface="Times New Roman" panose="02020603050405020304" pitchFamily="18" charset="0"/>
+            </a:endParaRPr>
+          </a:p>
+          <a:p>
+            <a:pPr>
+              <a:lnSpc>
+                <a:spcPct val="130000"/>
+              </a:lnSpc>
+              <a:spcAft>
+                <a:spcPts val="0"/>
+              </a:spcAft>
+            </a:pPr>
+            <a:r>
+              <a:rPr lang="it-IT" sz="1200" dirty="0">
+                <a:solidFill>
+                  <a:srgbClr val="D4D4D4"/>
+                </a:solidFill>
+                <a:latin typeface="Consolas" panose="020B0609020204030204" pitchFamily="49" charset="0"/>
+                <a:ea typeface="Times New Roman" panose="02020603050405020304" pitchFamily="18" charset="0"/>
+                <a:cs typeface="Times New Roman" panose="02020603050405020304" pitchFamily="18" charset="0"/>
+              </a:rPr>
+              <a:t>}</a:t>
+            </a:r>
+            <a:endParaRPr lang="it-IT" sz="1200" dirty="0">
+              <a:latin typeface="Consolas" panose="020B0609020204030204" pitchFamily="49" charset="0"/>
+              <a:ea typeface="Calibri" panose="020F0502020204030204" pitchFamily="34" charset="0"/>
+              <a:cs typeface="Times New Roman" panose="02020603050405020304" pitchFamily="18" charset="0"/>
+            </a:endParaRPr>
+          </a:p>
+        </p:txBody>
+      </p:sp>
+    </p:spTree>
+    <p:extLst>
+      <p:ext uri="{BB962C8B-B14F-4D97-AF65-F5344CB8AC3E}">
+        <p14:creationId xmlns:p14="http://schemas.microsoft.com/office/powerpoint/2010/main" val="1620050625"/>
+      </p:ext>
+    </p:extLst>
+  </p:cSld>
+  <p:clrMapOvr>
+    <a:masterClrMapping/>
+  </p:clrMapOvr>
+</p:sld>
+</file>
+
+<file path=ppt/slides/slide6.xml><?xml version="1.0" encoding="utf-8"?>
+<p:sld xmlns:a="http://schemas.openxmlformats.org/drawingml/2006/main" xmlns:r="http://schemas.openxmlformats.org/officeDocument/2006/relationships" xmlns:p="http://schemas.openxmlformats.org/presentationml/2006/main">
+  <p:cSld>
+    <p:bg>
+      <p:bgPr>
+        <a:solidFill>
+          <a:srgbClr val="2A2A2A"/>
+        </a:solidFill>
+        <a:effectLst/>
+      </p:bgPr>
+    </p:bg>
+    <p:spTree>
+      <p:nvGrpSpPr>
+        <p:cNvPr id="1" name=""/>
+        <p:cNvGrpSpPr/>
+        <p:nvPr/>
+      </p:nvGrpSpPr>
+      <p:grpSpPr>
+        <a:xfrm>
+          <a:off x="0" y="0"/>
+          <a:ext cx="0" cy="0"/>
+          <a:chOff x="0" y="0"/>
+          <a:chExt cx="0" cy="0"/>
+        </a:xfrm>
+      </p:grpSpPr>
+      <p:sp>
+        <p:nvSpPr>
+          <p:cNvPr id="2" name="Titolo 1">
+            <a:extLst>
+              <a:ext uri="{FF2B5EF4-FFF2-40B4-BE49-F238E27FC236}">
+                <a16:creationId xmlns:a16="http://schemas.microsoft.com/office/drawing/2014/main" id="{F1DDE7A4-1A5F-4F0D-B842-7798EDC6EDA8}"/>
+              </a:ext>
+            </a:extLst>
+          </p:cNvPr>
+          <p:cNvSpPr>
+            <a:spLocks noGrp="1"/>
+          </p:cNvSpPr>
+          <p:nvPr>
+            <p:ph type="title"/>
+          </p:nvPr>
+        </p:nvSpPr>
+        <p:spPr>
+          <a:xfrm>
+            <a:off x="166048" y="92077"/>
+            <a:ext cx="11859904" cy="911224"/>
+          </a:xfrm>
+        </p:spPr>
+        <p:txBody>
+          <a:bodyPr>
+            <a:normAutofit/>
+          </a:bodyPr>
+          <a:lstStyle/>
+          <a:p>
+            <a:pPr algn="ctr"/>
+            <a:r>
+              <a:rPr lang="it-IT" dirty="0" err="1">
+                <a:solidFill>
+                  <a:schemeClr val="bg1"/>
+                </a:solidFill>
+                <a:latin typeface="Avenir Next LT Pro Light" panose="020B0304020202020204" pitchFamily="34" charset="0"/>
+              </a:rPr>
+              <a:t>ServerImpl</a:t>
+            </a:r>
+            <a:endParaRPr lang="it-IT" dirty="0">
+              <a:solidFill>
+                <a:schemeClr val="bg1"/>
+              </a:solidFill>
+              <a:latin typeface="Avenir Next LT Pro Light" panose="020B0304020202020204" pitchFamily="34" charset="0"/>
+            </a:endParaRPr>
+          </a:p>
+        </p:txBody>
+      </p:sp>
+      <p:sp>
+        <p:nvSpPr>
+          <p:cNvPr id="3" name="Segnaposto numero diapositiva 2">
+            <a:extLst>
+              <a:ext uri="{FF2B5EF4-FFF2-40B4-BE49-F238E27FC236}">
+                <a16:creationId xmlns:a16="http://schemas.microsoft.com/office/drawing/2014/main" id="{A47D4834-59E8-435C-A95B-F4D997DED51E}"/>
+              </a:ext>
+            </a:extLst>
+          </p:cNvPr>
+          <p:cNvSpPr>
+            <a:spLocks noGrp="1"/>
+          </p:cNvSpPr>
+          <p:nvPr>
+            <p:ph type="sldNum" sz="quarter" idx="12"/>
+          </p:nvPr>
+        </p:nvSpPr>
+        <p:spPr/>
+        <p:txBody>
+          <a:bodyPr/>
+          <a:lstStyle/>
+          <a:p>
+            <a:fld id="{4A6DC286-705F-4A37-A21F-B485E3A29C72}" type="slidenum">
+              <a:rPr lang="it-IT" smtClean="0"/>
+              <a:t>6</a:t>
+            </a:fld>
+            <a:endParaRPr lang="it-IT"/>
+          </a:p>
+        </p:txBody>
+      </p:sp>
+      <p:sp>
+        <p:nvSpPr>
+          <p:cNvPr id="5" name="CasellaDiTesto 4">
+            <a:extLst>
+              <a:ext uri="{FF2B5EF4-FFF2-40B4-BE49-F238E27FC236}">
+                <a16:creationId xmlns:a16="http://schemas.microsoft.com/office/drawing/2014/main" id="{575E9FB5-702A-42D6-A2EB-DC69E86329E8}"/>
+              </a:ext>
+            </a:extLst>
+          </p:cNvPr>
+          <p:cNvSpPr txBox="1"/>
+          <p:nvPr/>
+        </p:nvSpPr>
+        <p:spPr>
+          <a:xfrm>
+            <a:off x="882212" y="1003301"/>
+            <a:ext cx="10427575" cy="3912931"/>
+          </a:xfrm>
+          <a:prstGeom prst="rect">
+            <a:avLst/>
+          </a:prstGeom>
+          <a:noFill/>
+        </p:spPr>
+        <p:txBody>
+          <a:bodyPr wrap="square" rtlCol="0">
+            <a:spAutoFit/>
+          </a:bodyPr>
+          <a:lstStyle/>
+          <a:p>
+            <a:pPr>
+              <a:lnSpc>
+                <a:spcPct val="130000"/>
+              </a:lnSpc>
+              <a:spcAft>
+                <a:spcPts val="0"/>
+              </a:spcAft>
+            </a:pPr>
+            <a:r>
+              <a:rPr lang="it-IT" sz="1200" dirty="0" err="1">
+                <a:solidFill>
+                  <a:srgbClr val="C586C0"/>
+                </a:solidFill>
+                <a:latin typeface="Consolas" panose="020B0609020204030204" pitchFamily="49" charset="0"/>
+                <a:ea typeface="Times New Roman" panose="02020603050405020304" pitchFamily="18" charset="0"/>
+                <a:cs typeface="Times New Roman" panose="02020603050405020304" pitchFamily="18" charset="0"/>
+              </a:rPr>
+              <a:t>try</a:t>
+            </a:r>
+            <a:r>
+              <a:rPr lang="it-IT" sz="1200" dirty="0">
+                <a:solidFill>
+                  <a:srgbClr val="D4D4D4"/>
+                </a:solidFill>
+                <a:latin typeface="Consolas" panose="020B0609020204030204" pitchFamily="49" charset="0"/>
+                <a:ea typeface="Times New Roman" panose="02020603050405020304" pitchFamily="18" charset="0"/>
+                <a:cs typeface="Times New Roman" panose="02020603050405020304" pitchFamily="18" charset="0"/>
+              </a:rPr>
+              <a:t> {</a:t>
+            </a:r>
+            <a:endParaRPr lang="it-IT" sz="1200" dirty="0">
+              <a:latin typeface="Consolas" panose="020B0609020204030204" pitchFamily="49" charset="0"/>
+              <a:ea typeface="Calibri" panose="020F0502020204030204" pitchFamily="34" charset="0"/>
+              <a:cs typeface="Times New Roman" panose="02020603050405020304" pitchFamily="18" charset="0"/>
+            </a:endParaRPr>
+          </a:p>
+          <a:p>
+            <a:pPr>
+              <a:lnSpc>
+                <a:spcPct val="130000"/>
+              </a:lnSpc>
+              <a:spcAft>
+                <a:spcPts val="0"/>
+              </a:spcAft>
+            </a:pPr>
+            <a:r>
+              <a:rPr lang="it-IT" sz="1200" dirty="0">
+                <a:solidFill>
+                  <a:srgbClr val="4EC9B0"/>
+                </a:solidFill>
+                <a:latin typeface="Consolas" panose="020B0609020204030204" pitchFamily="49" charset="0"/>
+                <a:ea typeface="Times New Roman" panose="02020603050405020304" pitchFamily="18" charset="0"/>
+                <a:cs typeface="Times New Roman" panose="02020603050405020304" pitchFamily="18" charset="0"/>
+              </a:rPr>
+              <a:t>	</a:t>
+            </a:r>
+            <a:r>
+              <a:rPr lang="it-IT" sz="1200" dirty="0" err="1">
+                <a:solidFill>
+                  <a:srgbClr val="4EC9B0"/>
+                </a:solidFill>
+                <a:latin typeface="Consolas" panose="020B0609020204030204" pitchFamily="49" charset="0"/>
+                <a:ea typeface="Times New Roman" panose="02020603050405020304" pitchFamily="18" charset="0"/>
+                <a:cs typeface="Times New Roman" panose="02020603050405020304" pitchFamily="18" charset="0"/>
+              </a:rPr>
+              <a:t>RegistryRemotoTagServer</a:t>
+            </a:r>
+            <a:r>
+              <a:rPr lang="it-IT" sz="1200" dirty="0">
+                <a:solidFill>
+                  <a:srgbClr val="D4D4D4"/>
+                </a:solidFill>
+                <a:latin typeface="Consolas" panose="020B0609020204030204" pitchFamily="49" charset="0"/>
+                <a:ea typeface="Times New Roman" panose="02020603050405020304" pitchFamily="18" charset="0"/>
+                <a:cs typeface="Times New Roman" panose="02020603050405020304" pitchFamily="18" charset="0"/>
+              </a:rPr>
+              <a:t> </a:t>
+            </a:r>
+            <a:r>
+              <a:rPr lang="it-IT" sz="1200" dirty="0" err="1">
+                <a:solidFill>
+                  <a:srgbClr val="9CDCFE"/>
+                </a:solidFill>
+                <a:latin typeface="Consolas" panose="020B0609020204030204" pitchFamily="49" charset="0"/>
+                <a:ea typeface="Times New Roman" panose="02020603050405020304" pitchFamily="18" charset="0"/>
+                <a:cs typeface="Times New Roman" panose="02020603050405020304" pitchFamily="18" charset="0"/>
+              </a:rPr>
+              <a:t>registryRemoto</a:t>
+            </a:r>
+            <a:r>
+              <a:rPr lang="it-IT" sz="1200" dirty="0">
+                <a:solidFill>
+                  <a:srgbClr val="D4D4D4"/>
+                </a:solidFill>
+                <a:latin typeface="Consolas" panose="020B0609020204030204" pitchFamily="49" charset="0"/>
+                <a:ea typeface="Times New Roman" panose="02020603050405020304" pitchFamily="18" charset="0"/>
+                <a:cs typeface="Times New Roman" panose="02020603050405020304" pitchFamily="18" charset="0"/>
+              </a:rPr>
+              <a:t> = (</a:t>
+            </a:r>
+            <a:r>
+              <a:rPr lang="it-IT" sz="1200" dirty="0" err="1">
+                <a:solidFill>
+                  <a:srgbClr val="D4D4D4"/>
+                </a:solidFill>
+                <a:latin typeface="Consolas" panose="020B0609020204030204" pitchFamily="49" charset="0"/>
+                <a:ea typeface="Times New Roman" panose="02020603050405020304" pitchFamily="18" charset="0"/>
+                <a:cs typeface="Times New Roman" panose="02020603050405020304" pitchFamily="18" charset="0"/>
+              </a:rPr>
+              <a:t>RegistryRemotoTagImpl</a:t>
+            </a:r>
+            <a:r>
+              <a:rPr lang="it-IT" sz="1200" dirty="0">
+                <a:solidFill>
+                  <a:srgbClr val="D4D4D4"/>
+                </a:solidFill>
+                <a:latin typeface="Consolas" panose="020B0609020204030204" pitchFamily="49" charset="0"/>
+                <a:ea typeface="Times New Roman" panose="02020603050405020304" pitchFamily="18" charset="0"/>
+                <a:cs typeface="Times New Roman" panose="02020603050405020304" pitchFamily="18" charset="0"/>
+              </a:rPr>
+              <a:t>) </a:t>
+            </a:r>
+            <a:r>
+              <a:rPr lang="it-IT" sz="1200" dirty="0" err="1">
+                <a:solidFill>
+                  <a:srgbClr val="9CDCFE"/>
+                </a:solidFill>
+                <a:latin typeface="Consolas" panose="020B0609020204030204" pitchFamily="49" charset="0"/>
+                <a:ea typeface="Times New Roman" panose="02020603050405020304" pitchFamily="18" charset="0"/>
+                <a:cs typeface="Times New Roman" panose="02020603050405020304" pitchFamily="18" charset="0"/>
+              </a:rPr>
+              <a:t>Naming</a:t>
+            </a:r>
+            <a:r>
+              <a:rPr lang="it-IT" sz="1200" dirty="0" err="1">
+                <a:solidFill>
+                  <a:srgbClr val="D4D4D4"/>
+                </a:solidFill>
+                <a:latin typeface="Consolas" panose="020B0609020204030204" pitchFamily="49" charset="0"/>
+                <a:ea typeface="Times New Roman" panose="02020603050405020304" pitchFamily="18" charset="0"/>
+                <a:cs typeface="Times New Roman" panose="02020603050405020304" pitchFamily="18" charset="0"/>
+              </a:rPr>
+              <a:t>.</a:t>
+            </a:r>
+            <a:r>
+              <a:rPr lang="it-IT" sz="1200" dirty="0" err="1">
+                <a:solidFill>
+                  <a:srgbClr val="DCDCAA"/>
+                </a:solidFill>
+                <a:latin typeface="Consolas" panose="020B0609020204030204" pitchFamily="49" charset="0"/>
+                <a:ea typeface="Times New Roman" panose="02020603050405020304" pitchFamily="18" charset="0"/>
+                <a:cs typeface="Times New Roman" panose="02020603050405020304" pitchFamily="18" charset="0"/>
+              </a:rPr>
+              <a:t>lookup</a:t>
+            </a:r>
+            <a:r>
+              <a:rPr lang="it-IT" sz="1200" dirty="0">
+                <a:solidFill>
+                  <a:srgbClr val="D4D4D4"/>
+                </a:solidFill>
+                <a:latin typeface="Consolas" panose="020B0609020204030204" pitchFamily="49" charset="0"/>
+                <a:ea typeface="Times New Roman" panose="02020603050405020304" pitchFamily="18" charset="0"/>
+                <a:cs typeface="Times New Roman" panose="02020603050405020304" pitchFamily="18" charset="0"/>
+              </a:rPr>
+              <a:t>(</a:t>
+            </a:r>
+            <a:r>
+              <a:rPr lang="it-IT" sz="1200" dirty="0" err="1">
+                <a:solidFill>
+                  <a:srgbClr val="D4D4D4"/>
+                </a:solidFill>
+                <a:latin typeface="Consolas" panose="020B0609020204030204" pitchFamily="49" charset="0"/>
+                <a:ea typeface="Times New Roman" panose="02020603050405020304" pitchFamily="18" charset="0"/>
+                <a:cs typeface="Times New Roman" panose="02020603050405020304" pitchFamily="18" charset="0"/>
+              </a:rPr>
+              <a:t>completeRemoteRegistryName</a:t>
+            </a:r>
+            <a:r>
+              <a:rPr lang="it-IT" sz="1200" dirty="0">
+                <a:solidFill>
+                  <a:srgbClr val="D4D4D4"/>
+                </a:solidFill>
+                <a:latin typeface="Consolas" panose="020B0609020204030204" pitchFamily="49" charset="0"/>
+                <a:ea typeface="Times New Roman" panose="02020603050405020304" pitchFamily="18" charset="0"/>
+                <a:cs typeface="Times New Roman" panose="02020603050405020304" pitchFamily="18" charset="0"/>
+              </a:rPr>
+              <a:t>);</a:t>
+            </a:r>
+            <a:endParaRPr lang="it-IT" sz="1200" dirty="0">
+              <a:latin typeface="Consolas" panose="020B0609020204030204" pitchFamily="49" charset="0"/>
+              <a:ea typeface="Calibri" panose="020F0502020204030204" pitchFamily="34" charset="0"/>
+              <a:cs typeface="Times New Roman" panose="02020603050405020304" pitchFamily="18" charset="0"/>
+            </a:endParaRPr>
+          </a:p>
+          <a:p>
+            <a:pPr>
+              <a:lnSpc>
+                <a:spcPct val="130000"/>
+              </a:lnSpc>
+              <a:spcAft>
+                <a:spcPts val="0"/>
+              </a:spcAft>
+            </a:pPr>
+            <a:r>
+              <a:rPr lang="it-IT" sz="1200" dirty="0">
+                <a:solidFill>
+                  <a:srgbClr val="4EC9B0"/>
+                </a:solidFill>
+                <a:latin typeface="Consolas" panose="020B0609020204030204" pitchFamily="49" charset="0"/>
+                <a:ea typeface="Times New Roman" panose="02020603050405020304" pitchFamily="18" charset="0"/>
+                <a:cs typeface="Times New Roman" panose="02020603050405020304" pitchFamily="18" charset="0"/>
+              </a:rPr>
+              <a:t>	</a:t>
+            </a:r>
+            <a:r>
+              <a:rPr lang="it-IT" sz="1200" dirty="0" err="1">
+                <a:solidFill>
+                  <a:srgbClr val="4EC9B0"/>
+                </a:solidFill>
+                <a:latin typeface="Consolas" panose="020B0609020204030204" pitchFamily="49" charset="0"/>
+                <a:ea typeface="Times New Roman" panose="02020603050405020304" pitchFamily="18" charset="0"/>
+                <a:cs typeface="Times New Roman" panose="02020603050405020304" pitchFamily="18" charset="0"/>
+              </a:rPr>
+              <a:t>ServerImpl</a:t>
+            </a:r>
+            <a:r>
+              <a:rPr lang="it-IT" sz="1200" dirty="0">
+                <a:solidFill>
+                  <a:srgbClr val="D4D4D4"/>
+                </a:solidFill>
+                <a:latin typeface="Consolas" panose="020B0609020204030204" pitchFamily="49" charset="0"/>
+                <a:ea typeface="Times New Roman" panose="02020603050405020304" pitchFamily="18" charset="0"/>
+                <a:cs typeface="Times New Roman" panose="02020603050405020304" pitchFamily="18" charset="0"/>
+              </a:rPr>
+              <a:t> </a:t>
+            </a:r>
+            <a:r>
+              <a:rPr lang="it-IT" sz="1200" dirty="0" err="1">
+                <a:solidFill>
+                  <a:srgbClr val="9CDCFE"/>
+                </a:solidFill>
+                <a:latin typeface="Consolas" panose="020B0609020204030204" pitchFamily="49" charset="0"/>
+                <a:ea typeface="Times New Roman" panose="02020603050405020304" pitchFamily="18" charset="0"/>
+                <a:cs typeface="Times New Roman" panose="02020603050405020304" pitchFamily="18" charset="0"/>
+              </a:rPr>
+              <a:t>ServerImplRMI</a:t>
+            </a:r>
+            <a:r>
+              <a:rPr lang="it-IT" sz="1200" dirty="0">
+                <a:solidFill>
+                  <a:srgbClr val="D4D4D4"/>
+                </a:solidFill>
+                <a:latin typeface="Consolas" panose="020B0609020204030204" pitchFamily="49" charset="0"/>
+                <a:ea typeface="Times New Roman" panose="02020603050405020304" pitchFamily="18" charset="0"/>
+                <a:cs typeface="Times New Roman" panose="02020603050405020304" pitchFamily="18" charset="0"/>
+              </a:rPr>
+              <a:t> = </a:t>
+            </a:r>
+            <a:r>
+              <a:rPr lang="it-IT" sz="1200" dirty="0">
+                <a:solidFill>
+                  <a:srgbClr val="C586C0"/>
+                </a:solidFill>
+                <a:latin typeface="Consolas" panose="020B0609020204030204" pitchFamily="49" charset="0"/>
+                <a:ea typeface="Times New Roman" panose="02020603050405020304" pitchFamily="18" charset="0"/>
+                <a:cs typeface="Times New Roman" panose="02020603050405020304" pitchFamily="18" charset="0"/>
+              </a:rPr>
+              <a:t>new</a:t>
+            </a:r>
+            <a:r>
+              <a:rPr lang="it-IT" sz="1200" dirty="0">
+                <a:solidFill>
+                  <a:srgbClr val="D4D4D4"/>
+                </a:solidFill>
+                <a:latin typeface="Consolas" panose="020B0609020204030204" pitchFamily="49" charset="0"/>
+                <a:ea typeface="Times New Roman" panose="02020603050405020304" pitchFamily="18" charset="0"/>
+                <a:cs typeface="Times New Roman" panose="02020603050405020304" pitchFamily="18" charset="0"/>
+              </a:rPr>
+              <a:t> </a:t>
+            </a:r>
+            <a:r>
+              <a:rPr lang="it-IT" sz="1200" dirty="0" err="1">
+                <a:solidFill>
+                  <a:srgbClr val="DCDCAA"/>
+                </a:solidFill>
+                <a:latin typeface="Consolas" panose="020B0609020204030204" pitchFamily="49" charset="0"/>
+                <a:ea typeface="Times New Roman" panose="02020603050405020304" pitchFamily="18" charset="0"/>
+                <a:cs typeface="Times New Roman" panose="02020603050405020304" pitchFamily="18" charset="0"/>
+              </a:rPr>
+              <a:t>ServerImpl</a:t>
+            </a:r>
+            <a:r>
+              <a:rPr lang="it-IT" sz="1200" dirty="0">
+                <a:solidFill>
+                  <a:srgbClr val="D4D4D4"/>
+                </a:solidFill>
+                <a:latin typeface="Consolas" panose="020B0609020204030204" pitchFamily="49" charset="0"/>
+                <a:ea typeface="Times New Roman" panose="02020603050405020304" pitchFamily="18" charset="0"/>
+                <a:cs typeface="Times New Roman" panose="02020603050405020304" pitchFamily="18" charset="0"/>
+              </a:rPr>
+              <a:t>();</a:t>
+            </a:r>
+            <a:endParaRPr lang="it-IT" sz="1200" dirty="0">
+              <a:latin typeface="Consolas" panose="020B0609020204030204" pitchFamily="49" charset="0"/>
+              <a:ea typeface="Calibri" panose="020F0502020204030204" pitchFamily="34" charset="0"/>
+              <a:cs typeface="Times New Roman" panose="02020603050405020304" pitchFamily="18" charset="0"/>
+            </a:endParaRPr>
+          </a:p>
+          <a:p>
+            <a:pPr>
+              <a:lnSpc>
+                <a:spcPct val="130000"/>
+              </a:lnSpc>
+              <a:spcAft>
+                <a:spcPts val="0"/>
+              </a:spcAft>
+            </a:pPr>
+            <a:r>
+              <a:rPr lang="it-IT" sz="1200" dirty="0">
+                <a:solidFill>
+                  <a:srgbClr val="9CDCFE"/>
+                </a:solidFill>
+                <a:latin typeface="Consolas" panose="020B0609020204030204" pitchFamily="49" charset="0"/>
+                <a:ea typeface="Times New Roman" panose="02020603050405020304" pitchFamily="18" charset="0"/>
+                <a:cs typeface="Times New Roman" panose="02020603050405020304" pitchFamily="18" charset="0"/>
+              </a:rPr>
+              <a:t>	</a:t>
+            </a:r>
+            <a:r>
+              <a:rPr lang="it-IT" sz="1200" dirty="0" err="1">
+                <a:solidFill>
+                  <a:srgbClr val="9CDCFE"/>
+                </a:solidFill>
+                <a:latin typeface="Consolas" panose="020B0609020204030204" pitchFamily="49" charset="0"/>
+                <a:ea typeface="Times New Roman" panose="02020603050405020304" pitchFamily="18" charset="0"/>
+                <a:cs typeface="Times New Roman" panose="02020603050405020304" pitchFamily="18" charset="0"/>
+              </a:rPr>
+              <a:t>registryRemoto</a:t>
+            </a:r>
+            <a:r>
+              <a:rPr lang="it-IT" sz="1200" dirty="0" err="1">
+                <a:solidFill>
+                  <a:srgbClr val="D4D4D4"/>
+                </a:solidFill>
+                <a:latin typeface="Consolas" panose="020B0609020204030204" pitchFamily="49" charset="0"/>
+                <a:ea typeface="Times New Roman" panose="02020603050405020304" pitchFamily="18" charset="0"/>
+                <a:cs typeface="Times New Roman" panose="02020603050405020304" pitchFamily="18" charset="0"/>
+              </a:rPr>
+              <a:t>.</a:t>
+            </a:r>
+            <a:r>
+              <a:rPr lang="it-IT" sz="1200" dirty="0" err="1">
+                <a:solidFill>
+                  <a:srgbClr val="DCDCAA"/>
+                </a:solidFill>
+                <a:latin typeface="Consolas" panose="020B0609020204030204" pitchFamily="49" charset="0"/>
+                <a:ea typeface="Times New Roman" panose="02020603050405020304" pitchFamily="18" charset="0"/>
+                <a:cs typeface="Times New Roman" panose="02020603050405020304" pitchFamily="18" charset="0"/>
+              </a:rPr>
+              <a:t>aggiungi</a:t>
+            </a:r>
+            <a:r>
+              <a:rPr lang="it-IT" sz="1200" dirty="0">
+                <a:solidFill>
+                  <a:srgbClr val="D4D4D4"/>
+                </a:solidFill>
+                <a:latin typeface="Consolas" panose="020B0609020204030204" pitchFamily="49" charset="0"/>
+                <a:ea typeface="Times New Roman" panose="02020603050405020304" pitchFamily="18" charset="0"/>
+                <a:cs typeface="Times New Roman" panose="02020603050405020304" pitchFamily="18" charset="0"/>
+              </a:rPr>
+              <a:t>(</a:t>
+            </a:r>
+            <a:r>
+              <a:rPr lang="it-IT" sz="1200" dirty="0" err="1">
+                <a:solidFill>
+                  <a:srgbClr val="D4D4D4"/>
+                </a:solidFill>
+                <a:latin typeface="Consolas" panose="020B0609020204030204" pitchFamily="49" charset="0"/>
+                <a:ea typeface="Times New Roman" panose="02020603050405020304" pitchFamily="18" charset="0"/>
+                <a:cs typeface="Times New Roman" panose="02020603050405020304" pitchFamily="18" charset="0"/>
+              </a:rPr>
+              <a:t>serviceName</a:t>
+            </a:r>
+            <a:r>
+              <a:rPr lang="it-IT" sz="1200" dirty="0">
+                <a:solidFill>
+                  <a:srgbClr val="D4D4D4"/>
+                </a:solidFill>
+                <a:latin typeface="Consolas" panose="020B0609020204030204" pitchFamily="49" charset="0"/>
+                <a:ea typeface="Times New Roman" panose="02020603050405020304" pitchFamily="18" charset="0"/>
+                <a:cs typeface="Times New Roman" panose="02020603050405020304" pitchFamily="18" charset="0"/>
+              </a:rPr>
+              <a:t>, </a:t>
+            </a:r>
+            <a:r>
+              <a:rPr lang="it-IT" sz="1200" dirty="0" err="1">
+                <a:solidFill>
+                  <a:srgbClr val="D4D4D4"/>
+                </a:solidFill>
+                <a:latin typeface="Consolas" panose="020B0609020204030204" pitchFamily="49" charset="0"/>
+                <a:ea typeface="Times New Roman" panose="02020603050405020304" pitchFamily="18" charset="0"/>
+                <a:cs typeface="Times New Roman" panose="02020603050405020304" pitchFamily="18" charset="0"/>
+              </a:rPr>
+              <a:t>ServerImplRMI</a:t>
+            </a:r>
+            <a:r>
+              <a:rPr lang="it-IT" sz="1200" dirty="0">
+                <a:solidFill>
+                  <a:srgbClr val="D4D4D4"/>
+                </a:solidFill>
+                <a:latin typeface="Consolas" panose="020B0609020204030204" pitchFamily="49" charset="0"/>
+                <a:ea typeface="Times New Roman" panose="02020603050405020304" pitchFamily="18" charset="0"/>
+                <a:cs typeface="Times New Roman" panose="02020603050405020304" pitchFamily="18" charset="0"/>
+              </a:rPr>
+              <a:t>);</a:t>
+            </a:r>
+            <a:endParaRPr lang="it-IT" sz="1200" dirty="0">
+              <a:latin typeface="Consolas" panose="020B0609020204030204" pitchFamily="49" charset="0"/>
+              <a:ea typeface="Calibri" panose="020F0502020204030204" pitchFamily="34" charset="0"/>
+              <a:cs typeface="Times New Roman" panose="02020603050405020304" pitchFamily="18" charset="0"/>
+            </a:endParaRPr>
+          </a:p>
+          <a:p>
+            <a:pPr>
+              <a:lnSpc>
+                <a:spcPct val="130000"/>
+              </a:lnSpc>
+              <a:spcAft>
+                <a:spcPts val="0"/>
+              </a:spcAft>
+            </a:pPr>
+            <a:r>
+              <a:rPr lang="it-IT" sz="1200" dirty="0">
+                <a:solidFill>
+                  <a:srgbClr val="9CDCFE"/>
+                </a:solidFill>
+                <a:latin typeface="Consolas" panose="020B0609020204030204" pitchFamily="49" charset="0"/>
+                <a:ea typeface="Times New Roman" panose="02020603050405020304" pitchFamily="18" charset="0"/>
+                <a:cs typeface="Times New Roman" panose="02020603050405020304" pitchFamily="18" charset="0"/>
+              </a:rPr>
+              <a:t>	</a:t>
+            </a:r>
+            <a:r>
+              <a:rPr lang="it-IT" sz="1200" dirty="0" err="1">
+                <a:solidFill>
+                  <a:srgbClr val="9CDCFE"/>
+                </a:solidFill>
+                <a:latin typeface="Consolas" panose="020B0609020204030204" pitchFamily="49" charset="0"/>
+                <a:ea typeface="Times New Roman" panose="02020603050405020304" pitchFamily="18" charset="0"/>
+                <a:cs typeface="Times New Roman" panose="02020603050405020304" pitchFamily="18" charset="0"/>
+              </a:rPr>
+              <a:t>System</a:t>
+            </a:r>
+            <a:r>
+              <a:rPr lang="it-IT" sz="1200" dirty="0" err="1">
+                <a:solidFill>
+                  <a:srgbClr val="D4D4D4"/>
+                </a:solidFill>
+                <a:latin typeface="Consolas" panose="020B0609020204030204" pitchFamily="49" charset="0"/>
+                <a:ea typeface="Times New Roman" panose="02020603050405020304" pitchFamily="18" charset="0"/>
+                <a:cs typeface="Times New Roman" panose="02020603050405020304" pitchFamily="18" charset="0"/>
+              </a:rPr>
+              <a:t>.</a:t>
+            </a:r>
+            <a:r>
+              <a:rPr lang="it-IT" sz="1200" dirty="0" err="1">
+                <a:solidFill>
+                  <a:srgbClr val="9CDCFE"/>
+                </a:solidFill>
+                <a:latin typeface="Consolas" panose="020B0609020204030204" pitchFamily="49" charset="0"/>
+                <a:ea typeface="Times New Roman" panose="02020603050405020304" pitchFamily="18" charset="0"/>
+                <a:cs typeface="Times New Roman" panose="02020603050405020304" pitchFamily="18" charset="0"/>
+              </a:rPr>
+              <a:t>out</a:t>
+            </a:r>
+            <a:r>
+              <a:rPr lang="it-IT" sz="1200" dirty="0" err="1">
+                <a:solidFill>
+                  <a:srgbClr val="D4D4D4"/>
+                </a:solidFill>
+                <a:latin typeface="Consolas" panose="020B0609020204030204" pitchFamily="49" charset="0"/>
+                <a:ea typeface="Times New Roman" panose="02020603050405020304" pitchFamily="18" charset="0"/>
+                <a:cs typeface="Times New Roman" panose="02020603050405020304" pitchFamily="18" charset="0"/>
+              </a:rPr>
+              <a:t>.</a:t>
+            </a:r>
+            <a:r>
+              <a:rPr lang="it-IT" sz="1200" dirty="0" err="1">
+                <a:solidFill>
+                  <a:srgbClr val="DCDCAA"/>
+                </a:solidFill>
+                <a:latin typeface="Consolas" panose="020B0609020204030204" pitchFamily="49" charset="0"/>
+                <a:ea typeface="Times New Roman" panose="02020603050405020304" pitchFamily="18" charset="0"/>
+                <a:cs typeface="Times New Roman" panose="02020603050405020304" pitchFamily="18" charset="0"/>
+              </a:rPr>
+              <a:t>println</a:t>
+            </a:r>
+            <a:r>
+              <a:rPr lang="it-IT" sz="1200" dirty="0">
+                <a:solidFill>
+                  <a:srgbClr val="D4D4D4"/>
+                </a:solidFill>
+                <a:latin typeface="Consolas" panose="020B0609020204030204" pitchFamily="49" charset="0"/>
+                <a:ea typeface="Times New Roman" panose="02020603050405020304" pitchFamily="18" charset="0"/>
+                <a:cs typeface="Times New Roman" panose="02020603050405020304" pitchFamily="18" charset="0"/>
+              </a:rPr>
+              <a:t>(</a:t>
+            </a:r>
+            <a:r>
+              <a:rPr lang="it-IT" sz="1200" dirty="0">
+                <a:solidFill>
+                  <a:srgbClr val="CE9178"/>
+                </a:solidFill>
+                <a:latin typeface="Consolas" panose="020B0609020204030204" pitchFamily="49" charset="0"/>
+                <a:ea typeface="Times New Roman" panose="02020603050405020304" pitchFamily="18" charset="0"/>
+                <a:cs typeface="Times New Roman" panose="02020603050405020304" pitchFamily="18" charset="0"/>
+              </a:rPr>
+              <a:t>"</a:t>
+            </a:r>
+            <a:r>
+              <a:rPr lang="it-IT" sz="1200" dirty="0" err="1">
+                <a:solidFill>
+                  <a:srgbClr val="CE9178"/>
+                </a:solidFill>
+                <a:latin typeface="Consolas" panose="020B0609020204030204" pitchFamily="49" charset="0"/>
+                <a:ea typeface="Times New Roman" panose="02020603050405020304" pitchFamily="18" charset="0"/>
+                <a:cs typeface="Times New Roman" panose="02020603050405020304" pitchFamily="18" charset="0"/>
+              </a:rPr>
+              <a:t>ServerImpl</a:t>
+            </a:r>
+            <a:r>
+              <a:rPr lang="it-IT" sz="1200" dirty="0">
+                <a:solidFill>
+                  <a:srgbClr val="CE9178"/>
+                </a:solidFill>
+                <a:latin typeface="Consolas" panose="020B0609020204030204" pitchFamily="49" charset="0"/>
+                <a:ea typeface="Times New Roman" panose="02020603050405020304" pitchFamily="18" charset="0"/>
+                <a:cs typeface="Times New Roman" panose="02020603050405020304" pitchFamily="18" charset="0"/>
+              </a:rPr>
+              <a:t> RMI: Servizio </a:t>
+            </a:r>
+            <a:r>
+              <a:rPr lang="it-IT" sz="1200" dirty="0">
+                <a:solidFill>
+                  <a:srgbClr val="D7BA7D"/>
+                </a:solidFill>
+                <a:latin typeface="Consolas" panose="020B0609020204030204" pitchFamily="49" charset="0"/>
+                <a:ea typeface="Times New Roman" panose="02020603050405020304" pitchFamily="18" charset="0"/>
+                <a:cs typeface="Times New Roman" panose="02020603050405020304" pitchFamily="18" charset="0"/>
+              </a:rPr>
+              <a:t>\"</a:t>
+            </a:r>
+            <a:r>
+              <a:rPr lang="it-IT" sz="1200" dirty="0">
+                <a:solidFill>
+                  <a:srgbClr val="CE9178"/>
+                </a:solidFill>
+                <a:latin typeface="Consolas" panose="020B0609020204030204" pitchFamily="49" charset="0"/>
+                <a:ea typeface="Times New Roman" panose="02020603050405020304" pitchFamily="18" charset="0"/>
+                <a:cs typeface="Times New Roman" panose="02020603050405020304" pitchFamily="18" charset="0"/>
+              </a:rPr>
+              <a:t>"</a:t>
+            </a:r>
+            <a:r>
+              <a:rPr lang="it-IT" sz="1200" dirty="0">
+                <a:solidFill>
+                  <a:srgbClr val="D4D4D4"/>
+                </a:solidFill>
+                <a:latin typeface="Consolas" panose="020B0609020204030204" pitchFamily="49" charset="0"/>
+                <a:ea typeface="Times New Roman" panose="02020603050405020304" pitchFamily="18" charset="0"/>
+                <a:cs typeface="Times New Roman" panose="02020603050405020304" pitchFamily="18" charset="0"/>
+              </a:rPr>
+              <a:t> + </a:t>
+            </a:r>
+            <a:r>
+              <a:rPr lang="it-IT" sz="1200" dirty="0" err="1">
+                <a:solidFill>
+                  <a:srgbClr val="D4D4D4"/>
+                </a:solidFill>
+                <a:latin typeface="Consolas" panose="020B0609020204030204" pitchFamily="49" charset="0"/>
+                <a:ea typeface="Times New Roman" panose="02020603050405020304" pitchFamily="18" charset="0"/>
+                <a:cs typeface="Times New Roman" panose="02020603050405020304" pitchFamily="18" charset="0"/>
+              </a:rPr>
+              <a:t>serviceName</a:t>
+            </a:r>
+            <a:r>
+              <a:rPr lang="it-IT" sz="1200" dirty="0">
+                <a:solidFill>
+                  <a:srgbClr val="D4D4D4"/>
+                </a:solidFill>
+                <a:latin typeface="Consolas" panose="020B0609020204030204" pitchFamily="49" charset="0"/>
+                <a:ea typeface="Times New Roman" panose="02020603050405020304" pitchFamily="18" charset="0"/>
+                <a:cs typeface="Times New Roman" panose="02020603050405020304" pitchFamily="18" charset="0"/>
+              </a:rPr>
+              <a:t> + </a:t>
+            </a:r>
+            <a:r>
+              <a:rPr lang="it-IT" sz="1200" dirty="0">
+                <a:solidFill>
+                  <a:srgbClr val="CE9178"/>
+                </a:solidFill>
+                <a:latin typeface="Consolas" panose="020B0609020204030204" pitchFamily="49" charset="0"/>
+                <a:ea typeface="Times New Roman" panose="02020603050405020304" pitchFamily="18" charset="0"/>
+                <a:cs typeface="Times New Roman" panose="02020603050405020304" pitchFamily="18" charset="0"/>
+              </a:rPr>
+              <a:t>"</a:t>
+            </a:r>
+            <a:r>
+              <a:rPr lang="it-IT" sz="1200" dirty="0">
+                <a:solidFill>
+                  <a:srgbClr val="D7BA7D"/>
+                </a:solidFill>
+                <a:latin typeface="Consolas" panose="020B0609020204030204" pitchFamily="49" charset="0"/>
+                <a:ea typeface="Times New Roman" panose="02020603050405020304" pitchFamily="18" charset="0"/>
+                <a:cs typeface="Times New Roman" panose="02020603050405020304" pitchFamily="18" charset="0"/>
+              </a:rPr>
+              <a:t>\"</a:t>
+            </a:r>
+            <a:r>
+              <a:rPr lang="it-IT" sz="1200" dirty="0">
+                <a:solidFill>
+                  <a:srgbClr val="CE9178"/>
+                </a:solidFill>
+                <a:latin typeface="Consolas" panose="020B0609020204030204" pitchFamily="49" charset="0"/>
+                <a:ea typeface="Times New Roman" panose="02020603050405020304" pitchFamily="18" charset="0"/>
+                <a:cs typeface="Times New Roman" panose="02020603050405020304" pitchFamily="18" charset="0"/>
+              </a:rPr>
+              <a:t> registrato"</a:t>
+            </a:r>
+            <a:r>
+              <a:rPr lang="it-IT" sz="1200" dirty="0">
+                <a:solidFill>
+                  <a:srgbClr val="D4D4D4"/>
+                </a:solidFill>
+                <a:latin typeface="Consolas" panose="020B0609020204030204" pitchFamily="49" charset="0"/>
+                <a:ea typeface="Times New Roman" panose="02020603050405020304" pitchFamily="18" charset="0"/>
+                <a:cs typeface="Times New Roman" panose="02020603050405020304" pitchFamily="18" charset="0"/>
+              </a:rPr>
+              <a:t>);</a:t>
+            </a:r>
+            <a:endParaRPr lang="it-IT" sz="1200" dirty="0">
+              <a:latin typeface="Consolas" panose="020B0609020204030204" pitchFamily="49" charset="0"/>
+              <a:ea typeface="Calibri" panose="020F0502020204030204" pitchFamily="34" charset="0"/>
+              <a:cs typeface="Times New Roman" panose="02020603050405020304" pitchFamily="18" charset="0"/>
+            </a:endParaRPr>
+          </a:p>
+          <a:p>
+            <a:pPr>
+              <a:lnSpc>
+                <a:spcPct val="130000"/>
+              </a:lnSpc>
+              <a:spcAft>
+                <a:spcPts val="0"/>
+              </a:spcAft>
+            </a:pPr>
+            <a:r>
+              <a:rPr lang="it-IT" sz="1200" dirty="0">
+                <a:solidFill>
+                  <a:srgbClr val="D4D4D4"/>
+                </a:solidFill>
+                <a:latin typeface="Consolas" panose="020B0609020204030204" pitchFamily="49" charset="0"/>
+                <a:ea typeface="Times New Roman" panose="02020603050405020304" pitchFamily="18" charset="0"/>
+                <a:cs typeface="Times New Roman" panose="02020603050405020304" pitchFamily="18" charset="0"/>
+              </a:rPr>
+              <a:t> </a:t>
+            </a:r>
+            <a:endParaRPr lang="it-IT" sz="1200" dirty="0">
+              <a:latin typeface="Consolas" panose="020B0609020204030204" pitchFamily="49" charset="0"/>
+              <a:ea typeface="Calibri" panose="020F0502020204030204" pitchFamily="34" charset="0"/>
+              <a:cs typeface="Times New Roman" panose="02020603050405020304" pitchFamily="18" charset="0"/>
+            </a:endParaRPr>
+          </a:p>
+          <a:p>
+            <a:pPr>
+              <a:lnSpc>
+                <a:spcPct val="130000"/>
+              </a:lnSpc>
+              <a:spcAft>
+                <a:spcPts val="0"/>
+              </a:spcAft>
+            </a:pPr>
+            <a:r>
+              <a:rPr lang="it-IT" sz="1200" dirty="0">
+                <a:solidFill>
+                  <a:srgbClr val="C586C0"/>
+                </a:solidFill>
+                <a:latin typeface="Consolas" panose="020B0609020204030204" pitchFamily="49" charset="0"/>
+                <a:ea typeface="Times New Roman" panose="02020603050405020304" pitchFamily="18" charset="0"/>
+                <a:cs typeface="Times New Roman" panose="02020603050405020304" pitchFamily="18" charset="0"/>
+              </a:rPr>
+              <a:t>	</a:t>
+            </a:r>
+            <a:r>
+              <a:rPr lang="it-IT" sz="1200" dirty="0" err="1">
+                <a:solidFill>
+                  <a:srgbClr val="C586C0"/>
+                </a:solidFill>
+                <a:latin typeface="Consolas" panose="020B0609020204030204" pitchFamily="49" charset="0"/>
+                <a:ea typeface="Times New Roman" panose="02020603050405020304" pitchFamily="18" charset="0"/>
+                <a:cs typeface="Times New Roman" panose="02020603050405020304" pitchFamily="18" charset="0"/>
+              </a:rPr>
+              <a:t>if</a:t>
+            </a:r>
+            <a:r>
+              <a:rPr lang="it-IT" sz="1200" dirty="0">
+                <a:solidFill>
+                  <a:srgbClr val="D4D4D4"/>
+                </a:solidFill>
+                <a:latin typeface="Consolas" panose="020B0609020204030204" pitchFamily="49" charset="0"/>
+                <a:ea typeface="Times New Roman" panose="02020603050405020304" pitchFamily="18" charset="0"/>
+                <a:cs typeface="Times New Roman" panose="02020603050405020304" pitchFamily="18" charset="0"/>
+              </a:rPr>
+              <a:t> (</a:t>
+            </a:r>
+            <a:r>
+              <a:rPr lang="it-IT" sz="1200" dirty="0" err="1">
+                <a:solidFill>
+                  <a:srgbClr val="9CDCFE"/>
+                </a:solidFill>
+                <a:latin typeface="Consolas" panose="020B0609020204030204" pitchFamily="49" charset="0"/>
+                <a:ea typeface="Times New Roman" panose="02020603050405020304" pitchFamily="18" charset="0"/>
+                <a:cs typeface="Times New Roman" panose="02020603050405020304" pitchFamily="18" charset="0"/>
+              </a:rPr>
+              <a:t>args</a:t>
+            </a:r>
+            <a:r>
+              <a:rPr lang="it-IT" sz="1200" dirty="0" err="1">
+                <a:solidFill>
+                  <a:srgbClr val="D4D4D4"/>
+                </a:solidFill>
+                <a:latin typeface="Consolas" panose="020B0609020204030204" pitchFamily="49" charset="0"/>
+                <a:ea typeface="Times New Roman" panose="02020603050405020304" pitchFamily="18" charset="0"/>
+                <a:cs typeface="Times New Roman" panose="02020603050405020304" pitchFamily="18" charset="0"/>
+              </a:rPr>
+              <a:t>.</a:t>
+            </a:r>
+            <a:r>
+              <a:rPr lang="it-IT" sz="1200" dirty="0" err="1">
+                <a:solidFill>
+                  <a:srgbClr val="9CDCFE"/>
+                </a:solidFill>
+                <a:latin typeface="Consolas" panose="020B0609020204030204" pitchFamily="49" charset="0"/>
+                <a:ea typeface="Times New Roman" panose="02020603050405020304" pitchFamily="18" charset="0"/>
+                <a:cs typeface="Times New Roman" panose="02020603050405020304" pitchFamily="18" charset="0"/>
+              </a:rPr>
+              <a:t>length</a:t>
+            </a:r>
+            <a:r>
+              <a:rPr lang="it-IT" sz="1200" dirty="0">
+                <a:solidFill>
+                  <a:srgbClr val="D4D4D4"/>
+                </a:solidFill>
+                <a:latin typeface="Consolas" panose="020B0609020204030204" pitchFamily="49" charset="0"/>
+                <a:ea typeface="Times New Roman" panose="02020603050405020304" pitchFamily="18" charset="0"/>
+                <a:cs typeface="Times New Roman" panose="02020603050405020304" pitchFamily="18" charset="0"/>
+              </a:rPr>
+              <a:t> == </a:t>
+            </a:r>
+            <a:r>
+              <a:rPr lang="it-IT" sz="1200" dirty="0">
+                <a:solidFill>
+                  <a:srgbClr val="B5CEA8"/>
+                </a:solidFill>
+                <a:latin typeface="Consolas" panose="020B0609020204030204" pitchFamily="49" charset="0"/>
+                <a:ea typeface="Times New Roman" panose="02020603050405020304" pitchFamily="18" charset="0"/>
+                <a:cs typeface="Times New Roman" panose="02020603050405020304" pitchFamily="18" charset="0"/>
+              </a:rPr>
+              <a:t>4</a:t>
+            </a:r>
+            <a:r>
+              <a:rPr lang="it-IT" sz="1200" dirty="0">
+                <a:solidFill>
+                  <a:srgbClr val="D4D4D4"/>
+                </a:solidFill>
+                <a:latin typeface="Consolas" panose="020B0609020204030204" pitchFamily="49" charset="0"/>
+                <a:ea typeface="Times New Roman" panose="02020603050405020304" pitchFamily="18" charset="0"/>
+                <a:cs typeface="Times New Roman" panose="02020603050405020304" pitchFamily="18" charset="0"/>
+              </a:rPr>
+              <a:t>) {</a:t>
+            </a:r>
+            <a:endParaRPr lang="it-IT" sz="1200" dirty="0">
+              <a:latin typeface="Consolas" panose="020B0609020204030204" pitchFamily="49" charset="0"/>
+              <a:ea typeface="Calibri" panose="020F0502020204030204" pitchFamily="34" charset="0"/>
+              <a:cs typeface="Times New Roman" panose="02020603050405020304" pitchFamily="18" charset="0"/>
+            </a:endParaRPr>
+          </a:p>
+          <a:p>
+            <a:pPr>
+              <a:lnSpc>
+                <a:spcPct val="130000"/>
+              </a:lnSpc>
+              <a:spcAft>
+                <a:spcPts val="0"/>
+              </a:spcAft>
+            </a:pPr>
+            <a:r>
+              <a:rPr lang="it-IT" sz="1200" dirty="0">
+                <a:solidFill>
+                  <a:srgbClr val="4EC9B0"/>
+                </a:solidFill>
+                <a:latin typeface="Consolas" panose="020B0609020204030204" pitchFamily="49" charset="0"/>
+                <a:ea typeface="Times New Roman" panose="02020603050405020304" pitchFamily="18" charset="0"/>
+                <a:cs typeface="Times New Roman" panose="02020603050405020304" pitchFamily="18" charset="0"/>
+              </a:rPr>
+              <a:t>		</a:t>
+            </a:r>
+            <a:r>
+              <a:rPr lang="it-IT" sz="1200" dirty="0" err="1">
+                <a:solidFill>
+                  <a:srgbClr val="4EC9B0"/>
+                </a:solidFill>
+                <a:latin typeface="Consolas" panose="020B0609020204030204" pitchFamily="49" charset="0"/>
+                <a:ea typeface="Times New Roman" panose="02020603050405020304" pitchFamily="18" charset="0"/>
+                <a:cs typeface="Times New Roman" panose="02020603050405020304" pitchFamily="18" charset="0"/>
+              </a:rPr>
+              <a:t>boolean</a:t>
+            </a:r>
+            <a:r>
+              <a:rPr lang="it-IT" sz="1200" dirty="0">
+                <a:solidFill>
+                  <a:srgbClr val="D4D4D4"/>
+                </a:solidFill>
+                <a:latin typeface="Consolas" panose="020B0609020204030204" pitchFamily="49" charset="0"/>
+                <a:ea typeface="Times New Roman" panose="02020603050405020304" pitchFamily="18" charset="0"/>
+                <a:cs typeface="Times New Roman" panose="02020603050405020304" pitchFamily="18" charset="0"/>
+              </a:rPr>
+              <a:t> </a:t>
+            </a:r>
+            <a:r>
+              <a:rPr lang="it-IT" sz="1200" dirty="0" err="1">
+                <a:solidFill>
+                  <a:srgbClr val="9CDCFE"/>
+                </a:solidFill>
+                <a:latin typeface="Consolas" panose="020B0609020204030204" pitchFamily="49" charset="0"/>
+                <a:ea typeface="Times New Roman" panose="02020603050405020304" pitchFamily="18" charset="0"/>
+                <a:cs typeface="Times New Roman" panose="02020603050405020304" pitchFamily="18" charset="0"/>
+              </a:rPr>
+              <a:t>association</a:t>
+            </a:r>
+            <a:r>
+              <a:rPr lang="it-IT" sz="1200" dirty="0">
+                <a:solidFill>
+                  <a:srgbClr val="D4D4D4"/>
+                </a:solidFill>
+                <a:latin typeface="Consolas" panose="020B0609020204030204" pitchFamily="49" charset="0"/>
+                <a:ea typeface="Times New Roman" panose="02020603050405020304" pitchFamily="18" charset="0"/>
+                <a:cs typeface="Times New Roman" panose="02020603050405020304" pitchFamily="18" charset="0"/>
+              </a:rPr>
+              <a:t> = </a:t>
+            </a:r>
+            <a:r>
+              <a:rPr lang="it-IT" sz="1200" dirty="0" err="1">
+                <a:solidFill>
+                  <a:srgbClr val="9CDCFE"/>
+                </a:solidFill>
+                <a:latin typeface="Consolas" panose="020B0609020204030204" pitchFamily="49" charset="0"/>
+                <a:ea typeface="Times New Roman" panose="02020603050405020304" pitchFamily="18" charset="0"/>
+                <a:cs typeface="Times New Roman" panose="02020603050405020304" pitchFamily="18" charset="0"/>
+              </a:rPr>
+              <a:t>registryRemoto</a:t>
+            </a:r>
+            <a:r>
+              <a:rPr lang="it-IT" sz="1200" dirty="0" err="1">
+                <a:solidFill>
+                  <a:srgbClr val="D4D4D4"/>
+                </a:solidFill>
+                <a:latin typeface="Consolas" panose="020B0609020204030204" pitchFamily="49" charset="0"/>
+                <a:ea typeface="Times New Roman" panose="02020603050405020304" pitchFamily="18" charset="0"/>
+                <a:cs typeface="Times New Roman" panose="02020603050405020304" pitchFamily="18" charset="0"/>
+              </a:rPr>
+              <a:t>.</a:t>
+            </a:r>
+            <a:r>
+              <a:rPr lang="it-IT" sz="1200" dirty="0" err="1">
+                <a:solidFill>
+                  <a:srgbClr val="DCDCAA"/>
+                </a:solidFill>
+                <a:latin typeface="Consolas" panose="020B0609020204030204" pitchFamily="49" charset="0"/>
+                <a:ea typeface="Times New Roman" panose="02020603050405020304" pitchFamily="18" charset="0"/>
+                <a:cs typeface="Times New Roman" panose="02020603050405020304" pitchFamily="18" charset="0"/>
+              </a:rPr>
+              <a:t>associaTag</a:t>
+            </a:r>
+            <a:r>
+              <a:rPr lang="it-IT" sz="1200" dirty="0">
+                <a:solidFill>
+                  <a:srgbClr val="D4D4D4"/>
+                </a:solidFill>
+                <a:latin typeface="Consolas" panose="020B0609020204030204" pitchFamily="49" charset="0"/>
+                <a:ea typeface="Times New Roman" panose="02020603050405020304" pitchFamily="18" charset="0"/>
+                <a:cs typeface="Times New Roman" panose="02020603050405020304" pitchFamily="18" charset="0"/>
+              </a:rPr>
+              <a:t>(</a:t>
+            </a:r>
+            <a:r>
+              <a:rPr lang="it-IT" sz="1200" dirty="0" err="1">
+                <a:solidFill>
+                  <a:srgbClr val="D4D4D4"/>
+                </a:solidFill>
+                <a:latin typeface="Consolas" panose="020B0609020204030204" pitchFamily="49" charset="0"/>
+                <a:ea typeface="Times New Roman" panose="02020603050405020304" pitchFamily="18" charset="0"/>
+                <a:cs typeface="Times New Roman" panose="02020603050405020304" pitchFamily="18" charset="0"/>
+              </a:rPr>
+              <a:t>serviceName</a:t>
+            </a:r>
+            <a:r>
+              <a:rPr lang="it-IT" sz="1200" dirty="0">
+                <a:solidFill>
+                  <a:srgbClr val="D4D4D4"/>
+                </a:solidFill>
+                <a:latin typeface="Consolas" panose="020B0609020204030204" pitchFamily="49" charset="0"/>
+                <a:ea typeface="Times New Roman" panose="02020603050405020304" pitchFamily="18" charset="0"/>
+                <a:cs typeface="Times New Roman" panose="02020603050405020304" pitchFamily="18" charset="0"/>
+              </a:rPr>
+              <a:t>, </a:t>
+            </a:r>
+            <a:r>
+              <a:rPr lang="it-IT" sz="1200" dirty="0" err="1">
+                <a:solidFill>
+                  <a:srgbClr val="D4D4D4"/>
+                </a:solidFill>
+                <a:latin typeface="Consolas" panose="020B0609020204030204" pitchFamily="49" charset="0"/>
+                <a:ea typeface="Times New Roman" panose="02020603050405020304" pitchFamily="18" charset="0"/>
+                <a:cs typeface="Times New Roman" panose="02020603050405020304" pitchFamily="18" charset="0"/>
+              </a:rPr>
+              <a:t>args</a:t>
+            </a:r>
+            <a:r>
+              <a:rPr lang="it-IT" sz="1200" dirty="0">
+                <a:solidFill>
+                  <a:srgbClr val="D4D4D4"/>
+                </a:solidFill>
+                <a:latin typeface="Consolas" panose="020B0609020204030204" pitchFamily="49" charset="0"/>
+                <a:ea typeface="Times New Roman" panose="02020603050405020304" pitchFamily="18" charset="0"/>
+                <a:cs typeface="Times New Roman" panose="02020603050405020304" pitchFamily="18" charset="0"/>
+              </a:rPr>
+              <a:t>[</a:t>
+            </a:r>
+            <a:r>
+              <a:rPr lang="it-IT" sz="1200" dirty="0">
+                <a:solidFill>
+                  <a:srgbClr val="B5CEA8"/>
+                </a:solidFill>
+                <a:latin typeface="Consolas" panose="020B0609020204030204" pitchFamily="49" charset="0"/>
+                <a:ea typeface="Times New Roman" panose="02020603050405020304" pitchFamily="18" charset="0"/>
+                <a:cs typeface="Times New Roman" panose="02020603050405020304" pitchFamily="18" charset="0"/>
+              </a:rPr>
+              <a:t>3</a:t>
+            </a:r>
+            <a:r>
+              <a:rPr lang="it-IT" sz="1200" dirty="0">
+                <a:solidFill>
+                  <a:srgbClr val="D4D4D4"/>
+                </a:solidFill>
+                <a:latin typeface="Consolas" panose="020B0609020204030204" pitchFamily="49" charset="0"/>
+                <a:ea typeface="Times New Roman" panose="02020603050405020304" pitchFamily="18" charset="0"/>
+                <a:cs typeface="Times New Roman" panose="02020603050405020304" pitchFamily="18" charset="0"/>
+              </a:rPr>
+              <a:t>]);</a:t>
+            </a:r>
+            <a:endParaRPr lang="it-IT" sz="1200" dirty="0">
+              <a:latin typeface="Consolas" panose="020B0609020204030204" pitchFamily="49" charset="0"/>
+              <a:ea typeface="Calibri" panose="020F0502020204030204" pitchFamily="34" charset="0"/>
+              <a:cs typeface="Times New Roman" panose="02020603050405020304" pitchFamily="18" charset="0"/>
+            </a:endParaRPr>
+          </a:p>
+          <a:p>
+            <a:pPr>
+              <a:lnSpc>
+                <a:spcPct val="130000"/>
+              </a:lnSpc>
+              <a:spcAft>
+                <a:spcPts val="0"/>
+              </a:spcAft>
+            </a:pPr>
+            <a:r>
+              <a:rPr lang="it-IT" sz="1200" dirty="0">
+                <a:solidFill>
+                  <a:srgbClr val="C586C0"/>
+                </a:solidFill>
+                <a:latin typeface="Consolas" panose="020B0609020204030204" pitchFamily="49" charset="0"/>
+                <a:ea typeface="Times New Roman" panose="02020603050405020304" pitchFamily="18" charset="0"/>
+                <a:cs typeface="Times New Roman" panose="02020603050405020304" pitchFamily="18" charset="0"/>
+              </a:rPr>
+              <a:t>		</a:t>
+            </a:r>
+            <a:r>
+              <a:rPr lang="it-IT" sz="1200" dirty="0" err="1">
+                <a:solidFill>
+                  <a:srgbClr val="C586C0"/>
+                </a:solidFill>
+                <a:latin typeface="Consolas" panose="020B0609020204030204" pitchFamily="49" charset="0"/>
+                <a:ea typeface="Times New Roman" panose="02020603050405020304" pitchFamily="18" charset="0"/>
+                <a:cs typeface="Times New Roman" panose="02020603050405020304" pitchFamily="18" charset="0"/>
+              </a:rPr>
+              <a:t>if</a:t>
+            </a:r>
+            <a:r>
+              <a:rPr lang="it-IT" sz="1200" dirty="0">
+                <a:solidFill>
+                  <a:srgbClr val="D4D4D4"/>
+                </a:solidFill>
+                <a:latin typeface="Consolas" panose="020B0609020204030204" pitchFamily="49" charset="0"/>
+                <a:ea typeface="Times New Roman" panose="02020603050405020304" pitchFamily="18" charset="0"/>
+                <a:cs typeface="Times New Roman" panose="02020603050405020304" pitchFamily="18" charset="0"/>
+              </a:rPr>
+              <a:t> (</a:t>
+            </a:r>
+            <a:r>
+              <a:rPr lang="it-IT" sz="1200" dirty="0" err="1">
+                <a:solidFill>
+                  <a:srgbClr val="D4D4D4"/>
+                </a:solidFill>
+                <a:latin typeface="Consolas" panose="020B0609020204030204" pitchFamily="49" charset="0"/>
+                <a:ea typeface="Times New Roman" panose="02020603050405020304" pitchFamily="18" charset="0"/>
+                <a:cs typeface="Times New Roman" panose="02020603050405020304" pitchFamily="18" charset="0"/>
+              </a:rPr>
+              <a:t>association</a:t>
+            </a:r>
+            <a:r>
+              <a:rPr lang="it-IT" sz="1200" dirty="0">
+                <a:solidFill>
+                  <a:srgbClr val="D4D4D4"/>
+                </a:solidFill>
+                <a:latin typeface="Consolas" panose="020B0609020204030204" pitchFamily="49" charset="0"/>
+                <a:ea typeface="Times New Roman" panose="02020603050405020304" pitchFamily="18" charset="0"/>
+                <a:cs typeface="Times New Roman" panose="02020603050405020304" pitchFamily="18" charset="0"/>
+              </a:rPr>
+              <a:t>) { </a:t>
+            </a:r>
+            <a:endParaRPr lang="it-IT" sz="1200" dirty="0">
+              <a:latin typeface="Consolas" panose="020B0609020204030204" pitchFamily="49" charset="0"/>
+              <a:ea typeface="Calibri" panose="020F0502020204030204" pitchFamily="34" charset="0"/>
+              <a:cs typeface="Times New Roman" panose="02020603050405020304" pitchFamily="18" charset="0"/>
+            </a:endParaRPr>
+          </a:p>
+          <a:p>
+            <a:pPr>
+              <a:lnSpc>
+                <a:spcPct val="130000"/>
+              </a:lnSpc>
+              <a:spcAft>
+                <a:spcPts val="0"/>
+              </a:spcAft>
+            </a:pPr>
+            <a:r>
+              <a:rPr lang="it-IT" sz="1200" dirty="0">
+                <a:solidFill>
+                  <a:srgbClr val="9CDCFE"/>
+                </a:solidFill>
+                <a:latin typeface="Consolas" panose="020B0609020204030204" pitchFamily="49" charset="0"/>
+                <a:ea typeface="Times New Roman" panose="02020603050405020304" pitchFamily="18" charset="0"/>
+                <a:cs typeface="Times New Roman" panose="02020603050405020304" pitchFamily="18" charset="0"/>
+              </a:rPr>
+              <a:t>			</a:t>
+            </a:r>
+            <a:r>
+              <a:rPr lang="it-IT" sz="1200" dirty="0" err="1">
+                <a:solidFill>
+                  <a:srgbClr val="9CDCFE"/>
+                </a:solidFill>
+                <a:latin typeface="Consolas" panose="020B0609020204030204" pitchFamily="49" charset="0"/>
+                <a:ea typeface="Times New Roman" panose="02020603050405020304" pitchFamily="18" charset="0"/>
+                <a:cs typeface="Times New Roman" panose="02020603050405020304" pitchFamily="18" charset="0"/>
+              </a:rPr>
+              <a:t>System</a:t>
+            </a:r>
+            <a:r>
+              <a:rPr lang="it-IT" sz="1200" dirty="0" err="1">
+                <a:solidFill>
+                  <a:srgbClr val="D4D4D4"/>
+                </a:solidFill>
+                <a:latin typeface="Consolas" panose="020B0609020204030204" pitchFamily="49" charset="0"/>
+                <a:ea typeface="Times New Roman" panose="02020603050405020304" pitchFamily="18" charset="0"/>
+                <a:cs typeface="Times New Roman" panose="02020603050405020304" pitchFamily="18" charset="0"/>
+              </a:rPr>
+              <a:t>.</a:t>
+            </a:r>
+            <a:r>
+              <a:rPr lang="it-IT" sz="1200" dirty="0" err="1">
+                <a:solidFill>
+                  <a:srgbClr val="9CDCFE"/>
+                </a:solidFill>
+                <a:latin typeface="Consolas" panose="020B0609020204030204" pitchFamily="49" charset="0"/>
+                <a:ea typeface="Times New Roman" panose="02020603050405020304" pitchFamily="18" charset="0"/>
+                <a:cs typeface="Times New Roman" panose="02020603050405020304" pitchFamily="18" charset="0"/>
+              </a:rPr>
+              <a:t>out</a:t>
+            </a:r>
+            <a:r>
+              <a:rPr lang="it-IT" sz="1200" dirty="0" err="1">
+                <a:solidFill>
+                  <a:srgbClr val="D4D4D4"/>
+                </a:solidFill>
+                <a:latin typeface="Consolas" panose="020B0609020204030204" pitchFamily="49" charset="0"/>
+                <a:ea typeface="Times New Roman" panose="02020603050405020304" pitchFamily="18" charset="0"/>
+                <a:cs typeface="Times New Roman" panose="02020603050405020304" pitchFamily="18" charset="0"/>
+              </a:rPr>
+              <a:t>.</a:t>
+            </a:r>
+            <a:r>
+              <a:rPr lang="it-IT" sz="1200" dirty="0" err="1">
+                <a:solidFill>
+                  <a:srgbClr val="DCDCAA"/>
+                </a:solidFill>
+                <a:latin typeface="Consolas" panose="020B0609020204030204" pitchFamily="49" charset="0"/>
+                <a:ea typeface="Times New Roman" panose="02020603050405020304" pitchFamily="18" charset="0"/>
+                <a:cs typeface="Times New Roman" panose="02020603050405020304" pitchFamily="18" charset="0"/>
+              </a:rPr>
+              <a:t>println</a:t>
+            </a:r>
+            <a:r>
+              <a:rPr lang="it-IT" sz="1200" dirty="0">
+                <a:solidFill>
+                  <a:srgbClr val="D4D4D4"/>
+                </a:solidFill>
+                <a:latin typeface="Consolas" panose="020B0609020204030204" pitchFamily="49" charset="0"/>
+                <a:ea typeface="Times New Roman" panose="02020603050405020304" pitchFamily="18" charset="0"/>
+                <a:cs typeface="Times New Roman" panose="02020603050405020304" pitchFamily="18" charset="0"/>
+              </a:rPr>
+              <a:t>(</a:t>
+            </a:r>
+            <a:r>
+              <a:rPr lang="it-IT" sz="1200" dirty="0">
+                <a:solidFill>
+                  <a:srgbClr val="CE9178"/>
+                </a:solidFill>
+                <a:latin typeface="Consolas" panose="020B0609020204030204" pitchFamily="49" charset="0"/>
+                <a:ea typeface="Times New Roman" panose="02020603050405020304" pitchFamily="18" charset="0"/>
+                <a:cs typeface="Times New Roman" panose="02020603050405020304" pitchFamily="18" charset="0"/>
+              </a:rPr>
+              <a:t>"</a:t>
+            </a:r>
+            <a:r>
+              <a:rPr lang="it-IT" sz="1200" dirty="0" err="1">
+                <a:solidFill>
+                  <a:srgbClr val="CE9178"/>
+                </a:solidFill>
+                <a:latin typeface="Consolas" panose="020B0609020204030204" pitchFamily="49" charset="0"/>
+                <a:ea typeface="Times New Roman" panose="02020603050405020304" pitchFamily="18" charset="0"/>
+                <a:cs typeface="Times New Roman" panose="02020603050405020304" pitchFamily="18" charset="0"/>
+              </a:rPr>
+              <a:t>ServerImpl</a:t>
+            </a:r>
+            <a:r>
+              <a:rPr lang="it-IT" sz="1200" dirty="0">
+                <a:solidFill>
+                  <a:srgbClr val="CE9178"/>
+                </a:solidFill>
+                <a:latin typeface="Consolas" panose="020B0609020204030204" pitchFamily="49" charset="0"/>
+                <a:ea typeface="Times New Roman" panose="02020603050405020304" pitchFamily="18" charset="0"/>
+                <a:cs typeface="Times New Roman" panose="02020603050405020304" pitchFamily="18" charset="0"/>
+              </a:rPr>
+              <a:t> RMI: Tag associato correttamente"</a:t>
+            </a:r>
+            <a:r>
+              <a:rPr lang="it-IT" sz="1200" dirty="0">
+                <a:solidFill>
+                  <a:srgbClr val="D4D4D4"/>
+                </a:solidFill>
+                <a:latin typeface="Consolas" panose="020B0609020204030204" pitchFamily="49" charset="0"/>
+                <a:ea typeface="Times New Roman" panose="02020603050405020304" pitchFamily="18" charset="0"/>
+                <a:cs typeface="Times New Roman" panose="02020603050405020304" pitchFamily="18" charset="0"/>
+              </a:rPr>
+              <a:t>);</a:t>
+            </a:r>
+            <a:endParaRPr lang="it-IT" sz="1200" dirty="0">
+              <a:latin typeface="Consolas" panose="020B0609020204030204" pitchFamily="49" charset="0"/>
+              <a:ea typeface="Calibri" panose="020F0502020204030204" pitchFamily="34" charset="0"/>
+              <a:cs typeface="Times New Roman" panose="02020603050405020304" pitchFamily="18" charset="0"/>
+            </a:endParaRPr>
+          </a:p>
+          <a:p>
+            <a:pPr>
+              <a:lnSpc>
+                <a:spcPct val="130000"/>
+              </a:lnSpc>
+              <a:spcAft>
+                <a:spcPts val="0"/>
+              </a:spcAft>
+            </a:pPr>
+            <a:r>
+              <a:rPr lang="it-IT" sz="1200" dirty="0">
+                <a:solidFill>
+                  <a:srgbClr val="D4D4D4"/>
+                </a:solidFill>
+                <a:latin typeface="Consolas" panose="020B0609020204030204" pitchFamily="49" charset="0"/>
+                <a:ea typeface="Times New Roman" panose="02020603050405020304" pitchFamily="18" charset="0"/>
+                <a:cs typeface="Times New Roman" panose="02020603050405020304" pitchFamily="18" charset="0"/>
+              </a:rPr>
+              <a:t>		}</a:t>
+            </a:r>
+            <a:r>
+              <a:rPr lang="it-IT" sz="1200" dirty="0">
+                <a:latin typeface="Consolas" panose="020B0609020204030204" pitchFamily="49" charset="0"/>
+                <a:ea typeface="Times New Roman" panose="02020603050405020304" pitchFamily="18" charset="0"/>
+                <a:cs typeface="Times New Roman" panose="02020603050405020304" pitchFamily="18" charset="0"/>
+              </a:rPr>
+              <a:t> </a:t>
+            </a:r>
+            <a:r>
+              <a:rPr lang="it-IT" sz="1200" dirty="0">
+                <a:solidFill>
+                  <a:srgbClr val="C586C0"/>
+                </a:solidFill>
+                <a:latin typeface="Consolas" panose="020B0609020204030204" pitchFamily="49" charset="0"/>
+                <a:ea typeface="Times New Roman" panose="02020603050405020304" pitchFamily="18" charset="0"/>
+                <a:cs typeface="Times New Roman" panose="02020603050405020304" pitchFamily="18" charset="0"/>
+              </a:rPr>
+              <a:t>else</a:t>
+            </a:r>
+            <a:r>
+              <a:rPr lang="it-IT" sz="1200" dirty="0">
+                <a:solidFill>
+                  <a:srgbClr val="D4D4D4"/>
+                </a:solidFill>
+                <a:latin typeface="Consolas" panose="020B0609020204030204" pitchFamily="49" charset="0"/>
+                <a:ea typeface="Times New Roman" panose="02020603050405020304" pitchFamily="18" charset="0"/>
+                <a:cs typeface="Times New Roman" panose="02020603050405020304" pitchFamily="18" charset="0"/>
+              </a:rPr>
+              <a:t> {</a:t>
+            </a:r>
+            <a:endParaRPr lang="it-IT" sz="1200" dirty="0">
+              <a:latin typeface="Consolas" panose="020B0609020204030204" pitchFamily="49" charset="0"/>
+              <a:ea typeface="Calibri" panose="020F0502020204030204" pitchFamily="34" charset="0"/>
+              <a:cs typeface="Times New Roman" panose="02020603050405020304" pitchFamily="18" charset="0"/>
+            </a:endParaRPr>
+          </a:p>
+          <a:p>
+            <a:pPr>
+              <a:lnSpc>
+                <a:spcPct val="130000"/>
+              </a:lnSpc>
+              <a:spcAft>
+                <a:spcPts val="0"/>
+              </a:spcAft>
+            </a:pPr>
+            <a:r>
+              <a:rPr lang="it-IT" sz="1200" dirty="0">
+                <a:solidFill>
+                  <a:srgbClr val="9CDCFE"/>
+                </a:solidFill>
+                <a:latin typeface="Consolas" panose="020B0609020204030204" pitchFamily="49" charset="0"/>
+                <a:ea typeface="Times New Roman" panose="02020603050405020304" pitchFamily="18" charset="0"/>
+                <a:cs typeface="Times New Roman" panose="02020603050405020304" pitchFamily="18" charset="0"/>
+              </a:rPr>
+              <a:t>			</a:t>
+            </a:r>
+            <a:r>
+              <a:rPr lang="it-IT" sz="1200" dirty="0" err="1">
+                <a:solidFill>
+                  <a:srgbClr val="9CDCFE"/>
+                </a:solidFill>
+                <a:latin typeface="Consolas" panose="020B0609020204030204" pitchFamily="49" charset="0"/>
+                <a:ea typeface="Times New Roman" panose="02020603050405020304" pitchFamily="18" charset="0"/>
+                <a:cs typeface="Times New Roman" panose="02020603050405020304" pitchFamily="18" charset="0"/>
+              </a:rPr>
+              <a:t>System</a:t>
+            </a:r>
+            <a:r>
+              <a:rPr lang="it-IT" sz="1200" dirty="0" err="1">
+                <a:solidFill>
+                  <a:srgbClr val="D4D4D4"/>
+                </a:solidFill>
+                <a:latin typeface="Consolas" panose="020B0609020204030204" pitchFamily="49" charset="0"/>
+                <a:ea typeface="Times New Roman" panose="02020603050405020304" pitchFamily="18" charset="0"/>
+                <a:cs typeface="Times New Roman" panose="02020603050405020304" pitchFamily="18" charset="0"/>
+              </a:rPr>
+              <a:t>.</a:t>
+            </a:r>
+            <a:r>
+              <a:rPr lang="it-IT" sz="1200" dirty="0" err="1">
+                <a:solidFill>
+                  <a:srgbClr val="9CDCFE"/>
+                </a:solidFill>
+                <a:latin typeface="Consolas" panose="020B0609020204030204" pitchFamily="49" charset="0"/>
+                <a:ea typeface="Times New Roman" panose="02020603050405020304" pitchFamily="18" charset="0"/>
+                <a:cs typeface="Times New Roman" panose="02020603050405020304" pitchFamily="18" charset="0"/>
+              </a:rPr>
+              <a:t>out</a:t>
+            </a:r>
+            <a:r>
+              <a:rPr lang="it-IT" sz="1200" dirty="0" err="1">
+                <a:solidFill>
+                  <a:srgbClr val="D4D4D4"/>
+                </a:solidFill>
+                <a:latin typeface="Consolas" panose="020B0609020204030204" pitchFamily="49" charset="0"/>
+                <a:ea typeface="Times New Roman" panose="02020603050405020304" pitchFamily="18" charset="0"/>
+                <a:cs typeface="Times New Roman" panose="02020603050405020304" pitchFamily="18" charset="0"/>
+              </a:rPr>
+              <a:t>.</a:t>
+            </a:r>
+            <a:r>
+              <a:rPr lang="it-IT" sz="1200" dirty="0" err="1">
+                <a:solidFill>
+                  <a:srgbClr val="DCDCAA"/>
+                </a:solidFill>
+                <a:latin typeface="Consolas" panose="020B0609020204030204" pitchFamily="49" charset="0"/>
+                <a:ea typeface="Times New Roman" panose="02020603050405020304" pitchFamily="18" charset="0"/>
+                <a:cs typeface="Times New Roman" panose="02020603050405020304" pitchFamily="18" charset="0"/>
+              </a:rPr>
+              <a:t>println</a:t>
+            </a:r>
+            <a:r>
+              <a:rPr lang="it-IT" sz="1200" dirty="0">
+                <a:solidFill>
+                  <a:srgbClr val="D4D4D4"/>
+                </a:solidFill>
+                <a:latin typeface="Consolas" panose="020B0609020204030204" pitchFamily="49" charset="0"/>
+                <a:ea typeface="Times New Roman" panose="02020603050405020304" pitchFamily="18" charset="0"/>
+                <a:cs typeface="Times New Roman" panose="02020603050405020304" pitchFamily="18" charset="0"/>
+              </a:rPr>
+              <a:t>(</a:t>
+            </a:r>
+            <a:r>
+              <a:rPr lang="it-IT" sz="1200" dirty="0">
+                <a:solidFill>
+                  <a:srgbClr val="CE9178"/>
+                </a:solidFill>
+                <a:latin typeface="Consolas" panose="020B0609020204030204" pitchFamily="49" charset="0"/>
+                <a:ea typeface="Times New Roman" panose="02020603050405020304" pitchFamily="18" charset="0"/>
+                <a:cs typeface="Times New Roman" panose="02020603050405020304" pitchFamily="18" charset="0"/>
+              </a:rPr>
+              <a:t>"</a:t>
+            </a:r>
+            <a:r>
+              <a:rPr lang="it-IT" sz="1200" dirty="0" err="1">
+                <a:solidFill>
+                  <a:srgbClr val="CE9178"/>
+                </a:solidFill>
+                <a:latin typeface="Consolas" panose="020B0609020204030204" pitchFamily="49" charset="0"/>
+                <a:ea typeface="Times New Roman" panose="02020603050405020304" pitchFamily="18" charset="0"/>
+                <a:cs typeface="Times New Roman" panose="02020603050405020304" pitchFamily="18" charset="0"/>
+              </a:rPr>
+              <a:t>ServerImpl</a:t>
+            </a:r>
+            <a:r>
+              <a:rPr lang="it-IT" sz="1200" dirty="0">
+                <a:solidFill>
+                  <a:srgbClr val="CE9178"/>
+                </a:solidFill>
+                <a:latin typeface="Consolas" panose="020B0609020204030204" pitchFamily="49" charset="0"/>
+                <a:ea typeface="Times New Roman" panose="02020603050405020304" pitchFamily="18" charset="0"/>
+                <a:cs typeface="Times New Roman" panose="02020603050405020304" pitchFamily="18" charset="0"/>
+              </a:rPr>
+              <a:t> RMI: Tag scelto non disponibile"</a:t>
+            </a:r>
+            <a:r>
+              <a:rPr lang="it-IT" sz="1200" dirty="0">
+                <a:solidFill>
+                  <a:srgbClr val="D4D4D4"/>
+                </a:solidFill>
+                <a:latin typeface="Consolas" panose="020B0609020204030204" pitchFamily="49" charset="0"/>
+                <a:ea typeface="Times New Roman" panose="02020603050405020304" pitchFamily="18" charset="0"/>
+                <a:cs typeface="Times New Roman" panose="02020603050405020304" pitchFamily="18" charset="0"/>
+              </a:rPr>
+              <a:t>);</a:t>
+            </a:r>
+            <a:endParaRPr lang="it-IT" sz="1200" dirty="0">
+              <a:latin typeface="Consolas" panose="020B0609020204030204" pitchFamily="49" charset="0"/>
+              <a:ea typeface="Calibri" panose="020F0502020204030204" pitchFamily="34" charset="0"/>
+              <a:cs typeface="Times New Roman" panose="02020603050405020304" pitchFamily="18" charset="0"/>
+            </a:endParaRPr>
+          </a:p>
+          <a:p>
+            <a:pPr>
+              <a:lnSpc>
+                <a:spcPct val="130000"/>
+              </a:lnSpc>
+              <a:spcAft>
+                <a:spcPts val="0"/>
+              </a:spcAft>
+            </a:pPr>
+            <a:r>
+              <a:rPr lang="it-IT" sz="1200" dirty="0">
+                <a:solidFill>
+                  <a:srgbClr val="D4D4D4"/>
+                </a:solidFill>
+                <a:latin typeface="Consolas" panose="020B0609020204030204" pitchFamily="49" charset="0"/>
+                <a:ea typeface="Times New Roman" panose="02020603050405020304" pitchFamily="18" charset="0"/>
+                <a:cs typeface="Times New Roman" panose="02020603050405020304" pitchFamily="18" charset="0"/>
+              </a:rPr>
+              <a:t>		}</a:t>
+            </a:r>
+            <a:endParaRPr lang="it-IT" sz="1200" dirty="0">
+              <a:latin typeface="Consolas" panose="020B0609020204030204" pitchFamily="49" charset="0"/>
+              <a:ea typeface="Calibri" panose="020F0502020204030204" pitchFamily="34" charset="0"/>
+              <a:cs typeface="Times New Roman" panose="02020603050405020304" pitchFamily="18" charset="0"/>
+            </a:endParaRPr>
+          </a:p>
+          <a:p>
+            <a:pPr>
+              <a:lnSpc>
+                <a:spcPct val="130000"/>
+              </a:lnSpc>
+              <a:spcAft>
+                <a:spcPts val="0"/>
+              </a:spcAft>
+            </a:pPr>
+            <a:r>
+              <a:rPr lang="it-IT" sz="1200" dirty="0">
+                <a:solidFill>
+                  <a:srgbClr val="D4D4D4"/>
+                </a:solidFill>
+                <a:latin typeface="Consolas" panose="020B0609020204030204" pitchFamily="49" charset="0"/>
+                <a:ea typeface="Times New Roman" panose="02020603050405020304" pitchFamily="18" charset="0"/>
+                <a:cs typeface="Times New Roman" panose="02020603050405020304" pitchFamily="18" charset="0"/>
+              </a:rPr>
+              <a:t>	}</a:t>
+            </a:r>
+            <a:endParaRPr lang="it-IT" sz="1200" dirty="0">
+              <a:latin typeface="Consolas" panose="020B0609020204030204" pitchFamily="49" charset="0"/>
+              <a:ea typeface="Calibri" panose="020F0502020204030204" pitchFamily="34" charset="0"/>
+              <a:cs typeface="Times New Roman" panose="02020603050405020304" pitchFamily="18" charset="0"/>
+            </a:endParaRPr>
+          </a:p>
+          <a:p>
+            <a:pPr>
+              <a:lnSpc>
+                <a:spcPct val="130000"/>
+              </a:lnSpc>
+              <a:spcAft>
+                <a:spcPts val="0"/>
+              </a:spcAft>
+            </a:pPr>
+            <a:r>
+              <a:rPr lang="it-IT" sz="1200" dirty="0">
+                <a:solidFill>
+                  <a:srgbClr val="D4D4D4"/>
+                </a:solidFill>
+                <a:latin typeface="Consolas" panose="020B0609020204030204" pitchFamily="49" charset="0"/>
+                <a:ea typeface="Times New Roman" panose="02020603050405020304" pitchFamily="18" charset="0"/>
+                <a:cs typeface="Times New Roman" panose="02020603050405020304" pitchFamily="18" charset="0"/>
+              </a:rPr>
+              <a:t>}</a:t>
+            </a:r>
+          </a:p>
+          <a:p>
+            <a:pPr>
+              <a:lnSpc>
+                <a:spcPct val="130000"/>
+              </a:lnSpc>
+              <a:spcAft>
+                <a:spcPts val="0"/>
+              </a:spcAft>
+            </a:pPr>
+            <a:r>
+              <a:rPr lang="it-IT" sz="1200" dirty="0">
+                <a:solidFill>
+                  <a:srgbClr val="C586C0"/>
+                </a:solidFill>
+                <a:latin typeface="Consolas" panose="020B0609020204030204" pitchFamily="49" charset="0"/>
+                <a:ea typeface="Times New Roman" panose="02020603050405020304" pitchFamily="18" charset="0"/>
+                <a:cs typeface="Times New Roman" panose="02020603050405020304" pitchFamily="18" charset="0"/>
+              </a:rPr>
+              <a:t>catch</a:t>
+            </a:r>
+            <a:r>
+              <a:rPr lang="it-IT" sz="1200" dirty="0">
+                <a:solidFill>
+                  <a:srgbClr val="D4D4D4"/>
+                </a:solidFill>
+                <a:latin typeface="Consolas" panose="020B0609020204030204" pitchFamily="49" charset="0"/>
+                <a:ea typeface="Times New Roman" panose="02020603050405020304" pitchFamily="18" charset="0"/>
+                <a:cs typeface="Times New Roman" panose="02020603050405020304" pitchFamily="18" charset="0"/>
+              </a:rPr>
+              <a:t> (</a:t>
+            </a:r>
+            <a:r>
+              <a:rPr lang="it-IT" sz="1200" dirty="0" err="1">
+                <a:solidFill>
+                  <a:srgbClr val="4EC9B0"/>
+                </a:solidFill>
+                <a:latin typeface="Consolas" panose="020B0609020204030204" pitchFamily="49" charset="0"/>
+                <a:ea typeface="Times New Roman" panose="02020603050405020304" pitchFamily="18" charset="0"/>
+                <a:cs typeface="Times New Roman" panose="02020603050405020304" pitchFamily="18" charset="0"/>
+              </a:rPr>
+              <a:t>Exception</a:t>
+            </a:r>
+            <a:r>
+              <a:rPr lang="it-IT" sz="1200" dirty="0">
+                <a:solidFill>
+                  <a:srgbClr val="D4D4D4"/>
+                </a:solidFill>
+                <a:latin typeface="Consolas" panose="020B0609020204030204" pitchFamily="49" charset="0"/>
+                <a:ea typeface="Times New Roman" panose="02020603050405020304" pitchFamily="18" charset="0"/>
+                <a:cs typeface="Times New Roman" panose="02020603050405020304" pitchFamily="18" charset="0"/>
+              </a:rPr>
+              <a:t> </a:t>
+            </a:r>
+            <a:r>
+              <a:rPr lang="it-IT" sz="1200" dirty="0">
+                <a:solidFill>
+                  <a:srgbClr val="9CDCFE"/>
+                </a:solidFill>
+                <a:latin typeface="Consolas" panose="020B0609020204030204" pitchFamily="49" charset="0"/>
+                <a:ea typeface="Times New Roman" panose="02020603050405020304" pitchFamily="18" charset="0"/>
+                <a:cs typeface="Times New Roman" panose="02020603050405020304" pitchFamily="18" charset="0"/>
+              </a:rPr>
+              <a:t>e</a:t>
+            </a:r>
+            <a:r>
+              <a:rPr lang="it-IT" sz="1200" dirty="0">
+                <a:solidFill>
+                  <a:srgbClr val="D4D4D4"/>
+                </a:solidFill>
+                <a:latin typeface="Consolas" panose="020B0609020204030204" pitchFamily="49" charset="0"/>
+                <a:ea typeface="Times New Roman" panose="02020603050405020304" pitchFamily="18" charset="0"/>
+                <a:cs typeface="Times New Roman" panose="02020603050405020304" pitchFamily="18" charset="0"/>
+              </a:rPr>
+              <a:t>) {…}</a:t>
+            </a:r>
+            <a:endParaRPr lang="it-IT" sz="1200" dirty="0">
+              <a:latin typeface="Consolas" panose="020B0609020204030204" pitchFamily="49" charset="0"/>
+              <a:ea typeface="Calibri" panose="020F0502020204030204" pitchFamily="34" charset="0"/>
+              <a:cs typeface="Times New Roman" panose="02020603050405020304" pitchFamily="18" charset="0"/>
+            </a:endParaRPr>
+          </a:p>
+        </p:txBody>
+      </p:sp>
+    </p:spTree>
+    <p:extLst>
+      <p:ext uri="{BB962C8B-B14F-4D97-AF65-F5344CB8AC3E}">
+        <p14:creationId xmlns:p14="http://schemas.microsoft.com/office/powerpoint/2010/main" val="3456344343"/>
+      </p:ext>
+    </p:extLst>
+  </p:cSld>
+  <p:clrMapOvr>
+    <a:masterClrMapping/>
+  </p:clrMapOvr>
+</p:sld>
+</file>
+
+<file path=ppt/slides/slide7.xml><?xml version="1.0" encoding="utf-8"?>
+<p:sld xmlns:a="http://schemas.openxmlformats.org/drawingml/2006/main" xmlns:r="http://schemas.openxmlformats.org/officeDocument/2006/relationships" xmlns:p="http://schemas.openxmlformats.org/presentationml/2006/main">
+  <p:cSld>
+    <p:bg>
+      <p:bgPr>
+        <a:solidFill>
+          <a:srgbClr val="2A2A2A"/>
+        </a:solidFill>
+        <a:effectLst/>
+      </p:bgPr>
+    </p:bg>
+    <p:spTree>
+      <p:nvGrpSpPr>
+        <p:cNvPr id="1" name=""/>
+        <p:cNvGrpSpPr/>
+        <p:nvPr/>
+      </p:nvGrpSpPr>
+      <p:grpSpPr>
+        <a:xfrm>
+          <a:off x="0" y="0"/>
+          <a:ext cx="0" cy="0"/>
+          <a:chOff x="0" y="0"/>
+          <a:chExt cx="0" cy="0"/>
+        </a:xfrm>
+      </p:grpSpPr>
+      <p:sp>
+        <p:nvSpPr>
+          <p:cNvPr id="2" name="Titolo 1">
+            <a:extLst>
+              <a:ext uri="{FF2B5EF4-FFF2-40B4-BE49-F238E27FC236}">
+                <a16:creationId xmlns:a16="http://schemas.microsoft.com/office/drawing/2014/main" id="{F1DDE7A4-1A5F-4F0D-B842-7798EDC6EDA8}"/>
+              </a:ext>
+            </a:extLst>
+          </p:cNvPr>
+          <p:cNvSpPr>
+            <a:spLocks noGrp="1"/>
+          </p:cNvSpPr>
+          <p:nvPr>
+            <p:ph type="title"/>
+          </p:nvPr>
+        </p:nvSpPr>
+        <p:spPr>
+          <a:xfrm>
+            <a:off x="166048" y="92077"/>
+            <a:ext cx="11859904" cy="911224"/>
+          </a:xfrm>
+        </p:spPr>
+        <p:txBody>
+          <a:bodyPr>
+            <a:normAutofit/>
+          </a:bodyPr>
+          <a:lstStyle/>
+          <a:p>
+            <a:pPr algn="ctr"/>
+            <a:r>
+              <a:rPr lang="it-IT" dirty="0">
+                <a:solidFill>
+                  <a:schemeClr val="bg1"/>
+                </a:solidFill>
+                <a:latin typeface="Avenir Next LT Pro Light" panose="020B0304020202020204" pitchFamily="34" charset="0"/>
+              </a:rPr>
+              <a:t>Tag</a:t>
+            </a:r>
+          </a:p>
+        </p:txBody>
+      </p:sp>
+      <p:sp>
+        <p:nvSpPr>
+          <p:cNvPr id="3" name="Segnaposto numero diapositiva 2">
+            <a:extLst>
+              <a:ext uri="{FF2B5EF4-FFF2-40B4-BE49-F238E27FC236}">
+                <a16:creationId xmlns:a16="http://schemas.microsoft.com/office/drawing/2014/main" id="{A47D4834-59E8-435C-A95B-F4D997DED51E}"/>
+              </a:ext>
+            </a:extLst>
+          </p:cNvPr>
+          <p:cNvSpPr>
+            <a:spLocks noGrp="1"/>
+          </p:cNvSpPr>
+          <p:nvPr>
+            <p:ph type="sldNum" sz="quarter" idx="12"/>
+          </p:nvPr>
+        </p:nvSpPr>
+        <p:spPr/>
+        <p:txBody>
+          <a:bodyPr/>
+          <a:lstStyle/>
+          <a:p>
+            <a:fld id="{4A6DC286-705F-4A37-A21F-B485E3A29C72}" type="slidenum">
+              <a:rPr lang="it-IT" smtClean="0"/>
+              <a:t>7</a:t>
+            </a:fld>
+            <a:endParaRPr lang="it-IT"/>
+          </a:p>
+        </p:txBody>
+      </p:sp>
+      <p:sp>
+        <p:nvSpPr>
+          <p:cNvPr id="5" name="CasellaDiTesto 4">
+            <a:extLst>
+              <a:ext uri="{FF2B5EF4-FFF2-40B4-BE49-F238E27FC236}">
+                <a16:creationId xmlns:a16="http://schemas.microsoft.com/office/drawing/2014/main" id="{575E9FB5-702A-42D6-A2EB-DC69E86329E8}"/>
+              </a:ext>
+            </a:extLst>
+          </p:cNvPr>
+          <p:cNvSpPr txBox="1"/>
+          <p:nvPr/>
+        </p:nvSpPr>
+        <p:spPr>
+          <a:xfrm>
+            <a:off x="882212" y="1003301"/>
+            <a:ext cx="10427575" cy="5565691"/>
+          </a:xfrm>
+          <a:prstGeom prst="rect">
+            <a:avLst/>
+          </a:prstGeom>
+          <a:noFill/>
+        </p:spPr>
+        <p:txBody>
+          <a:bodyPr wrap="square" rtlCol="0">
+            <a:spAutoFit/>
+          </a:bodyPr>
+          <a:lstStyle/>
+          <a:p>
+            <a:pPr>
+              <a:lnSpc>
+                <a:spcPct val="110000"/>
+              </a:lnSpc>
+              <a:spcAft>
+                <a:spcPts val="0"/>
+              </a:spcAft>
+            </a:pPr>
+            <a:r>
+              <a:rPr lang="it-IT" sz="1200" dirty="0">
+                <a:solidFill>
+                  <a:srgbClr val="569CD6"/>
+                </a:solidFill>
+                <a:latin typeface="Consolas" panose="020B0609020204030204" pitchFamily="49" charset="0"/>
+                <a:ea typeface="Times New Roman" panose="02020603050405020304" pitchFamily="18" charset="0"/>
+                <a:cs typeface="Times New Roman" panose="02020603050405020304" pitchFamily="18" charset="0"/>
+              </a:rPr>
+              <a:t>public</a:t>
+            </a:r>
+            <a:r>
+              <a:rPr lang="it-IT" sz="1200" dirty="0">
+                <a:solidFill>
+                  <a:srgbClr val="D4D4D4"/>
+                </a:solidFill>
+                <a:latin typeface="Consolas" panose="020B0609020204030204" pitchFamily="49" charset="0"/>
+                <a:ea typeface="Times New Roman" panose="02020603050405020304" pitchFamily="18" charset="0"/>
+                <a:cs typeface="Times New Roman" panose="02020603050405020304" pitchFamily="18" charset="0"/>
+              </a:rPr>
+              <a:t> </a:t>
+            </a:r>
+            <a:r>
+              <a:rPr lang="it-IT" sz="1200" dirty="0">
+                <a:solidFill>
+                  <a:srgbClr val="569CD6"/>
+                </a:solidFill>
+                <a:latin typeface="Consolas" panose="020B0609020204030204" pitchFamily="49" charset="0"/>
+                <a:ea typeface="Times New Roman" panose="02020603050405020304" pitchFamily="18" charset="0"/>
+                <a:cs typeface="Times New Roman" panose="02020603050405020304" pitchFamily="18" charset="0"/>
+              </a:rPr>
+              <a:t>class</a:t>
+            </a:r>
+            <a:r>
+              <a:rPr lang="it-IT" sz="1200" dirty="0">
+                <a:solidFill>
+                  <a:srgbClr val="D4D4D4"/>
+                </a:solidFill>
+                <a:latin typeface="Consolas" panose="020B0609020204030204" pitchFamily="49" charset="0"/>
+                <a:ea typeface="Times New Roman" panose="02020603050405020304" pitchFamily="18" charset="0"/>
+                <a:cs typeface="Times New Roman" panose="02020603050405020304" pitchFamily="18" charset="0"/>
+              </a:rPr>
+              <a:t> </a:t>
+            </a:r>
+            <a:r>
+              <a:rPr lang="it-IT" sz="1200" dirty="0">
+                <a:solidFill>
+                  <a:srgbClr val="4EC9B0"/>
+                </a:solidFill>
+                <a:latin typeface="Consolas" panose="020B0609020204030204" pitchFamily="49" charset="0"/>
+                <a:ea typeface="Times New Roman" panose="02020603050405020304" pitchFamily="18" charset="0"/>
+                <a:cs typeface="Times New Roman" panose="02020603050405020304" pitchFamily="18" charset="0"/>
+              </a:rPr>
+              <a:t>Tag</a:t>
+            </a:r>
+            <a:r>
+              <a:rPr lang="it-IT" sz="1200" dirty="0">
+                <a:solidFill>
+                  <a:srgbClr val="D4D4D4"/>
+                </a:solidFill>
+                <a:latin typeface="Consolas" panose="020B0609020204030204" pitchFamily="49" charset="0"/>
+                <a:ea typeface="Times New Roman" panose="02020603050405020304" pitchFamily="18" charset="0"/>
+                <a:cs typeface="Times New Roman" panose="02020603050405020304" pitchFamily="18" charset="0"/>
+              </a:rPr>
+              <a:t> </a:t>
+            </a:r>
+            <a:r>
+              <a:rPr lang="it-IT" sz="1200" dirty="0" err="1">
+                <a:solidFill>
+                  <a:srgbClr val="569CD6"/>
+                </a:solidFill>
+                <a:latin typeface="Consolas" panose="020B0609020204030204" pitchFamily="49" charset="0"/>
+                <a:ea typeface="Times New Roman" panose="02020603050405020304" pitchFamily="18" charset="0"/>
+                <a:cs typeface="Times New Roman" panose="02020603050405020304" pitchFamily="18" charset="0"/>
+              </a:rPr>
+              <a:t>implements</a:t>
+            </a:r>
+            <a:r>
+              <a:rPr lang="it-IT" sz="1200" dirty="0">
+                <a:solidFill>
+                  <a:srgbClr val="D4D4D4"/>
+                </a:solidFill>
+                <a:latin typeface="Consolas" panose="020B0609020204030204" pitchFamily="49" charset="0"/>
+                <a:ea typeface="Times New Roman" panose="02020603050405020304" pitchFamily="18" charset="0"/>
+                <a:cs typeface="Times New Roman" panose="02020603050405020304" pitchFamily="18" charset="0"/>
+              </a:rPr>
+              <a:t> </a:t>
+            </a:r>
+            <a:r>
+              <a:rPr lang="it-IT" sz="1200" dirty="0" err="1">
+                <a:solidFill>
+                  <a:srgbClr val="4EC9B0"/>
+                </a:solidFill>
+                <a:latin typeface="Consolas" panose="020B0609020204030204" pitchFamily="49" charset="0"/>
+                <a:ea typeface="Times New Roman" panose="02020603050405020304" pitchFamily="18" charset="0"/>
+                <a:cs typeface="Times New Roman" panose="02020603050405020304" pitchFamily="18" charset="0"/>
+              </a:rPr>
+              <a:t>Serializable</a:t>
+            </a:r>
+            <a:r>
+              <a:rPr lang="it-IT" sz="1200" dirty="0">
+                <a:solidFill>
+                  <a:srgbClr val="4EC9B0"/>
+                </a:solidFill>
+                <a:latin typeface="Consolas" panose="020B0609020204030204" pitchFamily="49" charset="0"/>
+                <a:ea typeface="Times New Roman" panose="02020603050405020304" pitchFamily="18" charset="0"/>
+                <a:cs typeface="Times New Roman" panose="02020603050405020304" pitchFamily="18" charset="0"/>
+              </a:rPr>
+              <a:t> </a:t>
+            </a:r>
+            <a:r>
+              <a:rPr lang="it-IT" sz="1200" dirty="0">
+                <a:solidFill>
+                  <a:srgbClr val="D4D4D4"/>
+                </a:solidFill>
+                <a:latin typeface="Consolas" panose="020B0609020204030204" pitchFamily="49" charset="0"/>
+                <a:ea typeface="Times New Roman" panose="02020603050405020304" pitchFamily="18" charset="0"/>
+                <a:cs typeface="Times New Roman" panose="02020603050405020304" pitchFamily="18" charset="0"/>
+              </a:rPr>
+              <a:t>{</a:t>
+            </a:r>
+            <a:endParaRPr lang="it-IT" sz="1200" dirty="0">
+              <a:latin typeface="Consolas" panose="020B0609020204030204" pitchFamily="49" charset="0"/>
+              <a:ea typeface="Calibri" panose="020F0502020204030204" pitchFamily="34" charset="0"/>
+              <a:cs typeface="Times New Roman" panose="02020603050405020304" pitchFamily="18" charset="0"/>
+            </a:endParaRPr>
+          </a:p>
+          <a:p>
+            <a:pPr>
+              <a:lnSpc>
+                <a:spcPct val="110000"/>
+              </a:lnSpc>
+              <a:spcAft>
+                <a:spcPts val="0"/>
+              </a:spcAft>
+            </a:pPr>
+            <a:r>
+              <a:rPr lang="it-IT" sz="1200" dirty="0">
+                <a:solidFill>
+                  <a:srgbClr val="D4D4D4"/>
+                </a:solidFill>
+                <a:latin typeface="Consolas" panose="020B0609020204030204" pitchFamily="49" charset="0"/>
+                <a:ea typeface="Times New Roman" panose="02020603050405020304" pitchFamily="18" charset="0"/>
+                <a:cs typeface="Times New Roman" panose="02020603050405020304" pitchFamily="18" charset="0"/>
+              </a:rPr>
+              <a:t>     </a:t>
+            </a:r>
+            <a:endParaRPr lang="it-IT" sz="1200" dirty="0">
+              <a:latin typeface="Consolas" panose="020B0609020204030204" pitchFamily="49" charset="0"/>
+              <a:ea typeface="Calibri" panose="020F0502020204030204" pitchFamily="34" charset="0"/>
+              <a:cs typeface="Times New Roman" panose="02020603050405020304" pitchFamily="18" charset="0"/>
+            </a:endParaRPr>
+          </a:p>
+          <a:p>
+            <a:pPr>
+              <a:lnSpc>
+                <a:spcPct val="110000"/>
+              </a:lnSpc>
+              <a:spcAft>
+                <a:spcPts val="0"/>
+              </a:spcAft>
+            </a:pPr>
+            <a:r>
+              <a:rPr lang="it-IT" sz="1200" dirty="0">
+                <a:solidFill>
+                  <a:srgbClr val="D4D4D4"/>
+                </a:solidFill>
+                <a:latin typeface="Consolas" panose="020B0609020204030204" pitchFamily="49" charset="0"/>
+                <a:ea typeface="Times New Roman" panose="02020603050405020304" pitchFamily="18" charset="0"/>
+                <a:cs typeface="Times New Roman" panose="02020603050405020304" pitchFamily="18" charset="0"/>
+              </a:rPr>
+              <a:t>    </a:t>
+            </a:r>
+            <a:r>
+              <a:rPr lang="it-IT" sz="1200" dirty="0">
+                <a:solidFill>
+                  <a:srgbClr val="569CD6"/>
+                </a:solidFill>
+                <a:latin typeface="Consolas" panose="020B0609020204030204" pitchFamily="49" charset="0"/>
+                <a:ea typeface="Times New Roman" panose="02020603050405020304" pitchFamily="18" charset="0"/>
+                <a:cs typeface="Times New Roman" panose="02020603050405020304" pitchFamily="18" charset="0"/>
+              </a:rPr>
+              <a:t>private</a:t>
+            </a:r>
+            <a:r>
+              <a:rPr lang="it-IT" sz="1200" dirty="0">
+                <a:solidFill>
+                  <a:srgbClr val="D4D4D4"/>
+                </a:solidFill>
+                <a:latin typeface="Consolas" panose="020B0609020204030204" pitchFamily="49" charset="0"/>
+                <a:ea typeface="Times New Roman" panose="02020603050405020304" pitchFamily="18" charset="0"/>
+                <a:cs typeface="Times New Roman" panose="02020603050405020304" pitchFamily="18" charset="0"/>
+              </a:rPr>
+              <a:t> </a:t>
+            </a:r>
+            <a:r>
+              <a:rPr lang="it-IT" sz="1200" dirty="0" err="1">
+                <a:solidFill>
+                  <a:srgbClr val="569CD6"/>
+                </a:solidFill>
+                <a:latin typeface="Consolas" panose="020B0609020204030204" pitchFamily="49" charset="0"/>
+                <a:ea typeface="Times New Roman" panose="02020603050405020304" pitchFamily="18" charset="0"/>
+                <a:cs typeface="Times New Roman" panose="02020603050405020304" pitchFamily="18" charset="0"/>
+              </a:rPr>
+              <a:t>static</a:t>
+            </a:r>
+            <a:r>
+              <a:rPr lang="it-IT" sz="1200" dirty="0">
+                <a:solidFill>
+                  <a:srgbClr val="D4D4D4"/>
+                </a:solidFill>
+                <a:latin typeface="Consolas" panose="020B0609020204030204" pitchFamily="49" charset="0"/>
+                <a:ea typeface="Times New Roman" panose="02020603050405020304" pitchFamily="18" charset="0"/>
+                <a:cs typeface="Times New Roman" panose="02020603050405020304" pitchFamily="18" charset="0"/>
+              </a:rPr>
+              <a:t> </a:t>
+            </a:r>
+            <a:r>
+              <a:rPr lang="it-IT" sz="1200" dirty="0" err="1">
+                <a:solidFill>
+                  <a:srgbClr val="569CD6"/>
+                </a:solidFill>
+                <a:latin typeface="Consolas" panose="020B0609020204030204" pitchFamily="49" charset="0"/>
+                <a:ea typeface="Times New Roman" panose="02020603050405020304" pitchFamily="18" charset="0"/>
+                <a:cs typeface="Times New Roman" panose="02020603050405020304" pitchFamily="18" charset="0"/>
+              </a:rPr>
+              <a:t>final</a:t>
+            </a:r>
+            <a:r>
+              <a:rPr lang="it-IT" sz="1200" dirty="0">
+                <a:solidFill>
+                  <a:srgbClr val="D4D4D4"/>
+                </a:solidFill>
+                <a:latin typeface="Consolas" panose="020B0609020204030204" pitchFamily="49" charset="0"/>
+                <a:ea typeface="Times New Roman" panose="02020603050405020304" pitchFamily="18" charset="0"/>
+                <a:cs typeface="Times New Roman" panose="02020603050405020304" pitchFamily="18" charset="0"/>
+              </a:rPr>
+              <a:t> </a:t>
+            </a:r>
+            <a:r>
+              <a:rPr lang="it-IT" sz="1200" dirty="0">
+                <a:solidFill>
+                  <a:srgbClr val="4EC9B0"/>
+                </a:solidFill>
+                <a:latin typeface="Consolas" panose="020B0609020204030204" pitchFamily="49" charset="0"/>
+                <a:ea typeface="Times New Roman" panose="02020603050405020304" pitchFamily="18" charset="0"/>
+                <a:cs typeface="Times New Roman" panose="02020603050405020304" pitchFamily="18" charset="0"/>
+              </a:rPr>
+              <a:t>long</a:t>
+            </a:r>
+            <a:r>
+              <a:rPr lang="it-IT" sz="1200" dirty="0">
+                <a:solidFill>
+                  <a:srgbClr val="D4D4D4"/>
+                </a:solidFill>
+                <a:latin typeface="Consolas" panose="020B0609020204030204" pitchFamily="49" charset="0"/>
+                <a:ea typeface="Times New Roman" panose="02020603050405020304" pitchFamily="18" charset="0"/>
+                <a:cs typeface="Times New Roman" panose="02020603050405020304" pitchFamily="18" charset="0"/>
+              </a:rPr>
+              <a:t> </a:t>
+            </a:r>
+            <a:r>
+              <a:rPr lang="it-IT" sz="1200" dirty="0" err="1">
+                <a:solidFill>
+                  <a:srgbClr val="9CDCFE"/>
+                </a:solidFill>
+                <a:latin typeface="Consolas" panose="020B0609020204030204" pitchFamily="49" charset="0"/>
+                <a:ea typeface="Times New Roman" panose="02020603050405020304" pitchFamily="18" charset="0"/>
+                <a:cs typeface="Times New Roman" panose="02020603050405020304" pitchFamily="18" charset="0"/>
+              </a:rPr>
+              <a:t>serialVersionUID</a:t>
+            </a:r>
+            <a:r>
+              <a:rPr lang="it-IT" sz="1200" dirty="0">
+                <a:solidFill>
+                  <a:srgbClr val="D4D4D4"/>
+                </a:solidFill>
+                <a:latin typeface="Consolas" panose="020B0609020204030204" pitchFamily="49" charset="0"/>
+                <a:ea typeface="Times New Roman" panose="02020603050405020304" pitchFamily="18" charset="0"/>
+                <a:cs typeface="Times New Roman" panose="02020603050405020304" pitchFamily="18" charset="0"/>
+              </a:rPr>
+              <a:t> = </a:t>
+            </a:r>
+            <a:r>
+              <a:rPr lang="it-IT" sz="1200" dirty="0">
+                <a:solidFill>
+                  <a:srgbClr val="B5CEA8"/>
+                </a:solidFill>
+                <a:latin typeface="Consolas" panose="020B0609020204030204" pitchFamily="49" charset="0"/>
+                <a:ea typeface="Times New Roman" panose="02020603050405020304" pitchFamily="18" charset="0"/>
+                <a:cs typeface="Times New Roman" panose="02020603050405020304" pitchFamily="18" charset="0"/>
+              </a:rPr>
+              <a:t>1L</a:t>
+            </a:r>
+            <a:r>
+              <a:rPr lang="it-IT" sz="1200" dirty="0">
+                <a:solidFill>
+                  <a:srgbClr val="D4D4D4"/>
+                </a:solidFill>
+                <a:latin typeface="Consolas" panose="020B0609020204030204" pitchFamily="49" charset="0"/>
+                <a:ea typeface="Times New Roman" panose="02020603050405020304" pitchFamily="18" charset="0"/>
+                <a:cs typeface="Times New Roman" panose="02020603050405020304" pitchFamily="18" charset="0"/>
+              </a:rPr>
+              <a:t>;</a:t>
+            </a:r>
+            <a:endParaRPr lang="it-IT" sz="1200" dirty="0">
+              <a:latin typeface="Consolas" panose="020B0609020204030204" pitchFamily="49" charset="0"/>
+              <a:ea typeface="Calibri" panose="020F0502020204030204" pitchFamily="34" charset="0"/>
+              <a:cs typeface="Times New Roman" panose="02020603050405020304" pitchFamily="18" charset="0"/>
+            </a:endParaRPr>
+          </a:p>
+          <a:p>
+            <a:pPr>
+              <a:lnSpc>
+                <a:spcPct val="110000"/>
+              </a:lnSpc>
+              <a:spcAft>
+                <a:spcPts val="0"/>
+              </a:spcAft>
+            </a:pPr>
+            <a:r>
+              <a:rPr lang="it-IT" sz="1200" dirty="0">
+                <a:solidFill>
+                  <a:srgbClr val="D4D4D4"/>
+                </a:solidFill>
+                <a:latin typeface="Consolas" panose="020B0609020204030204" pitchFamily="49" charset="0"/>
+                <a:ea typeface="Times New Roman" panose="02020603050405020304" pitchFamily="18" charset="0"/>
+                <a:cs typeface="Times New Roman" panose="02020603050405020304" pitchFamily="18" charset="0"/>
+              </a:rPr>
+              <a:t>    </a:t>
+            </a:r>
+            <a:r>
+              <a:rPr lang="it-IT" sz="1200" dirty="0">
+                <a:solidFill>
+                  <a:srgbClr val="569CD6"/>
+                </a:solidFill>
+                <a:latin typeface="Consolas" panose="020B0609020204030204" pitchFamily="49" charset="0"/>
+                <a:ea typeface="Times New Roman" panose="02020603050405020304" pitchFamily="18" charset="0"/>
+                <a:cs typeface="Times New Roman" panose="02020603050405020304" pitchFamily="18" charset="0"/>
+              </a:rPr>
+              <a:t>public</a:t>
+            </a:r>
+            <a:r>
+              <a:rPr lang="it-IT" sz="1200" dirty="0">
+                <a:solidFill>
+                  <a:srgbClr val="D4D4D4"/>
+                </a:solidFill>
+                <a:latin typeface="Consolas" panose="020B0609020204030204" pitchFamily="49" charset="0"/>
+                <a:ea typeface="Times New Roman" panose="02020603050405020304" pitchFamily="18" charset="0"/>
+                <a:cs typeface="Times New Roman" panose="02020603050405020304" pitchFamily="18" charset="0"/>
+              </a:rPr>
+              <a:t> </a:t>
+            </a:r>
+            <a:r>
+              <a:rPr lang="it-IT" sz="1200" dirty="0" err="1">
+                <a:solidFill>
+                  <a:srgbClr val="4EC9B0"/>
+                </a:solidFill>
+                <a:latin typeface="Consolas" panose="020B0609020204030204" pitchFamily="49" charset="0"/>
+                <a:ea typeface="Times New Roman" panose="02020603050405020304" pitchFamily="18" charset="0"/>
+                <a:cs typeface="Times New Roman" panose="02020603050405020304" pitchFamily="18" charset="0"/>
+              </a:rPr>
+              <a:t>String</a:t>
+            </a:r>
+            <a:r>
+              <a:rPr lang="it-IT" sz="1200" dirty="0">
+                <a:solidFill>
+                  <a:srgbClr val="D4D4D4"/>
+                </a:solidFill>
+                <a:latin typeface="Consolas" panose="020B0609020204030204" pitchFamily="49" charset="0"/>
+                <a:ea typeface="Times New Roman" panose="02020603050405020304" pitchFamily="18" charset="0"/>
+                <a:cs typeface="Times New Roman" panose="02020603050405020304" pitchFamily="18" charset="0"/>
+              </a:rPr>
+              <a:t> [] </a:t>
+            </a:r>
+            <a:r>
+              <a:rPr lang="it-IT" sz="1200" dirty="0">
+                <a:solidFill>
+                  <a:srgbClr val="9CDCFE"/>
+                </a:solidFill>
+                <a:latin typeface="Consolas" panose="020B0609020204030204" pitchFamily="49" charset="0"/>
+                <a:ea typeface="Times New Roman" panose="02020603050405020304" pitchFamily="18" charset="0"/>
+                <a:cs typeface="Times New Roman" panose="02020603050405020304" pitchFamily="18" charset="0"/>
+              </a:rPr>
+              <a:t>tags</a:t>
+            </a:r>
+            <a:r>
+              <a:rPr lang="it-IT" sz="1200" dirty="0">
+                <a:solidFill>
+                  <a:srgbClr val="D4D4D4"/>
+                </a:solidFill>
+                <a:latin typeface="Consolas" panose="020B0609020204030204" pitchFamily="49" charset="0"/>
+                <a:ea typeface="Times New Roman" panose="02020603050405020304" pitchFamily="18" charset="0"/>
+                <a:cs typeface="Times New Roman" panose="02020603050405020304" pitchFamily="18" charset="0"/>
+              </a:rPr>
+              <a:t> = </a:t>
+            </a:r>
+            <a:r>
+              <a:rPr lang="it-IT" sz="1200" dirty="0">
+                <a:solidFill>
+                  <a:srgbClr val="C586C0"/>
+                </a:solidFill>
+                <a:latin typeface="Consolas" panose="020B0609020204030204" pitchFamily="49" charset="0"/>
+                <a:ea typeface="Times New Roman" panose="02020603050405020304" pitchFamily="18" charset="0"/>
+                <a:cs typeface="Times New Roman" panose="02020603050405020304" pitchFamily="18" charset="0"/>
+              </a:rPr>
+              <a:t>new</a:t>
+            </a:r>
+            <a:r>
+              <a:rPr lang="it-IT" sz="1200" dirty="0">
+                <a:solidFill>
+                  <a:srgbClr val="D4D4D4"/>
+                </a:solidFill>
+                <a:latin typeface="Consolas" panose="020B0609020204030204" pitchFamily="49" charset="0"/>
+                <a:ea typeface="Times New Roman" panose="02020603050405020304" pitchFamily="18" charset="0"/>
+                <a:cs typeface="Times New Roman" panose="02020603050405020304" pitchFamily="18" charset="0"/>
+              </a:rPr>
+              <a:t> </a:t>
+            </a:r>
+            <a:r>
+              <a:rPr lang="it-IT" sz="1200" dirty="0" err="1">
+                <a:solidFill>
+                  <a:srgbClr val="4EC9B0"/>
+                </a:solidFill>
+                <a:latin typeface="Consolas" panose="020B0609020204030204" pitchFamily="49" charset="0"/>
+                <a:ea typeface="Times New Roman" panose="02020603050405020304" pitchFamily="18" charset="0"/>
+                <a:cs typeface="Times New Roman" panose="02020603050405020304" pitchFamily="18" charset="0"/>
+              </a:rPr>
+              <a:t>String</a:t>
+            </a:r>
+            <a:r>
+              <a:rPr lang="it-IT" sz="1200" dirty="0">
+                <a:solidFill>
+                  <a:srgbClr val="D4D4D4"/>
+                </a:solidFill>
+                <a:latin typeface="Consolas" panose="020B0609020204030204" pitchFamily="49" charset="0"/>
+                <a:ea typeface="Times New Roman" panose="02020603050405020304" pitchFamily="18" charset="0"/>
+                <a:cs typeface="Times New Roman" panose="02020603050405020304" pitchFamily="18" charset="0"/>
+              </a:rPr>
+              <a:t> [</a:t>
+            </a:r>
+            <a:r>
+              <a:rPr lang="it-IT" sz="1200" dirty="0">
+                <a:solidFill>
+                  <a:srgbClr val="B5CEA8"/>
+                </a:solidFill>
+                <a:latin typeface="Consolas" panose="020B0609020204030204" pitchFamily="49" charset="0"/>
+                <a:ea typeface="Times New Roman" panose="02020603050405020304" pitchFamily="18" charset="0"/>
+                <a:cs typeface="Times New Roman" panose="02020603050405020304" pitchFamily="18" charset="0"/>
+              </a:rPr>
+              <a:t>10</a:t>
+            </a:r>
+            <a:r>
+              <a:rPr lang="it-IT" sz="1200" dirty="0">
+                <a:solidFill>
+                  <a:srgbClr val="D4D4D4"/>
+                </a:solidFill>
+                <a:latin typeface="Consolas" panose="020B0609020204030204" pitchFamily="49" charset="0"/>
+                <a:ea typeface="Times New Roman" panose="02020603050405020304" pitchFamily="18" charset="0"/>
+                <a:cs typeface="Times New Roman" panose="02020603050405020304" pitchFamily="18" charset="0"/>
+              </a:rPr>
+              <a:t>];</a:t>
+            </a:r>
+            <a:endParaRPr lang="it-IT" sz="1200" dirty="0">
+              <a:latin typeface="Consolas" panose="020B0609020204030204" pitchFamily="49" charset="0"/>
+              <a:ea typeface="Calibri" panose="020F0502020204030204" pitchFamily="34" charset="0"/>
+              <a:cs typeface="Times New Roman" panose="02020603050405020304" pitchFamily="18" charset="0"/>
+            </a:endParaRPr>
+          </a:p>
+          <a:p>
+            <a:pPr>
+              <a:lnSpc>
+                <a:spcPct val="110000"/>
+              </a:lnSpc>
+              <a:spcAft>
+                <a:spcPts val="0"/>
+              </a:spcAft>
+            </a:pPr>
+            <a:r>
+              <a:rPr lang="it-IT" sz="1200" dirty="0">
+                <a:solidFill>
+                  <a:srgbClr val="D4D4D4"/>
+                </a:solidFill>
+                <a:latin typeface="Consolas" panose="020B0609020204030204" pitchFamily="49" charset="0"/>
+                <a:ea typeface="Times New Roman" panose="02020603050405020304" pitchFamily="18" charset="0"/>
+                <a:cs typeface="Times New Roman" panose="02020603050405020304" pitchFamily="18" charset="0"/>
+              </a:rPr>
+              <a:t>    </a:t>
+            </a:r>
+            <a:endParaRPr lang="it-IT" sz="1200" dirty="0">
+              <a:latin typeface="Consolas" panose="020B0609020204030204" pitchFamily="49" charset="0"/>
+              <a:ea typeface="Calibri" panose="020F0502020204030204" pitchFamily="34" charset="0"/>
+              <a:cs typeface="Times New Roman" panose="02020603050405020304" pitchFamily="18" charset="0"/>
+            </a:endParaRPr>
+          </a:p>
+          <a:p>
+            <a:pPr>
+              <a:lnSpc>
+                <a:spcPct val="110000"/>
+              </a:lnSpc>
+              <a:spcAft>
+                <a:spcPts val="0"/>
+              </a:spcAft>
+            </a:pPr>
+            <a:r>
+              <a:rPr lang="it-IT" sz="1200" dirty="0">
+                <a:solidFill>
+                  <a:srgbClr val="D4D4D4"/>
+                </a:solidFill>
+                <a:latin typeface="Consolas" panose="020B0609020204030204" pitchFamily="49" charset="0"/>
+                <a:ea typeface="Times New Roman" panose="02020603050405020304" pitchFamily="18" charset="0"/>
+                <a:cs typeface="Times New Roman" panose="02020603050405020304" pitchFamily="18" charset="0"/>
+              </a:rPr>
+              <a:t>    </a:t>
+            </a:r>
+            <a:r>
+              <a:rPr lang="it-IT" sz="1200" dirty="0">
+                <a:solidFill>
+                  <a:srgbClr val="569CD6"/>
+                </a:solidFill>
+                <a:latin typeface="Consolas" panose="020B0609020204030204" pitchFamily="49" charset="0"/>
+                <a:ea typeface="Times New Roman" panose="02020603050405020304" pitchFamily="18" charset="0"/>
+                <a:cs typeface="Times New Roman" panose="02020603050405020304" pitchFamily="18" charset="0"/>
+              </a:rPr>
+              <a:t>public</a:t>
+            </a:r>
+            <a:r>
+              <a:rPr lang="it-IT" sz="1200" dirty="0">
+                <a:solidFill>
+                  <a:srgbClr val="D4D4D4"/>
+                </a:solidFill>
+                <a:latin typeface="Consolas" panose="020B0609020204030204" pitchFamily="49" charset="0"/>
+                <a:ea typeface="Times New Roman" panose="02020603050405020304" pitchFamily="18" charset="0"/>
+                <a:cs typeface="Times New Roman" panose="02020603050405020304" pitchFamily="18" charset="0"/>
+              </a:rPr>
+              <a:t> </a:t>
+            </a:r>
+            <a:r>
+              <a:rPr lang="it-IT" sz="1200" dirty="0">
+                <a:solidFill>
+                  <a:srgbClr val="DCDCAA"/>
+                </a:solidFill>
+                <a:latin typeface="Consolas" panose="020B0609020204030204" pitchFamily="49" charset="0"/>
+                <a:ea typeface="Times New Roman" panose="02020603050405020304" pitchFamily="18" charset="0"/>
+                <a:cs typeface="Times New Roman" panose="02020603050405020304" pitchFamily="18" charset="0"/>
+              </a:rPr>
+              <a:t>Tag</a:t>
+            </a:r>
+            <a:r>
+              <a:rPr lang="it-IT" sz="1200" dirty="0">
+                <a:solidFill>
+                  <a:srgbClr val="D4D4D4"/>
+                </a:solidFill>
+                <a:latin typeface="Consolas" panose="020B0609020204030204" pitchFamily="49" charset="0"/>
+                <a:ea typeface="Times New Roman" panose="02020603050405020304" pitchFamily="18" charset="0"/>
+                <a:cs typeface="Times New Roman" panose="02020603050405020304" pitchFamily="18" charset="0"/>
+              </a:rPr>
+              <a:t>() {</a:t>
+            </a:r>
+            <a:endParaRPr lang="it-IT" sz="1200" dirty="0">
+              <a:latin typeface="Consolas" panose="020B0609020204030204" pitchFamily="49" charset="0"/>
+              <a:ea typeface="Calibri" panose="020F0502020204030204" pitchFamily="34" charset="0"/>
+              <a:cs typeface="Times New Roman" panose="02020603050405020304" pitchFamily="18" charset="0"/>
+            </a:endParaRPr>
+          </a:p>
+          <a:p>
+            <a:pPr>
+              <a:lnSpc>
+                <a:spcPct val="110000"/>
+              </a:lnSpc>
+              <a:spcAft>
+                <a:spcPts val="0"/>
+              </a:spcAft>
+            </a:pPr>
+            <a:r>
+              <a:rPr lang="it-IT" sz="1200" dirty="0">
+                <a:solidFill>
+                  <a:srgbClr val="D4D4D4"/>
+                </a:solidFill>
+                <a:latin typeface="Consolas" panose="020B0609020204030204" pitchFamily="49" charset="0"/>
+                <a:ea typeface="Times New Roman" panose="02020603050405020304" pitchFamily="18" charset="0"/>
+                <a:cs typeface="Times New Roman" panose="02020603050405020304" pitchFamily="18" charset="0"/>
+              </a:rPr>
+              <a:t>        tags[</a:t>
+            </a:r>
+            <a:r>
+              <a:rPr lang="it-IT" sz="1200" dirty="0">
+                <a:solidFill>
+                  <a:srgbClr val="B5CEA8"/>
+                </a:solidFill>
+                <a:latin typeface="Consolas" panose="020B0609020204030204" pitchFamily="49" charset="0"/>
+                <a:ea typeface="Times New Roman" panose="02020603050405020304" pitchFamily="18" charset="0"/>
+                <a:cs typeface="Times New Roman" panose="02020603050405020304" pitchFamily="18" charset="0"/>
+              </a:rPr>
+              <a:t>0</a:t>
+            </a:r>
+            <a:r>
+              <a:rPr lang="it-IT" sz="1200" dirty="0">
+                <a:solidFill>
+                  <a:srgbClr val="D4D4D4"/>
+                </a:solidFill>
+                <a:latin typeface="Consolas" panose="020B0609020204030204" pitchFamily="49" charset="0"/>
+                <a:ea typeface="Times New Roman" panose="02020603050405020304" pitchFamily="18" charset="0"/>
+                <a:cs typeface="Times New Roman" panose="02020603050405020304" pitchFamily="18" charset="0"/>
+              </a:rPr>
+              <a:t>] = </a:t>
+            </a:r>
+            <a:r>
+              <a:rPr lang="it-IT" sz="1200" dirty="0">
+                <a:solidFill>
+                  <a:srgbClr val="CE9178"/>
+                </a:solidFill>
+                <a:latin typeface="Consolas" panose="020B0609020204030204" pitchFamily="49" charset="0"/>
+                <a:ea typeface="Times New Roman" panose="02020603050405020304" pitchFamily="18" charset="0"/>
+                <a:cs typeface="Times New Roman" panose="02020603050405020304" pitchFamily="18" charset="0"/>
+              </a:rPr>
+              <a:t>"Bologna"</a:t>
+            </a:r>
+            <a:r>
+              <a:rPr lang="it-IT" sz="1200" dirty="0">
+                <a:solidFill>
+                  <a:srgbClr val="D4D4D4"/>
+                </a:solidFill>
+                <a:latin typeface="Consolas" panose="020B0609020204030204" pitchFamily="49" charset="0"/>
+                <a:ea typeface="Times New Roman" panose="02020603050405020304" pitchFamily="18" charset="0"/>
+                <a:cs typeface="Times New Roman" panose="02020603050405020304" pitchFamily="18" charset="0"/>
+              </a:rPr>
+              <a:t>;</a:t>
+            </a:r>
+            <a:endParaRPr lang="it-IT" sz="1200" dirty="0">
+              <a:latin typeface="Consolas" panose="020B0609020204030204" pitchFamily="49" charset="0"/>
+              <a:ea typeface="Calibri" panose="020F0502020204030204" pitchFamily="34" charset="0"/>
+              <a:cs typeface="Times New Roman" panose="02020603050405020304" pitchFamily="18" charset="0"/>
+            </a:endParaRPr>
+          </a:p>
+          <a:p>
+            <a:pPr>
+              <a:lnSpc>
+                <a:spcPct val="110000"/>
+              </a:lnSpc>
+              <a:spcAft>
+                <a:spcPts val="0"/>
+              </a:spcAft>
+            </a:pPr>
+            <a:r>
+              <a:rPr lang="it-IT" sz="1200" dirty="0">
+                <a:solidFill>
+                  <a:srgbClr val="D4D4D4"/>
+                </a:solidFill>
+                <a:latin typeface="Consolas" panose="020B0609020204030204" pitchFamily="49" charset="0"/>
+                <a:ea typeface="Times New Roman" panose="02020603050405020304" pitchFamily="18" charset="0"/>
+                <a:cs typeface="Times New Roman" panose="02020603050405020304" pitchFamily="18" charset="0"/>
+              </a:rPr>
+              <a:t>        tags[</a:t>
+            </a:r>
+            <a:r>
+              <a:rPr lang="it-IT" sz="1200" dirty="0">
+                <a:solidFill>
+                  <a:srgbClr val="B5CEA8"/>
+                </a:solidFill>
+                <a:latin typeface="Consolas" panose="020B0609020204030204" pitchFamily="49" charset="0"/>
+                <a:ea typeface="Times New Roman" panose="02020603050405020304" pitchFamily="18" charset="0"/>
+                <a:cs typeface="Times New Roman" panose="02020603050405020304" pitchFamily="18" charset="0"/>
+              </a:rPr>
+              <a:t>1</a:t>
+            </a:r>
+            <a:r>
+              <a:rPr lang="it-IT" sz="1200" dirty="0">
+                <a:solidFill>
+                  <a:srgbClr val="D4D4D4"/>
+                </a:solidFill>
+                <a:latin typeface="Consolas" panose="020B0609020204030204" pitchFamily="49" charset="0"/>
+                <a:ea typeface="Times New Roman" panose="02020603050405020304" pitchFamily="18" charset="0"/>
+                <a:cs typeface="Times New Roman" panose="02020603050405020304" pitchFamily="18" charset="0"/>
+              </a:rPr>
+              <a:t>] = </a:t>
+            </a:r>
+            <a:r>
+              <a:rPr lang="it-IT" sz="1200" dirty="0">
+                <a:solidFill>
+                  <a:srgbClr val="CE9178"/>
+                </a:solidFill>
+                <a:latin typeface="Consolas" panose="020B0609020204030204" pitchFamily="49" charset="0"/>
+                <a:ea typeface="Times New Roman" panose="02020603050405020304" pitchFamily="18" charset="0"/>
+                <a:cs typeface="Times New Roman" panose="02020603050405020304" pitchFamily="18" charset="0"/>
+              </a:rPr>
+              <a:t>"Milano"</a:t>
+            </a:r>
+            <a:r>
+              <a:rPr lang="it-IT" sz="1200" dirty="0">
+                <a:solidFill>
+                  <a:srgbClr val="D4D4D4"/>
+                </a:solidFill>
+                <a:latin typeface="Consolas" panose="020B0609020204030204" pitchFamily="49" charset="0"/>
+                <a:ea typeface="Times New Roman" panose="02020603050405020304" pitchFamily="18" charset="0"/>
+                <a:cs typeface="Times New Roman" panose="02020603050405020304" pitchFamily="18" charset="0"/>
+              </a:rPr>
+              <a:t>;</a:t>
+            </a:r>
+            <a:endParaRPr lang="it-IT" sz="1200" dirty="0">
+              <a:latin typeface="Consolas" panose="020B0609020204030204" pitchFamily="49" charset="0"/>
+              <a:ea typeface="Calibri" panose="020F0502020204030204" pitchFamily="34" charset="0"/>
+              <a:cs typeface="Times New Roman" panose="02020603050405020304" pitchFamily="18" charset="0"/>
+            </a:endParaRPr>
+          </a:p>
+          <a:p>
+            <a:pPr>
+              <a:lnSpc>
+                <a:spcPct val="110000"/>
+              </a:lnSpc>
+              <a:spcAft>
+                <a:spcPts val="0"/>
+              </a:spcAft>
+            </a:pPr>
+            <a:r>
+              <a:rPr lang="it-IT" sz="1200" dirty="0">
+                <a:solidFill>
+                  <a:srgbClr val="D4D4D4"/>
+                </a:solidFill>
+                <a:latin typeface="Consolas" panose="020B0609020204030204" pitchFamily="49" charset="0"/>
+                <a:ea typeface="Times New Roman" panose="02020603050405020304" pitchFamily="18" charset="0"/>
+                <a:cs typeface="Times New Roman" panose="02020603050405020304" pitchFamily="18" charset="0"/>
+              </a:rPr>
+              <a:t>        tags[</a:t>
+            </a:r>
+            <a:r>
+              <a:rPr lang="it-IT" sz="1200" dirty="0">
+                <a:solidFill>
+                  <a:srgbClr val="B5CEA8"/>
+                </a:solidFill>
+                <a:latin typeface="Consolas" panose="020B0609020204030204" pitchFamily="49" charset="0"/>
+                <a:ea typeface="Times New Roman" panose="02020603050405020304" pitchFamily="18" charset="0"/>
+                <a:cs typeface="Times New Roman" panose="02020603050405020304" pitchFamily="18" charset="0"/>
+              </a:rPr>
+              <a:t>2</a:t>
+            </a:r>
+            <a:r>
+              <a:rPr lang="it-IT" sz="1200" dirty="0">
+                <a:solidFill>
+                  <a:srgbClr val="D4D4D4"/>
+                </a:solidFill>
+                <a:latin typeface="Consolas" panose="020B0609020204030204" pitchFamily="49" charset="0"/>
+                <a:ea typeface="Times New Roman" panose="02020603050405020304" pitchFamily="18" charset="0"/>
+                <a:cs typeface="Times New Roman" panose="02020603050405020304" pitchFamily="18" charset="0"/>
+              </a:rPr>
+              <a:t>] = </a:t>
+            </a:r>
+            <a:r>
+              <a:rPr lang="it-IT" sz="1200" dirty="0">
+                <a:solidFill>
+                  <a:srgbClr val="CE9178"/>
+                </a:solidFill>
+                <a:latin typeface="Consolas" panose="020B0609020204030204" pitchFamily="49" charset="0"/>
+                <a:ea typeface="Times New Roman" panose="02020603050405020304" pitchFamily="18" charset="0"/>
+                <a:cs typeface="Times New Roman" panose="02020603050405020304" pitchFamily="18" charset="0"/>
+              </a:rPr>
+              <a:t>"Roma"</a:t>
+            </a:r>
+            <a:r>
+              <a:rPr lang="it-IT" sz="1200" dirty="0">
+                <a:solidFill>
+                  <a:srgbClr val="D4D4D4"/>
+                </a:solidFill>
+                <a:latin typeface="Consolas" panose="020B0609020204030204" pitchFamily="49" charset="0"/>
+                <a:ea typeface="Times New Roman" panose="02020603050405020304" pitchFamily="18" charset="0"/>
+                <a:cs typeface="Times New Roman" panose="02020603050405020304" pitchFamily="18" charset="0"/>
+              </a:rPr>
+              <a:t>;</a:t>
+            </a:r>
+            <a:endParaRPr lang="it-IT" sz="1200" dirty="0">
+              <a:latin typeface="Consolas" panose="020B0609020204030204" pitchFamily="49" charset="0"/>
+              <a:ea typeface="Calibri" panose="020F0502020204030204" pitchFamily="34" charset="0"/>
+              <a:cs typeface="Times New Roman" panose="02020603050405020304" pitchFamily="18" charset="0"/>
+            </a:endParaRPr>
+          </a:p>
+          <a:p>
+            <a:pPr>
+              <a:lnSpc>
+                <a:spcPct val="110000"/>
+              </a:lnSpc>
+              <a:spcAft>
+                <a:spcPts val="0"/>
+              </a:spcAft>
+            </a:pPr>
+            <a:r>
+              <a:rPr lang="it-IT" sz="1200" dirty="0">
+                <a:solidFill>
+                  <a:srgbClr val="D4D4D4"/>
+                </a:solidFill>
+                <a:latin typeface="Consolas" panose="020B0609020204030204" pitchFamily="49" charset="0"/>
+                <a:ea typeface="Times New Roman" panose="02020603050405020304" pitchFamily="18" charset="0"/>
+                <a:cs typeface="Times New Roman" panose="02020603050405020304" pitchFamily="18" charset="0"/>
+              </a:rPr>
+              <a:t>        tags[</a:t>
+            </a:r>
+            <a:r>
+              <a:rPr lang="it-IT" sz="1200" dirty="0">
+                <a:solidFill>
+                  <a:srgbClr val="B5CEA8"/>
+                </a:solidFill>
+                <a:latin typeface="Consolas" panose="020B0609020204030204" pitchFamily="49" charset="0"/>
+                <a:ea typeface="Times New Roman" panose="02020603050405020304" pitchFamily="18" charset="0"/>
+                <a:cs typeface="Times New Roman" panose="02020603050405020304" pitchFamily="18" charset="0"/>
+              </a:rPr>
+              <a:t>3</a:t>
+            </a:r>
+            <a:r>
+              <a:rPr lang="it-IT" sz="1200" dirty="0">
+                <a:solidFill>
+                  <a:srgbClr val="D4D4D4"/>
+                </a:solidFill>
+                <a:latin typeface="Consolas" panose="020B0609020204030204" pitchFamily="49" charset="0"/>
+                <a:ea typeface="Times New Roman" panose="02020603050405020304" pitchFamily="18" charset="0"/>
+                <a:cs typeface="Times New Roman" panose="02020603050405020304" pitchFamily="18" charset="0"/>
+              </a:rPr>
+              <a:t>] = </a:t>
+            </a:r>
+            <a:r>
+              <a:rPr lang="it-IT" sz="1200" dirty="0">
+                <a:solidFill>
+                  <a:srgbClr val="CE9178"/>
+                </a:solidFill>
+                <a:latin typeface="Consolas" panose="020B0609020204030204" pitchFamily="49" charset="0"/>
+                <a:ea typeface="Times New Roman" panose="02020603050405020304" pitchFamily="18" charset="0"/>
+                <a:cs typeface="Times New Roman" panose="02020603050405020304" pitchFamily="18" charset="0"/>
+              </a:rPr>
+              <a:t>"Torino"</a:t>
+            </a:r>
+            <a:r>
+              <a:rPr lang="it-IT" sz="1200" dirty="0">
+                <a:solidFill>
+                  <a:srgbClr val="D4D4D4"/>
+                </a:solidFill>
+                <a:latin typeface="Consolas" panose="020B0609020204030204" pitchFamily="49" charset="0"/>
+                <a:ea typeface="Times New Roman" panose="02020603050405020304" pitchFamily="18" charset="0"/>
+                <a:cs typeface="Times New Roman" panose="02020603050405020304" pitchFamily="18" charset="0"/>
+              </a:rPr>
+              <a:t>;</a:t>
+            </a:r>
+            <a:endParaRPr lang="it-IT" sz="1200" dirty="0">
+              <a:latin typeface="Consolas" panose="020B0609020204030204" pitchFamily="49" charset="0"/>
+              <a:ea typeface="Calibri" panose="020F0502020204030204" pitchFamily="34" charset="0"/>
+              <a:cs typeface="Times New Roman" panose="02020603050405020304" pitchFamily="18" charset="0"/>
+            </a:endParaRPr>
+          </a:p>
+          <a:p>
+            <a:pPr>
+              <a:lnSpc>
+                <a:spcPct val="110000"/>
+              </a:lnSpc>
+              <a:spcAft>
+                <a:spcPts val="0"/>
+              </a:spcAft>
+            </a:pPr>
+            <a:r>
+              <a:rPr lang="it-IT" sz="1200" dirty="0">
+                <a:solidFill>
+                  <a:srgbClr val="D4D4D4"/>
+                </a:solidFill>
+                <a:latin typeface="Consolas" panose="020B0609020204030204" pitchFamily="49" charset="0"/>
+                <a:ea typeface="Times New Roman" panose="02020603050405020304" pitchFamily="18" charset="0"/>
+                <a:cs typeface="Times New Roman" panose="02020603050405020304" pitchFamily="18" charset="0"/>
+              </a:rPr>
+              <a:t>        tags[</a:t>
+            </a:r>
+            <a:r>
+              <a:rPr lang="it-IT" sz="1200" dirty="0">
+                <a:solidFill>
+                  <a:srgbClr val="B5CEA8"/>
+                </a:solidFill>
+                <a:latin typeface="Consolas" panose="020B0609020204030204" pitchFamily="49" charset="0"/>
+                <a:ea typeface="Times New Roman" panose="02020603050405020304" pitchFamily="18" charset="0"/>
+                <a:cs typeface="Times New Roman" panose="02020603050405020304" pitchFamily="18" charset="0"/>
+              </a:rPr>
+              <a:t>4</a:t>
+            </a:r>
+            <a:r>
+              <a:rPr lang="it-IT" sz="1200" dirty="0">
+                <a:solidFill>
+                  <a:srgbClr val="D4D4D4"/>
+                </a:solidFill>
+                <a:latin typeface="Consolas" panose="020B0609020204030204" pitchFamily="49" charset="0"/>
+                <a:ea typeface="Times New Roman" panose="02020603050405020304" pitchFamily="18" charset="0"/>
+                <a:cs typeface="Times New Roman" panose="02020603050405020304" pitchFamily="18" charset="0"/>
+              </a:rPr>
+              <a:t>] = </a:t>
+            </a:r>
+            <a:r>
+              <a:rPr lang="it-IT" sz="1200" dirty="0">
+                <a:solidFill>
+                  <a:srgbClr val="CE9178"/>
+                </a:solidFill>
+                <a:latin typeface="Consolas" panose="020B0609020204030204" pitchFamily="49" charset="0"/>
+                <a:ea typeface="Times New Roman" panose="02020603050405020304" pitchFamily="18" charset="0"/>
+                <a:cs typeface="Times New Roman" panose="02020603050405020304" pitchFamily="18" charset="0"/>
+              </a:rPr>
+              <a:t>"Palermo"</a:t>
+            </a:r>
+            <a:r>
+              <a:rPr lang="it-IT" sz="1200" dirty="0">
+                <a:solidFill>
+                  <a:srgbClr val="D4D4D4"/>
+                </a:solidFill>
+                <a:latin typeface="Consolas" panose="020B0609020204030204" pitchFamily="49" charset="0"/>
+                <a:ea typeface="Times New Roman" panose="02020603050405020304" pitchFamily="18" charset="0"/>
+                <a:cs typeface="Times New Roman" panose="02020603050405020304" pitchFamily="18" charset="0"/>
+              </a:rPr>
+              <a:t>;</a:t>
+            </a:r>
+            <a:endParaRPr lang="it-IT" sz="1200" dirty="0">
+              <a:latin typeface="Consolas" panose="020B0609020204030204" pitchFamily="49" charset="0"/>
+              <a:ea typeface="Calibri" panose="020F0502020204030204" pitchFamily="34" charset="0"/>
+              <a:cs typeface="Times New Roman" panose="02020603050405020304" pitchFamily="18" charset="0"/>
+            </a:endParaRPr>
+          </a:p>
+          <a:p>
+            <a:pPr>
+              <a:lnSpc>
+                <a:spcPct val="110000"/>
+              </a:lnSpc>
+              <a:spcAft>
+                <a:spcPts val="0"/>
+              </a:spcAft>
+            </a:pPr>
+            <a:r>
+              <a:rPr lang="it-IT" sz="1200" dirty="0">
+                <a:solidFill>
+                  <a:srgbClr val="D4D4D4"/>
+                </a:solidFill>
+                <a:latin typeface="Consolas" panose="020B0609020204030204" pitchFamily="49" charset="0"/>
+                <a:ea typeface="Times New Roman" panose="02020603050405020304" pitchFamily="18" charset="0"/>
+                <a:cs typeface="Times New Roman" panose="02020603050405020304" pitchFamily="18" charset="0"/>
+              </a:rPr>
+              <a:t>        tags[</a:t>
+            </a:r>
+            <a:r>
+              <a:rPr lang="it-IT" sz="1200" dirty="0">
+                <a:solidFill>
+                  <a:srgbClr val="B5CEA8"/>
+                </a:solidFill>
+                <a:latin typeface="Consolas" panose="020B0609020204030204" pitchFamily="49" charset="0"/>
+                <a:ea typeface="Times New Roman" panose="02020603050405020304" pitchFamily="18" charset="0"/>
+                <a:cs typeface="Times New Roman" panose="02020603050405020304" pitchFamily="18" charset="0"/>
+              </a:rPr>
+              <a:t>5</a:t>
+            </a:r>
+            <a:r>
+              <a:rPr lang="it-IT" sz="1200" dirty="0">
+                <a:solidFill>
+                  <a:srgbClr val="D4D4D4"/>
+                </a:solidFill>
+                <a:latin typeface="Consolas" panose="020B0609020204030204" pitchFamily="49" charset="0"/>
+                <a:ea typeface="Times New Roman" panose="02020603050405020304" pitchFamily="18" charset="0"/>
+                <a:cs typeface="Times New Roman" panose="02020603050405020304" pitchFamily="18" charset="0"/>
+              </a:rPr>
+              <a:t>] = </a:t>
+            </a:r>
+            <a:r>
+              <a:rPr lang="it-IT" sz="1200" dirty="0">
+                <a:solidFill>
+                  <a:srgbClr val="CE9178"/>
+                </a:solidFill>
+                <a:latin typeface="Consolas" panose="020B0609020204030204" pitchFamily="49" charset="0"/>
+                <a:ea typeface="Times New Roman" panose="02020603050405020304" pitchFamily="18" charset="0"/>
+                <a:cs typeface="Times New Roman" panose="02020603050405020304" pitchFamily="18" charset="0"/>
+              </a:rPr>
+              <a:t>"Padova"</a:t>
+            </a:r>
+            <a:r>
+              <a:rPr lang="it-IT" sz="1200" dirty="0">
+                <a:solidFill>
+                  <a:srgbClr val="D4D4D4"/>
+                </a:solidFill>
+                <a:latin typeface="Consolas" panose="020B0609020204030204" pitchFamily="49" charset="0"/>
+                <a:ea typeface="Times New Roman" panose="02020603050405020304" pitchFamily="18" charset="0"/>
+                <a:cs typeface="Times New Roman" panose="02020603050405020304" pitchFamily="18" charset="0"/>
+              </a:rPr>
+              <a:t>;</a:t>
+            </a:r>
+            <a:endParaRPr lang="it-IT" sz="1200" dirty="0">
+              <a:latin typeface="Consolas" panose="020B0609020204030204" pitchFamily="49" charset="0"/>
+              <a:ea typeface="Calibri" panose="020F0502020204030204" pitchFamily="34" charset="0"/>
+              <a:cs typeface="Times New Roman" panose="02020603050405020304" pitchFamily="18" charset="0"/>
+            </a:endParaRPr>
+          </a:p>
+          <a:p>
+            <a:pPr>
+              <a:lnSpc>
+                <a:spcPct val="110000"/>
+              </a:lnSpc>
+              <a:spcAft>
+                <a:spcPts val="0"/>
+              </a:spcAft>
+            </a:pPr>
+            <a:r>
+              <a:rPr lang="it-IT" sz="1200" dirty="0">
+                <a:solidFill>
+                  <a:srgbClr val="D4D4D4"/>
+                </a:solidFill>
+                <a:latin typeface="Consolas" panose="020B0609020204030204" pitchFamily="49" charset="0"/>
+                <a:ea typeface="Times New Roman" panose="02020603050405020304" pitchFamily="18" charset="0"/>
+                <a:cs typeface="Times New Roman" panose="02020603050405020304" pitchFamily="18" charset="0"/>
+              </a:rPr>
+              <a:t>        tags[</a:t>
+            </a:r>
+            <a:r>
+              <a:rPr lang="it-IT" sz="1200" dirty="0">
+                <a:solidFill>
+                  <a:srgbClr val="B5CEA8"/>
+                </a:solidFill>
+                <a:latin typeface="Consolas" panose="020B0609020204030204" pitchFamily="49" charset="0"/>
+                <a:ea typeface="Times New Roman" panose="02020603050405020304" pitchFamily="18" charset="0"/>
+                <a:cs typeface="Times New Roman" panose="02020603050405020304" pitchFamily="18" charset="0"/>
+              </a:rPr>
+              <a:t>6</a:t>
+            </a:r>
+            <a:r>
+              <a:rPr lang="it-IT" sz="1200" dirty="0">
+                <a:solidFill>
+                  <a:srgbClr val="D4D4D4"/>
+                </a:solidFill>
+                <a:latin typeface="Consolas" panose="020B0609020204030204" pitchFamily="49" charset="0"/>
+                <a:ea typeface="Times New Roman" panose="02020603050405020304" pitchFamily="18" charset="0"/>
+                <a:cs typeface="Times New Roman" panose="02020603050405020304" pitchFamily="18" charset="0"/>
+              </a:rPr>
+              <a:t>] = </a:t>
+            </a:r>
+            <a:r>
+              <a:rPr lang="it-IT" sz="1200" dirty="0">
+                <a:solidFill>
+                  <a:srgbClr val="CE9178"/>
+                </a:solidFill>
+                <a:latin typeface="Consolas" panose="020B0609020204030204" pitchFamily="49" charset="0"/>
+                <a:ea typeface="Times New Roman" panose="02020603050405020304" pitchFamily="18" charset="0"/>
+                <a:cs typeface="Times New Roman" panose="02020603050405020304" pitchFamily="18" charset="0"/>
+              </a:rPr>
+              <a:t>"Firenze"</a:t>
+            </a:r>
+            <a:r>
+              <a:rPr lang="it-IT" sz="1200" dirty="0">
+                <a:solidFill>
+                  <a:srgbClr val="D4D4D4"/>
+                </a:solidFill>
+                <a:latin typeface="Consolas" panose="020B0609020204030204" pitchFamily="49" charset="0"/>
+                <a:ea typeface="Times New Roman" panose="02020603050405020304" pitchFamily="18" charset="0"/>
+                <a:cs typeface="Times New Roman" panose="02020603050405020304" pitchFamily="18" charset="0"/>
+              </a:rPr>
+              <a:t>;</a:t>
+            </a:r>
+            <a:endParaRPr lang="it-IT" sz="1200" dirty="0">
+              <a:latin typeface="Consolas" panose="020B0609020204030204" pitchFamily="49" charset="0"/>
+              <a:ea typeface="Calibri" panose="020F0502020204030204" pitchFamily="34" charset="0"/>
+              <a:cs typeface="Times New Roman" panose="02020603050405020304" pitchFamily="18" charset="0"/>
+            </a:endParaRPr>
+          </a:p>
+          <a:p>
+            <a:pPr>
+              <a:lnSpc>
+                <a:spcPct val="110000"/>
+              </a:lnSpc>
+              <a:spcAft>
+                <a:spcPts val="0"/>
+              </a:spcAft>
+            </a:pPr>
+            <a:r>
+              <a:rPr lang="it-IT" sz="1200" dirty="0">
+                <a:solidFill>
+                  <a:srgbClr val="D4D4D4"/>
+                </a:solidFill>
+                <a:latin typeface="Consolas" panose="020B0609020204030204" pitchFamily="49" charset="0"/>
+                <a:ea typeface="Times New Roman" panose="02020603050405020304" pitchFamily="18" charset="0"/>
+                <a:cs typeface="Times New Roman" panose="02020603050405020304" pitchFamily="18" charset="0"/>
+              </a:rPr>
+              <a:t>        tags[</a:t>
+            </a:r>
+            <a:r>
+              <a:rPr lang="it-IT" sz="1200" dirty="0">
+                <a:solidFill>
+                  <a:srgbClr val="B5CEA8"/>
+                </a:solidFill>
+                <a:latin typeface="Consolas" panose="020B0609020204030204" pitchFamily="49" charset="0"/>
+                <a:ea typeface="Times New Roman" panose="02020603050405020304" pitchFamily="18" charset="0"/>
+                <a:cs typeface="Times New Roman" panose="02020603050405020304" pitchFamily="18" charset="0"/>
+              </a:rPr>
+              <a:t>7</a:t>
+            </a:r>
+            <a:r>
+              <a:rPr lang="it-IT" sz="1200" dirty="0">
+                <a:solidFill>
+                  <a:srgbClr val="D4D4D4"/>
+                </a:solidFill>
+                <a:latin typeface="Consolas" panose="020B0609020204030204" pitchFamily="49" charset="0"/>
+                <a:ea typeface="Times New Roman" panose="02020603050405020304" pitchFamily="18" charset="0"/>
+                <a:cs typeface="Times New Roman" panose="02020603050405020304" pitchFamily="18" charset="0"/>
+              </a:rPr>
+              <a:t>] = </a:t>
+            </a:r>
+            <a:r>
+              <a:rPr lang="it-IT" sz="1200" dirty="0">
+                <a:solidFill>
+                  <a:srgbClr val="CE9178"/>
+                </a:solidFill>
+                <a:latin typeface="Consolas" panose="020B0609020204030204" pitchFamily="49" charset="0"/>
+                <a:ea typeface="Times New Roman" panose="02020603050405020304" pitchFamily="18" charset="0"/>
+                <a:cs typeface="Times New Roman" panose="02020603050405020304" pitchFamily="18" charset="0"/>
+              </a:rPr>
+              <a:t>"Genova"</a:t>
+            </a:r>
+            <a:r>
+              <a:rPr lang="it-IT" sz="1200" dirty="0">
+                <a:solidFill>
+                  <a:srgbClr val="D4D4D4"/>
+                </a:solidFill>
+                <a:latin typeface="Consolas" panose="020B0609020204030204" pitchFamily="49" charset="0"/>
+                <a:ea typeface="Times New Roman" panose="02020603050405020304" pitchFamily="18" charset="0"/>
+                <a:cs typeface="Times New Roman" panose="02020603050405020304" pitchFamily="18" charset="0"/>
+              </a:rPr>
+              <a:t>;</a:t>
+            </a:r>
+            <a:endParaRPr lang="it-IT" sz="1200" dirty="0">
+              <a:latin typeface="Consolas" panose="020B0609020204030204" pitchFamily="49" charset="0"/>
+              <a:ea typeface="Calibri" panose="020F0502020204030204" pitchFamily="34" charset="0"/>
+              <a:cs typeface="Times New Roman" panose="02020603050405020304" pitchFamily="18" charset="0"/>
+            </a:endParaRPr>
+          </a:p>
+          <a:p>
+            <a:pPr>
+              <a:lnSpc>
+                <a:spcPct val="110000"/>
+              </a:lnSpc>
+              <a:spcAft>
+                <a:spcPts val="0"/>
+              </a:spcAft>
+            </a:pPr>
+            <a:r>
+              <a:rPr lang="it-IT" sz="1200" dirty="0">
+                <a:solidFill>
+                  <a:srgbClr val="D4D4D4"/>
+                </a:solidFill>
+                <a:latin typeface="Consolas" panose="020B0609020204030204" pitchFamily="49" charset="0"/>
+                <a:ea typeface="Times New Roman" panose="02020603050405020304" pitchFamily="18" charset="0"/>
+                <a:cs typeface="Times New Roman" panose="02020603050405020304" pitchFamily="18" charset="0"/>
+              </a:rPr>
+              <a:t>        tags[</a:t>
+            </a:r>
+            <a:r>
+              <a:rPr lang="it-IT" sz="1200" dirty="0">
+                <a:solidFill>
+                  <a:srgbClr val="B5CEA8"/>
+                </a:solidFill>
+                <a:latin typeface="Consolas" panose="020B0609020204030204" pitchFamily="49" charset="0"/>
+                <a:ea typeface="Times New Roman" panose="02020603050405020304" pitchFamily="18" charset="0"/>
+                <a:cs typeface="Times New Roman" panose="02020603050405020304" pitchFamily="18" charset="0"/>
+              </a:rPr>
+              <a:t>8</a:t>
+            </a:r>
+            <a:r>
+              <a:rPr lang="it-IT" sz="1200" dirty="0">
+                <a:solidFill>
+                  <a:srgbClr val="D4D4D4"/>
+                </a:solidFill>
+                <a:latin typeface="Consolas" panose="020B0609020204030204" pitchFamily="49" charset="0"/>
+                <a:ea typeface="Times New Roman" panose="02020603050405020304" pitchFamily="18" charset="0"/>
+                <a:cs typeface="Times New Roman" panose="02020603050405020304" pitchFamily="18" charset="0"/>
+              </a:rPr>
+              <a:t>] = </a:t>
+            </a:r>
+            <a:r>
+              <a:rPr lang="it-IT" sz="1200" dirty="0">
+                <a:solidFill>
+                  <a:srgbClr val="CE9178"/>
+                </a:solidFill>
+                <a:latin typeface="Consolas" panose="020B0609020204030204" pitchFamily="49" charset="0"/>
+                <a:ea typeface="Times New Roman" panose="02020603050405020304" pitchFamily="18" charset="0"/>
+                <a:cs typeface="Times New Roman" panose="02020603050405020304" pitchFamily="18" charset="0"/>
+              </a:rPr>
+              <a:t>"Reggio Calabria"</a:t>
+            </a:r>
+            <a:r>
+              <a:rPr lang="it-IT" sz="1200" dirty="0">
+                <a:solidFill>
+                  <a:srgbClr val="D4D4D4"/>
+                </a:solidFill>
+                <a:latin typeface="Consolas" panose="020B0609020204030204" pitchFamily="49" charset="0"/>
+                <a:ea typeface="Times New Roman" panose="02020603050405020304" pitchFamily="18" charset="0"/>
+                <a:cs typeface="Times New Roman" panose="02020603050405020304" pitchFamily="18" charset="0"/>
+              </a:rPr>
+              <a:t>;</a:t>
+            </a:r>
+            <a:endParaRPr lang="it-IT" sz="1200" dirty="0">
+              <a:latin typeface="Consolas" panose="020B0609020204030204" pitchFamily="49" charset="0"/>
+              <a:ea typeface="Calibri" panose="020F0502020204030204" pitchFamily="34" charset="0"/>
+              <a:cs typeface="Times New Roman" panose="02020603050405020304" pitchFamily="18" charset="0"/>
+            </a:endParaRPr>
+          </a:p>
+          <a:p>
+            <a:pPr>
+              <a:lnSpc>
+                <a:spcPct val="110000"/>
+              </a:lnSpc>
+              <a:spcAft>
+                <a:spcPts val="0"/>
+              </a:spcAft>
+            </a:pPr>
+            <a:r>
+              <a:rPr lang="it-IT" sz="1200" dirty="0">
+                <a:solidFill>
+                  <a:srgbClr val="D4D4D4"/>
+                </a:solidFill>
+                <a:latin typeface="Consolas" panose="020B0609020204030204" pitchFamily="49" charset="0"/>
+                <a:ea typeface="Times New Roman" panose="02020603050405020304" pitchFamily="18" charset="0"/>
+                <a:cs typeface="Times New Roman" panose="02020603050405020304" pitchFamily="18" charset="0"/>
+              </a:rPr>
+              <a:t>        tags[</a:t>
+            </a:r>
+            <a:r>
+              <a:rPr lang="it-IT" sz="1200" dirty="0">
+                <a:solidFill>
+                  <a:srgbClr val="B5CEA8"/>
+                </a:solidFill>
+                <a:latin typeface="Consolas" panose="020B0609020204030204" pitchFamily="49" charset="0"/>
+                <a:ea typeface="Times New Roman" panose="02020603050405020304" pitchFamily="18" charset="0"/>
+                <a:cs typeface="Times New Roman" panose="02020603050405020304" pitchFamily="18" charset="0"/>
+              </a:rPr>
+              <a:t>9</a:t>
+            </a:r>
+            <a:r>
+              <a:rPr lang="it-IT" sz="1200" dirty="0">
+                <a:solidFill>
+                  <a:srgbClr val="D4D4D4"/>
+                </a:solidFill>
+                <a:latin typeface="Consolas" panose="020B0609020204030204" pitchFamily="49" charset="0"/>
+                <a:ea typeface="Times New Roman" panose="02020603050405020304" pitchFamily="18" charset="0"/>
+                <a:cs typeface="Times New Roman" panose="02020603050405020304" pitchFamily="18" charset="0"/>
+              </a:rPr>
+              <a:t>] = </a:t>
+            </a:r>
+            <a:r>
+              <a:rPr lang="it-IT" sz="1200" dirty="0">
+                <a:solidFill>
+                  <a:srgbClr val="CE9178"/>
+                </a:solidFill>
+                <a:latin typeface="Consolas" panose="020B0609020204030204" pitchFamily="49" charset="0"/>
+                <a:ea typeface="Times New Roman" panose="02020603050405020304" pitchFamily="18" charset="0"/>
+                <a:cs typeface="Times New Roman" panose="02020603050405020304" pitchFamily="18" charset="0"/>
+              </a:rPr>
+              <a:t>"Modena"</a:t>
+            </a:r>
+            <a:r>
+              <a:rPr lang="it-IT" sz="1200" dirty="0">
+                <a:solidFill>
+                  <a:srgbClr val="D4D4D4"/>
+                </a:solidFill>
+                <a:latin typeface="Consolas" panose="020B0609020204030204" pitchFamily="49" charset="0"/>
+                <a:ea typeface="Times New Roman" panose="02020603050405020304" pitchFamily="18" charset="0"/>
+                <a:cs typeface="Times New Roman" panose="02020603050405020304" pitchFamily="18" charset="0"/>
+              </a:rPr>
+              <a:t>;</a:t>
+            </a:r>
+            <a:endParaRPr lang="it-IT" sz="1200" dirty="0">
+              <a:latin typeface="Consolas" panose="020B0609020204030204" pitchFamily="49" charset="0"/>
+              <a:ea typeface="Calibri" panose="020F0502020204030204" pitchFamily="34" charset="0"/>
+              <a:cs typeface="Times New Roman" panose="02020603050405020304" pitchFamily="18" charset="0"/>
+            </a:endParaRPr>
+          </a:p>
+          <a:p>
+            <a:pPr>
+              <a:lnSpc>
+                <a:spcPct val="110000"/>
+              </a:lnSpc>
+              <a:spcAft>
+                <a:spcPts val="0"/>
+              </a:spcAft>
+            </a:pPr>
+            <a:r>
+              <a:rPr lang="it-IT" sz="1200" dirty="0">
+                <a:solidFill>
+                  <a:srgbClr val="D4D4D4"/>
+                </a:solidFill>
+                <a:latin typeface="Consolas" panose="020B0609020204030204" pitchFamily="49" charset="0"/>
+                <a:ea typeface="Times New Roman" panose="02020603050405020304" pitchFamily="18" charset="0"/>
+                <a:cs typeface="Times New Roman" panose="02020603050405020304" pitchFamily="18" charset="0"/>
+              </a:rPr>
+              <a:t>    }</a:t>
+            </a:r>
+            <a:endParaRPr lang="it-IT" sz="1200" dirty="0">
+              <a:latin typeface="Consolas" panose="020B0609020204030204" pitchFamily="49" charset="0"/>
+              <a:ea typeface="Calibri" panose="020F0502020204030204" pitchFamily="34" charset="0"/>
+              <a:cs typeface="Times New Roman" panose="02020603050405020304" pitchFamily="18" charset="0"/>
+            </a:endParaRPr>
+          </a:p>
+          <a:p>
+            <a:pPr>
+              <a:lnSpc>
+                <a:spcPct val="110000"/>
+              </a:lnSpc>
+              <a:spcAft>
+                <a:spcPts val="0"/>
+              </a:spcAft>
+            </a:pPr>
+            <a:r>
+              <a:rPr lang="it-IT" sz="1200" dirty="0">
+                <a:solidFill>
+                  <a:srgbClr val="D4D4D4"/>
+                </a:solidFill>
+                <a:latin typeface="Consolas" panose="020B0609020204030204" pitchFamily="49" charset="0"/>
+                <a:ea typeface="Times New Roman" panose="02020603050405020304" pitchFamily="18" charset="0"/>
+                <a:cs typeface="Times New Roman" panose="02020603050405020304" pitchFamily="18" charset="0"/>
+              </a:rPr>
+              <a:t>    </a:t>
+            </a:r>
+            <a:endParaRPr lang="it-IT" sz="1200" dirty="0">
+              <a:latin typeface="Consolas" panose="020B0609020204030204" pitchFamily="49" charset="0"/>
+              <a:ea typeface="Calibri" panose="020F0502020204030204" pitchFamily="34" charset="0"/>
+              <a:cs typeface="Times New Roman" panose="02020603050405020304" pitchFamily="18" charset="0"/>
+            </a:endParaRPr>
+          </a:p>
+          <a:p>
+            <a:pPr>
+              <a:lnSpc>
+                <a:spcPct val="110000"/>
+              </a:lnSpc>
+              <a:spcAft>
+                <a:spcPts val="0"/>
+              </a:spcAft>
+            </a:pPr>
+            <a:r>
+              <a:rPr lang="it-IT" sz="1200" dirty="0">
+                <a:solidFill>
+                  <a:srgbClr val="D4D4D4"/>
+                </a:solidFill>
+                <a:latin typeface="Consolas" panose="020B0609020204030204" pitchFamily="49" charset="0"/>
+                <a:ea typeface="Times New Roman" panose="02020603050405020304" pitchFamily="18" charset="0"/>
+                <a:cs typeface="Times New Roman" panose="02020603050405020304" pitchFamily="18" charset="0"/>
+              </a:rPr>
+              <a:t>    </a:t>
+            </a:r>
+            <a:r>
+              <a:rPr lang="it-IT" sz="1200" dirty="0">
+                <a:solidFill>
+                  <a:srgbClr val="569CD6"/>
+                </a:solidFill>
+                <a:latin typeface="Consolas" panose="020B0609020204030204" pitchFamily="49" charset="0"/>
+                <a:ea typeface="Times New Roman" panose="02020603050405020304" pitchFamily="18" charset="0"/>
+                <a:cs typeface="Times New Roman" panose="02020603050405020304" pitchFamily="18" charset="0"/>
+              </a:rPr>
+              <a:t>public</a:t>
+            </a:r>
+            <a:r>
+              <a:rPr lang="it-IT" sz="1200" dirty="0">
+                <a:solidFill>
+                  <a:srgbClr val="D4D4D4"/>
+                </a:solidFill>
+                <a:latin typeface="Consolas" panose="020B0609020204030204" pitchFamily="49" charset="0"/>
+                <a:ea typeface="Times New Roman" panose="02020603050405020304" pitchFamily="18" charset="0"/>
+                <a:cs typeface="Times New Roman" panose="02020603050405020304" pitchFamily="18" charset="0"/>
+              </a:rPr>
+              <a:t> </a:t>
+            </a:r>
+            <a:r>
+              <a:rPr lang="it-IT" sz="1200" dirty="0" err="1">
+                <a:solidFill>
+                  <a:srgbClr val="4EC9B0"/>
+                </a:solidFill>
+                <a:latin typeface="Consolas" panose="020B0609020204030204" pitchFamily="49" charset="0"/>
+                <a:ea typeface="Times New Roman" panose="02020603050405020304" pitchFamily="18" charset="0"/>
+                <a:cs typeface="Times New Roman" panose="02020603050405020304" pitchFamily="18" charset="0"/>
+              </a:rPr>
+              <a:t>boolean</a:t>
+            </a:r>
+            <a:r>
+              <a:rPr lang="it-IT" sz="1200" dirty="0">
+                <a:solidFill>
+                  <a:srgbClr val="D4D4D4"/>
+                </a:solidFill>
+                <a:latin typeface="Consolas" panose="020B0609020204030204" pitchFamily="49" charset="0"/>
+                <a:ea typeface="Times New Roman" panose="02020603050405020304" pitchFamily="18" charset="0"/>
+                <a:cs typeface="Times New Roman" panose="02020603050405020304" pitchFamily="18" charset="0"/>
+              </a:rPr>
+              <a:t> </a:t>
+            </a:r>
+            <a:r>
+              <a:rPr lang="it-IT" sz="1200" dirty="0">
+                <a:solidFill>
+                  <a:srgbClr val="DCDCAA"/>
+                </a:solidFill>
+                <a:latin typeface="Consolas" panose="020B0609020204030204" pitchFamily="49" charset="0"/>
+                <a:ea typeface="Times New Roman" panose="02020603050405020304" pitchFamily="18" charset="0"/>
+                <a:cs typeface="Times New Roman" panose="02020603050405020304" pitchFamily="18" charset="0"/>
+              </a:rPr>
+              <a:t>check</a:t>
+            </a:r>
+            <a:r>
+              <a:rPr lang="it-IT" sz="1200" dirty="0">
+                <a:solidFill>
+                  <a:srgbClr val="D4D4D4"/>
+                </a:solidFill>
+                <a:latin typeface="Consolas" panose="020B0609020204030204" pitchFamily="49" charset="0"/>
+                <a:ea typeface="Times New Roman" panose="02020603050405020304" pitchFamily="18" charset="0"/>
+                <a:cs typeface="Times New Roman" panose="02020603050405020304" pitchFamily="18" charset="0"/>
+              </a:rPr>
+              <a:t>(</a:t>
+            </a:r>
+            <a:r>
+              <a:rPr lang="it-IT" sz="1200" dirty="0" err="1">
+                <a:solidFill>
+                  <a:srgbClr val="4EC9B0"/>
+                </a:solidFill>
+                <a:latin typeface="Consolas" panose="020B0609020204030204" pitchFamily="49" charset="0"/>
+                <a:ea typeface="Times New Roman" panose="02020603050405020304" pitchFamily="18" charset="0"/>
+                <a:cs typeface="Times New Roman" panose="02020603050405020304" pitchFamily="18" charset="0"/>
+              </a:rPr>
+              <a:t>String</a:t>
+            </a:r>
+            <a:r>
+              <a:rPr lang="it-IT" sz="1200" dirty="0">
+                <a:solidFill>
+                  <a:srgbClr val="D4D4D4"/>
+                </a:solidFill>
+                <a:latin typeface="Consolas" panose="020B0609020204030204" pitchFamily="49" charset="0"/>
+                <a:ea typeface="Times New Roman" panose="02020603050405020304" pitchFamily="18" charset="0"/>
+                <a:cs typeface="Times New Roman" panose="02020603050405020304" pitchFamily="18" charset="0"/>
+              </a:rPr>
+              <a:t> </a:t>
+            </a:r>
+            <a:r>
+              <a:rPr lang="it-IT" sz="1200" dirty="0" err="1">
+                <a:solidFill>
+                  <a:srgbClr val="9CDCFE"/>
+                </a:solidFill>
+                <a:latin typeface="Consolas" panose="020B0609020204030204" pitchFamily="49" charset="0"/>
+                <a:ea typeface="Times New Roman" panose="02020603050405020304" pitchFamily="18" charset="0"/>
+                <a:cs typeface="Times New Roman" panose="02020603050405020304" pitchFamily="18" charset="0"/>
+              </a:rPr>
+              <a:t>str</a:t>
+            </a:r>
+            <a:r>
+              <a:rPr lang="it-IT" sz="1200" dirty="0">
+                <a:solidFill>
+                  <a:srgbClr val="D4D4D4"/>
+                </a:solidFill>
+                <a:latin typeface="Consolas" panose="020B0609020204030204" pitchFamily="49" charset="0"/>
+                <a:ea typeface="Times New Roman" panose="02020603050405020304" pitchFamily="18" charset="0"/>
+                <a:cs typeface="Times New Roman" panose="02020603050405020304" pitchFamily="18" charset="0"/>
+              </a:rPr>
+              <a:t>) {</a:t>
+            </a:r>
+            <a:endParaRPr lang="it-IT" sz="1200" dirty="0">
+              <a:latin typeface="Consolas" panose="020B0609020204030204" pitchFamily="49" charset="0"/>
+              <a:ea typeface="Calibri" panose="020F0502020204030204" pitchFamily="34" charset="0"/>
+              <a:cs typeface="Times New Roman" panose="02020603050405020304" pitchFamily="18" charset="0"/>
+            </a:endParaRPr>
+          </a:p>
+          <a:p>
+            <a:pPr>
+              <a:lnSpc>
+                <a:spcPct val="110000"/>
+              </a:lnSpc>
+              <a:spcAft>
+                <a:spcPts val="0"/>
+              </a:spcAft>
+            </a:pPr>
+            <a:r>
+              <a:rPr lang="it-IT" sz="1200" dirty="0">
+                <a:solidFill>
+                  <a:srgbClr val="D4D4D4"/>
+                </a:solidFill>
+                <a:latin typeface="Consolas" panose="020B0609020204030204" pitchFamily="49" charset="0"/>
+                <a:ea typeface="Times New Roman" panose="02020603050405020304" pitchFamily="18" charset="0"/>
+                <a:cs typeface="Times New Roman" panose="02020603050405020304" pitchFamily="18" charset="0"/>
+              </a:rPr>
+              <a:t>        </a:t>
+            </a:r>
+            <a:r>
+              <a:rPr lang="it-IT" sz="1200" dirty="0">
+                <a:solidFill>
+                  <a:srgbClr val="C586C0"/>
+                </a:solidFill>
+                <a:latin typeface="Consolas" panose="020B0609020204030204" pitchFamily="49" charset="0"/>
+                <a:ea typeface="Times New Roman" panose="02020603050405020304" pitchFamily="18" charset="0"/>
+                <a:cs typeface="Times New Roman" panose="02020603050405020304" pitchFamily="18" charset="0"/>
+              </a:rPr>
+              <a:t>for</a:t>
+            </a:r>
+            <a:r>
+              <a:rPr lang="it-IT" sz="1200" dirty="0">
+                <a:solidFill>
+                  <a:srgbClr val="D4D4D4"/>
+                </a:solidFill>
+                <a:latin typeface="Consolas" panose="020B0609020204030204" pitchFamily="49" charset="0"/>
+                <a:ea typeface="Times New Roman" panose="02020603050405020304" pitchFamily="18" charset="0"/>
+                <a:cs typeface="Times New Roman" panose="02020603050405020304" pitchFamily="18" charset="0"/>
+              </a:rPr>
+              <a:t> (</a:t>
+            </a:r>
+            <a:r>
+              <a:rPr lang="it-IT" sz="1200" dirty="0" err="1">
+                <a:solidFill>
+                  <a:srgbClr val="4EC9B0"/>
+                </a:solidFill>
+                <a:latin typeface="Consolas" panose="020B0609020204030204" pitchFamily="49" charset="0"/>
+                <a:ea typeface="Times New Roman" panose="02020603050405020304" pitchFamily="18" charset="0"/>
+                <a:cs typeface="Times New Roman" panose="02020603050405020304" pitchFamily="18" charset="0"/>
+              </a:rPr>
+              <a:t>int</a:t>
+            </a:r>
+            <a:r>
+              <a:rPr lang="it-IT" sz="1200" dirty="0">
+                <a:solidFill>
+                  <a:srgbClr val="D4D4D4"/>
+                </a:solidFill>
+                <a:latin typeface="Consolas" panose="020B0609020204030204" pitchFamily="49" charset="0"/>
+                <a:ea typeface="Times New Roman" panose="02020603050405020304" pitchFamily="18" charset="0"/>
+                <a:cs typeface="Times New Roman" panose="02020603050405020304" pitchFamily="18" charset="0"/>
+              </a:rPr>
+              <a:t> </a:t>
+            </a:r>
+            <a:r>
+              <a:rPr lang="it-IT" sz="1200" dirty="0">
+                <a:solidFill>
+                  <a:srgbClr val="9CDCFE"/>
+                </a:solidFill>
+                <a:latin typeface="Consolas" panose="020B0609020204030204" pitchFamily="49" charset="0"/>
+                <a:ea typeface="Times New Roman" panose="02020603050405020304" pitchFamily="18" charset="0"/>
+                <a:cs typeface="Times New Roman" panose="02020603050405020304" pitchFamily="18" charset="0"/>
+              </a:rPr>
+              <a:t>i</a:t>
+            </a:r>
+            <a:r>
+              <a:rPr lang="it-IT" sz="1200" dirty="0">
+                <a:solidFill>
+                  <a:srgbClr val="D4D4D4"/>
+                </a:solidFill>
+                <a:latin typeface="Consolas" panose="020B0609020204030204" pitchFamily="49" charset="0"/>
+                <a:ea typeface="Times New Roman" panose="02020603050405020304" pitchFamily="18" charset="0"/>
+                <a:cs typeface="Times New Roman" panose="02020603050405020304" pitchFamily="18" charset="0"/>
+              </a:rPr>
+              <a:t> = </a:t>
+            </a:r>
+            <a:r>
+              <a:rPr lang="it-IT" sz="1200" dirty="0">
+                <a:solidFill>
+                  <a:srgbClr val="B5CEA8"/>
+                </a:solidFill>
+                <a:latin typeface="Consolas" panose="020B0609020204030204" pitchFamily="49" charset="0"/>
+                <a:ea typeface="Times New Roman" panose="02020603050405020304" pitchFamily="18" charset="0"/>
+                <a:cs typeface="Times New Roman" panose="02020603050405020304" pitchFamily="18" charset="0"/>
+              </a:rPr>
+              <a:t>0</a:t>
+            </a:r>
+            <a:r>
+              <a:rPr lang="it-IT" sz="1200" dirty="0">
+                <a:solidFill>
+                  <a:srgbClr val="D4D4D4"/>
+                </a:solidFill>
+                <a:latin typeface="Consolas" panose="020B0609020204030204" pitchFamily="49" charset="0"/>
+                <a:ea typeface="Times New Roman" panose="02020603050405020304" pitchFamily="18" charset="0"/>
+                <a:cs typeface="Times New Roman" panose="02020603050405020304" pitchFamily="18" charset="0"/>
+              </a:rPr>
+              <a:t>; i &lt; </a:t>
+            </a:r>
+            <a:r>
+              <a:rPr lang="it-IT" sz="1200" dirty="0">
+                <a:solidFill>
+                  <a:srgbClr val="B5CEA8"/>
+                </a:solidFill>
+                <a:latin typeface="Consolas" panose="020B0609020204030204" pitchFamily="49" charset="0"/>
+                <a:ea typeface="Times New Roman" panose="02020603050405020304" pitchFamily="18" charset="0"/>
+                <a:cs typeface="Times New Roman" panose="02020603050405020304" pitchFamily="18" charset="0"/>
+              </a:rPr>
+              <a:t>10</a:t>
+            </a:r>
+            <a:r>
+              <a:rPr lang="it-IT" sz="1200" dirty="0">
+                <a:solidFill>
+                  <a:srgbClr val="D4D4D4"/>
+                </a:solidFill>
+                <a:latin typeface="Consolas" panose="020B0609020204030204" pitchFamily="49" charset="0"/>
+                <a:ea typeface="Times New Roman" panose="02020603050405020304" pitchFamily="18" charset="0"/>
+                <a:cs typeface="Times New Roman" panose="02020603050405020304" pitchFamily="18" charset="0"/>
+              </a:rPr>
+              <a:t>; i++) {</a:t>
+            </a:r>
+            <a:endParaRPr lang="it-IT" sz="1200" dirty="0">
+              <a:latin typeface="Consolas" panose="020B0609020204030204" pitchFamily="49" charset="0"/>
+              <a:ea typeface="Calibri" panose="020F0502020204030204" pitchFamily="34" charset="0"/>
+              <a:cs typeface="Times New Roman" panose="02020603050405020304" pitchFamily="18" charset="0"/>
+            </a:endParaRPr>
+          </a:p>
+          <a:p>
+            <a:pPr>
+              <a:lnSpc>
+                <a:spcPct val="110000"/>
+              </a:lnSpc>
+              <a:spcAft>
+                <a:spcPts val="0"/>
+              </a:spcAft>
+            </a:pPr>
+            <a:r>
+              <a:rPr lang="it-IT" sz="1200" dirty="0">
+                <a:solidFill>
+                  <a:srgbClr val="D4D4D4"/>
+                </a:solidFill>
+                <a:latin typeface="Consolas" panose="020B0609020204030204" pitchFamily="49" charset="0"/>
+                <a:ea typeface="Times New Roman" panose="02020603050405020304" pitchFamily="18" charset="0"/>
+                <a:cs typeface="Times New Roman" panose="02020603050405020304" pitchFamily="18" charset="0"/>
+              </a:rPr>
+              <a:t>            </a:t>
+            </a:r>
+            <a:r>
+              <a:rPr lang="it-IT" sz="1200" dirty="0" err="1">
+                <a:solidFill>
+                  <a:srgbClr val="C586C0"/>
+                </a:solidFill>
+                <a:latin typeface="Consolas" panose="020B0609020204030204" pitchFamily="49" charset="0"/>
+                <a:ea typeface="Times New Roman" panose="02020603050405020304" pitchFamily="18" charset="0"/>
+                <a:cs typeface="Times New Roman" panose="02020603050405020304" pitchFamily="18" charset="0"/>
+              </a:rPr>
+              <a:t>if</a:t>
+            </a:r>
+            <a:r>
+              <a:rPr lang="it-IT" sz="1200" dirty="0">
+                <a:solidFill>
+                  <a:srgbClr val="D4D4D4"/>
+                </a:solidFill>
+                <a:latin typeface="Consolas" panose="020B0609020204030204" pitchFamily="49" charset="0"/>
+                <a:ea typeface="Times New Roman" panose="02020603050405020304" pitchFamily="18" charset="0"/>
+                <a:cs typeface="Times New Roman" panose="02020603050405020304" pitchFamily="18" charset="0"/>
+              </a:rPr>
+              <a:t> (</a:t>
+            </a:r>
+            <a:r>
+              <a:rPr lang="it-IT" sz="1200" dirty="0" err="1">
+                <a:solidFill>
+                  <a:srgbClr val="9CDCFE"/>
+                </a:solidFill>
+                <a:latin typeface="Consolas" panose="020B0609020204030204" pitchFamily="49" charset="0"/>
+                <a:ea typeface="Times New Roman" panose="02020603050405020304" pitchFamily="18" charset="0"/>
+                <a:cs typeface="Times New Roman" panose="02020603050405020304" pitchFamily="18" charset="0"/>
+              </a:rPr>
+              <a:t>str</a:t>
+            </a:r>
+            <a:r>
+              <a:rPr lang="it-IT" sz="1200" dirty="0" err="1">
+                <a:solidFill>
+                  <a:srgbClr val="D4D4D4"/>
+                </a:solidFill>
+                <a:latin typeface="Consolas" panose="020B0609020204030204" pitchFamily="49" charset="0"/>
+                <a:ea typeface="Times New Roman" panose="02020603050405020304" pitchFamily="18" charset="0"/>
+                <a:cs typeface="Times New Roman" panose="02020603050405020304" pitchFamily="18" charset="0"/>
+              </a:rPr>
+              <a:t>.</a:t>
+            </a:r>
+            <a:r>
+              <a:rPr lang="it-IT" sz="1200" dirty="0" err="1">
+                <a:solidFill>
+                  <a:srgbClr val="DCDCAA"/>
+                </a:solidFill>
+                <a:latin typeface="Consolas" panose="020B0609020204030204" pitchFamily="49" charset="0"/>
+                <a:ea typeface="Times New Roman" panose="02020603050405020304" pitchFamily="18" charset="0"/>
+                <a:cs typeface="Times New Roman" panose="02020603050405020304" pitchFamily="18" charset="0"/>
+              </a:rPr>
+              <a:t>equals</a:t>
+            </a:r>
+            <a:r>
+              <a:rPr lang="it-IT" sz="1200" dirty="0">
+                <a:solidFill>
+                  <a:srgbClr val="D4D4D4"/>
+                </a:solidFill>
+                <a:latin typeface="Consolas" panose="020B0609020204030204" pitchFamily="49" charset="0"/>
+                <a:ea typeface="Times New Roman" panose="02020603050405020304" pitchFamily="18" charset="0"/>
+                <a:cs typeface="Times New Roman" panose="02020603050405020304" pitchFamily="18" charset="0"/>
+              </a:rPr>
+              <a:t>(tags[i])) {</a:t>
+            </a:r>
+            <a:endParaRPr lang="it-IT" sz="1200" dirty="0">
+              <a:latin typeface="Consolas" panose="020B0609020204030204" pitchFamily="49" charset="0"/>
+              <a:ea typeface="Calibri" panose="020F0502020204030204" pitchFamily="34" charset="0"/>
+              <a:cs typeface="Times New Roman" panose="02020603050405020304" pitchFamily="18" charset="0"/>
+            </a:endParaRPr>
+          </a:p>
+          <a:p>
+            <a:pPr>
+              <a:lnSpc>
+                <a:spcPct val="110000"/>
+              </a:lnSpc>
+              <a:spcAft>
+                <a:spcPts val="0"/>
+              </a:spcAft>
+            </a:pPr>
+            <a:r>
+              <a:rPr lang="it-IT" sz="1200" dirty="0">
+                <a:solidFill>
+                  <a:srgbClr val="D4D4D4"/>
+                </a:solidFill>
+                <a:latin typeface="Consolas" panose="020B0609020204030204" pitchFamily="49" charset="0"/>
+                <a:ea typeface="Times New Roman" panose="02020603050405020304" pitchFamily="18" charset="0"/>
+                <a:cs typeface="Times New Roman" panose="02020603050405020304" pitchFamily="18" charset="0"/>
+              </a:rPr>
+              <a:t>                </a:t>
+            </a:r>
+            <a:r>
+              <a:rPr lang="it-IT" sz="1200" dirty="0" err="1">
+                <a:solidFill>
+                  <a:srgbClr val="C586C0"/>
+                </a:solidFill>
+                <a:latin typeface="Consolas" panose="020B0609020204030204" pitchFamily="49" charset="0"/>
+                <a:ea typeface="Times New Roman" panose="02020603050405020304" pitchFamily="18" charset="0"/>
+                <a:cs typeface="Times New Roman" panose="02020603050405020304" pitchFamily="18" charset="0"/>
+              </a:rPr>
+              <a:t>return</a:t>
+            </a:r>
+            <a:r>
+              <a:rPr lang="it-IT" sz="1200" dirty="0">
+                <a:solidFill>
+                  <a:srgbClr val="D4D4D4"/>
+                </a:solidFill>
+                <a:latin typeface="Consolas" panose="020B0609020204030204" pitchFamily="49" charset="0"/>
+                <a:ea typeface="Times New Roman" panose="02020603050405020304" pitchFamily="18" charset="0"/>
+                <a:cs typeface="Times New Roman" panose="02020603050405020304" pitchFamily="18" charset="0"/>
+              </a:rPr>
+              <a:t> </a:t>
+            </a:r>
+            <a:r>
+              <a:rPr lang="it-IT" sz="1200" dirty="0" err="1">
+                <a:solidFill>
+                  <a:srgbClr val="569CD6"/>
+                </a:solidFill>
+                <a:latin typeface="Consolas" panose="020B0609020204030204" pitchFamily="49" charset="0"/>
+                <a:ea typeface="Times New Roman" panose="02020603050405020304" pitchFamily="18" charset="0"/>
+                <a:cs typeface="Times New Roman" panose="02020603050405020304" pitchFamily="18" charset="0"/>
+              </a:rPr>
+              <a:t>true</a:t>
+            </a:r>
+            <a:r>
+              <a:rPr lang="it-IT" sz="1200" dirty="0">
+                <a:solidFill>
+                  <a:srgbClr val="D4D4D4"/>
+                </a:solidFill>
+                <a:latin typeface="Consolas" panose="020B0609020204030204" pitchFamily="49" charset="0"/>
+                <a:ea typeface="Times New Roman" panose="02020603050405020304" pitchFamily="18" charset="0"/>
+                <a:cs typeface="Times New Roman" panose="02020603050405020304" pitchFamily="18" charset="0"/>
+              </a:rPr>
+              <a:t>;</a:t>
+            </a:r>
+            <a:endParaRPr lang="it-IT" sz="1200" dirty="0">
+              <a:latin typeface="Consolas" panose="020B0609020204030204" pitchFamily="49" charset="0"/>
+              <a:ea typeface="Calibri" panose="020F0502020204030204" pitchFamily="34" charset="0"/>
+              <a:cs typeface="Times New Roman" panose="02020603050405020304" pitchFamily="18" charset="0"/>
+            </a:endParaRPr>
+          </a:p>
+          <a:p>
+            <a:pPr>
+              <a:lnSpc>
+                <a:spcPct val="110000"/>
+              </a:lnSpc>
+              <a:spcAft>
+                <a:spcPts val="0"/>
+              </a:spcAft>
+            </a:pPr>
+            <a:r>
+              <a:rPr lang="it-IT" sz="1200" dirty="0">
+                <a:solidFill>
+                  <a:srgbClr val="D4D4D4"/>
+                </a:solidFill>
+                <a:latin typeface="Consolas" panose="020B0609020204030204" pitchFamily="49" charset="0"/>
+                <a:ea typeface="Times New Roman" panose="02020603050405020304" pitchFamily="18" charset="0"/>
+                <a:cs typeface="Times New Roman" panose="02020603050405020304" pitchFamily="18" charset="0"/>
+              </a:rPr>
+              <a:t>            }</a:t>
+            </a:r>
+            <a:endParaRPr lang="it-IT" sz="1200" dirty="0">
+              <a:latin typeface="Consolas" panose="020B0609020204030204" pitchFamily="49" charset="0"/>
+              <a:ea typeface="Calibri" panose="020F0502020204030204" pitchFamily="34" charset="0"/>
+              <a:cs typeface="Times New Roman" panose="02020603050405020304" pitchFamily="18" charset="0"/>
+            </a:endParaRPr>
+          </a:p>
+          <a:p>
+            <a:pPr>
+              <a:lnSpc>
+                <a:spcPct val="110000"/>
+              </a:lnSpc>
+              <a:spcAft>
+                <a:spcPts val="0"/>
+              </a:spcAft>
+            </a:pPr>
+            <a:r>
+              <a:rPr lang="it-IT" sz="1200" dirty="0">
+                <a:solidFill>
+                  <a:srgbClr val="D4D4D4"/>
+                </a:solidFill>
+                <a:latin typeface="Consolas" panose="020B0609020204030204" pitchFamily="49" charset="0"/>
+                <a:ea typeface="Times New Roman" panose="02020603050405020304" pitchFamily="18" charset="0"/>
+                <a:cs typeface="Times New Roman" panose="02020603050405020304" pitchFamily="18" charset="0"/>
+              </a:rPr>
+              <a:t>        }</a:t>
+            </a:r>
+            <a:endParaRPr lang="it-IT" sz="1200" dirty="0">
+              <a:latin typeface="Consolas" panose="020B0609020204030204" pitchFamily="49" charset="0"/>
+              <a:ea typeface="Calibri" panose="020F0502020204030204" pitchFamily="34" charset="0"/>
+              <a:cs typeface="Times New Roman" panose="02020603050405020304" pitchFamily="18" charset="0"/>
+            </a:endParaRPr>
+          </a:p>
+          <a:p>
+            <a:pPr>
+              <a:lnSpc>
+                <a:spcPct val="110000"/>
+              </a:lnSpc>
+              <a:spcAft>
+                <a:spcPts val="0"/>
+              </a:spcAft>
+            </a:pPr>
+            <a:r>
+              <a:rPr lang="it-IT" sz="1200" dirty="0">
+                <a:solidFill>
+                  <a:srgbClr val="D4D4D4"/>
+                </a:solidFill>
+                <a:latin typeface="Consolas" panose="020B0609020204030204" pitchFamily="49" charset="0"/>
+                <a:ea typeface="Times New Roman" panose="02020603050405020304" pitchFamily="18" charset="0"/>
+                <a:cs typeface="Times New Roman" panose="02020603050405020304" pitchFamily="18" charset="0"/>
+              </a:rPr>
+              <a:t>        </a:t>
+            </a:r>
+            <a:r>
+              <a:rPr lang="it-IT" sz="1200" dirty="0" err="1">
+                <a:solidFill>
+                  <a:srgbClr val="C586C0"/>
+                </a:solidFill>
+                <a:latin typeface="Consolas" panose="020B0609020204030204" pitchFamily="49" charset="0"/>
+                <a:ea typeface="Times New Roman" panose="02020603050405020304" pitchFamily="18" charset="0"/>
+                <a:cs typeface="Times New Roman" panose="02020603050405020304" pitchFamily="18" charset="0"/>
+              </a:rPr>
+              <a:t>return</a:t>
+            </a:r>
+            <a:r>
+              <a:rPr lang="it-IT" sz="1200" dirty="0">
+                <a:solidFill>
+                  <a:srgbClr val="D4D4D4"/>
+                </a:solidFill>
+                <a:latin typeface="Consolas" panose="020B0609020204030204" pitchFamily="49" charset="0"/>
+                <a:ea typeface="Times New Roman" panose="02020603050405020304" pitchFamily="18" charset="0"/>
+                <a:cs typeface="Times New Roman" panose="02020603050405020304" pitchFamily="18" charset="0"/>
+              </a:rPr>
+              <a:t> </a:t>
+            </a:r>
+            <a:r>
+              <a:rPr lang="it-IT" sz="1200" dirty="0">
+                <a:solidFill>
+                  <a:srgbClr val="569CD6"/>
+                </a:solidFill>
+                <a:latin typeface="Consolas" panose="020B0609020204030204" pitchFamily="49" charset="0"/>
+                <a:ea typeface="Times New Roman" panose="02020603050405020304" pitchFamily="18" charset="0"/>
+                <a:cs typeface="Times New Roman" panose="02020603050405020304" pitchFamily="18" charset="0"/>
+              </a:rPr>
+              <a:t>false</a:t>
+            </a:r>
+            <a:r>
+              <a:rPr lang="it-IT" sz="1200" dirty="0">
+                <a:solidFill>
+                  <a:srgbClr val="D4D4D4"/>
+                </a:solidFill>
+                <a:latin typeface="Consolas" panose="020B0609020204030204" pitchFamily="49" charset="0"/>
+                <a:ea typeface="Times New Roman" panose="02020603050405020304" pitchFamily="18" charset="0"/>
+                <a:cs typeface="Times New Roman" panose="02020603050405020304" pitchFamily="18" charset="0"/>
+              </a:rPr>
+              <a:t>;</a:t>
+            </a:r>
+            <a:endParaRPr lang="it-IT" sz="1200" dirty="0">
+              <a:latin typeface="Consolas" panose="020B0609020204030204" pitchFamily="49" charset="0"/>
+              <a:ea typeface="Calibri" panose="020F0502020204030204" pitchFamily="34" charset="0"/>
+              <a:cs typeface="Times New Roman" panose="02020603050405020304" pitchFamily="18" charset="0"/>
+            </a:endParaRPr>
+          </a:p>
+          <a:p>
+            <a:pPr>
+              <a:lnSpc>
+                <a:spcPct val="110000"/>
+              </a:lnSpc>
+              <a:spcAft>
+                <a:spcPts val="0"/>
+              </a:spcAft>
+            </a:pPr>
+            <a:r>
+              <a:rPr lang="it-IT" sz="1200" dirty="0">
+                <a:solidFill>
+                  <a:srgbClr val="D4D4D4"/>
+                </a:solidFill>
+                <a:latin typeface="Consolas" panose="020B0609020204030204" pitchFamily="49" charset="0"/>
+                <a:ea typeface="Times New Roman" panose="02020603050405020304" pitchFamily="18" charset="0"/>
+                <a:cs typeface="Times New Roman" panose="02020603050405020304" pitchFamily="18" charset="0"/>
+              </a:rPr>
+              <a:t>    }</a:t>
+            </a:r>
+            <a:endParaRPr lang="it-IT" sz="1200" dirty="0">
+              <a:latin typeface="Consolas" panose="020B0609020204030204" pitchFamily="49" charset="0"/>
+              <a:ea typeface="Calibri" panose="020F0502020204030204" pitchFamily="34" charset="0"/>
+              <a:cs typeface="Times New Roman" panose="02020603050405020304" pitchFamily="18" charset="0"/>
+            </a:endParaRPr>
+          </a:p>
+          <a:p>
+            <a:pPr>
+              <a:lnSpc>
+                <a:spcPct val="110000"/>
+              </a:lnSpc>
+              <a:spcAft>
+                <a:spcPts val="0"/>
+              </a:spcAft>
+            </a:pPr>
+            <a:r>
+              <a:rPr lang="it-IT" sz="1200" dirty="0">
+                <a:solidFill>
+                  <a:srgbClr val="D4D4D4"/>
+                </a:solidFill>
+                <a:latin typeface="Consolas" panose="020B0609020204030204" pitchFamily="49" charset="0"/>
+                <a:ea typeface="Times New Roman" panose="02020603050405020304" pitchFamily="18" charset="0"/>
+                <a:cs typeface="Times New Roman" panose="02020603050405020304" pitchFamily="18" charset="0"/>
+              </a:rPr>
+              <a:t>}</a:t>
+            </a:r>
+            <a:endParaRPr lang="it-IT" sz="1200" dirty="0">
+              <a:latin typeface="Consolas" panose="020B0609020204030204" pitchFamily="49" charset="0"/>
+              <a:ea typeface="Calibri" panose="020F0502020204030204" pitchFamily="34" charset="0"/>
+              <a:cs typeface="Times New Roman" panose="02020603050405020304" pitchFamily="18" charset="0"/>
+            </a:endParaRPr>
+          </a:p>
+        </p:txBody>
+      </p:sp>
+    </p:spTree>
+    <p:extLst>
+      <p:ext uri="{BB962C8B-B14F-4D97-AF65-F5344CB8AC3E}">
+        <p14:creationId xmlns:p14="http://schemas.microsoft.com/office/powerpoint/2010/main" val="515671664"/>
+      </p:ext>
+    </p:extLst>
+  </p:cSld>
+  <p:clrMapOvr>
+    <a:masterClrMapping/>
+  </p:clrMapOvr>
+</p:sld>
+</file>
+
+<file path=ppt/slides/slide8.xml><?xml version="1.0" encoding="utf-8"?>
+<p:sld xmlns:a="http://schemas.openxmlformats.org/drawingml/2006/main" xmlns:r="http://schemas.openxmlformats.org/officeDocument/2006/relationships" xmlns:p="http://schemas.openxmlformats.org/presentationml/2006/main">
+  <p:cSld>
+    <p:bg>
+      <p:bgPr>
+        <a:solidFill>
+          <a:srgbClr val="2A2A2A"/>
+        </a:solidFill>
+        <a:effectLst/>
+      </p:bgPr>
+    </p:bg>
+    <p:spTree>
+      <p:nvGrpSpPr>
+        <p:cNvPr id="1" name=""/>
+        <p:cNvGrpSpPr/>
+        <p:nvPr/>
+      </p:nvGrpSpPr>
+      <p:grpSpPr>
+        <a:xfrm>
+          <a:off x="0" y="0"/>
+          <a:ext cx="0" cy="0"/>
+          <a:chOff x="0" y="0"/>
+          <a:chExt cx="0" cy="0"/>
+        </a:xfrm>
+      </p:grpSpPr>
+      <p:sp>
+        <p:nvSpPr>
+          <p:cNvPr id="2" name="Titolo 1">
+            <a:extLst>
+              <a:ext uri="{FF2B5EF4-FFF2-40B4-BE49-F238E27FC236}">
+                <a16:creationId xmlns:a16="http://schemas.microsoft.com/office/drawing/2014/main" id="{F1DDE7A4-1A5F-4F0D-B842-7798EDC6EDA8}"/>
+              </a:ext>
+            </a:extLst>
+          </p:cNvPr>
+          <p:cNvSpPr>
+            <a:spLocks noGrp="1"/>
+          </p:cNvSpPr>
+          <p:nvPr>
+            <p:ph type="title"/>
+          </p:nvPr>
+        </p:nvSpPr>
+        <p:spPr>
+          <a:xfrm>
+            <a:off x="166048" y="92077"/>
+            <a:ext cx="11859904" cy="911224"/>
+          </a:xfrm>
+        </p:spPr>
+        <p:txBody>
+          <a:bodyPr>
+            <a:normAutofit/>
+          </a:bodyPr>
+          <a:lstStyle/>
+          <a:p>
+            <a:pPr algn="ctr"/>
+            <a:r>
+              <a:rPr lang="it-IT" dirty="0">
+                <a:solidFill>
+                  <a:schemeClr val="bg1"/>
+                </a:solidFill>
+                <a:latin typeface="Avenir Next LT Pro Light" panose="020B0304020202020204" pitchFamily="34" charset="0"/>
+              </a:rPr>
+              <a:t>Conclusione</a:t>
+            </a:r>
+          </a:p>
+        </p:txBody>
+      </p:sp>
+      <p:sp>
+        <p:nvSpPr>
+          <p:cNvPr id="3" name="Segnaposto numero diapositiva 2">
+            <a:extLst>
+              <a:ext uri="{FF2B5EF4-FFF2-40B4-BE49-F238E27FC236}">
+                <a16:creationId xmlns:a16="http://schemas.microsoft.com/office/drawing/2014/main" id="{A47D4834-59E8-435C-A95B-F4D997DED51E}"/>
+              </a:ext>
+            </a:extLst>
+          </p:cNvPr>
+          <p:cNvSpPr>
+            <a:spLocks noGrp="1"/>
+          </p:cNvSpPr>
+          <p:nvPr>
+            <p:ph type="sldNum" sz="quarter" idx="12"/>
+          </p:nvPr>
+        </p:nvSpPr>
+        <p:spPr/>
+        <p:txBody>
+          <a:bodyPr/>
+          <a:lstStyle/>
+          <a:p>
+            <a:fld id="{4A6DC286-705F-4A37-A21F-B485E3A29C72}" type="slidenum">
+              <a:rPr lang="it-IT" smtClean="0"/>
+              <a:t>8</a:t>
             </a:fld>
             <a:endParaRPr lang="it-IT"/>
           </a:p>

--- a/Presentazione.pptx
+++ b/Presentazione.pptx
@@ -144,7 +144,7 @@
 <file path=ppt/revisionInfo.xml><?xml version="1.0" encoding="utf-8"?>
 <p1510:revInfo xmlns:a="http://schemas.openxmlformats.org/drawingml/2006/main" xmlns:r="http://schemas.openxmlformats.org/officeDocument/2006/relationships" xmlns:p1510="http://schemas.microsoft.com/office/powerpoint/2015/10/main">
   <p1510:revLst>
-    <p1510:client id="{98A304F7-BD7A-451D-86FF-B1FA8BB979E8}" v="10" dt="2019-11-28T08:33:45.461"/>
+    <p1510:client id="{98A304F7-BD7A-451D-86FF-B1FA8BB979E8}" v="22" dt="2019-11-28T09:13:32.479"/>
   </p1510:revLst>
 </p1510:revInfo>
 </file>
@@ -781,12 +781,27 @@
   <pc:docChgLst>
     <pc:chgData name="Andrei Daniel Ivan" userId="d3c4cde5a19fb9a3" providerId="LiveId" clId="{98A304F7-BD7A-451D-86FF-B1FA8BB979E8}"/>
     <pc:docChg chg="undo custSel addSld modSld">
-      <pc:chgData name="Andrei Daniel Ivan" userId="d3c4cde5a19fb9a3" providerId="LiveId" clId="{98A304F7-BD7A-451D-86FF-B1FA8BB979E8}" dt="2019-11-28T08:36:07.152" v="348" actId="20577"/>
+      <pc:chgData name="Andrei Daniel Ivan" userId="d3c4cde5a19fb9a3" providerId="LiveId" clId="{98A304F7-BD7A-451D-86FF-B1FA8BB979E8}" dt="2019-11-28T09:15:37.512" v="1985" actId="20577"/>
       <pc:docMkLst>
         <pc:docMk/>
       </pc:docMkLst>
-      <pc:sldChg chg="modSp add">
-        <pc:chgData name="Andrei Daniel Ivan" userId="d3c4cde5a19fb9a3" providerId="LiveId" clId="{98A304F7-BD7A-451D-86FF-B1FA8BB979E8}" dt="2019-11-28T08:10:47.813" v="107" actId="1076"/>
+      <pc:sldChg chg="modSp">
+        <pc:chgData name="Andrei Daniel Ivan" userId="d3c4cde5a19fb9a3" providerId="LiveId" clId="{98A304F7-BD7A-451D-86FF-B1FA8BB979E8}" dt="2019-11-28T09:02:21.392" v="1554" actId="207"/>
+        <pc:sldMkLst>
+          <pc:docMk/>
+          <pc:sldMk cId="148092493" sldId="264"/>
+        </pc:sldMkLst>
+        <pc:spChg chg="mod">
+          <ac:chgData name="Andrei Daniel Ivan" userId="d3c4cde5a19fb9a3" providerId="LiveId" clId="{98A304F7-BD7A-451D-86FF-B1FA8BB979E8}" dt="2019-11-28T09:02:21.392" v="1554" actId="207"/>
+          <ac:spMkLst>
+            <pc:docMk/>
+            <pc:sldMk cId="148092493" sldId="264"/>
+            <ac:spMk id="5" creationId="{575E9FB5-702A-42D6-A2EB-DC69E86329E8}"/>
+          </ac:spMkLst>
+        </pc:spChg>
+      </pc:sldChg>
+      <pc:sldChg chg="addSp modSp add">
+        <pc:chgData name="Andrei Daniel Ivan" userId="d3c4cde5a19fb9a3" providerId="LiveId" clId="{98A304F7-BD7A-451D-86FF-B1FA8BB979E8}" dt="2019-11-28T09:10:01.127" v="1713" actId="14100"/>
         <pc:sldMkLst>
           <pc:docMk/>
           <pc:sldMk cId="2021459913" sldId="267"/>
@@ -799,6 +814,14 @@
             <ac:spMk id="2" creationId="{F1DDE7A4-1A5F-4F0D-B842-7798EDC6EDA8}"/>
           </ac:spMkLst>
         </pc:spChg>
+        <pc:spChg chg="add mod">
+          <ac:chgData name="Andrei Daniel Ivan" userId="d3c4cde5a19fb9a3" providerId="LiveId" clId="{98A304F7-BD7A-451D-86FF-B1FA8BB979E8}" dt="2019-11-28T09:10:01.127" v="1713" actId="14100"/>
+          <ac:spMkLst>
+            <pc:docMk/>
+            <pc:sldMk cId="2021459913" sldId="267"/>
+            <ac:spMk id="4" creationId="{E09F503C-0BDF-41C2-9211-51F5C54560C5}"/>
+          </ac:spMkLst>
+        </pc:spChg>
         <pc:spChg chg="mod">
           <ac:chgData name="Andrei Daniel Ivan" userId="d3c4cde5a19fb9a3" providerId="LiveId" clId="{98A304F7-BD7A-451D-86FF-B1FA8BB979E8}" dt="2019-11-28T08:10:47.813" v="107" actId="1076"/>
           <ac:spMkLst>
@@ -808,8 +831,8 @@
           </ac:spMkLst>
         </pc:spChg>
       </pc:sldChg>
-      <pc:sldChg chg="modSp add">
-        <pc:chgData name="Andrei Daniel Ivan" userId="d3c4cde5a19fb9a3" providerId="LiveId" clId="{98A304F7-BD7A-451D-86FF-B1FA8BB979E8}" dt="2019-11-28T08:23:02.656" v="200" actId="20577"/>
+      <pc:sldChg chg="addSp modSp add">
+        <pc:chgData name="Andrei Daniel Ivan" userId="d3c4cde5a19fb9a3" providerId="LiveId" clId="{98A304F7-BD7A-451D-86FF-B1FA8BB979E8}" dt="2019-11-28T09:15:37.512" v="1985" actId="20577"/>
         <pc:sldMkLst>
           <pc:docMk/>
           <pc:sldMk cId="3131005690" sldId="268"/>
@@ -830,9 +853,17 @@
             <ac:spMk id="5" creationId="{575E9FB5-702A-42D6-A2EB-DC69E86329E8}"/>
           </ac:spMkLst>
         </pc:spChg>
+        <pc:spChg chg="add mod">
+          <ac:chgData name="Andrei Daniel Ivan" userId="d3c4cde5a19fb9a3" providerId="LiveId" clId="{98A304F7-BD7A-451D-86FF-B1FA8BB979E8}" dt="2019-11-28T09:15:37.512" v="1985" actId="20577"/>
+          <ac:spMkLst>
+            <pc:docMk/>
+            <pc:sldMk cId="3131005690" sldId="268"/>
+            <ac:spMk id="6" creationId="{1155A3B7-113E-424E-9834-986E27ED6555}"/>
+          </ac:spMkLst>
+        </pc:spChg>
       </pc:sldChg>
-      <pc:sldChg chg="modSp add">
-        <pc:chgData name="Andrei Daniel Ivan" userId="d3c4cde5a19fb9a3" providerId="LiveId" clId="{98A304F7-BD7A-451D-86FF-B1FA8BB979E8}" dt="2019-11-28T08:25:44.787" v="252" actId="20577"/>
+      <pc:sldChg chg="addSp modSp add">
+        <pc:chgData name="Andrei Daniel Ivan" userId="d3c4cde5a19fb9a3" providerId="LiveId" clId="{98A304F7-BD7A-451D-86FF-B1FA8BB979E8}" dt="2019-11-28T09:11:16.839" v="1785" actId="14100"/>
         <pc:sldMkLst>
           <pc:docMk/>
           <pc:sldMk cId="1620050625" sldId="269"/>
@@ -853,9 +884,17 @@
             <ac:spMk id="5" creationId="{575E9FB5-702A-42D6-A2EB-DC69E86329E8}"/>
           </ac:spMkLst>
         </pc:spChg>
+        <pc:spChg chg="add mod">
+          <ac:chgData name="Andrei Daniel Ivan" userId="d3c4cde5a19fb9a3" providerId="LiveId" clId="{98A304F7-BD7A-451D-86FF-B1FA8BB979E8}" dt="2019-11-28T09:11:16.839" v="1785" actId="14100"/>
+          <ac:spMkLst>
+            <pc:docMk/>
+            <pc:sldMk cId="1620050625" sldId="269"/>
+            <ac:spMk id="6" creationId="{8D5572F9-C690-4483-BA2D-E5DEA52F11E4}"/>
+          </ac:spMkLst>
+        </pc:spChg>
       </pc:sldChg>
-      <pc:sldChg chg="modSp add">
-        <pc:chgData name="Andrei Daniel Ivan" userId="d3c4cde5a19fb9a3" providerId="LiveId" clId="{98A304F7-BD7A-451D-86FF-B1FA8BB979E8}" dt="2019-11-28T08:32:08.003" v="330" actId="20577"/>
+      <pc:sldChg chg="addSp modSp add">
+        <pc:chgData name="Andrei Daniel Ivan" userId="d3c4cde5a19fb9a3" providerId="LiveId" clId="{98A304F7-BD7A-451D-86FF-B1FA8BB979E8}" dt="2019-11-28T09:13:18.641" v="1883" actId="1076"/>
         <pc:sldMkLst>
           <pc:docMk/>
           <pc:sldMk cId="3456344343" sldId="270"/>
@@ -876,9 +915,17 @@
             <ac:spMk id="5" creationId="{575E9FB5-702A-42D6-A2EB-DC69E86329E8}"/>
           </ac:spMkLst>
         </pc:spChg>
+        <pc:spChg chg="add mod">
+          <ac:chgData name="Andrei Daniel Ivan" userId="d3c4cde5a19fb9a3" providerId="LiveId" clId="{98A304F7-BD7A-451D-86FF-B1FA8BB979E8}" dt="2019-11-28T09:13:18.641" v="1883" actId="1076"/>
+          <ac:spMkLst>
+            <pc:docMk/>
+            <pc:sldMk cId="3456344343" sldId="270"/>
+            <ac:spMk id="6" creationId="{99C6E743-F681-451D-971D-CB146486B754}"/>
+          </ac:spMkLst>
+        </pc:spChg>
       </pc:sldChg>
-      <pc:sldChg chg="modSp add">
-        <pc:chgData name="Andrei Daniel Ivan" userId="d3c4cde5a19fb9a3" providerId="LiveId" clId="{98A304F7-BD7A-451D-86FF-B1FA8BB979E8}" dt="2019-11-28T08:36:07.152" v="348" actId="20577"/>
+      <pc:sldChg chg="addSp modSp add">
+        <pc:chgData name="Andrei Daniel Ivan" userId="d3c4cde5a19fb9a3" providerId="LiveId" clId="{98A304F7-BD7A-451D-86FF-B1FA8BB979E8}" dt="2019-11-28T09:14:52.553" v="1984" actId="14100"/>
         <pc:sldMkLst>
           <pc:docMk/>
           <pc:sldMk cId="515671664" sldId="271"/>
@@ -892,11 +939,19 @@
           </ac:spMkLst>
         </pc:spChg>
         <pc:spChg chg="mod">
-          <ac:chgData name="Andrei Daniel Ivan" userId="d3c4cde5a19fb9a3" providerId="LiveId" clId="{98A304F7-BD7A-451D-86FF-B1FA8BB979E8}" dt="2019-11-28T08:36:07.152" v="348" actId="20577"/>
+          <ac:chgData name="Andrei Daniel Ivan" userId="d3c4cde5a19fb9a3" providerId="LiveId" clId="{98A304F7-BD7A-451D-86FF-B1FA8BB979E8}" dt="2019-11-28T09:13:58.853" v="1886" actId="20577"/>
           <ac:spMkLst>
             <pc:docMk/>
             <pc:sldMk cId="515671664" sldId="271"/>
             <ac:spMk id="5" creationId="{575E9FB5-702A-42D6-A2EB-DC69E86329E8}"/>
+          </ac:spMkLst>
+        </pc:spChg>
+        <pc:spChg chg="add mod">
+          <ac:chgData name="Andrei Daniel Ivan" userId="d3c4cde5a19fb9a3" providerId="LiveId" clId="{98A304F7-BD7A-451D-86FF-B1FA8BB979E8}" dt="2019-11-28T09:14:52.553" v="1984" actId="14100"/>
+          <ac:spMkLst>
+            <pc:docMk/>
+            <pc:sldMk cId="515671664" sldId="271"/>
+            <ac:spMk id="6" creationId="{4D6511D9-5CE1-4CC2-ACCC-C7CBD690ED6D}"/>
           </ac:spMkLst>
         </pc:spChg>
       </pc:sldChg>
@@ -5058,7 +5113,7 @@
         <p:spPr>
           <a:xfrm>
             <a:off x="882212" y="1003301"/>
-            <a:ext cx="10427575" cy="461088"/>
+            <a:ext cx="10427575" cy="3785075"/>
           </a:xfrm>
           <a:prstGeom prst="rect">
             <a:avLst/>
@@ -5088,19 +5143,105 @@
                 <a:ea typeface="Calibri" panose="020F0502020204030204" pitchFamily="34" charset="0"/>
                 <a:cs typeface="Times New Roman" panose="02020603050405020304" pitchFamily="18" charset="0"/>
               </a:rPr>
-              <a:t>To be </a:t>
+              <a:t>Il Registro Remoto implementa i metodi </a:t>
             </a:r>
             <a:r>
               <a:rPr lang="it-IT" dirty="0" err="1">
                 <a:solidFill>
-                  <a:schemeClr val="bg1"/>
+                  <a:srgbClr val="00B0F0"/>
                 </a:solidFill>
                 <a:latin typeface="Avenir Next LT Pro Light" panose="020B0304020202020204" pitchFamily="34" charset="0"/>
                 <a:ea typeface="Calibri" panose="020F0502020204030204" pitchFamily="34" charset="0"/>
                 <a:cs typeface="Times New Roman" panose="02020603050405020304" pitchFamily="18" charset="0"/>
               </a:rPr>
-              <a:t>defined</a:t>
-            </a:r>
+              <a:t>associaTag</a:t>
+            </a:r>
+            <a:r>
+              <a:rPr lang="it-IT" dirty="0">
+                <a:solidFill>
+                  <a:schemeClr val="bg1"/>
+                </a:solidFill>
+                <a:latin typeface="Avenir Next LT Pro Light" panose="020B0304020202020204" pitchFamily="34" charset="0"/>
+                <a:ea typeface="Calibri" panose="020F0502020204030204" pitchFamily="34" charset="0"/>
+                <a:cs typeface="Times New Roman" panose="02020603050405020304" pitchFamily="18" charset="0"/>
+              </a:rPr>
+              <a:t> e </a:t>
+            </a:r>
+            <a:r>
+              <a:rPr lang="it-IT" dirty="0" err="1">
+                <a:solidFill>
+                  <a:srgbClr val="00B0F0"/>
+                </a:solidFill>
+                <a:latin typeface="Avenir Next LT Pro Light" panose="020B0304020202020204" pitchFamily="34" charset="0"/>
+                <a:ea typeface="Calibri" panose="020F0502020204030204" pitchFamily="34" charset="0"/>
+                <a:cs typeface="Times New Roman" panose="02020603050405020304" pitchFamily="18" charset="0"/>
+              </a:rPr>
+              <a:t>cercaTag</a:t>
+            </a:r>
+            <a:r>
+              <a:rPr lang="it-IT" dirty="0">
+                <a:solidFill>
+                  <a:schemeClr val="bg1"/>
+                </a:solidFill>
+                <a:latin typeface="Avenir Next LT Pro Light" panose="020B0304020202020204" pitchFamily="34" charset="0"/>
+                <a:ea typeface="Calibri" panose="020F0502020204030204" pitchFamily="34" charset="0"/>
+                <a:cs typeface="Times New Roman" panose="02020603050405020304" pitchFamily="18" charset="0"/>
+              </a:rPr>
+              <a:t> definiti in due apposite interfacce.</a:t>
+            </a:r>
+          </a:p>
+          <a:p>
+            <a:pPr algn="just">
+              <a:lnSpc>
+                <a:spcPct val="150000"/>
+              </a:lnSpc>
+              <a:spcAft>
+                <a:spcPts val="0"/>
+              </a:spcAft>
+            </a:pPr>
+            <a:r>
+              <a:rPr lang="it-IT" dirty="0">
+                <a:solidFill>
+                  <a:schemeClr val="bg1"/>
+                </a:solidFill>
+                <a:latin typeface="Avenir Next LT Pro Light" panose="020B0304020202020204" pitchFamily="34" charset="0"/>
+                <a:ea typeface="Calibri" panose="020F0502020204030204" pitchFamily="34" charset="0"/>
+                <a:cs typeface="Times New Roman" panose="02020603050405020304" pitchFamily="18" charset="0"/>
+              </a:rPr>
+              <a:t>Viene utilizzata una matrice per memorizzare le triple </a:t>
+            </a:r>
+            <a:r>
+              <a:rPr lang="it-IT" dirty="0" err="1">
+                <a:solidFill>
+                  <a:schemeClr val="bg1"/>
+                </a:solidFill>
+                <a:latin typeface="Avenir Next LT Pro Light" panose="020B0304020202020204" pitchFamily="34" charset="0"/>
+                <a:ea typeface="Calibri" panose="020F0502020204030204" pitchFamily="34" charset="0"/>
+                <a:cs typeface="Times New Roman" panose="02020603050405020304" pitchFamily="18" charset="0"/>
+              </a:rPr>
+              <a:t>nomeServizio</a:t>
+            </a:r>
+            <a:r>
+              <a:rPr lang="it-IT" dirty="0">
+                <a:solidFill>
+                  <a:schemeClr val="bg1"/>
+                </a:solidFill>
+                <a:latin typeface="Avenir Next LT Pro Light" panose="020B0304020202020204" pitchFamily="34" charset="0"/>
+                <a:ea typeface="Calibri" panose="020F0502020204030204" pitchFamily="34" charset="0"/>
+                <a:cs typeface="Times New Roman" panose="02020603050405020304" pitchFamily="18" charset="0"/>
+              </a:rPr>
+              <a:t> – locazione – tag.</a:t>
+            </a:r>
+          </a:p>
+          <a:p>
+            <a:pPr algn="just">
+              <a:lnSpc>
+                <a:spcPct val="150000"/>
+              </a:lnSpc>
+              <a:spcAft>
+                <a:spcPts val="0"/>
+              </a:spcAft>
+            </a:pPr>
             <a:endParaRPr lang="it-IT" dirty="0">
               <a:solidFill>
                 <a:schemeClr val="bg1"/>
@@ -5109,6 +5250,174 @@
               <a:ea typeface="Calibri" panose="020F0502020204030204" pitchFamily="34" charset="0"/>
               <a:cs typeface="Times New Roman" panose="02020603050405020304" pitchFamily="18" charset="0"/>
             </a:endParaRPr>
+          </a:p>
+          <a:p>
+            <a:pPr algn="just">
+              <a:lnSpc>
+                <a:spcPct val="150000"/>
+              </a:lnSpc>
+              <a:spcAft>
+                <a:spcPts val="0"/>
+              </a:spcAft>
+            </a:pPr>
+            <a:r>
+              <a:rPr lang="it-IT" dirty="0">
+                <a:solidFill>
+                  <a:schemeClr val="bg1"/>
+                </a:solidFill>
+                <a:latin typeface="Avenir Next LT Pro Light" panose="020B0304020202020204" pitchFamily="34" charset="0"/>
+                <a:ea typeface="Calibri" panose="020F0502020204030204" pitchFamily="34" charset="0"/>
+                <a:cs typeface="Times New Roman" panose="02020603050405020304" pitchFamily="18" charset="0"/>
+              </a:rPr>
+              <a:t>La </a:t>
+            </a:r>
+            <a:r>
+              <a:rPr lang="it-IT" dirty="0">
+                <a:solidFill>
+                  <a:srgbClr val="00B0F0"/>
+                </a:solidFill>
+                <a:latin typeface="Avenir Next LT Pro Light" panose="020B0304020202020204" pitchFamily="34" charset="0"/>
+                <a:ea typeface="Calibri" panose="020F0502020204030204" pitchFamily="34" charset="0"/>
+                <a:cs typeface="Times New Roman" panose="02020603050405020304" pitchFamily="18" charset="0"/>
+              </a:rPr>
+              <a:t>classe Tag</a:t>
+            </a:r>
+            <a:r>
+              <a:rPr lang="it-IT" dirty="0">
+                <a:solidFill>
+                  <a:schemeClr val="bg1"/>
+                </a:solidFill>
+                <a:latin typeface="Avenir Next LT Pro Light" panose="020B0304020202020204" pitchFamily="34" charset="0"/>
+                <a:ea typeface="Calibri" panose="020F0502020204030204" pitchFamily="34" charset="0"/>
+                <a:cs typeface="Times New Roman" panose="02020603050405020304" pitchFamily="18" charset="0"/>
+              </a:rPr>
+              <a:t> definisce tutte le categorie disponibili, e i metodi implementati nel Registro Remoto dovranno avere necessariamente uno di quei tag come parametro per completare l’operazione.</a:t>
+            </a:r>
+          </a:p>
+          <a:p>
+            <a:pPr algn="just">
+              <a:lnSpc>
+                <a:spcPct val="150000"/>
+              </a:lnSpc>
+              <a:spcAft>
+                <a:spcPts val="0"/>
+              </a:spcAft>
+            </a:pPr>
+            <a:endParaRPr lang="it-IT" dirty="0">
+              <a:solidFill>
+                <a:schemeClr val="bg1"/>
+              </a:solidFill>
+              <a:latin typeface="Avenir Next LT Pro Light" panose="020B0304020202020204" pitchFamily="34" charset="0"/>
+              <a:ea typeface="Calibri" panose="020F0502020204030204" pitchFamily="34" charset="0"/>
+              <a:cs typeface="Times New Roman" panose="02020603050405020304" pitchFamily="18" charset="0"/>
+            </a:endParaRPr>
+          </a:p>
+          <a:p>
+            <a:pPr algn="just">
+              <a:lnSpc>
+                <a:spcPct val="150000"/>
+              </a:lnSpc>
+              <a:spcAft>
+                <a:spcPts val="0"/>
+              </a:spcAft>
+            </a:pPr>
+            <a:r>
+              <a:rPr lang="it-IT" dirty="0">
+                <a:solidFill>
+                  <a:schemeClr val="bg1"/>
+                </a:solidFill>
+                <a:latin typeface="Avenir Next LT Pro Light" panose="020B0304020202020204" pitchFamily="34" charset="0"/>
+                <a:ea typeface="Calibri" panose="020F0502020204030204" pitchFamily="34" charset="0"/>
+                <a:cs typeface="Times New Roman" panose="02020603050405020304" pitchFamily="18" charset="0"/>
+              </a:rPr>
+              <a:t> L’</a:t>
+            </a:r>
+            <a:r>
+              <a:rPr lang="it-IT" dirty="0">
+                <a:solidFill>
+                  <a:srgbClr val="00B0F0"/>
+                </a:solidFill>
+                <a:latin typeface="Avenir Next LT Pro Light" panose="020B0304020202020204" pitchFamily="34" charset="0"/>
+                <a:ea typeface="Calibri" panose="020F0502020204030204" pitchFamily="34" charset="0"/>
+                <a:cs typeface="Times New Roman" panose="02020603050405020304" pitchFamily="18" charset="0"/>
+              </a:rPr>
+              <a:t>utilizzo dei Tag </a:t>
+            </a:r>
+            <a:r>
+              <a:rPr lang="it-IT" dirty="0">
+                <a:solidFill>
+                  <a:schemeClr val="bg1"/>
+                </a:solidFill>
+                <a:latin typeface="Avenir Next LT Pro Light" panose="020B0304020202020204" pitchFamily="34" charset="0"/>
+                <a:ea typeface="Calibri" panose="020F0502020204030204" pitchFamily="34" charset="0"/>
+                <a:cs typeface="Times New Roman" panose="02020603050405020304" pitchFamily="18" charset="0"/>
+              </a:rPr>
+              <a:t>da parte di Client e Server </a:t>
+            </a:r>
+            <a:r>
+              <a:rPr lang="it-IT" dirty="0">
+                <a:solidFill>
+                  <a:srgbClr val="00B0F0"/>
+                </a:solidFill>
+                <a:latin typeface="Avenir Next LT Pro Light" panose="020B0304020202020204" pitchFamily="34" charset="0"/>
+                <a:ea typeface="Calibri" panose="020F0502020204030204" pitchFamily="34" charset="0"/>
+                <a:cs typeface="Times New Roman" panose="02020603050405020304" pitchFamily="18" charset="0"/>
+              </a:rPr>
+              <a:t>è opzionale</a:t>
+            </a:r>
+            <a:r>
+              <a:rPr lang="it-IT" dirty="0">
+                <a:solidFill>
+                  <a:schemeClr val="bg1"/>
+                </a:solidFill>
+                <a:latin typeface="Avenir Next LT Pro Light" panose="020B0304020202020204" pitchFamily="34" charset="0"/>
+                <a:ea typeface="Calibri" panose="020F0502020204030204" pitchFamily="34" charset="0"/>
+                <a:cs typeface="Times New Roman" panose="02020603050405020304" pitchFamily="18" charset="0"/>
+              </a:rPr>
+              <a:t>:</a:t>
+            </a:r>
+          </a:p>
+          <a:p>
+            <a:pPr algn="just">
+              <a:lnSpc>
+                <a:spcPct val="150000"/>
+              </a:lnSpc>
+              <a:spcAft>
+                <a:spcPts val="0"/>
+              </a:spcAft>
+            </a:pPr>
+            <a:r>
+              <a:rPr lang="it-IT" dirty="0">
+                <a:solidFill>
+                  <a:schemeClr val="bg1"/>
+                </a:solidFill>
+                <a:latin typeface="Avenir Next LT Pro Light" panose="020B0304020202020204" pitchFamily="34" charset="0"/>
+                <a:ea typeface="Calibri" panose="020F0502020204030204" pitchFamily="34" charset="0"/>
+                <a:cs typeface="Times New Roman" panose="02020603050405020304" pitchFamily="18" charset="0"/>
+              </a:rPr>
+              <a:t>	- non è necessario che un Server si iscriva al Registro Remoto specificando una categoria;</a:t>
+            </a:r>
+          </a:p>
+          <a:p>
+            <a:pPr algn="just">
+              <a:lnSpc>
+                <a:spcPct val="150000"/>
+              </a:lnSpc>
+              <a:spcAft>
+                <a:spcPts val="0"/>
+              </a:spcAft>
+            </a:pPr>
+            <a:r>
+              <a:rPr lang="it-IT" dirty="0">
+                <a:solidFill>
+                  <a:schemeClr val="bg1"/>
+                </a:solidFill>
+                <a:latin typeface="Avenir Next LT Pro Light" panose="020B0304020202020204" pitchFamily="34" charset="0"/>
+                <a:ea typeface="Calibri" panose="020F0502020204030204" pitchFamily="34" charset="0"/>
+                <a:cs typeface="Times New Roman" panose="02020603050405020304" pitchFamily="18" charset="0"/>
+              </a:rPr>
+              <a:t>	- un Client può cercare sia per nome del servizio che per categoria.</a:t>
+            </a:r>
           </a:p>
         </p:txBody>
       </p:sp>
@@ -7244,6 +7553,68 @@
           </a:p>
         </p:txBody>
       </p:sp>
+      <p:sp>
+        <p:nvSpPr>
+          <p:cNvPr id="4" name="Rettangolo con angoli arrotondati 3">
+            <a:extLst>
+              <a:ext uri="{FF2B5EF4-FFF2-40B4-BE49-F238E27FC236}">
+                <a16:creationId xmlns:a16="http://schemas.microsoft.com/office/drawing/2014/main" id="{E09F503C-0BDF-41C2-9211-51F5C54560C5}"/>
+              </a:ext>
+            </a:extLst>
+          </p:cNvPr>
+          <p:cNvSpPr/>
+          <p:nvPr/>
+        </p:nvSpPr>
+        <p:spPr>
+          <a:xfrm>
+            <a:off x="8263156" y="3682767"/>
+            <a:ext cx="2390861" cy="796954"/>
+          </a:xfrm>
+          <a:prstGeom prst="roundRect">
+            <a:avLst/>
+          </a:prstGeom>
+          <a:solidFill>
+            <a:schemeClr val="accent4"/>
+          </a:solidFill>
+          <a:ln>
+            <a:solidFill>
+              <a:schemeClr val="accent4"/>
+            </a:solidFill>
+          </a:ln>
+        </p:spPr>
+        <p:style>
+          <a:lnRef idx="2">
+            <a:schemeClr val="accent1">
+              <a:shade val="50000"/>
+            </a:schemeClr>
+          </a:lnRef>
+          <a:fillRef idx="1">
+            <a:schemeClr val="accent1"/>
+          </a:fillRef>
+          <a:effectRef idx="0">
+            <a:schemeClr val="accent1"/>
+          </a:effectRef>
+          <a:fontRef idx="minor">
+            <a:schemeClr val="lt1"/>
+          </a:fontRef>
+        </p:style>
+        <p:txBody>
+          <a:bodyPr rtlCol="0" anchor="ctr"/>
+          <a:lstStyle/>
+          <a:p>
+            <a:pPr algn="just"/>
+            <a:r>
+              <a:rPr lang="it-IT" sz="1600" dirty="0">
+                <a:solidFill>
+                  <a:schemeClr val="tx1"/>
+                </a:solidFill>
+                <a:latin typeface="Avenir Next LT Pro Light" panose="020B0304020202020204" pitchFamily="34" charset="0"/>
+              </a:rPr>
+              <a:t>Il Client permette di scegliere il metodo di ricerca a cui accedere.</a:t>
+            </a:r>
+          </a:p>
+        </p:txBody>
+      </p:sp>
     </p:spTree>
     <p:extLst>
       <p:ext uri="{BB962C8B-B14F-4D97-AF65-F5344CB8AC3E}">
@@ -8420,6 +8791,68 @@
               <a:ea typeface="Calibri" panose="020F0502020204030204" pitchFamily="34" charset="0"/>
               <a:cs typeface="Times New Roman" panose="02020603050405020304" pitchFamily="18" charset="0"/>
             </a:endParaRPr>
+          </a:p>
+        </p:txBody>
+      </p:sp>
+      <p:sp>
+        <p:nvSpPr>
+          <p:cNvPr id="6" name="Rettangolo con angoli arrotondati 5">
+            <a:extLst>
+              <a:ext uri="{FF2B5EF4-FFF2-40B4-BE49-F238E27FC236}">
+                <a16:creationId xmlns:a16="http://schemas.microsoft.com/office/drawing/2014/main" id="{1155A3B7-113E-424E-9834-986E27ED6555}"/>
+              </a:ext>
+            </a:extLst>
+          </p:cNvPr>
+          <p:cNvSpPr/>
+          <p:nvPr/>
+        </p:nvSpPr>
+        <p:spPr>
+          <a:xfrm>
+            <a:off x="7226416" y="3496111"/>
+            <a:ext cx="2768367" cy="687897"/>
+          </a:xfrm>
+          <a:prstGeom prst="roundRect">
+            <a:avLst/>
+          </a:prstGeom>
+          <a:solidFill>
+            <a:schemeClr val="accent4"/>
+          </a:solidFill>
+          <a:ln>
+            <a:solidFill>
+              <a:schemeClr val="accent4"/>
+            </a:solidFill>
+          </a:ln>
+        </p:spPr>
+        <p:style>
+          <a:lnRef idx="2">
+            <a:schemeClr val="accent1">
+              <a:shade val="50000"/>
+            </a:schemeClr>
+          </a:lnRef>
+          <a:fillRef idx="1">
+            <a:schemeClr val="accent1"/>
+          </a:fillRef>
+          <a:effectRef idx="0">
+            <a:schemeClr val="accent1"/>
+          </a:effectRef>
+          <a:fontRef idx="minor">
+            <a:schemeClr val="lt1"/>
+          </a:fontRef>
+        </p:style>
+        <p:txBody>
+          <a:bodyPr rtlCol="0" anchor="ctr"/>
+          <a:lstStyle/>
+          <a:p>
+            <a:pPr algn="just"/>
+            <a:r>
+              <a:rPr lang="it-IT" sz="1600" dirty="0">
+                <a:solidFill>
+                  <a:schemeClr val="tx1"/>
+                </a:solidFill>
+                <a:latin typeface="Avenir Next LT Pro Light" panose="020B0304020202020204" pitchFamily="34" charset="0"/>
+              </a:rPr>
+              <a:t>Se il Tag è disponibile, si procede con l’associazione.</a:t>
+            </a:r>
           </a:p>
         </p:txBody>
       </p:sp>
@@ -10125,6 +10558,68 @@
           </a:p>
         </p:txBody>
       </p:sp>
+      <p:sp>
+        <p:nvSpPr>
+          <p:cNvPr id="6" name="Rettangolo con angoli arrotondati 5">
+            <a:extLst>
+              <a:ext uri="{FF2B5EF4-FFF2-40B4-BE49-F238E27FC236}">
+                <a16:creationId xmlns:a16="http://schemas.microsoft.com/office/drawing/2014/main" id="{8D5572F9-C690-4483-BA2D-E5DEA52F11E4}"/>
+              </a:ext>
+            </a:extLst>
+          </p:cNvPr>
+          <p:cNvSpPr/>
+          <p:nvPr/>
+        </p:nvSpPr>
+        <p:spPr>
+          <a:xfrm>
+            <a:off x="7125748" y="3254928"/>
+            <a:ext cx="2969703" cy="665728"/>
+          </a:xfrm>
+          <a:prstGeom prst="roundRect">
+            <a:avLst/>
+          </a:prstGeom>
+          <a:solidFill>
+            <a:schemeClr val="accent4"/>
+          </a:solidFill>
+          <a:ln>
+            <a:solidFill>
+              <a:schemeClr val="accent4"/>
+            </a:solidFill>
+          </a:ln>
+        </p:spPr>
+        <p:style>
+          <a:lnRef idx="2">
+            <a:schemeClr val="accent1">
+              <a:shade val="50000"/>
+            </a:schemeClr>
+          </a:lnRef>
+          <a:fillRef idx="1">
+            <a:schemeClr val="accent1"/>
+          </a:fillRef>
+          <a:effectRef idx="0">
+            <a:schemeClr val="accent1"/>
+          </a:effectRef>
+          <a:fontRef idx="minor">
+            <a:schemeClr val="lt1"/>
+          </a:fontRef>
+        </p:style>
+        <p:txBody>
+          <a:bodyPr rtlCol="0" anchor="ctr"/>
+          <a:lstStyle/>
+          <a:p>
+            <a:pPr algn="just"/>
+            <a:r>
+              <a:rPr lang="it-IT" sz="1600" dirty="0">
+                <a:solidFill>
+                  <a:schemeClr val="tx1"/>
+                </a:solidFill>
+                <a:latin typeface="Avenir Next LT Pro Light" panose="020B0304020202020204" pitchFamily="34" charset="0"/>
+              </a:rPr>
+              <a:t>Viene eseguita la ricerca dei nomi logici associati al Tag.</a:t>
+            </a:r>
+          </a:p>
+        </p:txBody>
+      </p:sp>
     </p:spTree>
     <p:extLst>
       <p:ext uri="{BB962C8B-B14F-4D97-AF65-F5344CB8AC3E}">
@@ -11784,6 +12279,68 @@
               <a:ea typeface="Calibri" panose="020F0502020204030204" pitchFamily="34" charset="0"/>
               <a:cs typeface="Times New Roman" panose="02020603050405020304" pitchFamily="18" charset="0"/>
             </a:endParaRPr>
+          </a:p>
+        </p:txBody>
+      </p:sp>
+      <p:sp>
+        <p:nvSpPr>
+          <p:cNvPr id="6" name="Rettangolo con angoli arrotondati 5">
+            <a:extLst>
+              <a:ext uri="{FF2B5EF4-FFF2-40B4-BE49-F238E27FC236}">
+                <a16:creationId xmlns:a16="http://schemas.microsoft.com/office/drawing/2014/main" id="{99C6E743-F681-451D-971D-CB146486B754}"/>
+              </a:ext>
+            </a:extLst>
+          </p:cNvPr>
+          <p:cNvSpPr/>
+          <p:nvPr/>
+        </p:nvSpPr>
+        <p:spPr>
+          <a:xfrm>
+            <a:off x="7213315" y="4475810"/>
+            <a:ext cx="2969703" cy="880844"/>
+          </a:xfrm>
+          <a:prstGeom prst="roundRect">
+            <a:avLst/>
+          </a:prstGeom>
+          <a:solidFill>
+            <a:schemeClr val="accent4"/>
+          </a:solidFill>
+          <a:ln>
+            <a:solidFill>
+              <a:schemeClr val="accent4"/>
+            </a:solidFill>
+          </a:ln>
+        </p:spPr>
+        <p:style>
+          <a:lnRef idx="2">
+            <a:schemeClr val="accent1">
+              <a:shade val="50000"/>
+            </a:schemeClr>
+          </a:lnRef>
+          <a:fillRef idx="1">
+            <a:schemeClr val="accent1"/>
+          </a:fillRef>
+          <a:effectRef idx="0">
+            <a:schemeClr val="accent1"/>
+          </a:effectRef>
+          <a:fontRef idx="minor">
+            <a:schemeClr val="lt1"/>
+          </a:fontRef>
+        </p:style>
+        <p:txBody>
+          <a:bodyPr rtlCol="0" anchor="ctr"/>
+          <a:lstStyle/>
+          <a:p>
+            <a:pPr algn="just"/>
+            <a:r>
+              <a:rPr lang="it-IT" sz="1600" dirty="0">
+                <a:solidFill>
+                  <a:schemeClr val="tx1"/>
+                </a:solidFill>
+                <a:latin typeface="Avenir Next LT Pro Light" panose="020B0304020202020204" pitchFamily="34" charset="0"/>
+              </a:rPr>
+              <a:t>Se gli argomenti in input sono quattro, al termine della registrazione si associa il Tag.</a:t>
+            </a:r>
           </a:p>
         </p:txBody>
       </p:sp>
@@ -11995,62 +12552,7 @@
                 <a:ea typeface="Times New Roman" panose="02020603050405020304" pitchFamily="18" charset="0"/>
                 <a:cs typeface="Times New Roman" panose="02020603050405020304" pitchFamily="18" charset="0"/>
               </a:rPr>
-              <a:t> </a:t>
-            </a:r>
-            <a:r>
-              <a:rPr lang="it-IT" sz="1200" dirty="0" err="1">
-                <a:solidFill>
-                  <a:srgbClr val="569CD6"/>
-                </a:solidFill>
-                <a:latin typeface="Consolas" panose="020B0609020204030204" pitchFamily="49" charset="0"/>
-                <a:ea typeface="Times New Roman" panose="02020603050405020304" pitchFamily="18" charset="0"/>
-                <a:cs typeface="Times New Roman" panose="02020603050405020304" pitchFamily="18" charset="0"/>
-              </a:rPr>
-              <a:t>implements</a:t>
-            </a:r>
-            <a:r>
-              <a:rPr lang="it-IT" sz="1200" dirty="0">
-                <a:solidFill>
-                  <a:srgbClr val="D4D4D4"/>
-                </a:solidFill>
-                <a:latin typeface="Consolas" panose="020B0609020204030204" pitchFamily="49" charset="0"/>
-                <a:ea typeface="Times New Roman" panose="02020603050405020304" pitchFamily="18" charset="0"/>
-                <a:cs typeface="Times New Roman" panose="02020603050405020304" pitchFamily="18" charset="0"/>
-              </a:rPr>
-              <a:t> </a:t>
-            </a:r>
-            <a:r>
-              <a:rPr lang="it-IT" sz="1200" dirty="0" err="1">
-                <a:solidFill>
-                  <a:srgbClr val="4EC9B0"/>
-                </a:solidFill>
-                <a:latin typeface="Consolas" panose="020B0609020204030204" pitchFamily="49" charset="0"/>
-                <a:ea typeface="Times New Roman" panose="02020603050405020304" pitchFamily="18" charset="0"/>
-                <a:cs typeface="Times New Roman" panose="02020603050405020304" pitchFamily="18" charset="0"/>
-              </a:rPr>
-              <a:t>Serializable</a:t>
-            </a:r>
-            <a:r>
-              <a:rPr lang="it-IT" sz="1200" dirty="0">
-                <a:solidFill>
-                  <a:srgbClr val="4EC9B0"/>
-                </a:solidFill>
-                <a:latin typeface="Consolas" panose="020B0609020204030204" pitchFamily="49" charset="0"/>
-                <a:ea typeface="Times New Roman" panose="02020603050405020304" pitchFamily="18" charset="0"/>
-                <a:cs typeface="Times New Roman" panose="02020603050405020304" pitchFamily="18" charset="0"/>
-              </a:rPr>
-              <a:t> </a:t>
-            </a:r>
-            <a:r>
-              <a:rPr lang="it-IT" sz="1200" dirty="0">
-                <a:solidFill>
-                  <a:srgbClr val="D4D4D4"/>
-                </a:solidFill>
-                <a:latin typeface="Consolas" panose="020B0609020204030204" pitchFamily="49" charset="0"/>
-                <a:ea typeface="Times New Roman" panose="02020603050405020304" pitchFamily="18" charset="0"/>
-                <a:cs typeface="Times New Roman" panose="02020603050405020304" pitchFamily="18" charset="0"/>
-              </a:rPr>
-              <a:t>{</a:t>
+              <a:t> {</a:t>
             </a:r>
             <a:endParaRPr lang="it-IT" sz="1200" dirty="0">
               <a:latin typeface="Consolas" panose="020B0609020204030204" pitchFamily="49" charset="0"/>
@@ -13855,6 +14357,68 @@
               <a:ea typeface="Calibri" panose="020F0502020204030204" pitchFamily="34" charset="0"/>
               <a:cs typeface="Times New Roman" panose="02020603050405020304" pitchFamily="18" charset="0"/>
             </a:endParaRPr>
+          </a:p>
+        </p:txBody>
+      </p:sp>
+      <p:sp>
+        <p:nvSpPr>
+          <p:cNvPr id="6" name="Rettangolo con angoli arrotondati 5">
+            <a:extLst>
+              <a:ext uri="{FF2B5EF4-FFF2-40B4-BE49-F238E27FC236}">
+                <a16:creationId xmlns:a16="http://schemas.microsoft.com/office/drawing/2014/main" id="{4D6511D9-5CE1-4CC2-ACCC-C7CBD690ED6D}"/>
+              </a:ext>
+            </a:extLst>
+          </p:cNvPr>
+          <p:cNvSpPr/>
+          <p:nvPr/>
+        </p:nvSpPr>
+        <p:spPr>
+          <a:xfrm>
+            <a:off x="6013689" y="2869035"/>
+            <a:ext cx="2969703" cy="810790"/>
+          </a:xfrm>
+          <a:prstGeom prst="roundRect">
+            <a:avLst/>
+          </a:prstGeom>
+          <a:solidFill>
+            <a:schemeClr val="accent4"/>
+          </a:solidFill>
+          <a:ln>
+            <a:solidFill>
+              <a:schemeClr val="accent4"/>
+            </a:solidFill>
+          </a:ln>
+        </p:spPr>
+        <p:style>
+          <a:lnRef idx="2">
+            <a:schemeClr val="accent1">
+              <a:shade val="50000"/>
+            </a:schemeClr>
+          </a:lnRef>
+          <a:fillRef idx="1">
+            <a:schemeClr val="accent1"/>
+          </a:fillRef>
+          <a:effectRef idx="0">
+            <a:schemeClr val="accent1"/>
+          </a:effectRef>
+          <a:fontRef idx="minor">
+            <a:schemeClr val="lt1"/>
+          </a:fontRef>
+        </p:style>
+        <p:txBody>
+          <a:bodyPr rtlCol="0" anchor="ctr"/>
+          <a:lstStyle/>
+          <a:p>
+            <a:pPr algn="just"/>
+            <a:r>
+              <a:rPr lang="it-IT" sz="1600" dirty="0">
+                <a:solidFill>
+                  <a:schemeClr val="tx1"/>
+                </a:solidFill>
+                <a:latin typeface="Avenir Next LT Pro Light" panose="020B0304020202020204" pitchFamily="34" charset="0"/>
+              </a:rPr>
+              <a:t>Le stringhe inserite nell’array corrispondono alle località in cui si svolgono i congressi.</a:t>
+            </a:r>
           </a:p>
         </p:txBody>
       </p:sp>
